--- a/Ideas -- v3.0.pptx
+++ b/Ideas -- v3.0.pptx
@@ -7660,8 +7660,8 @@
         </p:nvSpPr>
         <p:spPr>
           <a:xfrm>
-            <a:off x="2638028" y="3059668"/>
-            <a:ext cx="5832648" cy="369332"/>
+            <a:off x="2061964" y="2812376"/>
+            <a:ext cx="8352928" cy="646331"/>
           </a:xfrm>
           <a:prstGeom prst="rect">
             <a:avLst/>
@@ -7675,10 +7675,16 @@
           <a:lstStyle/>
           <a:p>
             <a:r>
-              <a:rPr lang="en-US" dirty="0"/>
+              <a:rPr lang="en-US" sz="3600" b="1" u="sng" dirty="0">
+                <a:latin typeface="Times New Roman" panose="02020603050405020304" pitchFamily="18" charset="0"/>
+                <a:cs typeface="Times New Roman" panose="02020603050405020304" pitchFamily="18" charset="0"/>
+              </a:rPr>
               <a:t>IDEAS FOR PROBLEM STATEMENT</a:t>
             </a:r>
-            <a:endParaRPr lang="en-IN" dirty="0"/>
+            <a:endParaRPr lang="en-IN" sz="3600" b="1" u="sng" dirty="0">
+              <a:latin typeface="Times New Roman" panose="02020603050405020304" pitchFamily="18" charset="0"/>
+              <a:cs typeface="Times New Roman" panose="02020603050405020304" pitchFamily="18" charset="0"/>
+            </a:endParaRPr>
           </a:p>
         </p:txBody>
       </p:sp>

--- a/Ideas -- v3.0.pptx
+++ b/Ideas -- v3.0.pptx
@@ -7730,6 +7730,41 @@
           <a:chExt cx="0" cy="0"/>
         </a:xfrm>
       </p:grpSpPr>
+      <p:sp>
+        <p:nvSpPr>
+          <p:cNvPr id="2" name="TextBox 1">
+            <a:extLst>
+              <a:ext uri="{FF2B5EF4-FFF2-40B4-BE49-F238E27FC236}">
+                <a16:creationId xmlns:a16="http://schemas.microsoft.com/office/drawing/2014/main" id="{DFB5084A-7A60-4A4F-8EB7-AD2336963883}"/>
+              </a:ext>
+            </a:extLst>
+          </p:cNvPr>
+          <p:cNvSpPr txBox="1"/>
+          <p:nvPr/>
+        </p:nvSpPr>
+        <p:spPr>
+          <a:xfrm>
+            <a:off x="8974732" y="6093296"/>
+            <a:ext cx="2304256" cy="369332"/>
+          </a:xfrm>
+          <a:prstGeom prst="rect">
+            <a:avLst/>
+          </a:prstGeom>
+          <a:noFill/>
+        </p:spPr>
+        <p:txBody>
+          <a:bodyPr wrap="square" rtlCol="0">
+            <a:spAutoFit/>
+          </a:bodyPr>
+          <a:lstStyle/>
+          <a:p>
+            <a:r>
+              <a:rPr lang="en-IN" dirty="0"/>
+              <a:t>Abhishek Rao</a:t>
+            </a:r>
+          </a:p>
+        </p:txBody>
+      </p:sp>
     </p:spTree>
     <p:extLst>
       <p:ext uri="{BB962C8B-B14F-4D97-AF65-F5344CB8AC3E}">

--- a/Ideas -- v3.0.pptx
+++ b/Ideas -- v3.0.pptx
@@ -1,19 +1,19 @@
 
 <file path=ppt/presentation.xml><?xml version="1.0" encoding="utf-8"?>
-<p:presentation xmlns:a="http://schemas.openxmlformats.org/drawingml/2006/main" xmlns:r="http://schemas.openxmlformats.org/officeDocument/2006/relationships" xmlns:p="http://schemas.openxmlformats.org/presentationml/2006/main" saveSubsetFonts="1" autoCompressPictures="0">
+<p:presentation xmlns:a="http://schemas.openxmlformats.org/drawingml/2006/main" xmlns:r="http://schemas.openxmlformats.org/officeDocument/2006/relationships" xmlns:p="http://schemas.openxmlformats.org/presentationml/2006/main" autoCompressPictures="0">
   <p:sldMasterIdLst>
     <p:sldMasterId id="2147483648" r:id="rId1"/>
   </p:sldMasterIdLst>
   <p:notesMasterIdLst>
-    <p:notesMasterId r:id="rId5"/>
+    <p:notesMasterId r:id="rId6"/>
   </p:notesMasterIdLst>
   <p:handoutMasterIdLst>
-    <p:handoutMasterId r:id="rId6"/>
+    <p:handoutMasterId r:id="rId7"/>
   </p:handoutMasterIdLst>
   <p:sldIdLst>
-    <p:sldId id="262" r:id="rId2"/>
-    <p:sldId id="263" r:id="rId3"/>
-    <p:sldId id="264" r:id="rId4"/>
+    <p:sldId id="262" r:id="rId3"/>
+    <p:sldId id="263" r:id="rId4"/>
+    <p:sldId id="264" r:id="rId5"/>
   </p:sldIdLst>
   <p:sldSz cx="12188825" cy="6858000"/>
   <p:notesSz cx="6858000" cy="9144000"/>
@@ -112,41 +112,6 @@
       </a:defRPr>
     </a:lvl9pPr>
   </p:defaultTextStyle>
-  <p:extLst>
-    <p:ext uri="{EFAFB233-063F-42B5-8137-9DF3F51BA10A}">
-      <p15:sldGuideLst xmlns:p15="http://schemas.microsoft.com/office/powerpoint/2012/main">
-        <p15:guide id="1" orient="horz" pos="2160">
-          <p15:clr>
-            <a:srgbClr val="A4A3A4"/>
-          </p15:clr>
-        </p15:guide>
-        <p15:guide id="5" pos="3839">
-          <p15:clr>
-            <a:srgbClr val="A4A3A4"/>
-          </p15:clr>
-        </p15:guide>
-        <p15:guide id="6" pos="1007">
-          <p15:clr>
-            <a:srgbClr val="A4A3A4"/>
-          </p15:clr>
-        </p15:guide>
-      </p15:sldGuideLst>
-    </p:ext>
-    <p:ext uri="{2D200454-40CA-4A62-9FC3-DE9A4176ACB9}">
-      <p15:notesGuideLst xmlns:p15="http://schemas.microsoft.com/office/powerpoint/2012/main">
-        <p15:guide id="1" orient="horz" pos="2880">
-          <p15:clr>
-            <a:srgbClr val="A4A3A4"/>
-          </p15:clr>
-        </p15:guide>
-        <p15:guide id="2" pos="2160">
-          <p15:clr>
-            <a:srgbClr val="A4A3A4"/>
-          </p15:clr>
-        </p15:guide>
-      </p15:notesGuideLst>
-    </p:ext>
-  </p:extLst>
 </p:presentation>
 </file>
 
@@ -232,7 +197,6 @@
           <a:p>
             <a:fld id="{BDB7646E-8811-423A-9C42-2CBFADA00A96}" type="datetimeFigureOut">
               <a:rPr lang="en-US" smtClean="0"/>
-              <a:t>10/5/2020</a:t>
             </a:fld>
             <a:endParaRPr lang="en-US"/>
           </a:p>
@@ -298,18 +262,12 @@
           <a:p>
             <a:fld id="{04360E59-1627-4404-ACC5-51C744AB0F27}" type="slidenum">
               <a:rPr lang="en-US" smtClean="0"/>
-              <a:t>‹#›</a:t>
             </a:fld>
             <a:endParaRPr lang="en-US"/>
           </a:p>
         </p:txBody>
       </p:sp>
     </p:spTree>
-    <p:extLst>
-      <p:ext uri="{BB962C8B-B14F-4D97-AF65-F5344CB8AC3E}">
-        <p14:creationId xmlns:p14="http://schemas.microsoft.com/office/powerpoint/2010/main" val="516225429"/>
-      </p:ext>
-    </p:extLst>
   </p:cSld>
   <p:clrMap bg1="lt1" tx1="dk1" bg2="lt2" tx2="dk2" accent1="accent1" accent2="accent2" accent3="accent3" accent4="accent4" accent5="accent5" accent6="accent6" hlink="hlink" folHlink="folHlink"/>
 </p:handoutMaster>
@@ -405,8 +363,6 @@
           <a:p>
             <a:fld id="{D677E230-58DD-43ED-96A1-552DDAB53532}" type="datetimeFigureOut">
               <a:rPr lang="en-US" smtClean="0"/>
-              <a:pPr/>
-              <a:t>10/5/2020</a:t>
             </a:fld>
             <a:endParaRPr lang="en-US"/>
           </a:p>
@@ -473,6 +429,7 @@
               <a:rPr lang="en-US"/>
               <a:t>Click to edit Master text styles</a:t>
             </a:r>
+            <a:endParaRPr lang="en-US"/>
           </a:p>
           <a:p>
             <a:pPr lvl="1"/>
@@ -480,6 +437,7 @@
               <a:rPr lang="en-US"/>
               <a:t>Second level</a:t>
             </a:r>
+            <a:endParaRPr lang="en-US"/>
           </a:p>
           <a:p>
             <a:pPr lvl="2"/>
@@ -487,6 +445,7 @@
               <a:rPr lang="en-US"/>
               <a:t>Third level</a:t>
             </a:r>
+            <a:endParaRPr lang="en-US"/>
           </a:p>
           <a:p>
             <a:pPr lvl="3"/>
@@ -494,6 +453,7 @@
               <a:rPr lang="en-US"/>
               <a:t>Fourth level</a:t>
             </a:r>
+            <a:endParaRPr lang="en-US"/>
           </a:p>
           <a:p>
             <a:pPr lvl="4"/>
@@ -501,6 +461,7 @@
               <a:rPr lang="en-US"/>
               <a:t>Fifth level</a:t>
             </a:r>
+            <a:endParaRPr lang="en-US"/>
           </a:p>
         </p:txBody>
       </p:sp>
@@ -572,19 +533,12 @@
           <a:p>
             <a:fld id="{841221E5-7225-48EB-A4EE-420E7BFCF705}" type="slidenum">
               <a:rPr lang="en-US" smtClean="0"/>
-              <a:pPr/>
-              <a:t>‹#›</a:t>
             </a:fld>
             <a:endParaRPr lang="en-US"/>
           </a:p>
         </p:txBody>
       </p:sp>
     </p:spTree>
-    <p:extLst>
-      <p:ext uri="{BB962C8B-B14F-4D97-AF65-F5344CB8AC3E}">
-        <p14:creationId xmlns:p14="http://schemas.microsoft.com/office/powerpoint/2010/main" val="1556669918"/>
-      </p:ext>
-    </p:extLst>
   </p:cSld>
   <p:clrMap bg1="lt1" tx1="dk1" bg2="lt2" tx2="dk2" accent1="accent1" accent2="accent2" accent3="accent3" accent4="accent4" accent5="accent5" accent6="accent6" hlink="hlink" folHlink="folHlink"/>
   <p:notesStyle>
@@ -683,7 +637,7 @@
 </file>
 
 <file path=ppt/slideLayouts/slideLayout1.xml><?xml version="1.0" encoding="utf-8"?>
-<p:sldLayout xmlns:a="http://schemas.openxmlformats.org/drawingml/2006/main" xmlns:r="http://schemas.openxmlformats.org/officeDocument/2006/relationships" xmlns:p="http://schemas.openxmlformats.org/presentationml/2006/main" showMasterSp="0" type="title" preserve="1">
+<p:sldLayout xmlns:a="http://schemas.openxmlformats.org/drawingml/2006/main" xmlns:r="http://schemas.openxmlformats.org/officeDocument/2006/relationships" xmlns:p="http://schemas.openxmlformats.org/presentationml/2006/main" type="title" preserve="1" showMasterSp="0">
   <p:cSld name="Title Slide">
     <p:spTree>
       <p:nvGrpSpPr>
@@ -741,7 +695,6 @@
           <a:lstStyle/>
           <a:p>
             <a:pPr algn="ctr"/>
-            <a:endParaRPr/>
           </a:p>
         </p:txBody>
       </p:sp>
@@ -789,7 +742,6 @@
           <a:lstStyle/>
           <a:p>
             <a:pPr algn="ctr"/>
-            <a:endParaRPr/>
           </a:p>
         </p:txBody>
       </p:sp>
@@ -835,7 +787,6 @@
           <a:lstStyle/>
           <a:p>
             <a:pPr algn="ctr"/>
-            <a:endParaRPr/>
           </a:p>
         </p:txBody>
       </p:sp>
@@ -883,7 +834,6 @@
           <a:lstStyle/>
           <a:p>
             <a:pPr algn="ctr"/>
-            <a:endParaRPr/>
           </a:p>
         </p:txBody>
       </p:sp>
@@ -932,7 +882,6 @@
           <a:lstStyle/>
           <a:p>
             <a:pPr algn="ctr"/>
-            <a:endParaRPr/>
           </a:p>
         </p:txBody>
       </p:sp>
@@ -1016,7 +965,6 @@
           <a:lstStyle/>
           <a:p>
             <a:pPr algn="ctr"/>
-            <a:endParaRPr/>
           </a:p>
         </p:txBody>
       </p:sp>
@@ -1093,9 +1041,7 @@
       <p:sp>
         <p:nvSpPr>
           <p:cNvPr id="17" name="Pi"/>
-          <p:cNvSpPr>
-            <a:spLocks/>
-          </p:cNvSpPr>
+          <p:cNvSpPr/>
           <p:nvPr/>
         </p:nvSpPr>
         <p:spPr bwMode="white">
@@ -1405,15 +1351,9 @@
           </a:ln>
         </p:spPr>
         <p:txBody>
-          <a:bodyPr vert="horz" wrap="square" lIns="121899" tIns="60949" rIns="121899" bIns="60949" numCol="1" anchor="t" anchorCtr="0" compatLnSpc="1">
-            <a:prstTxWarp prst="textNoShape">
-              <a:avLst/>
-            </a:prstTxWarp>
-          </a:bodyPr>
+          <a:bodyPr vert="horz" wrap="square" lIns="121899" tIns="60949" rIns="121899" bIns="60949" numCol="1" anchor="t" anchorCtr="0" compatLnSpc="1"/>
           <a:lstStyle/>
-          <a:p>
-            <a:endParaRPr/>
-          </a:p>
+          <a:p/>
         </p:txBody>
       </p:sp>
       <p:sp>
@@ -1446,7 +1386,7 @@
               <a:rPr lang="en-US"/>
               <a:t>Click to edit Master title style</a:t>
             </a:r>
-            <a:endParaRPr/>
+            <a:endParaRPr lang="en-US"/>
           </a:p>
         </p:txBody>
       </p:sp>
@@ -1568,7 +1508,7 @@
               <a:rPr lang="en-US"/>
               <a:t>Click to edit Master subtitle style</a:t>
             </a:r>
-            <a:endParaRPr/>
+            <a:endParaRPr lang="en-US"/>
           </a:p>
         </p:txBody>
       </p:sp>
@@ -1597,8 +1537,6 @@
           <a:p>
             <a:fld id="{C2C6F8EA-316C-41DE-B9A4-EDCC3A85ED9A}" type="datetimeFigureOut">
               <a:rPr lang="en-US" smtClean="0"/>
-              <a:pPr/>
-              <a:t>10/5/2020</a:t>
             </a:fld>
             <a:endParaRPr lang="en-US" dirty="0"/>
           </a:p>
@@ -1665,30 +1603,23 @@
           <a:p>
             <a:fld id="{7DC1BBB0-96F0-4077-A278-0F3FB5C104D3}" type="slidenum">
               <a:rPr lang="en-US" smtClean="0"/>
-              <a:pPr/>
-              <a:t>‹#›</a:t>
             </a:fld>
             <a:endParaRPr lang="en-US"/>
           </a:p>
         </p:txBody>
       </p:sp>
     </p:spTree>
-    <p:extLst>
-      <p:ext uri="{BB962C8B-B14F-4D97-AF65-F5344CB8AC3E}">
-        <p14:creationId xmlns:p14="http://schemas.microsoft.com/office/powerpoint/2010/main" val="3817955988"/>
-      </p:ext>
-    </p:extLst>
   </p:cSld>
   <p:clrMapOvr>
     <a:masterClrMapping/>
   </p:clrMapOvr>
-  <mc:AlternateContent xmlns:mc="http://schemas.openxmlformats.org/markup-compatibility/2006" xmlns:p14="http://schemas.microsoft.com/office/powerpoint/2010/main">
-    <mc:Choice Requires="p14">
+  <mc:AlternateContent xmlns:mc="http://schemas.openxmlformats.org/markup-compatibility/2006">
+    <mc:Choice xmlns:p14="http://schemas.microsoft.com/office/powerpoint/2010/main" Requires="p14">
       <p:transition spd="med" p14:dur="700">
         <p:fade/>
       </p:transition>
     </mc:Choice>
-    <mc:Fallback xmlns="">
+    <mc:Fallback>
       <p:transition spd="med">
         <p:fade/>
       </p:transition>
@@ -1733,7 +1664,7 @@
               <a:rPr lang="en-US"/>
               <a:t>Click to edit Master title style</a:t>
             </a:r>
-            <a:endParaRPr/>
+            <a:endParaRPr lang="en-US"/>
           </a:p>
         </p:txBody>
       </p:sp>
@@ -1773,6 +1704,7 @@
               <a:rPr lang="en-US"/>
               <a:t>Click to edit Master text styles</a:t>
             </a:r>
+            <a:endParaRPr lang="en-US"/>
           </a:p>
           <a:p>
             <a:pPr lvl="1"/>
@@ -1780,6 +1712,7 @@
               <a:rPr lang="en-US"/>
               <a:t>Second level</a:t>
             </a:r>
+            <a:endParaRPr lang="en-US"/>
           </a:p>
           <a:p>
             <a:pPr lvl="2"/>
@@ -1787,6 +1720,7 @@
               <a:rPr lang="en-US"/>
               <a:t>Third level</a:t>
             </a:r>
+            <a:endParaRPr lang="en-US"/>
           </a:p>
           <a:p>
             <a:pPr lvl="3"/>
@@ -1794,6 +1728,7 @@
               <a:rPr lang="en-US"/>
               <a:t>Fourth level</a:t>
             </a:r>
+            <a:endParaRPr lang="en-US"/>
           </a:p>
           <a:p>
             <a:pPr lvl="4"/>
@@ -1801,7 +1736,7 @@
               <a:rPr lang="en-US"/>
               <a:t>Fifth level</a:t>
             </a:r>
-            <a:endParaRPr/>
+            <a:endParaRPr lang="en-US"/>
           </a:p>
         </p:txBody>
       </p:sp>
@@ -1822,9 +1757,8 @@
           <a:p>
             <a:fld id="{C2C6F8EA-316C-41DE-B9A4-EDCC3A85ED9A}" type="datetimeFigureOut">
               <a:rPr lang="en-US"/>
-              <a:t>10/5/2020</a:t>
             </a:fld>
-            <a:endParaRPr/>
+            <a:endParaRPr lang="en-US"/>
           </a:p>
         </p:txBody>
       </p:sp>
@@ -1868,29 +1802,23 @@
           <a:p>
             <a:fld id="{7DC1BBB0-96F0-4077-A278-0F3FB5C104D3}" type="slidenum">
               <a:rPr/>
-              <a:t>‹#›</a:t>
             </a:fld>
             <a:endParaRPr/>
           </a:p>
         </p:txBody>
       </p:sp>
     </p:spTree>
-    <p:extLst>
-      <p:ext uri="{BB962C8B-B14F-4D97-AF65-F5344CB8AC3E}">
-        <p14:creationId xmlns:p14="http://schemas.microsoft.com/office/powerpoint/2010/main" val="2040880889"/>
-      </p:ext>
-    </p:extLst>
   </p:cSld>
   <p:clrMapOvr>
     <a:masterClrMapping/>
   </p:clrMapOvr>
-  <mc:AlternateContent xmlns:mc="http://schemas.openxmlformats.org/markup-compatibility/2006" xmlns:p14="http://schemas.microsoft.com/office/powerpoint/2010/main">
-    <mc:Choice Requires="p14">
+  <mc:AlternateContent xmlns:mc="http://schemas.openxmlformats.org/markup-compatibility/2006">
+    <mc:Choice xmlns:p14="http://schemas.microsoft.com/office/powerpoint/2010/main" Requires="p14">
       <p:transition spd="med" p14:dur="700">
         <p:fade/>
       </p:transition>
     </mc:Choice>
-    <mc:Fallback xmlns="">
+    <mc:Fallback>
       <p:transition spd="med">
         <p:fade/>
       </p:transition>
@@ -1900,7 +1828,7 @@
 </file>
 
 <file path=ppt/slideLayouts/slideLayout11.xml><?xml version="1.0" encoding="utf-8"?>
-<p:sldLayout xmlns:a="http://schemas.openxmlformats.org/drawingml/2006/main" xmlns:r="http://schemas.openxmlformats.org/officeDocument/2006/relationships" xmlns:p="http://schemas.openxmlformats.org/presentationml/2006/main" showMasterSp="0" type="vertTitleAndTx" preserve="1">
+<p:sldLayout xmlns:a="http://schemas.openxmlformats.org/drawingml/2006/main" xmlns:r="http://schemas.openxmlformats.org/officeDocument/2006/relationships" xmlns:p="http://schemas.openxmlformats.org/presentationml/2006/main" type="vertTitleAndTx" preserve="1" showMasterSp="0">
   <p:cSld name="Vertical Title and Text">
     <p:spTree>
       <p:nvGrpSpPr>
@@ -1961,7 +1889,6 @@
           <a:lstStyle/>
           <a:p>
             <a:pPr lvl="0" algn="ctr"/>
-            <a:endParaRPr/>
           </a:p>
         </p:txBody>
       </p:sp>
@@ -2007,7 +1934,6 @@
           <a:lstStyle/>
           <a:p>
             <a:pPr algn="ctr"/>
-            <a:endParaRPr/>
           </a:p>
         </p:txBody>
       </p:sp>
@@ -2056,7 +1982,6 @@
           <a:lstStyle/>
           <a:p>
             <a:pPr algn="ctr"/>
-            <a:endParaRPr/>
           </a:p>
         </p:txBody>
       </p:sp>
@@ -2105,7 +2030,6 @@
           <a:lstStyle/>
           <a:p>
             <a:pPr algn="ctr"/>
-            <a:endParaRPr/>
           </a:p>
         </p:txBody>
       </p:sp>
@@ -2182,9 +2106,7 @@
       <p:sp>
         <p:nvSpPr>
           <p:cNvPr id="13" name="Pi"/>
-          <p:cNvSpPr>
-            <a:spLocks/>
-          </p:cNvSpPr>
+          <p:cNvSpPr/>
           <p:nvPr/>
         </p:nvSpPr>
         <p:spPr bwMode="white">
@@ -2492,15 +2414,9 @@
           </a:ln>
         </p:spPr>
         <p:txBody>
-          <a:bodyPr vert="horz" wrap="square" lIns="91440" tIns="45720" rIns="91440" bIns="45720" numCol="1" anchor="t" anchorCtr="0" compatLnSpc="1">
-            <a:prstTxWarp prst="textNoShape">
-              <a:avLst/>
-            </a:prstTxWarp>
-          </a:bodyPr>
+          <a:bodyPr vert="horz" wrap="square" lIns="91440" tIns="45720" rIns="91440" bIns="45720" numCol="1" anchor="t" anchorCtr="0" compatLnSpc="1"/>
           <a:lstStyle/>
-          <a:p>
-            <a:endParaRPr/>
-          </a:p>
+          <a:p/>
         </p:txBody>
       </p:sp>
       <p:cxnSp>
@@ -2562,7 +2478,7 @@
               <a:rPr lang="en-US"/>
               <a:t>Click to edit Master title style</a:t>
             </a:r>
-            <a:endParaRPr/>
+            <a:endParaRPr lang="en-US"/>
           </a:p>
         </p:txBody>
       </p:sp>
@@ -2591,6 +2507,7 @@
               <a:rPr lang="en-US"/>
               <a:t>Click to edit Master text styles</a:t>
             </a:r>
+            <a:endParaRPr lang="en-US"/>
           </a:p>
           <a:p>
             <a:pPr lvl="1"/>
@@ -2598,6 +2515,7 @@
               <a:rPr lang="en-US"/>
               <a:t>Second level</a:t>
             </a:r>
+            <a:endParaRPr lang="en-US"/>
           </a:p>
           <a:p>
             <a:pPr lvl="2"/>
@@ -2605,6 +2523,7 @@
               <a:rPr lang="en-US"/>
               <a:t>Third level</a:t>
             </a:r>
+            <a:endParaRPr lang="en-US"/>
           </a:p>
           <a:p>
             <a:pPr lvl="3"/>
@@ -2612,6 +2531,7 @@
               <a:rPr lang="en-US"/>
               <a:t>Fourth level</a:t>
             </a:r>
+            <a:endParaRPr lang="en-US"/>
           </a:p>
           <a:p>
             <a:pPr lvl="4"/>
@@ -2619,7 +2539,7 @@
               <a:rPr lang="en-US"/>
               <a:t>Fifth level</a:t>
             </a:r>
-            <a:endParaRPr/>
+            <a:endParaRPr lang="en-US"/>
           </a:p>
         </p:txBody>
       </p:sp>
@@ -2640,9 +2560,8 @@
           <a:p>
             <a:fld id="{C2C6F8EA-316C-41DE-B9A4-EDCC3A85ED9A}" type="datetimeFigureOut">
               <a:rPr lang="en-US"/>
-              <a:t>10/5/2020</a:t>
             </a:fld>
-            <a:endParaRPr/>
+            <a:endParaRPr lang="en-US"/>
           </a:p>
         </p:txBody>
       </p:sp>
@@ -2686,29 +2605,23 @@
           <a:p>
             <a:fld id="{7DC1BBB0-96F0-4077-A278-0F3FB5C104D3}" type="slidenum">
               <a:rPr/>
-              <a:t>‹#›</a:t>
             </a:fld>
             <a:endParaRPr/>
           </a:p>
         </p:txBody>
       </p:sp>
     </p:spTree>
-    <p:extLst>
-      <p:ext uri="{BB962C8B-B14F-4D97-AF65-F5344CB8AC3E}">
-        <p14:creationId xmlns:p14="http://schemas.microsoft.com/office/powerpoint/2010/main" val="612817689"/>
-      </p:ext>
-    </p:extLst>
   </p:cSld>
   <p:clrMapOvr>
     <a:masterClrMapping/>
   </p:clrMapOvr>
-  <mc:AlternateContent xmlns:mc="http://schemas.openxmlformats.org/markup-compatibility/2006" xmlns:p14="http://schemas.microsoft.com/office/powerpoint/2010/main">
-    <mc:Choice Requires="p14">
+  <mc:AlternateContent xmlns:mc="http://schemas.openxmlformats.org/markup-compatibility/2006">
+    <mc:Choice xmlns:p14="http://schemas.microsoft.com/office/powerpoint/2010/main" Requires="p14">
       <p:transition spd="med" p14:dur="700">
         <p:fade/>
       </p:transition>
     </mc:Choice>
-    <mc:Fallback xmlns="">
+    <mc:Fallback>
       <p:transition spd="med">
         <p:fade/>
       </p:transition>
@@ -2753,7 +2666,7 @@
               <a:rPr lang="en-US"/>
               <a:t>Click to edit Master title style</a:t>
             </a:r>
-            <a:endParaRPr/>
+            <a:endParaRPr lang="en-US"/>
           </a:p>
         </p:txBody>
       </p:sp>
@@ -2793,6 +2706,7 @@
               <a:rPr lang="en-US"/>
               <a:t>Click to edit Master text styles</a:t>
             </a:r>
+            <a:endParaRPr lang="en-US"/>
           </a:p>
           <a:p>
             <a:pPr lvl="1"/>
@@ -2800,6 +2714,7 @@
               <a:rPr lang="en-US"/>
               <a:t>Second level</a:t>
             </a:r>
+            <a:endParaRPr lang="en-US"/>
           </a:p>
           <a:p>
             <a:pPr lvl="2"/>
@@ -2807,6 +2722,7 @@
               <a:rPr lang="en-US"/>
               <a:t>Third level</a:t>
             </a:r>
+            <a:endParaRPr lang="en-US"/>
           </a:p>
           <a:p>
             <a:pPr lvl="3"/>
@@ -2814,6 +2730,7 @@
               <a:rPr lang="en-US"/>
               <a:t>Fourth level</a:t>
             </a:r>
+            <a:endParaRPr lang="en-US"/>
           </a:p>
           <a:p>
             <a:pPr lvl="4"/>
@@ -2842,7 +2759,6 @@
           <a:p>
             <a:fld id="{C2C6F8EA-316C-41DE-B9A4-EDCC3A85ED9A}" type="datetimeFigureOut">
               <a:rPr lang="en-US"/>
-              <a:t>10/5/2020</a:t>
             </a:fld>
             <a:endParaRPr dirty="0"/>
           </a:p>
@@ -2888,29 +2804,23 @@
           <a:p>
             <a:fld id="{7DC1BBB0-96F0-4077-A278-0F3FB5C104D3}" type="slidenum">
               <a:rPr/>
-              <a:t>‹#›</a:t>
             </a:fld>
             <a:endParaRPr/>
           </a:p>
         </p:txBody>
       </p:sp>
     </p:spTree>
-    <p:extLst>
-      <p:ext uri="{BB962C8B-B14F-4D97-AF65-F5344CB8AC3E}">
-        <p14:creationId xmlns:p14="http://schemas.microsoft.com/office/powerpoint/2010/main" val="2185532848"/>
-      </p:ext>
-    </p:extLst>
   </p:cSld>
   <p:clrMapOvr>
     <a:masterClrMapping/>
   </p:clrMapOvr>
-  <mc:AlternateContent xmlns:mc="http://schemas.openxmlformats.org/markup-compatibility/2006" xmlns:p14="http://schemas.microsoft.com/office/powerpoint/2010/main">
-    <mc:Choice Requires="p14">
+  <mc:AlternateContent xmlns:mc="http://schemas.openxmlformats.org/markup-compatibility/2006">
+    <mc:Choice xmlns:p14="http://schemas.microsoft.com/office/powerpoint/2010/main" Requires="p14">
       <p:transition spd="med" p14:dur="700">
         <p:fade/>
       </p:transition>
     </mc:Choice>
-    <mc:Fallback xmlns="">
+    <mc:Fallback>
       <p:transition spd="med">
         <p:fade/>
       </p:transition>
@@ -2920,7 +2830,7 @@
 </file>
 
 <file path=ppt/slideLayouts/slideLayout3.xml><?xml version="1.0" encoding="utf-8"?>
-<p:sldLayout xmlns:a="http://schemas.openxmlformats.org/drawingml/2006/main" xmlns:r="http://schemas.openxmlformats.org/officeDocument/2006/relationships" xmlns:p="http://schemas.openxmlformats.org/presentationml/2006/main" showMasterSp="0" type="secHead" preserve="1">
+<p:sldLayout xmlns:a="http://schemas.openxmlformats.org/drawingml/2006/main" xmlns:r="http://schemas.openxmlformats.org/officeDocument/2006/relationships" xmlns:p="http://schemas.openxmlformats.org/presentationml/2006/main" type="secHead" preserve="1" showMasterSp="0">
   <p:cSld name="Section Header">
     <p:spTree>
       <p:nvGrpSpPr>
@@ -2978,7 +2888,6 @@
           <a:lstStyle/>
           <a:p>
             <a:pPr algn="ctr"/>
-            <a:endParaRPr/>
           </a:p>
         </p:txBody>
       </p:sp>
@@ -3026,7 +2935,6 @@
           <a:lstStyle/>
           <a:p>
             <a:pPr algn="ctr"/>
-            <a:endParaRPr/>
           </a:p>
         </p:txBody>
       </p:sp>
@@ -3072,7 +2980,6 @@
           <a:lstStyle/>
           <a:p>
             <a:pPr algn="ctr"/>
-            <a:endParaRPr/>
           </a:p>
         </p:txBody>
       </p:sp>
@@ -3121,7 +3028,6 @@
           <a:lstStyle/>
           <a:p>
             <a:pPr algn="ctr"/>
-            <a:endParaRPr/>
           </a:p>
         </p:txBody>
       </p:sp>
@@ -3205,16 +3111,13 @@
           <a:lstStyle/>
           <a:p>
             <a:pPr algn="ctr"/>
-            <a:endParaRPr/>
           </a:p>
         </p:txBody>
       </p:sp>
       <p:sp>
         <p:nvSpPr>
           <p:cNvPr id="18" name="Pi"/>
-          <p:cNvSpPr>
-            <a:spLocks/>
-          </p:cNvSpPr>
+          <p:cNvSpPr/>
           <p:nvPr/>
         </p:nvSpPr>
         <p:spPr bwMode="white">
@@ -3524,15 +3427,9 @@
           </a:ln>
         </p:spPr>
         <p:txBody>
-          <a:bodyPr vert="horz" wrap="square" lIns="121899" tIns="60949" rIns="121899" bIns="60949" numCol="1" anchor="t" anchorCtr="0" compatLnSpc="1">
-            <a:prstTxWarp prst="textNoShape">
-              <a:avLst/>
-            </a:prstTxWarp>
-          </a:bodyPr>
+          <a:bodyPr vert="horz" wrap="square" lIns="121899" tIns="60949" rIns="121899" bIns="60949" numCol="1" anchor="t" anchorCtr="0" compatLnSpc="1"/>
           <a:lstStyle/>
-          <a:p>
-            <a:endParaRPr/>
-          </a:p>
+          <a:p/>
         </p:txBody>
       </p:sp>
       <p:cxnSp>
@@ -3612,7 +3509,6 @@
           <a:lstStyle/>
           <a:p>
             <a:pPr algn="ctr"/>
-            <a:endParaRPr/>
           </a:p>
         </p:txBody>
       </p:sp>
@@ -3660,7 +3556,6 @@
           <a:lstStyle/>
           <a:p>
             <a:pPr algn="ctr"/>
-            <a:endParaRPr/>
           </a:p>
         </p:txBody>
       </p:sp>
@@ -3706,7 +3601,6 @@
           <a:lstStyle/>
           <a:p>
             <a:pPr algn="ctr"/>
-            <a:endParaRPr/>
           </a:p>
         </p:txBody>
       </p:sp>
@@ -3754,7 +3648,6 @@
           <a:lstStyle/>
           <a:p>
             <a:pPr algn="ctr"/>
-            <a:endParaRPr/>
           </a:p>
         </p:txBody>
       </p:sp>
@@ -3803,7 +3696,6 @@
           <a:lstStyle/>
           <a:p>
             <a:pPr algn="ctr"/>
-            <a:endParaRPr/>
           </a:p>
         </p:txBody>
       </p:sp>
@@ -3887,7 +3779,6 @@
           <a:lstStyle/>
           <a:p>
             <a:pPr algn="ctr"/>
-            <a:endParaRPr/>
           </a:p>
         </p:txBody>
       </p:sp>
@@ -3956,7 +3847,7 @@
               <a:rPr lang="en-US"/>
               <a:t>Click to edit Master title style</a:t>
             </a:r>
-            <a:endParaRPr/>
+            <a:endParaRPr lang="en-US"/>
           </a:p>
         </p:txBody>
       </p:sp>
@@ -4079,6 +3970,7 @@
               <a:rPr lang="en-US"/>
               <a:t>Click to edit Master text styles</a:t>
             </a:r>
+            <a:endParaRPr lang="en-US"/>
           </a:p>
         </p:txBody>
       </p:sp>
@@ -4107,8 +3999,6 @@
           <a:p>
             <a:fld id="{C2C6F8EA-316C-41DE-B9A4-EDCC3A85ED9A}" type="datetimeFigureOut">
               <a:rPr lang="en-US" smtClean="0"/>
-              <a:pPr/>
-              <a:t>10/5/2020</a:t>
             </a:fld>
             <a:endParaRPr lang="en-US" dirty="0"/>
           </a:p>
@@ -4175,30 +4065,23 @@
           <a:p>
             <a:fld id="{7DC1BBB0-96F0-4077-A278-0F3FB5C104D3}" type="slidenum">
               <a:rPr lang="en-US" smtClean="0"/>
-              <a:pPr/>
-              <a:t>‹#›</a:t>
             </a:fld>
             <a:endParaRPr lang="en-US"/>
           </a:p>
         </p:txBody>
       </p:sp>
     </p:spTree>
-    <p:extLst>
-      <p:ext uri="{BB962C8B-B14F-4D97-AF65-F5344CB8AC3E}">
-        <p14:creationId xmlns:p14="http://schemas.microsoft.com/office/powerpoint/2010/main" val="3234467543"/>
-      </p:ext>
-    </p:extLst>
   </p:cSld>
   <p:clrMapOvr>
     <a:masterClrMapping/>
   </p:clrMapOvr>
-  <mc:AlternateContent xmlns:mc="http://schemas.openxmlformats.org/markup-compatibility/2006" xmlns:p14="http://schemas.microsoft.com/office/powerpoint/2010/main">
-    <mc:Choice Requires="p14">
+  <mc:AlternateContent xmlns:mc="http://schemas.openxmlformats.org/markup-compatibility/2006">
+    <mc:Choice xmlns:p14="http://schemas.microsoft.com/office/powerpoint/2010/main" Requires="p14">
       <p:transition spd="med" p14:dur="700">
         <p:fade/>
       </p:transition>
     </mc:Choice>
-    <mc:Fallback xmlns="">
+    <mc:Fallback>
       <p:transition spd="med">
         <p:fade/>
       </p:transition>
@@ -4243,7 +4126,7 @@
               <a:rPr lang="en-US"/>
               <a:t>Click to edit Master title style</a:t>
             </a:r>
-            <a:endParaRPr/>
+            <a:endParaRPr lang="en-US"/>
           </a:p>
         </p:txBody>
       </p:sp>
@@ -4300,6 +4183,7 @@
               <a:rPr lang="en-US"/>
               <a:t>Click to edit Master text styles</a:t>
             </a:r>
+            <a:endParaRPr lang="en-US"/>
           </a:p>
           <a:p>
             <a:pPr lvl="1"/>
@@ -4307,6 +4191,7 @@
               <a:rPr lang="en-US"/>
               <a:t>Second level</a:t>
             </a:r>
+            <a:endParaRPr lang="en-US"/>
           </a:p>
           <a:p>
             <a:pPr lvl="2"/>
@@ -4314,6 +4199,7 @@
               <a:rPr lang="en-US"/>
               <a:t>Third level</a:t>
             </a:r>
+            <a:endParaRPr lang="en-US"/>
           </a:p>
           <a:p>
             <a:pPr lvl="3"/>
@@ -4321,6 +4207,7 @@
               <a:rPr lang="en-US"/>
               <a:t>Fourth level</a:t>
             </a:r>
+            <a:endParaRPr lang="en-US"/>
           </a:p>
           <a:p>
             <a:pPr lvl="4"/>
@@ -4328,7 +4215,7 @@
               <a:rPr lang="en-US"/>
               <a:t>Fifth level</a:t>
             </a:r>
-            <a:endParaRPr/>
+            <a:endParaRPr lang="en-US"/>
           </a:p>
         </p:txBody>
       </p:sp>
@@ -4385,6 +4272,7 @@
               <a:rPr lang="en-US"/>
               <a:t>Click to edit Master text styles</a:t>
             </a:r>
+            <a:endParaRPr lang="en-US"/>
           </a:p>
           <a:p>
             <a:pPr lvl="1"/>
@@ -4392,6 +4280,7 @@
               <a:rPr lang="en-US"/>
               <a:t>Second level</a:t>
             </a:r>
+            <a:endParaRPr lang="en-US"/>
           </a:p>
           <a:p>
             <a:pPr lvl="2"/>
@@ -4399,6 +4288,7 @@
               <a:rPr lang="en-US"/>
               <a:t>Third level</a:t>
             </a:r>
+            <a:endParaRPr lang="en-US"/>
           </a:p>
           <a:p>
             <a:pPr lvl="3"/>
@@ -4406,6 +4296,7 @@
               <a:rPr lang="en-US"/>
               <a:t>Fourth level</a:t>
             </a:r>
+            <a:endParaRPr lang="en-US"/>
           </a:p>
           <a:p>
             <a:pPr lvl="4"/>
@@ -4413,7 +4304,7 @@
               <a:rPr lang="en-US"/>
               <a:t>Fifth level</a:t>
             </a:r>
-            <a:endParaRPr/>
+            <a:endParaRPr lang="en-US"/>
           </a:p>
         </p:txBody>
       </p:sp>
@@ -4434,9 +4325,8 @@
           <a:p>
             <a:fld id="{C2C6F8EA-316C-41DE-B9A4-EDCC3A85ED9A}" type="datetimeFigureOut">
               <a:rPr lang="en-US"/>
-              <a:t>10/5/2020</a:t>
             </a:fld>
-            <a:endParaRPr/>
+            <a:endParaRPr lang="en-US"/>
           </a:p>
         </p:txBody>
       </p:sp>
@@ -4480,29 +4370,23 @@
           <a:p>
             <a:fld id="{7DC1BBB0-96F0-4077-A278-0F3FB5C104D3}" type="slidenum">
               <a:rPr/>
-              <a:t>‹#›</a:t>
             </a:fld>
             <a:endParaRPr/>
           </a:p>
         </p:txBody>
       </p:sp>
     </p:spTree>
-    <p:extLst>
-      <p:ext uri="{BB962C8B-B14F-4D97-AF65-F5344CB8AC3E}">
-        <p14:creationId xmlns:p14="http://schemas.microsoft.com/office/powerpoint/2010/main" val="1239113715"/>
-      </p:ext>
-    </p:extLst>
   </p:cSld>
   <p:clrMapOvr>
     <a:masterClrMapping/>
   </p:clrMapOvr>
-  <mc:AlternateContent xmlns:mc="http://schemas.openxmlformats.org/markup-compatibility/2006" xmlns:p14="http://schemas.microsoft.com/office/powerpoint/2010/main">
-    <mc:Choice Requires="p14">
+  <mc:AlternateContent xmlns:mc="http://schemas.openxmlformats.org/markup-compatibility/2006">
+    <mc:Choice xmlns:p14="http://schemas.microsoft.com/office/powerpoint/2010/main" Requires="p14">
       <p:transition spd="med" p14:dur="700">
         <p:fade/>
       </p:transition>
     </mc:Choice>
-    <mc:Fallback xmlns="">
+    <mc:Fallback>
       <p:transition spd="med">
         <p:fade/>
       </p:transition>
@@ -4551,7 +4435,7 @@
               <a:rPr lang="en-US"/>
               <a:t>Click to edit Master title style</a:t>
             </a:r>
-            <a:endParaRPr/>
+            <a:endParaRPr lang="en-US"/>
           </a:p>
         </p:txBody>
       </p:sp>
@@ -4622,6 +4506,7 @@
               <a:rPr lang="en-US"/>
               <a:t>Click to edit Master text styles</a:t>
             </a:r>
+            <a:endParaRPr lang="en-US"/>
           </a:p>
         </p:txBody>
       </p:sp>
@@ -4680,6 +4565,7 @@
               <a:rPr lang="en-US"/>
               <a:t>Click to edit Master text styles</a:t>
             </a:r>
+            <a:endParaRPr lang="en-US"/>
           </a:p>
           <a:p>
             <a:pPr lvl="1"/>
@@ -4687,6 +4573,7 @@
               <a:rPr lang="en-US"/>
               <a:t>Second level</a:t>
             </a:r>
+            <a:endParaRPr lang="en-US"/>
           </a:p>
           <a:p>
             <a:pPr lvl="2"/>
@@ -4694,6 +4581,7 @@
               <a:rPr lang="en-US"/>
               <a:t>Third level</a:t>
             </a:r>
+            <a:endParaRPr lang="en-US"/>
           </a:p>
           <a:p>
             <a:pPr lvl="3"/>
@@ -4701,6 +4589,7 @@
               <a:rPr lang="en-US"/>
               <a:t>Fourth level</a:t>
             </a:r>
+            <a:endParaRPr lang="en-US"/>
           </a:p>
           <a:p>
             <a:pPr lvl="4"/>
@@ -4779,6 +4668,7 @@
               <a:rPr lang="en-US"/>
               <a:t>Click to edit Master text styles</a:t>
             </a:r>
+            <a:endParaRPr lang="en-US"/>
           </a:p>
         </p:txBody>
       </p:sp>
@@ -4837,6 +4727,7 @@
               <a:rPr lang="en-US"/>
               <a:t>Click to edit Master text styles</a:t>
             </a:r>
+            <a:endParaRPr lang="en-US"/>
           </a:p>
           <a:p>
             <a:pPr lvl="1"/>
@@ -4844,6 +4735,7 @@
               <a:rPr lang="en-US"/>
               <a:t>Second level</a:t>
             </a:r>
+            <a:endParaRPr lang="en-US"/>
           </a:p>
           <a:p>
             <a:pPr lvl="2"/>
@@ -4851,6 +4743,7 @@
               <a:rPr lang="en-US"/>
               <a:t>Third level</a:t>
             </a:r>
+            <a:endParaRPr lang="en-US"/>
           </a:p>
           <a:p>
             <a:pPr lvl="3"/>
@@ -4858,6 +4751,7 @@
               <a:rPr lang="en-US"/>
               <a:t>Fourth level</a:t>
             </a:r>
+            <a:endParaRPr lang="en-US"/>
           </a:p>
           <a:p>
             <a:pPr lvl="4"/>
@@ -4865,7 +4759,7 @@
               <a:rPr lang="en-US"/>
               <a:t>Fifth level</a:t>
             </a:r>
-            <a:endParaRPr/>
+            <a:endParaRPr lang="en-US"/>
           </a:p>
         </p:txBody>
       </p:sp>
@@ -4886,9 +4780,8 @@
           <a:p>
             <a:fld id="{C2C6F8EA-316C-41DE-B9A4-EDCC3A85ED9A}" type="datetimeFigureOut">
               <a:rPr lang="en-US"/>
-              <a:t>10/5/2020</a:t>
             </a:fld>
-            <a:endParaRPr/>
+            <a:endParaRPr lang="en-US"/>
           </a:p>
         </p:txBody>
       </p:sp>
@@ -4932,29 +4825,23 @@
           <a:p>
             <a:fld id="{7DC1BBB0-96F0-4077-A278-0F3FB5C104D3}" type="slidenum">
               <a:rPr/>
-              <a:t>‹#›</a:t>
             </a:fld>
             <a:endParaRPr/>
           </a:p>
         </p:txBody>
       </p:sp>
     </p:spTree>
-    <p:extLst>
-      <p:ext uri="{BB962C8B-B14F-4D97-AF65-F5344CB8AC3E}">
-        <p14:creationId xmlns:p14="http://schemas.microsoft.com/office/powerpoint/2010/main" val="2138358032"/>
-      </p:ext>
-    </p:extLst>
   </p:cSld>
   <p:clrMapOvr>
     <a:masterClrMapping/>
   </p:clrMapOvr>
-  <mc:AlternateContent xmlns:mc="http://schemas.openxmlformats.org/markup-compatibility/2006" xmlns:p14="http://schemas.microsoft.com/office/powerpoint/2010/main">
-    <mc:Choice Requires="p14">
+  <mc:AlternateContent xmlns:mc="http://schemas.openxmlformats.org/markup-compatibility/2006">
+    <mc:Choice xmlns:p14="http://schemas.microsoft.com/office/powerpoint/2010/main" Requires="p14">
       <p:transition spd="med" p14:dur="700">
         <p:fade/>
       </p:transition>
     </mc:Choice>
-    <mc:Fallback xmlns="">
+    <mc:Fallback>
       <p:transition spd="med">
         <p:fade/>
       </p:transition>
@@ -4999,7 +4886,7 @@
               <a:rPr lang="en-US"/>
               <a:t>Click to edit Master title style</a:t>
             </a:r>
-            <a:endParaRPr/>
+            <a:endParaRPr lang="en-US"/>
           </a:p>
         </p:txBody>
       </p:sp>
@@ -5020,9 +4907,8 @@
           <a:p>
             <a:fld id="{C2C6F8EA-316C-41DE-B9A4-EDCC3A85ED9A}" type="datetimeFigureOut">
               <a:rPr lang="en-US"/>
-              <a:t>10/5/2020</a:t>
             </a:fld>
-            <a:endParaRPr/>
+            <a:endParaRPr lang="en-US"/>
           </a:p>
         </p:txBody>
       </p:sp>
@@ -5066,29 +4952,23 @@
           <a:p>
             <a:fld id="{7DC1BBB0-96F0-4077-A278-0F3FB5C104D3}" type="slidenum">
               <a:rPr/>
-              <a:t>‹#›</a:t>
             </a:fld>
             <a:endParaRPr/>
           </a:p>
         </p:txBody>
       </p:sp>
     </p:spTree>
-    <p:extLst>
-      <p:ext uri="{BB962C8B-B14F-4D97-AF65-F5344CB8AC3E}">
-        <p14:creationId xmlns:p14="http://schemas.microsoft.com/office/powerpoint/2010/main" val="3163578801"/>
-      </p:ext>
-    </p:extLst>
   </p:cSld>
   <p:clrMapOvr>
     <a:masterClrMapping/>
   </p:clrMapOvr>
-  <mc:AlternateContent xmlns:mc="http://schemas.openxmlformats.org/markup-compatibility/2006" xmlns:p14="http://schemas.microsoft.com/office/powerpoint/2010/main">
-    <mc:Choice Requires="p14">
+  <mc:AlternateContent xmlns:mc="http://schemas.openxmlformats.org/markup-compatibility/2006">
+    <mc:Choice xmlns:p14="http://schemas.microsoft.com/office/powerpoint/2010/main" Requires="p14">
       <p:transition spd="med" p14:dur="700">
         <p:fade/>
       </p:transition>
     </mc:Choice>
-    <mc:Fallback xmlns="">
+    <mc:Fallback>
       <p:transition spd="med">
         <p:fade/>
       </p:transition>
@@ -5098,7 +4978,7 @@
 </file>
 
 <file path=ppt/slideLayouts/slideLayout7.xml><?xml version="1.0" encoding="utf-8"?>
-<p:sldLayout xmlns:a="http://schemas.openxmlformats.org/drawingml/2006/main" xmlns:r="http://schemas.openxmlformats.org/officeDocument/2006/relationships" xmlns:p="http://schemas.openxmlformats.org/presentationml/2006/main" showMasterSp="0" type="blank" preserve="1">
+<p:sldLayout xmlns:a="http://schemas.openxmlformats.org/drawingml/2006/main" xmlns:r="http://schemas.openxmlformats.org/officeDocument/2006/relationships" xmlns:p="http://schemas.openxmlformats.org/presentationml/2006/main" type="blank" preserve="1" showMasterSp="0">
   <p:cSld name="Blank">
     <p:spTree>
       <p:nvGrpSpPr>
@@ -5156,7 +5036,6 @@
           <a:lstStyle/>
           <a:p>
             <a:pPr lvl="0" algn="ctr"/>
-            <a:endParaRPr/>
           </a:p>
         </p:txBody>
       </p:sp>
@@ -5205,7 +5084,6 @@
           <a:lstStyle/>
           <a:p>
             <a:pPr lvl="0" algn="ctr"/>
-            <a:endParaRPr/>
           </a:p>
         </p:txBody>
       </p:sp>
@@ -5289,7 +5167,6 @@
           <a:lstStyle/>
           <a:p>
             <a:pPr lvl="0" algn="ctr"/>
-            <a:endParaRPr/>
           </a:p>
         </p:txBody>
       </p:sp>
@@ -5338,7 +5215,6 @@
           <a:lstStyle/>
           <a:p>
             <a:pPr lvl="0" algn="ctr"/>
-            <a:endParaRPr/>
           </a:p>
         </p:txBody>
       </p:sp>
@@ -5359,9 +5235,8 @@
           <a:p>
             <a:fld id="{C2C6F8EA-316C-41DE-B9A4-EDCC3A85ED9A}" type="datetimeFigureOut">
               <a:rPr lang="en-US"/>
-              <a:t>10/5/2020</a:t>
             </a:fld>
-            <a:endParaRPr/>
+            <a:endParaRPr lang="en-US"/>
           </a:p>
         </p:txBody>
       </p:sp>
@@ -5413,30 +5288,23 @@
           <a:p>
             <a:fld id="{7DC1BBB0-96F0-4077-A278-0F3FB5C104D3}" type="slidenum">
               <a:rPr/>
-              <a:pPr/>
-              <a:t>‹#›</a:t>
             </a:fld>
             <a:endParaRPr/>
           </a:p>
         </p:txBody>
       </p:sp>
     </p:spTree>
-    <p:extLst>
-      <p:ext uri="{BB962C8B-B14F-4D97-AF65-F5344CB8AC3E}">
-        <p14:creationId xmlns:p14="http://schemas.microsoft.com/office/powerpoint/2010/main" val="178381615"/>
-      </p:ext>
-    </p:extLst>
   </p:cSld>
   <p:clrMapOvr>
     <a:masterClrMapping/>
   </p:clrMapOvr>
-  <mc:AlternateContent xmlns:mc="http://schemas.openxmlformats.org/markup-compatibility/2006" xmlns:p14="http://schemas.microsoft.com/office/powerpoint/2010/main">
-    <mc:Choice Requires="p14">
+  <mc:AlternateContent xmlns:mc="http://schemas.openxmlformats.org/markup-compatibility/2006">
+    <mc:Choice xmlns:p14="http://schemas.microsoft.com/office/powerpoint/2010/main" Requires="p14">
       <p:transition spd="med" p14:dur="700">
         <p:fade/>
       </p:transition>
     </mc:Choice>
-    <mc:Fallback xmlns="">
+    <mc:Fallback>
       <p:transition spd="med">
         <p:fade/>
       </p:transition>
@@ -5446,7 +5314,7 @@
 </file>
 
 <file path=ppt/slideLayouts/slideLayout8.xml><?xml version="1.0" encoding="utf-8"?>
-<p:sldLayout xmlns:a="http://schemas.openxmlformats.org/drawingml/2006/main" xmlns:r="http://schemas.openxmlformats.org/officeDocument/2006/relationships" xmlns:p="http://schemas.openxmlformats.org/presentationml/2006/main" showMasterSp="0" type="objTx" preserve="1">
+<p:sldLayout xmlns:a="http://schemas.openxmlformats.org/drawingml/2006/main" xmlns:r="http://schemas.openxmlformats.org/officeDocument/2006/relationships" xmlns:p="http://schemas.openxmlformats.org/presentationml/2006/main" type="objTx" preserve="1" showMasterSp="0">
   <p:cSld name="Content with Caption">
     <p:spTree>
       <p:nvGrpSpPr>
@@ -5506,7 +5374,6 @@
           <a:lstStyle/>
           <a:p>
             <a:pPr lvl="0" algn="ctr"/>
-            <a:endParaRPr/>
           </a:p>
         </p:txBody>
       </p:sp>
@@ -5555,7 +5422,6 @@
           <a:lstStyle/>
           <a:p>
             <a:pPr lvl="0" algn="ctr"/>
-            <a:endParaRPr/>
           </a:p>
         </p:txBody>
       </p:sp>
@@ -5638,7 +5504,6 @@
           <a:lstStyle/>
           <a:p>
             <a:pPr lvl="0" algn="ctr"/>
-            <a:endParaRPr/>
           </a:p>
         </p:txBody>
       </p:sp>
@@ -5676,7 +5541,7 @@
               <a:rPr lang="en-US"/>
               <a:t>Click to edit Master title style</a:t>
             </a:r>
-            <a:endParaRPr/>
+            <a:endParaRPr lang="en-US"/>
           </a:p>
         </p:txBody>
       </p:sp>
@@ -5735,6 +5600,7 @@
               <a:rPr lang="en-US"/>
               <a:t>Click to edit Master text styles</a:t>
             </a:r>
+            <a:endParaRPr lang="en-US"/>
           </a:p>
           <a:p>
             <a:pPr lvl="1"/>
@@ -5742,6 +5608,7 @@
               <a:rPr lang="en-US"/>
               <a:t>Second level</a:t>
             </a:r>
+            <a:endParaRPr lang="en-US"/>
           </a:p>
           <a:p>
             <a:pPr lvl="2"/>
@@ -5749,6 +5616,7 @@
               <a:rPr lang="en-US"/>
               <a:t>Third level</a:t>
             </a:r>
+            <a:endParaRPr lang="en-US"/>
           </a:p>
           <a:p>
             <a:pPr lvl="3"/>
@@ -5756,6 +5624,7 @@
               <a:rPr lang="en-US"/>
               <a:t>Fourth level</a:t>
             </a:r>
+            <a:endParaRPr lang="en-US"/>
           </a:p>
           <a:p>
             <a:pPr lvl="4"/>
@@ -5763,7 +5632,7 @@
               <a:rPr lang="en-US"/>
               <a:t>Fifth level</a:t>
             </a:r>
-            <a:endParaRPr/>
+            <a:endParaRPr lang="en-US"/>
           </a:p>
         </p:txBody>
       </p:sp>
@@ -5835,6 +5704,7 @@
               <a:rPr lang="en-US"/>
               <a:t>Click to edit Master text styles</a:t>
             </a:r>
+            <a:endParaRPr lang="en-US"/>
           </a:p>
         </p:txBody>
       </p:sp>
@@ -5855,9 +5725,8 @@
           <a:p>
             <a:fld id="{C2C6F8EA-316C-41DE-B9A4-EDCC3A85ED9A}" type="datetimeFigureOut">
               <a:rPr lang="en-US"/>
-              <a:t>10/5/2020</a:t>
             </a:fld>
-            <a:endParaRPr/>
+            <a:endParaRPr lang="en-US"/>
           </a:p>
         </p:txBody>
       </p:sp>
@@ -5901,29 +5770,23 @@
           <a:p>
             <a:fld id="{7DC1BBB0-96F0-4077-A278-0F3FB5C104D3}" type="slidenum">
               <a:rPr/>
-              <a:t>‹#›</a:t>
             </a:fld>
             <a:endParaRPr/>
           </a:p>
         </p:txBody>
       </p:sp>
     </p:spTree>
-    <p:extLst>
-      <p:ext uri="{BB962C8B-B14F-4D97-AF65-F5344CB8AC3E}">
-        <p14:creationId xmlns:p14="http://schemas.microsoft.com/office/powerpoint/2010/main" val="3518043182"/>
-      </p:ext>
-    </p:extLst>
   </p:cSld>
   <p:clrMapOvr>
     <a:masterClrMapping/>
   </p:clrMapOvr>
-  <mc:AlternateContent xmlns:mc="http://schemas.openxmlformats.org/markup-compatibility/2006" xmlns:p14="http://schemas.microsoft.com/office/powerpoint/2010/main">
-    <mc:Choice Requires="p14">
+  <mc:AlternateContent xmlns:mc="http://schemas.openxmlformats.org/markup-compatibility/2006">
+    <mc:Choice xmlns:p14="http://schemas.microsoft.com/office/powerpoint/2010/main" Requires="p14">
       <p:transition spd="med" p14:dur="700">
         <p:fade/>
       </p:transition>
     </mc:Choice>
-    <mc:Fallback xmlns="">
+    <mc:Fallback>
       <p:transition spd="med">
         <p:fade/>
       </p:transition>
@@ -5933,7 +5796,7 @@
 </file>
 
 <file path=ppt/slideLayouts/slideLayout9.xml><?xml version="1.0" encoding="utf-8"?>
-<p:sldLayout xmlns:a="http://schemas.openxmlformats.org/drawingml/2006/main" xmlns:r="http://schemas.openxmlformats.org/officeDocument/2006/relationships" xmlns:p="http://schemas.openxmlformats.org/presentationml/2006/main" showMasterSp="0" type="picTx" preserve="1">
+<p:sldLayout xmlns:a="http://schemas.openxmlformats.org/drawingml/2006/main" xmlns:r="http://schemas.openxmlformats.org/officeDocument/2006/relationships" xmlns:p="http://schemas.openxmlformats.org/presentationml/2006/main" type="picTx" preserve="1" showMasterSp="0">
   <p:cSld name="Picture with Caption">
     <p:spTree>
       <p:nvGrpSpPr>
@@ -5994,7 +5857,6 @@
           <a:lstStyle/>
           <a:p>
             <a:pPr lvl="0" algn="ctr"/>
-            <a:endParaRPr/>
           </a:p>
         </p:txBody>
       </p:sp>
@@ -6042,7 +5904,6 @@
           <a:lstStyle/>
           <a:p>
             <a:pPr lvl="0" algn="ctr"/>
-            <a:endParaRPr/>
           </a:p>
         </p:txBody>
       </p:sp>
@@ -6091,7 +5952,6 @@
           <a:lstStyle/>
           <a:p>
             <a:pPr lvl="0" algn="ctr"/>
-            <a:endParaRPr/>
           </a:p>
         </p:txBody>
       </p:sp>
@@ -6131,7 +5991,7 @@
               <a:rPr lang="en-US"/>
               <a:t>Click to edit Master title style</a:t>
             </a:r>
-            <a:endParaRPr/>
+            <a:endParaRPr lang="en-US"/>
           </a:p>
         </p:txBody>
       </p:sp>
@@ -6279,6 +6139,7 @@
               <a:rPr lang="en-US"/>
               <a:t>Click to edit Master text styles</a:t>
             </a:r>
+            <a:endParaRPr lang="en-US"/>
           </a:p>
         </p:txBody>
       </p:sp>
@@ -6307,8 +6168,6 @@
           <a:p>
             <a:fld id="{C2C6F8EA-316C-41DE-B9A4-EDCC3A85ED9A}" type="datetimeFigureOut">
               <a:rPr lang="en-US" smtClean="0"/>
-              <a:pPr/>
-              <a:t>10/5/2020</a:t>
             </a:fld>
             <a:endParaRPr lang="en-US" dirty="0"/>
           </a:p>
@@ -6370,8 +6229,6 @@
           <a:p>
             <a:fld id="{7DC1BBB0-96F0-4077-A278-0F3FB5C104D3}" type="slidenum">
               <a:rPr lang="en-US" smtClean="0"/>
-              <a:pPr/>
-              <a:t>‹#›</a:t>
             </a:fld>
             <a:endParaRPr lang="en-US"/>
           </a:p>
@@ -6413,22 +6270,17 @@
         </p:style>
       </p:cxnSp>
     </p:spTree>
-    <p:extLst>
-      <p:ext uri="{BB962C8B-B14F-4D97-AF65-F5344CB8AC3E}">
-        <p14:creationId xmlns:p14="http://schemas.microsoft.com/office/powerpoint/2010/main" val="3973900260"/>
-      </p:ext>
-    </p:extLst>
   </p:cSld>
   <p:clrMapOvr>
     <a:masterClrMapping/>
   </p:clrMapOvr>
-  <mc:AlternateContent xmlns:mc="http://schemas.openxmlformats.org/markup-compatibility/2006" xmlns:p14="http://schemas.microsoft.com/office/powerpoint/2010/main">
-    <mc:Choice Requires="p14">
+  <mc:AlternateContent xmlns:mc="http://schemas.openxmlformats.org/markup-compatibility/2006">
+    <mc:Choice xmlns:p14="http://schemas.microsoft.com/office/powerpoint/2010/main" Requires="p14">
       <p:transition spd="med" p14:dur="700">
         <p:fade/>
       </p:transition>
     </mc:Choice>
-    <mc:Fallback xmlns="">
+    <mc:Fallback>
       <p:transition spd="med">
         <p:fade/>
       </p:transition>
@@ -6504,7 +6356,6 @@
           <a:lstStyle/>
           <a:p>
             <a:pPr lvl="0" algn="ctr"/>
-            <a:endParaRPr/>
           </a:p>
         </p:txBody>
       </p:sp>
@@ -6550,7 +6401,6 @@
           <a:lstStyle/>
           <a:p>
             <a:pPr algn="ctr"/>
-            <a:endParaRPr/>
           </a:p>
         </p:txBody>
       </p:sp>
@@ -6599,7 +6449,6 @@
           <a:lstStyle/>
           <a:p>
             <a:pPr algn="ctr"/>
-            <a:endParaRPr/>
           </a:p>
         </p:txBody>
       </p:sp>
@@ -6648,7 +6497,6 @@
           <a:lstStyle/>
           <a:p>
             <a:pPr algn="ctr"/>
-            <a:endParaRPr/>
           </a:p>
         </p:txBody>
       </p:sp>
@@ -6725,9 +6573,7 @@
       <p:sp>
         <p:nvSpPr>
           <p:cNvPr id="12" name="Pi"/>
-          <p:cNvSpPr>
-            <a:spLocks/>
-          </p:cNvSpPr>
+          <p:cNvSpPr/>
           <p:nvPr/>
         </p:nvSpPr>
         <p:spPr bwMode="white">
@@ -7035,15 +6881,9 @@
           </a:ln>
         </p:spPr>
         <p:txBody>
-          <a:bodyPr vert="horz" wrap="square" lIns="91440" tIns="45720" rIns="91440" bIns="45720" numCol="1" anchor="t" anchorCtr="0" compatLnSpc="1">
-            <a:prstTxWarp prst="textNoShape">
-              <a:avLst/>
-            </a:prstTxWarp>
-          </a:bodyPr>
+          <a:bodyPr vert="horz" wrap="square" lIns="91440" tIns="45720" rIns="91440" bIns="45720" numCol="1" anchor="t" anchorCtr="0" compatLnSpc="1"/>
           <a:lstStyle/>
-          <a:p>
-            <a:endParaRPr/>
-          </a:p>
+          <a:p/>
         </p:txBody>
       </p:sp>
       <p:cxnSp>
@@ -7110,7 +6950,7 @@
               <a:rPr lang="en-US"/>
               <a:t>Click to edit Master title style</a:t>
             </a:r>
-            <a:endParaRPr/>
+            <a:endParaRPr lang="en-US"/>
           </a:p>
         </p:txBody>
       </p:sp>
@@ -7144,6 +6984,7 @@
               <a:rPr lang="en-US"/>
               <a:t>Click to edit Master text styles</a:t>
             </a:r>
+            <a:endParaRPr lang="en-US"/>
           </a:p>
           <a:p>
             <a:pPr lvl="1"/>
@@ -7151,6 +6992,7 @@
               <a:rPr lang="en-US"/>
               <a:t>Second level</a:t>
             </a:r>
+            <a:endParaRPr lang="en-US"/>
           </a:p>
           <a:p>
             <a:pPr lvl="2"/>
@@ -7158,6 +7000,7 @@
               <a:rPr lang="en-US"/>
               <a:t>Third level</a:t>
             </a:r>
+            <a:endParaRPr lang="en-US"/>
           </a:p>
           <a:p>
             <a:pPr lvl="3"/>
@@ -7165,6 +7008,7 @@
               <a:rPr lang="en-US"/>
               <a:t>Fourth level</a:t>
             </a:r>
+            <a:endParaRPr lang="en-US"/>
           </a:p>
           <a:p>
             <a:pPr lvl="4"/>
@@ -7172,7 +7016,7 @@
               <a:rPr lang="en-US"/>
               <a:t>Fifth level</a:t>
             </a:r>
-            <a:endParaRPr/>
+            <a:endParaRPr lang="en-US"/>
           </a:p>
         </p:txBody>
       </p:sp>
@@ -7209,8 +7053,6 @@
           <a:p>
             <a:fld id="{C2C6F8EA-316C-41DE-B9A4-EDCC3A85ED9A}" type="datetimeFigureOut">
               <a:rPr lang="en-US" smtClean="0"/>
-              <a:pPr/>
-              <a:t>10/5/2020</a:t>
             </a:fld>
             <a:endParaRPr lang="en-US" dirty="0"/>
           </a:p>
@@ -7288,19 +7130,12 @@
           <a:p>
             <a:fld id="{7DC1BBB0-96F0-4077-A278-0F3FB5C104D3}" type="slidenum">
               <a:rPr lang="en-US" smtClean="0"/>
-              <a:pPr/>
-              <a:t>‹#›</a:t>
             </a:fld>
             <a:endParaRPr lang="en-US"/>
           </a:p>
         </p:txBody>
       </p:sp>
     </p:spTree>
-    <p:extLst>
-      <p:ext uri="{BB962C8B-B14F-4D97-AF65-F5344CB8AC3E}">
-        <p14:creationId xmlns:p14="http://schemas.microsoft.com/office/powerpoint/2010/main" val="2054322300"/>
-      </p:ext>
-    </p:extLst>
   </p:cSld>
   <p:clrMap bg1="lt1" tx1="dk1" bg2="lt2" tx2="dk2" accent1="accent1" accent2="accent2" accent3="accent3" accent4="accent4" accent5="accent5" accent6="accent6" hlink="hlink" folHlink="folHlink"/>
   <p:sldLayoutIdLst>
@@ -7316,13 +7151,13 @@
     <p:sldLayoutId id="2147483658" r:id="rId10"/>
     <p:sldLayoutId id="2147483659" r:id="rId11"/>
   </p:sldLayoutIdLst>
-  <mc:AlternateContent xmlns:mc="http://schemas.openxmlformats.org/markup-compatibility/2006" xmlns:p14="http://schemas.microsoft.com/office/powerpoint/2010/main">
-    <mc:Choice Requires="p14">
+  <mc:AlternateContent xmlns:mc="http://schemas.openxmlformats.org/markup-compatibility/2006">
+    <mc:Choice xmlns:p14="http://schemas.microsoft.com/office/powerpoint/2010/main" Requires="p14">
       <p:transition spd="med" p14:dur="700">
         <p:fade/>
       </p:transition>
     </mc:Choice>
-    <mc:Fallback xmlns="">
+    <mc:Fallback>
       <p:transition spd="med">
         <p:fade/>
       </p:transition>
@@ -7351,7 +7186,7 @@
       </a:lvl1pPr>
     </p:titleStyle>
     <p:bodyStyle>
-      <a:lvl1pPr marL="246888" indent="-246888" algn="l" defTabSz="914400" rtl="0" eaLnBrk="1" latinLnBrk="0" hangingPunct="1">
+      <a:lvl1pPr marL="247015" indent="-247015" algn="l" defTabSz="914400" rtl="0" eaLnBrk="1" latinLnBrk="0" hangingPunct="1">
         <a:lnSpc>
           <a:spcPct val="90000"/>
         </a:lnSpc>
@@ -7369,7 +7204,7 @@
           <a:cs typeface="+mn-cs"/>
         </a:defRPr>
       </a:lvl1pPr>
-      <a:lvl2pPr marL="612648" indent="-246888" algn="l" defTabSz="914400" rtl="0" eaLnBrk="1" latinLnBrk="0" hangingPunct="1">
+      <a:lvl2pPr marL="612775" indent="-247015" algn="l" defTabSz="914400" rtl="0" eaLnBrk="1" latinLnBrk="0" hangingPunct="1">
         <a:lnSpc>
           <a:spcPct val="90000"/>
         </a:lnSpc>
@@ -7387,7 +7222,7 @@
           <a:cs typeface="+mn-cs"/>
         </a:defRPr>
       </a:lvl2pPr>
-      <a:lvl3pPr marL="978408" indent="-246888" algn="l" defTabSz="914400" rtl="0" eaLnBrk="1" latinLnBrk="0" hangingPunct="1">
+      <a:lvl3pPr marL="978535" indent="-247015" algn="l" defTabSz="914400" rtl="0" eaLnBrk="1" latinLnBrk="0" hangingPunct="1">
         <a:lnSpc>
           <a:spcPct val="90000"/>
         </a:lnSpc>
@@ -7405,14 +7240,14 @@
           <a:cs typeface="+mn-cs"/>
         </a:defRPr>
       </a:lvl3pPr>
-      <a:lvl4pPr marL="1344168" indent="-246888" algn="l" defTabSz="914400" rtl="0" eaLnBrk="1" latinLnBrk="0" hangingPunct="1">
+      <a:lvl4pPr marL="1344295" indent="-247015" algn="l" defTabSz="914400" rtl="0" eaLnBrk="1" latinLnBrk="0" hangingPunct="1">
         <a:lnSpc>
           <a:spcPct val="90000"/>
         </a:lnSpc>
         <a:spcBef>
           <a:spcPts val="600"/>
         </a:spcBef>
-        <a:buFont typeface="Arial" pitchFamily="34" charset="0"/>
+        <a:buFont typeface="Arial" panose="020B0604020202020204" pitchFamily="34" charset="0"/>
         <a:buChar char="–"/>
         <a:defRPr sz="1800" kern="1200">
           <a:solidFill>
@@ -7423,7 +7258,7 @@
           <a:cs typeface="+mn-cs"/>
         </a:defRPr>
       </a:lvl4pPr>
-      <a:lvl5pPr marL="1709928" indent="-246888" algn="l" defTabSz="914400" rtl="0" eaLnBrk="1" latinLnBrk="0" hangingPunct="1">
+      <a:lvl5pPr marL="1710055" indent="-247015" algn="l" defTabSz="914400" rtl="0" eaLnBrk="1" latinLnBrk="0" hangingPunct="1">
         <a:lnSpc>
           <a:spcPct val="90000"/>
         </a:lnSpc>
@@ -7441,7 +7276,7 @@
           <a:cs typeface="+mn-cs"/>
         </a:defRPr>
       </a:lvl5pPr>
-      <a:lvl6pPr marL="2075688" indent="-246888" algn="l" defTabSz="914400" rtl="0" eaLnBrk="1" latinLnBrk="0" hangingPunct="1">
+      <a:lvl6pPr marL="2075815" indent="-247015" algn="l" defTabSz="914400" rtl="0" eaLnBrk="1" latinLnBrk="0" hangingPunct="1">
         <a:lnSpc>
           <a:spcPct val="90000"/>
         </a:lnSpc>
@@ -7459,7 +7294,7 @@
           <a:cs typeface="+mn-cs"/>
         </a:defRPr>
       </a:lvl6pPr>
-      <a:lvl7pPr marL="2441448" indent="-246888" algn="l" defTabSz="914400" rtl="0" eaLnBrk="1" latinLnBrk="0" hangingPunct="1">
+      <a:lvl7pPr marL="2441575" indent="-247015" algn="l" defTabSz="914400" rtl="0" eaLnBrk="1" latinLnBrk="0" hangingPunct="1">
         <a:lnSpc>
           <a:spcPct val="90000"/>
         </a:lnSpc>
@@ -7477,7 +7312,7 @@
           <a:cs typeface="+mn-cs"/>
         </a:defRPr>
       </a:lvl7pPr>
-      <a:lvl8pPr marL="2807208" indent="-246888" algn="l" defTabSz="914400" rtl="0" eaLnBrk="1" latinLnBrk="0" hangingPunct="1">
+      <a:lvl8pPr marL="2807335" indent="-247015" algn="l" defTabSz="914400" rtl="0" eaLnBrk="1" latinLnBrk="0" hangingPunct="1">
         <a:lnSpc>
           <a:spcPct val="90000"/>
         </a:lnSpc>
@@ -7495,7 +7330,7 @@
           <a:cs typeface="+mn-cs"/>
         </a:defRPr>
       </a:lvl8pPr>
-      <a:lvl9pPr marL="3172968" indent="-246888" algn="l" defTabSz="914400" rtl="0" eaLnBrk="1" latinLnBrk="0" hangingPunct="1">
+      <a:lvl9pPr marL="3173095" indent="-247015" algn="l" defTabSz="914400" rtl="0" eaLnBrk="1" latinLnBrk="0" hangingPunct="1">
         <a:lnSpc>
           <a:spcPct val="90000"/>
         </a:lnSpc>
@@ -7610,22 +7445,6 @@
       </a:lvl9pPr>
     </p:otherStyle>
   </p:txStyles>
-  <p:extLst>
-    <p:ext uri="{27BBF7A9-308A-43DC-89C8-2F10F3537804}">
-      <p15:sldGuideLst xmlns:p15="http://schemas.microsoft.com/office/powerpoint/2012/main">
-        <p15:guide id="1" orient="horz" pos="2160" userDrawn="1">
-          <p15:clr>
-            <a:srgbClr val="F26B43"/>
-          </p15:clr>
-        </p15:guide>
-        <p15:guide id="2" pos="3839" userDrawn="1">
-          <p15:clr>
-            <a:srgbClr val="F26B43"/>
-          </p15:clr>
-        </p15:guide>
-      </p15:sldGuideLst>
-    </p:ext>
-  </p:extLst>
 </p:sldMaster>
 </file>
 
@@ -7648,13 +7467,7 @@
       </p:grpSpPr>
       <p:sp>
         <p:nvSpPr>
-          <p:cNvPr id="2" name="TextBox 1">
-            <a:extLst>
-              <a:ext uri="{FF2B5EF4-FFF2-40B4-BE49-F238E27FC236}">
-                <a16:creationId xmlns:a16="http://schemas.microsoft.com/office/drawing/2014/main" id="{2EDE5010-996C-4390-879B-A2327BEEF9C4}"/>
-              </a:ext>
-            </a:extLst>
-          </p:cNvPr>
+          <p:cNvPr id="2" name="TextBox 1"/>
           <p:cNvSpPr txBox="1"/>
           <p:nvPr/>
         </p:nvSpPr>
@@ -7689,22 +7502,17 @@
         </p:txBody>
       </p:sp>
     </p:spTree>
-    <p:extLst>
-      <p:ext uri="{BB962C8B-B14F-4D97-AF65-F5344CB8AC3E}">
-        <p14:creationId xmlns:p14="http://schemas.microsoft.com/office/powerpoint/2010/main" val="4022862849"/>
-      </p:ext>
-    </p:extLst>
   </p:cSld>
   <p:clrMapOvr>
     <a:masterClrMapping/>
   </p:clrMapOvr>
-  <mc:AlternateContent xmlns:mc="http://schemas.openxmlformats.org/markup-compatibility/2006" xmlns:p14="http://schemas.microsoft.com/office/powerpoint/2010/main">
-    <mc:Choice Requires="p14">
+  <mc:AlternateContent xmlns:mc="http://schemas.openxmlformats.org/markup-compatibility/2006">
+    <mc:Choice xmlns:p14="http://schemas.microsoft.com/office/powerpoint/2010/main" Requires="p14">
       <p:transition spd="med" p14:dur="700">
         <p:fade/>
       </p:transition>
     </mc:Choice>
-    <mc:Fallback xmlns="">
+    <mc:Fallback>
       <p:transition spd="med">
         <p:fade/>
       </p:transition>
@@ -7730,23 +7538,47 @@
           <a:chExt cx="0" cy="0"/>
         </a:xfrm>
       </p:grpSpPr>
+      <p:sp>
+        <p:nvSpPr>
+          <p:cNvPr id="2" name="Text Box 1"/>
+          <p:cNvSpPr txBox="1"/>
+          <p:nvPr/>
+        </p:nvSpPr>
+        <p:spPr>
+          <a:xfrm>
+            <a:off x="6200140" y="5589270"/>
+            <a:ext cx="3687445" cy="368300"/>
+          </a:xfrm>
+          <a:prstGeom prst="rect">
+            <a:avLst/>
+          </a:prstGeom>
+          <a:noFill/>
+        </p:spPr>
+        <p:txBody>
+          <a:bodyPr wrap="square" rtlCol="0">
+            <a:spAutoFit/>
+          </a:bodyPr>
+          <a:p>
+            <a:r>
+              <a:rPr lang="en-US"/>
+              <a:t>varun bohara</a:t>
+            </a:r>
+            <a:endParaRPr lang="en-US"/>
+          </a:p>
+        </p:txBody>
+      </p:sp>
     </p:spTree>
-    <p:extLst>
-      <p:ext uri="{BB962C8B-B14F-4D97-AF65-F5344CB8AC3E}">
-        <p14:creationId xmlns:p14="http://schemas.microsoft.com/office/powerpoint/2010/main" val="2236806149"/>
-      </p:ext>
-    </p:extLst>
   </p:cSld>
   <p:clrMapOvr>
     <a:masterClrMapping/>
   </p:clrMapOvr>
-  <mc:AlternateContent xmlns:mc="http://schemas.openxmlformats.org/markup-compatibility/2006" xmlns:p14="http://schemas.microsoft.com/office/powerpoint/2010/main">
-    <mc:Choice Requires="p14">
+  <mc:AlternateContent xmlns:mc="http://schemas.openxmlformats.org/markup-compatibility/2006">
+    <mc:Choice xmlns:p14="http://schemas.microsoft.com/office/powerpoint/2010/main" Requires="p14">
       <p:transition spd="med" p14:dur="700">
         <p:fade/>
       </p:transition>
     </mc:Choice>
-    <mc:Fallback xmlns="">
+    <mc:Fallback>
       <p:transition spd="med">
         <p:fade/>
       </p:transition>
@@ -7773,22 +7605,17 @@
         </a:xfrm>
       </p:grpSpPr>
     </p:spTree>
-    <p:extLst>
-      <p:ext uri="{BB962C8B-B14F-4D97-AF65-F5344CB8AC3E}">
-        <p14:creationId xmlns:p14="http://schemas.microsoft.com/office/powerpoint/2010/main" val="4145702466"/>
-      </p:ext>
-    </p:extLst>
   </p:cSld>
   <p:clrMapOvr>
     <a:masterClrMapping/>
   </p:clrMapOvr>
-  <mc:AlternateContent xmlns:mc="http://schemas.openxmlformats.org/markup-compatibility/2006" xmlns:p14="http://schemas.microsoft.com/office/powerpoint/2010/main">
-    <mc:Choice Requires="p14">
+  <mc:AlternateContent xmlns:mc="http://schemas.openxmlformats.org/markup-compatibility/2006">
+    <mc:Choice xmlns:p14="http://schemas.microsoft.com/office/powerpoint/2010/main" Requires="p14">
       <p:transition spd="med" p14:dur="700">
         <p:fade/>
       </p:transition>
     </mc:Choice>
-    <mc:Fallback xmlns="">
+    <mc:Fallback>
       <p:transition spd="med">
         <p:fade/>
       </p:transition>
@@ -7988,11 +7815,9 @@
       </a:bgFillStyleLst>
     </a:fmtScheme>
   </a:themeElements>
-  <a:objectDefaults/>
-  <a:extraClrSchemeLst/>
   <a:extLst>
     <a:ext uri="{05A4C25C-085E-4340-85A3-A5531E510DB2}">
-      <thm15:themeFamily xmlns:thm15="http://schemas.microsoft.com/office/thememl/2012/main" name="Math education presentation with Pi  (widescreen).potx" id="{DF132673-7A8C-4FB7-A35E-0123B6C0D98B}" vid="{CCAAB50D-2EF2-4925-80C2-C83131AE58AC}"/>
+      <thm15:themeFamily xmlns:thm15="http://schemas.microsoft.com/office/thememl/2012/main" name="Office Theme" id="{62F939B6-93AF-4DB8-9C6B-D6C7DFDC589F}" vid="{4A3C46E8-61CC-4603-A589-7422A47A8E4A}"/>
     </a:ext>
   </a:extLst>
 </a:theme>
@@ -8189,8 +8014,11 @@
       </a:bgFillStyleLst>
     </a:fmtScheme>
   </a:themeElements>
-  <a:objectDefaults/>
-  <a:extraClrSchemeLst/>
+  <a:extLst>
+    <a:ext uri="{05A4C25C-085E-4340-85A3-A5531E510DB2}">
+      <thm15:themeFamily xmlns:thm15="http://schemas.microsoft.com/office/thememl/2012/main" name="Office Theme" id="{62F939B6-93AF-4DB8-9C6B-D6C7DFDC589F}" vid="{4A3C46E8-61CC-4603-A589-7422A47A8E4A}"/>
+    </a:ext>
+  </a:extLst>
 </a:theme>
 </file>
 
@@ -8385,7 +8213,10 @@
       </a:bgFillStyleLst>
     </a:fmtScheme>
   </a:themeElements>
-  <a:objectDefaults/>
-  <a:extraClrSchemeLst/>
+  <a:extLst>
+    <a:ext uri="{05A4C25C-085E-4340-85A3-A5531E510DB2}">
+      <thm15:themeFamily xmlns:thm15="http://schemas.microsoft.com/office/thememl/2012/main" name="Office Theme" id="{62F939B6-93AF-4DB8-9C6B-D6C7DFDC589F}" vid="{4A3C46E8-61CC-4603-A589-7422A47A8E4A}"/>
+    </a:ext>
+  </a:extLst>
 </a:theme>
 </file>
--- a/Ideas -- v3.0.pptx
+++ b/Ideas -- v3.0.pptx
@@ -7561,7 +7561,7 @@
           <a:p>
             <a:r>
               <a:rPr lang="en-US"/>
-              <a:t>varun bohara</a:t>
+              <a:t>not varun bohara</a:t>
             </a:r>
             <a:endParaRPr lang="en-US"/>
           </a:p>

--- a/Ideas -- v3.0.pptx
+++ b/Ideas -- v3.0.pptx
@@ -7561,7 +7561,7 @@
           <a:p>
             <a:r>
               <a:rPr lang="en-US"/>
-              <a:t>varun bohara</a:t>
+              <a:t>yes varun bohara</a:t>
             </a:r>
             <a:endParaRPr lang="en-US"/>
           </a:p>

--- a/Ideas -- v3.0.pptx
+++ b/Ideas -- v3.0.pptx
@@ -7561,7 +7561,7 @@
           <a:p>
             <a:r>
               <a:rPr lang="en-US"/>
-              <a:t>not varun bohara</a:t>
+              <a:t>yes varun bohara branch</a:t>
             </a:r>
             <a:endParaRPr lang="en-US"/>
           </a:p>

--- a/Ideas -- v3.0.pptx
+++ b/Ideas -- v3.0.pptx
@@ -7604,6 +7604,35 @@
           <a:chExt cx="0" cy="0"/>
         </a:xfrm>
       </p:grpSpPr>
+      <p:sp>
+        <p:nvSpPr>
+          <p:cNvPr id="2" name="Text Box 1"/>
+          <p:cNvSpPr txBox="1"/>
+          <p:nvPr/>
+        </p:nvSpPr>
+        <p:spPr>
+          <a:xfrm>
+            <a:off x="6226175" y="3135630"/>
+            <a:ext cx="2053590" cy="368300"/>
+          </a:xfrm>
+          <a:prstGeom prst="rect">
+            <a:avLst/>
+          </a:prstGeom>
+          <a:noFill/>
+        </p:spPr>
+        <p:txBody>
+          <a:bodyPr wrap="none" rtlCol="0">
+            <a:spAutoFit/>
+          </a:bodyPr>
+          <a:p>
+            <a:r>
+              <a:rPr lang="en-US"/>
+              <a:t>yes abhishek too</a:t>
+            </a:r>
+            <a:endParaRPr lang="en-US"/>
+          </a:p>
+        </p:txBody>
+      </p:sp>
     </p:spTree>
   </p:cSld>
   <p:clrMapOvr>

--- a/Ideas -- v3.0.pptx
+++ b/Ideas -- v3.0.pptx
@@ -7561,7 +7561,7 @@
           <a:p>
             <a:r>
               <a:rPr lang="en-US"/>
-              <a:t>yes varun bohara branch</a:t>
+              <a:t>yes- varun bohara branch</a:t>
             </a:r>
             <a:endParaRPr lang="en-US"/>
           </a:p>

--- a/Ideas -- v3.0.pptx
+++ b/Ideas -- v3.0.pptx
@@ -7561,7 +7561,7 @@
           <a:p>
             <a:r>
               <a:rPr lang="en-US"/>
-              <a:t>yes- varun bohara branch</a:t>
+              <a:t>yes--- varun bohara branch</a:t>
             </a:r>
             <a:endParaRPr lang="en-US"/>
           </a:p>

--- a/Ideas -- v3.0.pptx
+++ b/Ideas -- v3.0.pptx
@@ -7604,6 +7604,35 @@
           <a:chExt cx="0" cy="0"/>
         </a:xfrm>
       </p:grpSpPr>
+      <p:sp>
+        <p:nvSpPr>
+          <p:cNvPr id="2" name="Text Box 1"/>
+          <p:cNvSpPr txBox="1"/>
+          <p:nvPr/>
+        </p:nvSpPr>
+        <p:spPr>
+          <a:xfrm>
+            <a:off x="6068695" y="5134610"/>
+            <a:ext cx="3209290" cy="368300"/>
+          </a:xfrm>
+          <a:prstGeom prst="rect">
+            <a:avLst/>
+          </a:prstGeom>
+          <a:noFill/>
+        </p:spPr>
+        <p:txBody>
+          <a:bodyPr wrap="none" rtlCol="0">
+            <a:spAutoFit/>
+          </a:bodyPr>
+          <a:p>
+            <a:r>
+              <a:rPr lang="en-US"/>
+              <a:t>yes  from abhishek as well</a:t>
+            </a:r>
+            <a:endParaRPr lang="en-US"/>
+          </a:p>
+        </p:txBody>
+      </p:sp>
     </p:spTree>
   </p:cSld>
   <p:clrMapOvr>

--- a/Ideas -- v3.0.pptx
+++ b/Ideas -- v3.0.pptx
@@ -5,15 +5,17 @@
     <p:sldMasterId id="2147483648" r:id="rId1"/>
   </p:sldMasterIdLst>
   <p:notesMasterIdLst>
-    <p:notesMasterId r:id="rId6"/>
+    <p:notesMasterId r:id="rId8"/>
   </p:notesMasterIdLst>
   <p:handoutMasterIdLst>
-    <p:handoutMasterId r:id="rId7"/>
+    <p:handoutMasterId r:id="rId9"/>
   </p:handoutMasterIdLst>
   <p:sldIdLst>
     <p:sldId id="262" r:id="rId3"/>
     <p:sldId id="263" r:id="rId4"/>
     <p:sldId id="264" r:id="rId5"/>
+    <p:sldId id="265" r:id="rId6"/>
+    <p:sldId id="266" r:id="rId7"/>
   </p:sldIdLst>
   <p:sldSz cx="12188825" cy="6858000"/>
   <p:notesSz cx="6858000" cy="9144000"/>
@@ -7561,7 +7563,7 @@
           <a:p>
             <a:r>
               <a:rPr lang="en-US"/>
-              <a:t>yes--- varun bohara branch</a:t>
+              <a:t>Madhurika </a:t>
             </a:r>
             <a:endParaRPr lang="en-US"/>
           </a:p>
@@ -7604,6 +7606,153 @@
           <a:chExt cx="0" cy="0"/>
         </a:xfrm>
       </p:grpSpPr>
+      <p:sp>
+        <p:nvSpPr>
+          <p:cNvPr id="2" name="Text Box 1"/>
+          <p:cNvSpPr txBox="1"/>
+          <p:nvPr/>
+        </p:nvSpPr>
+        <p:spPr>
+          <a:xfrm>
+            <a:off x="6716395" y="4025265"/>
+            <a:ext cx="904240" cy="368300"/>
+          </a:xfrm>
+          <a:prstGeom prst="rect">
+            <a:avLst/>
+          </a:prstGeom>
+          <a:noFill/>
+        </p:spPr>
+        <p:txBody>
+          <a:bodyPr wrap="none" rtlCol="0">
+            <a:spAutoFit/>
+          </a:bodyPr>
+          <a:p>
+            <a:r>
+              <a:rPr lang="en-US"/>
+              <a:t>Sakshi</a:t>
+            </a:r>
+            <a:endParaRPr lang="en-US"/>
+          </a:p>
+        </p:txBody>
+      </p:sp>
+    </p:spTree>
+  </p:cSld>
+  <p:clrMapOvr>
+    <a:masterClrMapping/>
+  </p:clrMapOvr>
+  <mc:AlternateContent xmlns:mc="http://schemas.openxmlformats.org/markup-compatibility/2006">
+    <mc:Choice xmlns:p14="http://schemas.microsoft.com/office/powerpoint/2010/main" Requires="p14">
+      <p:transition spd="med" p14:dur="700">
+        <p:fade/>
+      </p:transition>
+    </mc:Choice>
+    <mc:Fallback>
+      <p:transition spd="med">
+        <p:fade/>
+      </p:transition>
+    </mc:Fallback>
+  </mc:AlternateContent>
+</p:sld>
+</file>
+
+<file path=ppt/slides/slide4.xml><?xml version="1.0" encoding="utf-8"?>
+<p:sld xmlns:a="http://schemas.openxmlformats.org/drawingml/2006/main" xmlns:r="http://schemas.openxmlformats.org/officeDocument/2006/relationships" xmlns:p="http://schemas.openxmlformats.org/presentationml/2006/main">
+  <p:cSld>
+    <p:spTree>
+      <p:nvGrpSpPr>
+        <p:cNvPr id="1" name=""/>
+        <p:cNvGrpSpPr/>
+        <p:nvPr/>
+      </p:nvGrpSpPr>
+      <p:grpSpPr/>
+      <p:sp>
+        <p:nvSpPr>
+          <p:cNvPr id="2" name="Text Box 1"/>
+          <p:cNvSpPr txBox="1"/>
+          <p:nvPr/>
+        </p:nvSpPr>
+        <p:spPr>
+          <a:xfrm>
+            <a:off x="4166235" y="2605405"/>
+            <a:ext cx="3656330" cy="368300"/>
+          </a:xfrm>
+          <a:prstGeom prst="rect">
+            <a:avLst/>
+          </a:prstGeom>
+          <a:noFill/>
+        </p:spPr>
+        <p:txBody>
+          <a:bodyPr wrap="square" rtlCol="0">
+            <a:spAutoFit/>
+          </a:bodyPr>
+          <a:p>
+            <a:r>
+              <a:rPr lang="en-US"/>
+              <a:t>varun</a:t>
+            </a:r>
+            <a:endParaRPr lang="en-US"/>
+          </a:p>
+        </p:txBody>
+      </p:sp>
+    </p:spTree>
+  </p:cSld>
+  <p:clrMapOvr>
+    <a:masterClrMapping/>
+  </p:clrMapOvr>
+  <mc:AlternateContent xmlns:mc="http://schemas.openxmlformats.org/markup-compatibility/2006">
+    <mc:Choice xmlns:p14="http://schemas.microsoft.com/office/powerpoint/2010/main" Requires="p14">
+      <p:transition spd="med" p14:dur="700">
+        <p:fade/>
+      </p:transition>
+    </mc:Choice>
+    <mc:Fallback>
+      <p:transition spd="med">
+        <p:fade/>
+      </p:transition>
+    </mc:Fallback>
+  </mc:AlternateContent>
+</p:sld>
+</file>
+
+<file path=ppt/slides/slide5.xml><?xml version="1.0" encoding="utf-8"?>
+<p:sld xmlns:a="http://schemas.openxmlformats.org/drawingml/2006/main" xmlns:r="http://schemas.openxmlformats.org/officeDocument/2006/relationships" xmlns:p="http://schemas.openxmlformats.org/presentationml/2006/main">
+  <p:cSld>
+    <p:spTree>
+      <p:nvGrpSpPr>
+        <p:cNvPr id="1" name=""/>
+        <p:cNvGrpSpPr/>
+        <p:nvPr/>
+      </p:nvGrpSpPr>
+      <p:grpSpPr/>
+      <p:sp>
+        <p:nvSpPr>
+          <p:cNvPr id="2" name="Text Box 1"/>
+          <p:cNvSpPr txBox="1"/>
+          <p:nvPr/>
+        </p:nvSpPr>
+        <p:spPr>
+          <a:xfrm>
+            <a:off x="3122295" y="3086735"/>
+            <a:ext cx="3188335" cy="368300"/>
+          </a:xfrm>
+          <a:prstGeom prst="rect">
+            <a:avLst/>
+          </a:prstGeom>
+          <a:noFill/>
+        </p:spPr>
+        <p:txBody>
+          <a:bodyPr wrap="square" rtlCol="0">
+            <a:spAutoFit/>
+          </a:bodyPr>
+          <a:p>
+            <a:r>
+              <a:rPr lang="en-US"/>
+              <a:t>abhishek</a:t>
+            </a:r>
+            <a:endParaRPr lang="en-US"/>
+          </a:p>
+        </p:txBody>
+      </p:sp>
     </p:spTree>
   </p:cSld>
   <p:clrMapOvr>

--- a/Ideas -- v3.0.pptx
+++ b/Ideas -- v3.0.pptx
@@ -5,17 +5,18 @@
     <p:sldMasterId id="2147483648" r:id="rId1"/>
   </p:sldMasterIdLst>
   <p:notesMasterIdLst>
-    <p:notesMasterId r:id="rId8"/>
+    <p:notesMasterId r:id="rId9"/>
   </p:notesMasterIdLst>
   <p:handoutMasterIdLst>
-    <p:handoutMasterId r:id="rId9"/>
+    <p:handoutMasterId r:id="rId10"/>
   </p:handoutMasterIdLst>
   <p:sldIdLst>
     <p:sldId id="262" r:id="rId3"/>
     <p:sldId id="263" r:id="rId4"/>
     <p:sldId id="264" r:id="rId5"/>
     <p:sldId id="265" r:id="rId6"/>
-    <p:sldId id="266" r:id="rId7"/>
+    <p:sldId id="267" r:id="rId7"/>
+    <p:sldId id="266" r:id="rId8"/>
   </p:sldIdLst>
   <p:sldSz cx="12188825" cy="6858000"/>
   <p:notesSz cx="6858000" cy="9144000"/>
@@ -7635,6 +7636,249 @@
           </a:p>
         </p:txBody>
       </p:sp>
+      <p:sp>
+        <p:nvSpPr>
+          <p:cNvPr id="5" name="Content Placeholder 4"/>
+          <p:cNvSpPr>
+            <a:spLocks noGrp="1"/>
+          </p:cNvSpPr>
+          <p:nvPr/>
+        </p:nvSpPr>
+        <p:spPr>
+          <a:xfrm>
+            <a:off x="1593215" y="314325"/>
+            <a:ext cx="9782810" cy="5857875"/>
+          </a:xfrm>
+          <a:prstGeom prst="rect">
+            <a:avLst/>
+          </a:prstGeom>
+        </p:spPr>
+        <p:txBody>
+          <a:bodyPr vert="horz" lIns="91440" tIns="45720" rIns="91440" bIns="45720" rtlCol="0">
+            <a:normAutofit/>
+          </a:bodyPr>
+          <a:lstStyle>
+            <a:lvl1pPr marL="247015" indent="-247015" algn="l" defTabSz="914400" rtl="0" eaLnBrk="1" latinLnBrk="0" hangingPunct="1">
+              <a:lnSpc>
+                <a:spcPct val="90000"/>
+              </a:lnSpc>
+              <a:spcBef>
+                <a:spcPts val="1400"/>
+              </a:spcBef>
+              <a:buFont typeface="Euphemia" pitchFamily="34" charset="0"/>
+              <a:buChar char="›"/>
+              <a:defRPr sz="2800" kern="1200">
+                <a:solidFill>
+                  <a:schemeClr val="tx1"/>
+                </a:solidFill>
+                <a:latin typeface="+mn-lt"/>
+                <a:ea typeface="+mn-ea"/>
+                <a:cs typeface="+mn-cs"/>
+              </a:defRPr>
+            </a:lvl1pPr>
+            <a:lvl2pPr marL="612775" indent="-247015" algn="l" defTabSz="914400" rtl="0" eaLnBrk="1" latinLnBrk="0" hangingPunct="1">
+              <a:lnSpc>
+                <a:spcPct val="90000"/>
+              </a:lnSpc>
+              <a:spcBef>
+                <a:spcPts val="600"/>
+              </a:spcBef>
+              <a:buFont typeface="Euphemia" pitchFamily="34" charset="0"/>
+              <a:buChar char="–"/>
+              <a:defRPr sz="2400" kern="1200">
+                <a:solidFill>
+                  <a:schemeClr val="tx1"/>
+                </a:solidFill>
+                <a:latin typeface="+mn-lt"/>
+                <a:ea typeface="+mn-ea"/>
+                <a:cs typeface="+mn-cs"/>
+              </a:defRPr>
+            </a:lvl2pPr>
+            <a:lvl3pPr marL="978535" indent="-247015" algn="l" defTabSz="914400" rtl="0" eaLnBrk="1" latinLnBrk="0" hangingPunct="1">
+              <a:lnSpc>
+                <a:spcPct val="90000"/>
+              </a:lnSpc>
+              <a:spcBef>
+                <a:spcPts val="600"/>
+              </a:spcBef>
+              <a:buFont typeface="Euphemia" pitchFamily="34" charset="0"/>
+              <a:buChar char="›"/>
+              <a:defRPr sz="2000" kern="1200">
+                <a:solidFill>
+                  <a:schemeClr val="tx1"/>
+                </a:solidFill>
+                <a:latin typeface="+mn-lt"/>
+                <a:ea typeface="+mn-ea"/>
+                <a:cs typeface="+mn-cs"/>
+              </a:defRPr>
+            </a:lvl3pPr>
+            <a:lvl4pPr marL="1344295" indent="-247015" algn="l" defTabSz="914400" rtl="0" eaLnBrk="1" latinLnBrk="0" hangingPunct="1">
+              <a:lnSpc>
+                <a:spcPct val="90000"/>
+              </a:lnSpc>
+              <a:spcBef>
+                <a:spcPts val="600"/>
+              </a:spcBef>
+              <a:buFont typeface="Arial" panose="020B0604020202020204" pitchFamily="34" charset="0"/>
+              <a:buChar char="–"/>
+              <a:defRPr sz="1800" kern="1200">
+                <a:solidFill>
+                  <a:schemeClr val="tx1"/>
+                </a:solidFill>
+                <a:latin typeface="+mn-lt"/>
+                <a:ea typeface="+mn-ea"/>
+                <a:cs typeface="+mn-cs"/>
+              </a:defRPr>
+            </a:lvl4pPr>
+            <a:lvl5pPr marL="1710055" indent="-247015" algn="l" defTabSz="914400" rtl="0" eaLnBrk="1" latinLnBrk="0" hangingPunct="1">
+              <a:lnSpc>
+                <a:spcPct val="90000"/>
+              </a:lnSpc>
+              <a:spcBef>
+                <a:spcPts val="600"/>
+              </a:spcBef>
+              <a:buFont typeface="Euphemia" pitchFamily="34" charset="0"/>
+              <a:buChar char="›"/>
+              <a:defRPr sz="1800" kern="1200">
+                <a:solidFill>
+                  <a:schemeClr val="tx1"/>
+                </a:solidFill>
+                <a:latin typeface="+mn-lt"/>
+                <a:ea typeface="+mn-ea"/>
+                <a:cs typeface="+mn-cs"/>
+              </a:defRPr>
+            </a:lvl5pPr>
+            <a:lvl6pPr marL="2075815" indent="-247015" algn="l" defTabSz="914400" rtl="0" eaLnBrk="1" latinLnBrk="0" hangingPunct="1">
+              <a:lnSpc>
+                <a:spcPct val="90000"/>
+              </a:lnSpc>
+              <a:spcBef>
+                <a:spcPts val="600"/>
+              </a:spcBef>
+              <a:buFont typeface="Euphemia" pitchFamily="34" charset="0"/>
+              <a:buChar char="–"/>
+              <a:defRPr sz="1800" kern="1200">
+                <a:solidFill>
+                  <a:schemeClr val="tx1"/>
+                </a:solidFill>
+                <a:latin typeface="+mn-lt"/>
+                <a:ea typeface="+mn-ea"/>
+                <a:cs typeface="+mn-cs"/>
+              </a:defRPr>
+            </a:lvl6pPr>
+            <a:lvl7pPr marL="2441575" indent="-247015" algn="l" defTabSz="914400" rtl="0" eaLnBrk="1" latinLnBrk="0" hangingPunct="1">
+              <a:lnSpc>
+                <a:spcPct val="90000"/>
+              </a:lnSpc>
+              <a:spcBef>
+                <a:spcPts val="600"/>
+              </a:spcBef>
+              <a:buFont typeface="Euphemia" pitchFamily="34" charset="0"/>
+              <a:buChar char="›"/>
+              <a:defRPr sz="1800" kern="1200">
+                <a:solidFill>
+                  <a:schemeClr val="tx1"/>
+                </a:solidFill>
+                <a:latin typeface="+mn-lt"/>
+                <a:ea typeface="+mn-ea"/>
+                <a:cs typeface="+mn-cs"/>
+              </a:defRPr>
+            </a:lvl7pPr>
+            <a:lvl8pPr marL="2807335" indent="-247015" algn="l" defTabSz="914400" rtl="0" eaLnBrk="1" latinLnBrk="0" hangingPunct="1">
+              <a:lnSpc>
+                <a:spcPct val="90000"/>
+              </a:lnSpc>
+              <a:spcBef>
+                <a:spcPts val="600"/>
+              </a:spcBef>
+              <a:buFont typeface="Euphemia" pitchFamily="34" charset="0"/>
+              <a:buChar char="–"/>
+              <a:defRPr sz="1800" kern="1200" baseline="0">
+                <a:solidFill>
+                  <a:schemeClr val="tx1"/>
+                </a:solidFill>
+                <a:latin typeface="+mn-lt"/>
+                <a:ea typeface="+mn-ea"/>
+                <a:cs typeface="+mn-cs"/>
+              </a:defRPr>
+            </a:lvl8pPr>
+            <a:lvl9pPr marL="3173095" indent="-247015" algn="l" defTabSz="914400" rtl="0" eaLnBrk="1" latinLnBrk="0" hangingPunct="1">
+              <a:lnSpc>
+                <a:spcPct val="90000"/>
+              </a:lnSpc>
+              <a:spcBef>
+                <a:spcPts val="600"/>
+              </a:spcBef>
+              <a:buFont typeface="Euphemia" pitchFamily="34" charset="0"/>
+              <a:buChar char="›"/>
+              <a:defRPr sz="1800" kern="1200" baseline="0">
+                <a:solidFill>
+                  <a:schemeClr val="tx1"/>
+                </a:solidFill>
+                <a:latin typeface="+mn-lt"/>
+                <a:ea typeface="+mn-ea"/>
+                <a:cs typeface="+mn-cs"/>
+              </a:defRPr>
+            </a:lvl9pPr>
+          </a:lstStyle>
+          <a:p>
+            <a:endParaRPr lang="en-US" sz="1600"/>
+          </a:p>
+          <a:p>
+            <a:r>
+              <a:rPr lang="en-US" sz="1600"/>
+              <a:t>Quick Draw</a:t>
+            </a:r>
+            <a:endParaRPr lang="en-US" sz="1600"/>
+          </a:p>
+          <a:p>
+            <a:pPr lvl="1"/>
+            <a:r>
+              <a:rPr lang="en-US" sz="1370"/>
+              <a:t>These doodles are a unique data set that can </a:t>
+            </a:r>
+            <a:endParaRPr lang="en-US" sz="1370"/>
+          </a:p>
+          <a:p>
+            <a:pPr lvl="2"/>
+            <a:r>
+              <a:rPr lang="en-US" sz="1140"/>
+              <a:t>help developers train new neural networks,</a:t>
+            </a:r>
+            <a:endParaRPr lang="en-US" sz="1140"/>
+          </a:p>
+          <a:p>
+            <a:pPr lvl="2"/>
+            <a:r>
+              <a:rPr lang="en-US" sz="1140"/>
+              <a:t>help researchers see patterns in how people around the world draw, </a:t>
+            </a:r>
+            <a:endParaRPr lang="en-US" sz="1140"/>
+          </a:p>
+          <a:p>
+            <a:pPr lvl="2"/>
+            <a:r>
+              <a:rPr lang="en-US" sz="1140"/>
+              <a:t>and help artists create things we haven’t begun to think of.</a:t>
+            </a:r>
+            <a:endParaRPr lang="en-US" sz="1140"/>
+          </a:p>
+          <a:p>
+            <a:r>
+              <a:rPr lang="en-US" sz="900"/>
+              <a:t>https://quickdraw.withgoogle.com/data</a:t>
+            </a:r>
+            <a:endParaRPr lang="en-US" sz="900"/>
+          </a:p>
+          <a:p>
+            <a:r>
+              <a:rPr lang="en-US" sz="900"/>
+              <a:t>https://github.com/googlecreativelab/quickdraw-dataset</a:t>
+            </a:r>
+            <a:endParaRPr lang="en-US" sz="900"/>
+          </a:p>
+        </p:txBody>
+      </p:sp>
     </p:spTree>
   </p:cSld>
   <p:clrMapOvr>
@@ -7673,7 +7917,7 @@
         </p:nvSpPr>
         <p:spPr>
           <a:xfrm>
-            <a:off x="4166235" y="2605405"/>
+            <a:off x="7192645" y="6205220"/>
             <a:ext cx="3656330" cy="368300"/>
           </a:xfrm>
           <a:prstGeom prst="rect">
@@ -7688,9 +7932,344 @@
           <a:p>
             <a:r>
               <a:rPr lang="en-US"/>
-              <a:t>varun</a:t>
+              <a:t>		Varun Bohara</a:t>
             </a:r>
             <a:endParaRPr lang="en-US"/>
+          </a:p>
+        </p:txBody>
+      </p:sp>
+      <p:sp>
+        <p:nvSpPr>
+          <p:cNvPr id="6" name="Content Placeholder 5"/>
+          <p:cNvSpPr/>
+          <p:nvPr>
+            <p:ph sz="half" idx="1"/>
+          </p:nvPr>
+        </p:nvSpPr>
+        <p:spPr>
+          <a:xfrm>
+            <a:off x="1593215" y="1713230"/>
+            <a:ext cx="4814570" cy="2221865"/>
+          </a:xfrm>
+        </p:spPr>
+        <p:txBody>
+          <a:bodyPr/>
+          <a:p>
+            <a:r>
+              <a:rPr lang="en-US" sz="1400">
+                <a:latin typeface="Times New Roman" panose="02020603050405020304" pitchFamily="18" charset="0"/>
+                <a:cs typeface="Times New Roman" panose="02020603050405020304" pitchFamily="18" charset="0"/>
+              </a:rPr>
+              <a:t>Twitter has become an important communication channel in times of emergency.</a:t>
+            </a:r>
+            <a:endParaRPr lang="en-US" sz="1400">
+              <a:latin typeface="Times New Roman" panose="02020603050405020304" pitchFamily="18" charset="0"/>
+              <a:cs typeface="Times New Roman" panose="02020603050405020304" pitchFamily="18" charset="0"/>
+            </a:endParaRPr>
+          </a:p>
+          <a:p>
+            <a:r>
+              <a:rPr lang="en-US" sz="1400">
+                <a:latin typeface="Times New Roman" panose="02020603050405020304" pitchFamily="18" charset="0"/>
+                <a:cs typeface="Times New Roman" panose="02020603050405020304" pitchFamily="18" charset="0"/>
+              </a:rPr>
+              <a:t>The ubiquitousness of smartphones enables people to announce an emergency they’re observing in real-time. </a:t>
+            </a:r>
+            <a:endParaRPr lang="en-US" sz="1400">
+              <a:latin typeface="Times New Roman" panose="02020603050405020304" pitchFamily="18" charset="0"/>
+              <a:cs typeface="Times New Roman" panose="02020603050405020304" pitchFamily="18" charset="0"/>
+            </a:endParaRPr>
+          </a:p>
+          <a:p>
+            <a:r>
+              <a:rPr lang="en-US" sz="1400">
+                <a:latin typeface="Times New Roman" panose="02020603050405020304" pitchFamily="18" charset="0"/>
+                <a:cs typeface="Times New Roman" panose="02020603050405020304" pitchFamily="18" charset="0"/>
+              </a:rPr>
+              <a:t>Because of this, more agencies are interested in programatically monitoring Twitter (i.e. disaster relief organizations and news agencies).</a:t>
+            </a:r>
+            <a:endParaRPr lang="en-US" sz="1400">
+              <a:latin typeface="Times New Roman" panose="02020603050405020304" pitchFamily="18" charset="0"/>
+              <a:cs typeface="Times New Roman" panose="02020603050405020304" pitchFamily="18" charset="0"/>
+            </a:endParaRPr>
+          </a:p>
+          <a:p>
+            <a:r>
+              <a:rPr lang="en-US" sz="1400">
+                <a:ln/>
+                <a:gradFill>
+                  <a:gsLst>
+                    <a:gs pos="0">
+                      <a:srgbClr val="007BD3"/>
+                    </a:gs>
+                    <a:gs pos="100000">
+                      <a:srgbClr val="034373"/>
+                    </a:gs>
+                  </a:gsLst>
+                  <a:lin scaled="0"/>
+                </a:gradFill>
+                <a:effectLst>
+                  <a:outerShdw blurRad="38100" dist="19050" dir="2700000" algn="tl" rotWithShape="0">
+                    <a:schemeClr val="dk1">
+                      <a:alpha val="40000"/>
+                    </a:schemeClr>
+                  </a:outerShdw>
+                </a:effectLst>
+                <a:latin typeface="Times New Roman" panose="02020603050405020304" pitchFamily="18" charset="0"/>
+                <a:cs typeface="Times New Roman" panose="02020603050405020304" pitchFamily="18" charset="0"/>
+              </a:rPr>
+              <a:t>https://www.kaggle.com/c/nlp-getting-started</a:t>
+            </a:r>
+            <a:endParaRPr lang="en-US" sz="1400">
+              <a:ln/>
+              <a:gradFill>
+                <a:gsLst>
+                  <a:gs pos="0">
+                    <a:srgbClr val="007BD3"/>
+                  </a:gs>
+                  <a:gs pos="100000">
+                    <a:srgbClr val="034373"/>
+                  </a:gs>
+                </a:gsLst>
+                <a:lin scaled="0"/>
+              </a:gradFill>
+              <a:effectLst>
+                <a:outerShdw blurRad="38100" dist="19050" dir="2700000" algn="tl" rotWithShape="0">
+                  <a:schemeClr val="dk1">
+                    <a:alpha val="40000"/>
+                  </a:schemeClr>
+                </a:outerShdw>
+              </a:effectLst>
+              <a:latin typeface="Times New Roman" panose="02020603050405020304" pitchFamily="18" charset="0"/>
+              <a:cs typeface="Times New Roman" panose="02020603050405020304" pitchFamily="18" charset="0"/>
+            </a:endParaRPr>
+          </a:p>
+        </p:txBody>
+      </p:sp>
+      <p:pic>
+        <p:nvPicPr>
+          <p:cNvPr id="7" name="Content Placeholder 6"/>
+          <p:cNvPicPr>
+            <a:picLocks noChangeAspect="1"/>
+          </p:cNvPicPr>
+          <p:nvPr>
+            <p:ph sz="half" idx="2"/>
+          </p:nvPr>
+        </p:nvPicPr>
+        <p:blipFill>
+          <a:blip r:embed="rId1"/>
+          <a:stretch>
+            <a:fillRect/>
+          </a:stretch>
+        </p:blipFill>
+        <p:spPr>
+          <a:xfrm>
+            <a:off x="7192645" y="869315"/>
+            <a:ext cx="2400935" cy="4572000"/>
+          </a:xfrm>
+          <a:prstGeom prst="rect">
+            <a:avLst/>
+          </a:prstGeom>
+        </p:spPr>
+      </p:pic>
+      <p:sp>
+        <p:nvSpPr>
+          <p:cNvPr id="9" name="Content Placeholder 5"/>
+          <p:cNvSpPr/>
+          <p:nvPr/>
+        </p:nvSpPr>
+        <p:spPr>
+          <a:xfrm>
+            <a:off x="1593215" y="1081405"/>
+            <a:ext cx="4814570" cy="703580"/>
+          </a:xfrm>
+          <a:prstGeom prst="rect">
+            <a:avLst/>
+          </a:prstGeom>
+        </p:spPr>
+        <p:txBody>
+          <a:bodyPr vert="horz" lIns="91440" tIns="45720" rIns="91440" bIns="45720" rtlCol="0">
+            <a:noAutofit/>
+          </a:bodyPr>
+          <a:lstStyle>
+            <a:lvl1pPr marL="247015" indent="-247015" algn="l" defTabSz="914400" rtl="0" eaLnBrk="1" latinLnBrk="0" hangingPunct="1">
+              <a:lnSpc>
+                <a:spcPct val="90000"/>
+              </a:lnSpc>
+              <a:spcBef>
+                <a:spcPts val="1400"/>
+              </a:spcBef>
+              <a:buFont typeface="Euphemia" pitchFamily="34" charset="0"/>
+              <a:buChar char="›"/>
+              <a:defRPr sz="2800" kern="1200">
+                <a:solidFill>
+                  <a:schemeClr val="tx1"/>
+                </a:solidFill>
+                <a:latin typeface="+mn-lt"/>
+                <a:ea typeface="+mn-ea"/>
+                <a:cs typeface="+mn-cs"/>
+              </a:defRPr>
+            </a:lvl1pPr>
+            <a:lvl2pPr marL="612775" indent="-247015" algn="l" defTabSz="914400" rtl="0" eaLnBrk="1" latinLnBrk="0" hangingPunct="1">
+              <a:lnSpc>
+                <a:spcPct val="90000"/>
+              </a:lnSpc>
+              <a:spcBef>
+                <a:spcPts val="600"/>
+              </a:spcBef>
+              <a:buFont typeface="Euphemia" pitchFamily="34" charset="0"/>
+              <a:buChar char="–"/>
+              <a:defRPr sz="2400" kern="1200">
+                <a:solidFill>
+                  <a:schemeClr val="tx1"/>
+                </a:solidFill>
+                <a:latin typeface="+mn-lt"/>
+                <a:ea typeface="+mn-ea"/>
+                <a:cs typeface="+mn-cs"/>
+              </a:defRPr>
+            </a:lvl2pPr>
+            <a:lvl3pPr marL="978535" indent="-247015" algn="l" defTabSz="914400" rtl="0" eaLnBrk="1" latinLnBrk="0" hangingPunct="1">
+              <a:lnSpc>
+                <a:spcPct val="90000"/>
+              </a:lnSpc>
+              <a:spcBef>
+                <a:spcPts val="600"/>
+              </a:spcBef>
+              <a:buFont typeface="Euphemia" pitchFamily="34" charset="0"/>
+              <a:buChar char="›"/>
+              <a:defRPr sz="2000" kern="1200">
+                <a:solidFill>
+                  <a:schemeClr val="tx1"/>
+                </a:solidFill>
+                <a:latin typeface="+mn-lt"/>
+                <a:ea typeface="+mn-ea"/>
+                <a:cs typeface="+mn-cs"/>
+              </a:defRPr>
+            </a:lvl3pPr>
+            <a:lvl4pPr marL="1344295" indent="-247015" algn="l" defTabSz="914400" rtl="0" eaLnBrk="1" latinLnBrk="0" hangingPunct="1">
+              <a:lnSpc>
+                <a:spcPct val="90000"/>
+              </a:lnSpc>
+              <a:spcBef>
+                <a:spcPts val="600"/>
+              </a:spcBef>
+              <a:buFont typeface="Arial" panose="020B0604020202020204" pitchFamily="34" charset="0"/>
+              <a:buChar char="–"/>
+              <a:defRPr sz="1800" kern="1200">
+                <a:solidFill>
+                  <a:schemeClr val="tx1"/>
+                </a:solidFill>
+                <a:latin typeface="+mn-lt"/>
+                <a:ea typeface="+mn-ea"/>
+                <a:cs typeface="+mn-cs"/>
+              </a:defRPr>
+            </a:lvl4pPr>
+            <a:lvl5pPr marL="1710055" indent="-247015" algn="l" defTabSz="914400" rtl="0" eaLnBrk="1" latinLnBrk="0" hangingPunct="1">
+              <a:lnSpc>
+                <a:spcPct val="90000"/>
+              </a:lnSpc>
+              <a:spcBef>
+                <a:spcPts val="600"/>
+              </a:spcBef>
+              <a:buFont typeface="Euphemia" pitchFamily="34" charset="0"/>
+              <a:buChar char="›"/>
+              <a:defRPr sz="1800" kern="1200">
+                <a:solidFill>
+                  <a:schemeClr val="tx1"/>
+                </a:solidFill>
+                <a:latin typeface="+mn-lt"/>
+                <a:ea typeface="+mn-ea"/>
+                <a:cs typeface="+mn-cs"/>
+              </a:defRPr>
+            </a:lvl5pPr>
+            <a:lvl6pPr marL="2075815" indent="-247015" algn="l" defTabSz="914400" rtl="0" eaLnBrk="1" latinLnBrk="0" hangingPunct="1">
+              <a:lnSpc>
+                <a:spcPct val="90000"/>
+              </a:lnSpc>
+              <a:spcBef>
+                <a:spcPts val="600"/>
+              </a:spcBef>
+              <a:buFont typeface="Euphemia" pitchFamily="34" charset="0"/>
+              <a:buChar char="–"/>
+              <a:defRPr sz="1800" kern="1200">
+                <a:solidFill>
+                  <a:schemeClr val="tx1"/>
+                </a:solidFill>
+                <a:latin typeface="+mn-lt"/>
+                <a:ea typeface="+mn-ea"/>
+                <a:cs typeface="+mn-cs"/>
+              </a:defRPr>
+            </a:lvl6pPr>
+            <a:lvl7pPr marL="2441575" indent="-247015" algn="l" defTabSz="914400" rtl="0" eaLnBrk="1" latinLnBrk="0" hangingPunct="1">
+              <a:lnSpc>
+                <a:spcPct val="90000"/>
+              </a:lnSpc>
+              <a:spcBef>
+                <a:spcPts val="600"/>
+              </a:spcBef>
+              <a:buFont typeface="Euphemia" pitchFamily="34" charset="0"/>
+              <a:buChar char="›"/>
+              <a:defRPr sz="1800" kern="1200">
+                <a:solidFill>
+                  <a:schemeClr val="tx1"/>
+                </a:solidFill>
+                <a:latin typeface="+mn-lt"/>
+                <a:ea typeface="+mn-ea"/>
+                <a:cs typeface="+mn-cs"/>
+              </a:defRPr>
+            </a:lvl7pPr>
+            <a:lvl8pPr marL="2807335" indent="-247015" algn="l" defTabSz="914400" rtl="0" eaLnBrk="1" latinLnBrk="0" hangingPunct="1">
+              <a:lnSpc>
+                <a:spcPct val="90000"/>
+              </a:lnSpc>
+              <a:spcBef>
+                <a:spcPts val="600"/>
+              </a:spcBef>
+              <a:buFont typeface="Euphemia" pitchFamily="34" charset="0"/>
+              <a:buChar char="–"/>
+              <a:defRPr sz="1800" kern="1200" baseline="0">
+                <a:solidFill>
+                  <a:schemeClr val="tx1"/>
+                </a:solidFill>
+                <a:latin typeface="+mn-lt"/>
+                <a:ea typeface="+mn-ea"/>
+                <a:cs typeface="+mn-cs"/>
+              </a:defRPr>
+            </a:lvl8pPr>
+            <a:lvl9pPr marL="3173095" indent="-247015" algn="l" defTabSz="914400" rtl="0" eaLnBrk="1" latinLnBrk="0" hangingPunct="1">
+              <a:lnSpc>
+                <a:spcPct val="90000"/>
+              </a:lnSpc>
+              <a:spcBef>
+                <a:spcPts val="600"/>
+              </a:spcBef>
+              <a:buFont typeface="Euphemia" pitchFamily="34" charset="0"/>
+              <a:buChar char="›"/>
+              <a:defRPr sz="1800" kern="1200" baseline="0">
+                <a:solidFill>
+                  <a:schemeClr val="tx1"/>
+                </a:solidFill>
+                <a:latin typeface="+mn-lt"/>
+                <a:ea typeface="+mn-ea"/>
+                <a:cs typeface="+mn-cs"/>
+              </a:defRPr>
+            </a:lvl9pPr>
+          </a:lstStyle>
+          <a:p>
+            <a:pPr marL="0" indent="0">
+              <a:buNone/>
+            </a:pPr>
+            <a:r>
+              <a:rPr lang="en-US" sz="2000">
+                <a:latin typeface="Times New Roman" panose="02020603050405020304" pitchFamily="18" charset="0"/>
+                <a:cs typeface="Times New Roman" panose="02020603050405020304" pitchFamily="18" charset="0"/>
+              </a:rPr>
+              <a:t>Real or Not? NLP with Disaster Tweets</a:t>
+            </a:r>
+            <a:endParaRPr lang="en-US" sz="2000">
+              <a:latin typeface="Times New Roman" panose="02020603050405020304" pitchFamily="18" charset="0"/>
+              <a:cs typeface="Times New Roman" panose="02020603050405020304" pitchFamily="18" charset="0"/>
+            </a:endParaRPr>
           </a:p>
         </p:txBody>
       </p:sp>
@@ -7715,6 +8294,227 @@
 </file>
 
 <file path=ppt/slides/slide5.xml><?xml version="1.0" encoding="utf-8"?>
+<p:sld xmlns:a="http://schemas.openxmlformats.org/drawingml/2006/main" xmlns:r="http://schemas.openxmlformats.org/officeDocument/2006/relationships" xmlns:p="http://schemas.openxmlformats.org/presentationml/2006/main">
+  <p:cSld>
+    <p:spTree>
+      <p:nvGrpSpPr>
+        <p:cNvPr id="1" name=""/>
+        <p:cNvGrpSpPr/>
+        <p:nvPr/>
+      </p:nvGrpSpPr>
+      <p:grpSpPr/>
+      <p:sp>
+        <p:nvSpPr>
+          <p:cNvPr id="2" name="Title 1"/>
+          <p:cNvSpPr>
+            <a:spLocks noGrp="1"/>
+          </p:cNvSpPr>
+          <p:nvPr>
+            <p:ph type="title"/>
+          </p:nvPr>
+        </p:nvSpPr>
+        <p:spPr/>
+        <p:txBody>
+          <a:bodyPr/>
+          <a:p>
+            <a:r>
+              <a:rPr lang="en-US" sz="2000">
+                <a:latin typeface="Times New Roman" panose="02020603050405020304" pitchFamily="18" charset="0"/>
+                <a:cs typeface="Times New Roman" panose="02020603050405020304" pitchFamily="18" charset="0"/>
+              </a:rPr>
+              <a:t>Combating On​line Ho​st​ile Posts in ​Regional L​anguages dur​ing Emerge​ncy Si​tuation</a:t>
+            </a:r>
+            <a:endParaRPr lang="en-US" sz="2000">
+              <a:latin typeface="Times New Roman" panose="02020603050405020304" pitchFamily="18" charset="0"/>
+              <a:cs typeface="Times New Roman" panose="02020603050405020304" pitchFamily="18" charset="0"/>
+            </a:endParaRPr>
+          </a:p>
+        </p:txBody>
+      </p:sp>
+      <p:sp>
+        <p:nvSpPr>
+          <p:cNvPr id="3" name="Content Placeholder 2"/>
+          <p:cNvSpPr>
+            <a:spLocks noGrp="1"/>
+          </p:cNvSpPr>
+          <p:nvPr>
+            <p:ph sz="half" idx="1"/>
+          </p:nvPr>
+        </p:nvSpPr>
+        <p:spPr>
+          <a:xfrm>
+            <a:off x="1593215" y="1600200"/>
+            <a:ext cx="9782175" cy="4572000"/>
+          </a:xfrm>
+        </p:spPr>
+        <p:txBody>
+          <a:bodyPr/>
+          <a:p>
+            <a:r>
+              <a:rPr lang="en-US" sz="1400">
+                <a:latin typeface="Times New Roman" panose="02020603050405020304" pitchFamily="18" charset="0"/>
+                <a:cs typeface="Times New Roman" panose="02020603050405020304" pitchFamily="18" charset="0"/>
+              </a:rPr>
+              <a:t>This subtask focuses on a variety of hostile posts in Hindi Devanagari script collected from Twitter and Facebook. </a:t>
+            </a:r>
+            <a:endParaRPr lang="en-US" sz="1400">
+              <a:latin typeface="Times New Roman" panose="02020603050405020304" pitchFamily="18" charset="0"/>
+              <a:cs typeface="Times New Roman" panose="02020603050405020304" pitchFamily="18" charset="0"/>
+            </a:endParaRPr>
+          </a:p>
+          <a:p>
+            <a:r>
+              <a:rPr lang="en-US" sz="1400">
+                <a:latin typeface="Times New Roman" panose="02020603050405020304" pitchFamily="18" charset="0"/>
+                <a:cs typeface="Times New Roman" panose="02020603050405020304" pitchFamily="18" charset="0"/>
+              </a:rPr>
+              <a:t>The set of valid categories are fake news, hate speech, offensive, defamation, and non-hostile posts.</a:t>
+            </a:r>
+            <a:endParaRPr lang="en-US" sz="1400">
+              <a:latin typeface="Times New Roman" panose="02020603050405020304" pitchFamily="18" charset="0"/>
+              <a:cs typeface="Times New Roman" panose="02020603050405020304" pitchFamily="18" charset="0"/>
+            </a:endParaRPr>
+          </a:p>
+          <a:p>
+            <a:r>
+              <a:rPr lang="en-US" sz="1400">
+                <a:latin typeface="Times New Roman" panose="02020603050405020304" pitchFamily="18" charset="0"/>
+                <a:cs typeface="Times New Roman" panose="02020603050405020304" pitchFamily="18" charset="0"/>
+              </a:rPr>
+              <a:t> It is a multi-label </a:t>
+            </a:r>
+            <a:r>
+              <a:rPr lang="en-US" sz="1400" b="1">
+                <a:latin typeface="Times New Roman" panose="02020603050405020304" pitchFamily="18" charset="0"/>
+                <a:cs typeface="Times New Roman" panose="02020603050405020304" pitchFamily="18" charset="0"/>
+              </a:rPr>
+              <a:t>multi-class classification</a:t>
+            </a:r>
+            <a:r>
+              <a:rPr lang="en-US" sz="1400">
+                <a:latin typeface="Times New Roman" panose="02020603050405020304" pitchFamily="18" charset="0"/>
+                <a:cs typeface="Times New Roman" panose="02020603050405020304" pitchFamily="18" charset="0"/>
+              </a:rPr>
+              <a:t> problem where each post can belong to one or more of these hostile classes. However, the non-hostile posts cannot be grouped with any other class.</a:t>
+            </a:r>
+            <a:endParaRPr lang="en-US" sz="1400">
+              <a:latin typeface="Times New Roman" panose="02020603050405020304" pitchFamily="18" charset="0"/>
+              <a:cs typeface="Times New Roman" panose="02020603050405020304" pitchFamily="18" charset="0"/>
+            </a:endParaRPr>
+          </a:p>
+          <a:p>
+            <a:r>
+              <a:rPr lang="en-US" sz="1400">
+                <a:gradFill>
+                  <a:gsLst>
+                    <a:gs pos="0">
+                      <a:srgbClr val="007BD3"/>
+                    </a:gs>
+                    <a:gs pos="100000">
+                      <a:srgbClr val="034373"/>
+                    </a:gs>
+                  </a:gsLst>
+                  <a:lin scaled="0"/>
+                </a:gradFill>
+                <a:latin typeface="Times New Roman" panose="02020603050405020304" pitchFamily="18" charset="0"/>
+                <a:cs typeface="Times New Roman" panose="02020603050405020304" pitchFamily="18" charset="0"/>
+              </a:rPr>
+              <a:t>https://competitions.codalab.org/competitions/26654#learn_the_details-overview</a:t>
+            </a:r>
+            <a:endParaRPr lang="en-US" sz="1400">
+              <a:gradFill>
+                <a:gsLst>
+                  <a:gs pos="0">
+                    <a:srgbClr val="007BD3"/>
+                  </a:gs>
+                  <a:gs pos="100000">
+                    <a:srgbClr val="034373"/>
+                  </a:gs>
+                </a:gsLst>
+                <a:lin scaled="0"/>
+              </a:gradFill>
+              <a:latin typeface="Times New Roman" panose="02020603050405020304" pitchFamily="18" charset="0"/>
+              <a:cs typeface="Times New Roman" panose="02020603050405020304" pitchFamily="18" charset="0"/>
+            </a:endParaRPr>
+          </a:p>
+        </p:txBody>
+      </p:sp>
+      <p:pic>
+        <p:nvPicPr>
+          <p:cNvPr id="5" name="Content Placeholder 4"/>
+          <p:cNvPicPr>
+            <a:picLocks noChangeAspect="1"/>
+          </p:cNvPicPr>
+          <p:nvPr>
+            <p:ph sz="half" idx="2"/>
+          </p:nvPr>
+        </p:nvPicPr>
+        <p:blipFill>
+          <a:blip r:embed="rId1"/>
+          <a:stretch>
+            <a:fillRect/>
+          </a:stretch>
+        </p:blipFill>
+        <p:spPr>
+          <a:xfrm>
+            <a:off x="1840230" y="3408045"/>
+            <a:ext cx="9288000" cy="279302"/>
+          </a:xfrm>
+          <a:prstGeom prst="rect">
+            <a:avLst/>
+          </a:prstGeom>
+        </p:spPr>
+      </p:pic>
+      <p:sp>
+        <p:nvSpPr>
+          <p:cNvPr id="6" name="Text Box 5"/>
+          <p:cNvSpPr txBox="1"/>
+          <p:nvPr/>
+        </p:nvSpPr>
+        <p:spPr>
+          <a:xfrm>
+            <a:off x="7192645" y="6205220"/>
+            <a:ext cx="3656330" cy="368300"/>
+          </a:xfrm>
+          <a:prstGeom prst="rect">
+            <a:avLst/>
+          </a:prstGeom>
+          <a:noFill/>
+        </p:spPr>
+        <p:txBody>
+          <a:bodyPr wrap="square" rtlCol="0">
+            <a:spAutoFit/>
+          </a:bodyPr>
+          <a:p>
+            <a:r>
+              <a:rPr lang="en-US"/>
+              <a:t>		Varun Bohara</a:t>
+            </a:r>
+            <a:endParaRPr lang="en-US"/>
+          </a:p>
+        </p:txBody>
+      </p:sp>
+    </p:spTree>
+  </p:cSld>
+  <p:clrMapOvr>
+    <a:masterClrMapping/>
+  </p:clrMapOvr>
+  <mc:AlternateContent xmlns:mc="http://schemas.openxmlformats.org/markup-compatibility/2006">
+    <mc:Choice xmlns:p14="http://schemas.microsoft.com/office/powerpoint/2010/main" Requires="p14">
+      <p:transition spd="med" p14:dur="700">
+        <p:fade/>
+      </p:transition>
+    </mc:Choice>
+    <mc:Fallback>
+      <p:transition spd="med">
+        <p:fade/>
+      </p:transition>
+    </mc:Fallback>
+  </mc:AlternateContent>
+</p:sld>
+</file>
+
+<file path=ppt/slides/slide6.xml><?xml version="1.0" encoding="utf-8"?>
 <p:sld xmlns:a="http://schemas.openxmlformats.org/drawingml/2006/main" xmlns:r="http://schemas.openxmlformats.org/officeDocument/2006/relationships" xmlns:p="http://schemas.openxmlformats.org/presentationml/2006/main">
   <p:cSld>
     <p:spTree>

--- a/Ideas -- v3.0.pptx
+++ b/Ideas -- v3.0.pptx
@@ -7549,8 +7549,8 @@
         </p:nvSpPr>
         <p:spPr>
           <a:xfrm>
-            <a:off x="6200140" y="5589270"/>
-            <a:ext cx="3687445" cy="368300"/>
+            <a:off x="7633335" y="5944870"/>
+            <a:ext cx="2696845" cy="368300"/>
           </a:xfrm>
           <a:prstGeom prst="rect">
             <a:avLst/>
@@ -7563,10 +7563,190 @@
           </a:bodyPr>
           <a:p>
             <a:r>
-              <a:rPr lang="en-US"/>
-              <a:t>Madhurika </a:t>
-            </a:r>
-            <a:endParaRPr lang="en-US"/>
+              <a:rPr lang="en-US" b="1">
+                <a:latin typeface="Calibri" panose="020F0502020204030204" charset="0"/>
+                <a:cs typeface="Calibri" panose="020F0502020204030204" charset="0"/>
+              </a:rPr>
+              <a:t>Madhurika  </a:t>
+            </a:r>
+            <a:r>
+              <a:rPr lang="en-IN" altLang="en-US" b="1">
+                <a:latin typeface="Calibri" panose="020F0502020204030204" charset="0"/>
+                <a:cs typeface="Calibri" panose="020F0502020204030204" charset="0"/>
+              </a:rPr>
+              <a:t>Ganiger</a:t>
+            </a:r>
+            <a:endParaRPr lang="en-IN" altLang="en-US" b="1">
+              <a:latin typeface="Calibri" panose="020F0502020204030204" charset="0"/>
+              <a:cs typeface="Calibri" panose="020F0502020204030204" charset="0"/>
+            </a:endParaRPr>
+          </a:p>
+        </p:txBody>
+      </p:sp>
+      <p:sp>
+        <p:nvSpPr>
+          <p:cNvPr id="3" name="Text Box 2"/>
+          <p:cNvSpPr txBox="1"/>
+          <p:nvPr/>
+        </p:nvSpPr>
+        <p:spPr>
+          <a:xfrm>
+            <a:off x="1569720" y="1167130"/>
+            <a:ext cx="8317865" cy="1876425"/>
+          </a:xfrm>
+          <a:prstGeom prst="rect">
+            <a:avLst/>
+          </a:prstGeom>
+          <a:noFill/>
+        </p:spPr>
+        <p:txBody>
+          <a:bodyPr wrap="square" rtlCol="0" anchor="t">
+            <a:spAutoFit/>
+          </a:bodyPr>
+          <a:p>
+            <a:pPr marL="0" indent="0">
+              <a:buNone/>
+            </a:pPr>
+            <a:r>
+              <a:rPr lang="en-US" b="1" dirty="0">
+                <a:latin typeface="Calibri" panose="020F0502020204030204" charset="0"/>
+                <a:cs typeface="Calibri" panose="020F0502020204030204" charset="0"/>
+                <a:sym typeface="+mn-ea"/>
+              </a:rPr>
+              <a:t> </a:t>
+            </a:r>
+            <a:r>
+              <a:rPr lang="en-US" sz="2800" b="1" dirty="0">
+                <a:latin typeface="Calibri" panose="020F0502020204030204" charset="0"/>
+                <a:cs typeface="Calibri" panose="020F0502020204030204" charset="0"/>
+                <a:sym typeface="+mn-ea"/>
+              </a:rPr>
+              <a:t>  Infant Cry Language Analysis and Recognition:</a:t>
+            </a:r>
+            <a:endParaRPr lang="en-US" sz="2800" b="1" dirty="0">
+              <a:latin typeface="Calibri" panose="020F0502020204030204" charset="0"/>
+              <a:cs typeface="Calibri" panose="020F0502020204030204" charset="0"/>
+            </a:endParaRPr>
+          </a:p>
+          <a:p>
+            <a:pPr marL="457200" lvl="1" indent="0">
+              <a:buFont typeface="+mj-lt"/>
+              <a:buNone/>
+            </a:pPr>
+            <a:r>
+              <a:rPr lang="en-IN" altLang="en-US" dirty="0">
+                <a:sym typeface="+mn-ea"/>
+              </a:rPr>
+              <a:t>   </a:t>
+            </a:r>
+            <a:r>
+              <a:rPr lang="en-IN" altLang="en-US" dirty="0">
+                <a:latin typeface="Calibri" panose="020F0502020204030204" charset="0"/>
+                <a:cs typeface="Calibri" panose="020F0502020204030204" charset="0"/>
+                <a:sym typeface="+mn-ea"/>
+              </a:rPr>
+              <a:t> Determine the reason for cry of the infants may be </a:t>
+            </a:r>
+            <a:r>
+              <a:rPr lang="en-IN" altLang="en-US" dirty="0" err="1">
+                <a:latin typeface="Calibri" panose="020F0502020204030204" charset="0"/>
+                <a:cs typeface="Calibri" panose="020F0502020204030204" charset="0"/>
+                <a:sym typeface="+mn-ea"/>
+              </a:rPr>
+              <a:t>hunger,sleepy,pain</a:t>
+            </a:r>
+            <a:r>
+              <a:rPr lang="en-IN" altLang="en-US" dirty="0">
+                <a:latin typeface="Calibri" panose="020F0502020204030204" charset="0"/>
+                <a:cs typeface="Calibri" panose="020F0502020204030204" charset="0"/>
+                <a:sym typeface="+mn-ea"/>
+              </a:rPr>
+              <a:t> </a:t>
+            </a:r>
+            <a:endParaRPr lang="en-IN" altLang="en-US" dirty="0">
+              <a:latin typeface="Calibri" panose="020F0502020204030204" charset="0"/>
+              <a:cs typeface="Calibri" panose="020F0502020204030204" charset="0"/>
+              <a:sym typeface="+mn-ea"/>
+            </a:endParaRPr>
+          </a:p>
+          <a:p>
+            <a:pPr marL="457200" lvl="1" indent="0">
+              <a:buFont typeface="+mj-lt"/>
+              <a:buNone/>
+            </a:pPr>
+            <a:endParaRPr lang="en-IN" altLang="en-US" dirty="0"/>
+          </a:p>
+          <a:p>
+            <a:pPr marL="0" indent="0">
+              <a:buFont typeface="+mj-lt"/>
+              <a:buNone/>
+            </a:pPr>
+            <a:r>
+              <a:rPr lang="en-IN" altLang="en-US" dirty="0">
+                <a:sym typeface="+mn-ea"/>
+              </a:rPr>
+              <a:t>	</a:t>
+            </a:r>
+            <a:r>
+              <a:rPr lang="en-IN" altLang="en-US" sz="1400" dirty="0">
+                <a:solidFill>
+                  <a:srgbClr val="0070C0"/>
+                </a:solidFill>
+                <a:latin typeface="Calibri" panose="020F0502020204030204" charset="0"/>
+                <a:cs typeface="Calibri" panose="020F0502020204030204" charset="0"/>
+                <a:sym typeface="+mn-ea"/>
+              </a:rPr>
+              <a:t>http://www.ieee-jas.org/fileZDHXBEN/journal/article/zdhxbywb/2019/3/PDF/jas-6-3-778.pdf</a:t>
+            </a:r>
+            <a:endParaRPr lang="en-IN" altLang="en-US" sz="1400" dirty="0">
+              <a:solidFill>
+                <a:srgbClr val="0070C0"/>
+              </a:solidFill>
+              <a:latin typeface="Calibri" panose="020F0502020204030204" charset="0"/>
+              <a:cs typeface="Calibri" panose="020F0502020204030204" charset="0"/>
+              <a:sym typeface="+mn-ea"/>
+            </a:endParaRPr>
+          </a:p>
+          <a:p>
+            <a:pPr marL="0" indent="0">
+              <a:buFont typeface="+mj-lt"/>
+              <a:buNone/>
+            </a:pPr>
+            <a:r>
+              <a:rPr lang="en-US" sz="1400">
+                <a:latin typeface="Calibri" panose="020F0502020204030204" charset="0"/>
+                <a:cs typeface="Calibri" panose="020F0502020204030204" charset="0"/>
+              </a:rPr>
+              <a:t> </a:t>
+            </a:r>
+            <a:endParaRPr lang="en-US" sz="1400">
+              <a:latin typeface="Calibri" panose="020F0502020204030204" charset="0"/>
+              <a:cs typeface="Calibri" panose="020F0502020204030204" charset="0"/>
+            </a:endParaRPr>
+          </a:p>
+          <a:p>
+            <a:pPr marL="0" indent="0">
+              <a:buFont typeface="+mj-lt"/>
+              <a:buNone/>
+            </a:pPr>
+            <a:r>
+              <a:rPr lang="en-IN" altLang="en-US" sz="2000" b="1">
+                <a:latin typeface="Calibri" panose="020F0502020204030204" charset="0"/>
+                <a:cs typeface="Calibri" panose="020F0502020204030204" charset="0"/>
+              </a:rPr>
+              <a:t>Dataset</a:t>
+            </a:r>
+            <a:r>
+              <a:rPr lang="en-IN" altLang="en-US" sz="2000">
+                <a:latin typeface="Calibri" panose="020F0502020204030204" charset="0"/>
+                <a:cs typeface="Calibri" panose="020F0502020204030204" charset="0"/>
+              </a:rPr>
+              <a:t>: https://www.kaggle.com/pengliu1997/infantcrying?</a:t>
+            </a:r>
+            <a:endParaRPr lang="en-IN" altLang="en-US" sz="2000">
+              <a:latin typeface="Calibri" panose="020F0502020204030204" charset="0"/>
+              <a:cs typeface="Calibri" panose="020F0502020204030204" charset="0"/>
+            </a:endParaRPr>
           </a:p>
         </p:txBody>
       </p:sp>
@@ -7996,7 +8176,6 @@
           <a:p>
             <a:r>
               <a:rPr lang="en-US" sz="1400">
-                <a:ln/>
                 <a:gradFill>
                   <a:gsLst>
                     <a:gs pos="0">
@@ -8021,7 +8200,6 @@
               <a:t>https://www.kaggle.com/c/nlp-getting-started</a:t>
             </a:r>
             <a:endParaRPr lang="en-US" sz="1400">
-              <a:ln/>
               <a:gradFill>
                 <a:gsLst>
                   <a:gs pos="0">

--- a/Ideas -- v3.0.pptx
+++ b/Ideas -- v3.0.pptx
@@ -5,18 +5,18 @@
     <p:sldMasterId id="2147483648" r:id="rId1"/>
   </p:sldMasterIdLst>
   <p:notesMasterIdLst>
-    <p:notesMasterId r:id="rId9"/>
+    <p:notesMasterId r:id="rId8"/>
   </p:notesMasterIdLst>
   <p:handoutMasterIdLst>
-    <p:handoutMasterId r:id="rId10"/>
+    <p:handoutMasterId r:id="rId9"/>
   </p:handoutMasterIdLst>
   <p:sldIdLst>
-    <p:sldId id="262" r:id="rId3"/>
-    <p:sldId id="263" r:id="rId4"/>
-    <p:sldId id="264" r:id="rId5"/>
-    <p:sldId id="265" r:id="rId6"/>
-    <p:sldId id="267" r:id="rId7"/>
-    <p:sldId id="266" r:id="rId8"/>
+    <p:sldId id="262" r:id="rId2"/>
+    <p:sldId id="263" r:id="rId3"/>
+    <p:sldId id="264" r:id="rId4"/>
+    <p:sldId id="265" r:id="rId5"/>
+    <p:sldId id="267" r:id="rId6"/>
+    <p:sldId id="266" r:id="rId7"/>
   </p:sldIdLst>
   <p:sldSz cx="12188825" cy="6858000"/>
   <p:notesSz cx="6858000" cy="9144000"/>
@@ -115,6 +115,41 @@
       </a:defRPr>
     </a:lvl9pPr>
   </p:defaultTextStyle>
+  <p:extLst>
+    <p:ext uri="{EFAFB233-063F-42B5-8137-9DF3F51BA10A}">
+      <p15:sldGuideLst xmlns:p15="http://schemas.microsoft.com/office/powerpoint/2012/main">
+        <p15:guide id="1" orient="horz" pos="2160">
+          <p15:clr>
+            <a:srgbClr val="A4A3A4"/>
+          </p15:clr>
+        </p15:guide>
+        <p15:guide id="2" pos="3839">
+          <p15:clr>
+            <a:srgbClr val="A4A3A4"/>
+          </p15:clr>
+        </p15:guide>
+        <p15:guide id="3" pos="1004">
+          <p15:clr>
+            <a:srgbClr val="A4A3A4"/>
+          </p15:clr>
+        </p15:guide>
+      </p15:sldGuideLst>
+    </p:ext>
+    <p:ext uri="{2D200454-40CA-4A62-9FC3-DE9A4176ACB9}">
+      <p15:notesGuideLst xmlns:p15="http://schemas.microsoft.com/office/powerpoint/2012/main">
+        <p15:guide id="1" orient="horz" pos="2880">
+          <p15:clr>
+            <a:srgbClr val="A4A3A4"/>
+          </p15:clr>
+        </p15:guide>
+        <p15:guide id="2" pos="2160">
+          <p15:clr>
+            <a:srgbClr val="A4A3A4"/>
+          </p15:clr>
+        </p15:guide>
+      </p15:notesGuideLst>
+    </p:ext>
+  </p:extLst>
 </p:presentation>
 </file>
 
@@ -200,6 +235,7 @@
           <a:p>
             <a:fld id="{BDB7646E-8811-423A-9C42-2CBFADA00A96}" type="datetimeFigureOut">
               <a:rPr lang="en-US" smtClean="0"/>
+              <a:t>10/5/2020</a:t>
             </a:fld>
             <a:endParaRPr lang="en-US"/>
           </a:p>
@@ -265,12 +301,18 @@
           <a:p>
             <a:fld id="{04360E59-1627-4404-ACC5-51C744AB0F27}" type="slidenum">
               <a:rPr lang="en-US" smtClean="0"/>
+              <a:t>‹#›</a:t>
             </a:fld>
             <a:endParaRPr lang="en-US"/>
           </a:p>
         </p:txBody>
       </p:sp>
     </p:spTree>
+    <p:extLst>
+      <p:ext uri="{BB962C8B-B14F-4D97-AF65-F5344CB8AC3E}">
+        <p14:creationId xmlns:p14="http://schemas.microsoft.com/office/powerpoint/2010/main" val="1"/>
+      </p:ext>
+    </p:extLst>
   </p:cSld>
   <p:clrMap bg1="lt1" tx1="dk1" bg2="lt2" tx2="dk2" accent1="accent1" accent2="accent2" accent3="accent3" accent4="accent4" accent5="accent5" accent6="accent6" hlink="hlink" folHlink="folHlink"/>
 </p:handoutMaster>
@@ -366,6 +408,7 @@
           <a:p>
             <a:fld id="{D677E230-58DD-43ED-96A1-552DDAB53532}" type="datetimeFigureOut">
               <a:rPr lang="en-US" smtClean="0"/>
+              <a:t>10/5/2020</a:t>
             </a:fld>
             <a:endParaRPr lang="en-US"/>
           </a:p>
@@ -432,7 +475,6 @@
               <a:rPr lang="en-US"/>
               <a:t>Click to edit Master text styles</a:t>
             </a:r>
-            <a:endParaRPr lang="en-US"/>
           </a:p>
           <a:p>
             <a:pPr lvl="1"/>
@@ -440,7 +482,6 @@
               <a:rPr lang="en-US"/>
               <a:t>Second level</a:t>
             </a:r>
-            <a:endParaRPr lang="en-US"/>
           </a:p>
           <a:p>
             <a:pPr lvl="2"/>
@@ -448,7 +489,6 @@
               <a:rPr lang="en-US"/>
               <a:t>Third level</a:t>
             </a:r>
-            <a:endParaRPr lang="en-US"/>
           </a:p>
           <a:p>
             <a:pPr lvl="3"/>
@@ -456,7 +496,6 @@
               <a:rPr lang="en-US"/>
               <a:t>Fourth level</a:t>
             </a:r>
-            <a:endParaRPr lang="en-US"/>
           </a:p>
           <a:p>
             <a:pPr lvl="4"/>
@@ -464,7 +503,6 @@
               <a:rPr lang="en-US"/>
               <a:t>Fifth level</a:t>
             </a:r>
-            <a:endParaRPr lang="en-US"/>
           </a:p>
         </p:txBody>
       </p:sp>
@@ -536,6 +574,7 @@
           <a:p>
             <a:fld id="{841221E5-7225-48EB-A4EE-420E7BFCF705}" type="slidenum">
               <a:rPr lang="en-US" smtClean="0"/>
+              <a:t>‹#›</a:t>
             </a:fld>
             <a:endParaRPr lang="en-US"/>
           </a:p>
@@ -640,7 +679,7 @@
 </file>
 
 <file path=ppt/slideLayouts/slideLayout1.xml><?xml version="1.0" encoding="utf-8"?>
-<p:sldLayout xmlns:a="http://schemas.openxmlformats.org/drawingml/2006/main" xmlns:r="http://schemas.openxmlformats.org/officeDocument/2006/relationships" xmlns:p="http://schemas.openxmlformats.org/presentationml/2006/main" type="title" preserve="1" showMasterSp="0">
+<p:sldLayout xmlns:a="http://schemas.openxmlformats.org/drawingml/2006/main" xmlns:r="http://schemas.openxmlformats.org/officeDocument/2006/relationships" xmlns:p="http://schemas.openxmlformats.org/presentationml/2006/main" showMasterSp="0" type="title" preserve="1">
   <p:cSld name="Title Slide">
     <p:spTree>
       <p:nvGrpSpPr>
@@ -698,6 +737,7 @@
           <a:lstStyle/>
           <a:p>
             <a:pPr algn="ctr"/>
+            <a:endParaRPr/>
           </a:p>
         </p:txBody>
       </p:sp>
@@ -745,6 +785,7 @@
           <a:lstStyle/>
           <a:p>
             <a:pPr algn="ctr"/>
+            <a:endParaRPr/>
           </a:p>
         </p:txBody>
       </p:sp>
@@ -790,6 +831,7 @@
           <a:lstStyle/>
           <a:p>
             <a:pPr algn="ctr"/>
+            <a:endParaRPr/>
           </a:p>
         </p:txBody>
       </p:sp>
@@ -837,6 +879,7 @@
           <a:lstStyle/>
           <a:p>
             <a:pPr algn="ctr"/>
+            <a:endParaRPr/>
           </a:p>
         </p:txBody>
       </p:sp>
@@ -885,6 +928,7 @@
           <a:lstStyle/>
           <a:p>
             <a:pPr algn="ctr"/>
+            <a:endParaRPr/>
           </a:p>
         </p:txBody>
       </p:sp>
@@ -968,6 +1012,7 @@
           <a:lstStyle/>
           <a:p>
             <a:pPr algn="ctr"/>
+            <a:endParaRPr/>
           </a:p>
         </p:txBody>
       </p:sp>
@@ -1356,7 +1401,9 @@
         <p:txBody>
           <a:bodyPr vert="horz" wrap="square" lIns="121899" tIns="60949" rIns="121899" bIns="60949" numCol="1" anchor="t" anchorCtr="0" compatLnSpc="1"/>
           <a:lstStyle/>
-          <a:p/>
+          <a:p>
+            <a:endParaRPr/>
+          </a:p>
         </p:txBody>
       </p:sp>
       <p:sp>
@@ -1389,7 +1436,6 @@
               <a:rPr lang="en-US"/>
               <a:t>Click to edit Master title style</a:t>
             </a:r>
-            <a:endParaRPr lang="en-US"/>
           </a:p>
         </p:txBody>
       </p:sp>
@@ -1511,7 +1557,6 @@
               <a:rPr lang="en-US"/>
               <a:t>Click to edit Master subtitle style</a:t>
             </a:r>
-            <a:endParaRPr lang="en-US"/>
           </a:p>
         </p:txBody>
       </p:sp>
@@ -1540,6 +1585,7 @@
           <a:p>
             <a:fld id="{C2C6F8EA-316C-41DE-B9A4-EDCC3A85ED9A}" type="datetimeFigureOut">
               <a:rPr lang="en-US" smtClean="0"/>
+              <a:t>10/5/2020</a:t>
             </a:fld>
             <a:endParaRPr lang="en-US" dirty="0"/>
           </a:p>
@@ -1606,6 +1652,7 @@
           <a:p>
             <a:fld id="{7DC1BBB0-96F0-4077-A278-0F3FB5C104D3}" type="slidenum">
               <a:rPr lang="en-US" smtClean="0"/>
+              <a:t>‹#›</a:t>
             </a:fld>
             <a:endParaRPr lang="en-US"/>
           </a:p>
@@ -1616,13 +1663,13 @@
   <p:clrMapOvr>
     <a:masterClrMapping/>
   </p:clrMapOvr>
-  <mc:AlternateContent xmlns:mc="http://schemas.openxmlformats.org/markup-compatibility/2006">
-    <mc:Choice xmlns:p14="http://schemas.microsoft.com/office/powerpoint/2010/main" Requires="p14">
+  <mc:AlternateContent xmlns:mc="http://schemas.openxmlformats.org/markup-compatibility/2006" xmlns:p14="http://schemas.microsoft.com/office/powerpoint/2010/main">
+    <mc:Choice Requires="p14">
       <p:transition spd="med" p14:dur="700">
         <p:fade/>
       </p:transition>
     </mc:Choice>
-    <mc:Fallback>
+    <mc:Fallback xmlns="">
       <p:transition spd="med">
         <p:fade/>
       </p:transition>
@@ -1667,7 +1714,6 @@
               <a:rPr lang="en-US"/>
               <a:t>Click to edit Master title style</a:t>
             </a:r>
-            <a:endParaRPr lang="en-US"/>
           </a:p>
         </p:txBody>
       </p:sp>
@@ -1707,7 +1753,6 @@
               <a:rPr lang="en-US"/>
               <a:t>Click to edit Master text styles</a:t>
             </a:r>
-            <a:endParaRPr lang="en-US"/>
           </a:p>
           <a:p>
             <a:pPr lvl="1"/>
@@ -1715,7 +1760,6 @@
               <a:rPr lang="en-US"/>
               <a:t>Second level</a:t>
             </a:r>
-            <a:endParaRPr lang="en-US"/>
           </a:p>
           <a:p>
             <a:pPr lvl="2"/>
@@ -1723,7 +1767,6 @@
               <a:rPr lang="en-US"/>
               <a:t>Third level</a:t>
             </a:r>
-            <a:endParaRPr lang="en-US"/>
           </a:p>
           <a:p>
             <a:pPr lvl="3"/>
@@ -1731,7 +1774,6 @@
               <a:rPr lang="en-US"/>
               <a:t>Fourth level</a:t>
             </a:r>
-            <a:endParaRPr lang="en-US"/>
           </a:p>
           <a:p>
             <a:pPr lvl="4"/>
@@ -1739,7 +1781,6 @@
               <a:rPr lang="en-US"/>
               <a:t>Fifth level</a:t>
             </a:r>
-            <a:endParaRPr lang="en-US"/>
           </a:p>
         </p:txBody>
       </p:sp>
@@ -1760,6 +1801,7 @@
           <a:p>
             <a:fld id="{C2C6F8EA-316C-41DE-B9A4-EDCC3A85ED9A}" type="datetimeFigureOut">
               <a:rPr lang="en-US"/>
+              <a:t>10/5/2020</a:t>
             </a:fld>
             <a:endParaRPr lang="en-US"/>
           </a:p>
@@ -1805,6 +1847,7 @@
           <a:p>
             <a:fld id="{7DC1BBB0-96F0-4077-A278-0F3FB5C104D3}" type="slidenum">
               <a:rPr/>
+              <a:t>‹#›</a:t>
             </a:fld>
             <a:endParaRPr/>
           </a:p>
@@ -1815,13 +1858,13 @@
   <p:clrMapOvr>
     <a:masterClrMapping/>
   </p:clrMapOvr>
-  <mc:AlternateContent xmlns:mc="http://schemas.openxmlformats.org/markup-compatibility/2006">
-    <mc:Choice xmlns:p14="http://schemas.microsoft.com/office/powerpoint/2010/main" Requires="p14">
+  <mc:AlternateContent xmlns:mc="http://schemas.openxmlformats.org/markup-compatibility/2006" xmlns:p14="http://schemas.microsoft.com/office/powerpoint/2010/main">
+    <mc:Choice Requires="p14">
       <p:transition spd="med" p14:dur="700">
         <p:fade/>
       </p:transition>
     </mc:Choice>
-    <mc:Fallback>
+    <mc:Fallback xmlns="">
       <p:transition spd="med">
         <p:fade/>
       </p:transition>
@@ -1831,7 +1874,7 @@
 </file>
 
 <file path=ppt/slideLayouts/slideLayout11.xml><?xml version="1.0" encoding="utf-8"?>
-<p:sldLayout xmlns:a="http://schemas.openxmlformats.org/drawingml/2006/main" xmlns:r="http://schemas.openxmlformats.org/officeDocument/2006/relationships" xmlns:p="http://schemas.openxmlformats.org/presentationml/2006/main" type="vertTitleAndTx" preserve="1" showMasterSp="0">
+<p:sldLayout xmlns:a="http://schemas.openxmlformats.org/drawingml/2006/main" xmlns:r="http://schemas.openxmlformats.org/officeDocument/2006/relationships" xmlns:p="http://schemas.openxmlformats.org/presentationml/2006/main" showMasterSp="0" type="vertTitleAndTx" preserve="1">
   <p:cSld name="Vertical Title and Text">
     <p:spTree>
       <p:nvGrpSpPr>
@@ -1892,6 +1935,7 @@
           <a:lstStyle/>
           <a:p>
             <a:pPr lvl="0" algn="ctr"/>
+            <a:endParaRPr/>
           </a:p>
         </p:txBody>
       </p:sp>
@@ -1937,6 +1981,7 @@
           <a:lstStyle/>
           <a:p>
             <a:pPr algn="ctr"/>
+            <a:endParaRPr/>
           </a:p>
         </p:txBody>
       </p:sp>
@@ -1985,6 +2030,7 @@
           <a:lstStyle/>
           <a:p>
             <a:pPr algn="ctr"/>
+            <a:endParaRPr/>
           </a:p>
         </p:txBody>
       </p:sp>
@@ -2033,6 +2079,7 @@
           <a:lstStyle/>
           <a:p>
             <a:pPr algn="ctr"/>
+            <a:endParaRPr/>
           </a:p>
         </p:txBody>
       </p:sp>
@@ -2419,7 +2466,9 @@
         <p:txBody>
           <a:bodyPr vert="horz" wrap="square" lIns="91440" tIns="45720" rIns="91440" bIns="45720" numCol="1" anchor="t" anchorCtr="0" compatLnSpc="1"/>
           <a:lstStyle/>
-          <a:p/>
+          <a:p>
+            <a:endParaRPr/>
+          </a:p>
         </p:txBody>
       </p:sp>
       <p:cxnSp>
@@ -2481,7 +2530,6 @@
               <a:rPr lang="en-US"/>
               <a:t>Click to edit Master title style</a:t>
             </a:r>
-            <a:endParaRPr lang="en-US"/>
           </a:p>
         </p:txBody>
       </p:sp>
@@ -2510,7 +2558,6 @@
               <a:rPr lang="en-US"/>
               <a:t>Click to edit Master text styles</a:t>
             </a:r>
-            <a:endParaRPr lang="en-US"/>
           </a:p>
           <a:p>
             <a:pPr lvl="1"/>
@@ -2518,7 +2565,6 @@
               <a:rPr lang="en-US"/>
               <a:t>Second level</a:t>
             </a:r>
-            <a:endParaRPr lang="en-US"/>
           </a:p>
           <a:p>
             <a:pPr lvl="2"/>
@@ -2526,7 +2572,6 @@
               <a:rPr lang="en-US"/>
               <a:t>Third level</a:t>
             </a:r>
-            <a:endParaRPr lang="en-US"/>
           </a:p>
           <a:p>
             <a:pPr lvl="3"/>
@@ -2534,7 +2579,6 @@
               <a:rPr lang="en-US"/>
               <a:t>Fourth level</a:t>
             </a:r>
-            <a:endParaRPr lang="en-US"/>
           </a:p>
           <a:p>
             <a:pPr lvl="4"/>
@@ -2542,7 +2586,6 @@
               <a:rPr lang="en-US"/>
               <a:t>Fifth level</a:t>
             </a:r>
-            <a:endParaRPr lang="en-US"/>
           </a:p>
         </p:txBody>
       </p:sp>
@@ -2563,6 +2606,7 @@
           <a:p>
             <a:fld id="{C2C6F8EA-316C-41DE-B9A4-EDCC3A85ED9A}" type="datetimeFigureOut">
               <a:rPr lang="en-US"/>
+              <a:t>10/5/2020</a:t>
             </a:fld>
             <a:endParaRPr lang="en-US"/>
           </a:p>
@@ -2608,6 +2652,7 @@
           <a:p>
             <a:fld id="{7DC1BBB0-96F0-4077-A278-0F3FB5C104D3}" type="slidenum">
               <a:rPr/>
+              <a:t>‹#›</a:t>
             </a:fld>
             <a:endParaRPr/>
           </a:p>
@@ -2618,13 +2663,13 @@
   <p:clrMapOvr>
     <a:masterClrMapping/>
   </p:clrMapOvr>
-  <mc:AlternateContent xmlns:mc="http://schemas.openxmlformats.org/markup-compatibility/2006">
-    <mc:Choice xmlns:p14="http://schemas.microsoft.com/office/powerpoint/2010/main" Requires="p14">
+  <mc:AlternateContent xmlns:mc="http://schemas.openxmlformats.org/markup-compatibility/2006" xmlns:p14="http://schemas.microsoft.com/office/powerpoint/2010/main">
+    <mc:Choice Requires="p14">
       <p:transition spd="med" p14:dur="700">
         <p:fade/>
       </p:transition>
     </mc:Choice>
-    <mc:Fallback>
+    <mc:Fallback xmlns="">
       <p:transition spd="med">
         <p:fade/>
       </p:transition>
@@ -2669,7 +2714,6 @@
               <a:rPr lang="en-US"/>
               <a:t>Click to edit Master title style</a:t>
             </a:r>
-            <a:endParaRPr lang="en-US"/>
           </a:p>
         </p:txBody>
       </p:sp>
@@ -2709,7 +2753,6 @@
               <a:rPr lang="en-US"/>
               <a:t>Click to edit Master text styles</a:t>
             </a:r>
-            <a:endParaRPr lang="en-US"/>
           </a:p>
           <a:p>
             <a:pPr lvl="1"/>
@@ -2717,7 +2760,6 @@
               <a:rPr lang="en-US"/>
               <a:t>Second level</a:t>
             </a:r>
-            <a:endParaRPr lang="en-US"/>
           </a:p>
           <a:p>
             <a:pPr lvl="2"/>
@@ -2725,7 +2767,6 @@
               <a:rPr lang="en-US"/>
               <a:t>Third level</a:t>
             </a:r>
-            <a:endParaRPr lang="en-US"/>
           </a:p>
           <a:p>
             <a:pPr lvl="3"/>
@@ -2733,7 +2774,6 @@
               <a:rPr lang="en-US"/>
               <a:t>Fourth level</a:t>
             </a:r>
-            <a:endParaRPr lang="en-US"/>
           </a:p>
           <a:p>
             <a:pPr lvl="4"/>
@@ -2762,6 +2802,7 @@
           <a:p>
             <a:fld id="{C2C6F8EA-316C-41DE-B9A4-EDCC3A85ED9A}" type="datetimeFigureOut">
               <a:rPr lang="en-US"/>
+              <a:t>10/5/2020</a:t>
             </a:fld>
             <a:endParaRPr dirty="0"/>
           </a:p>
@@ -2807,6 +2848,7 @@
           <a:p>
             <a:fld id="{7DC1BBB0-96F0-4077-A278-0F3FB5C104D3}" type="slidenum">
               <a:rPr/>
+              <a:t>‹#›</a:t>
             </a:fld>
             <a:endParaRPr/>
           </a:p>
@@ -2817,13 +2859,13 @@
   <p:clrMapOvr>
     <a:masterClrMapping/>
   </p:clrMapOvr>
-  <mc:AlternateContent xmlns:mc="http://schemas.openxmlformats.org/markup-compatibility/2006">
-    <mc:Choice xmlns:p14="http://schemas.microsoft.com/office/powerpoint/2010/main" Requires="p14">
+  <mc:AlternateContent xmlns:mc="http://schemas.openxmlformats.org/markup-compatibility/2006" xmlns:p14="http://schemas.microsoft.com/office/powerpoint/2010/main">
+    <mc:Choice Requires="p14">
       <p:transition spd="med" p14:dur="700">
         <p:fade/>
       </p:transition>
     </mc:Choice>
-    <mc:Fallback>
+    <mc:Fallback xmlns="">
       <p:transition spd="med">
         <p:fade/>
       </p:transition>
@@ -2833,7 +2875,7 @@
 </file>
 
 <file path=ppt/slideLayouts/slideLayout3.xml><?xml version="1.0" encoding="utf-8"?>
-<p:sldLayout xmlns:a="http://schemas.openxmlformats.org/drawingml/2006/main" xmlns:r="http://schemas.openxmlformats.org/officeDocument/2006/relationships" xmlns:p="http://schemas.openxmlformats.org/presentationml/2006/main" type="secHead" preserve="1" showMasterSp="0">
+<p:sldLayout xmlns:a="http://schemas.openxmlformats.org/drawingml/2006/main" xmlns:r="http://schemas.openxmlformats.org/officeDocument/2006/relationships" xmlns:p="http://schemas.openxmlformats.org/presentationml/2006/main" showMasterSp="0" type="secHead" preserve="1">
   <p:cSld name="Section Header">
     <p:spTree>
       <p:nvGrpSpPr>
@@ -2891,6 +2933,7 @@
           <a:lstStyle/>
           <a:p>
             <a:pPr algn="ctr"/>
+            <a:endParaRPr/>
           </a:p>
         </p:txBody>
       </p:sp>
@@ -2938,6 +2981,7 @@
           <a:lstStyle/>
           <a:p>
             <a:pPr algn="ctr"/>
+            <a:endParaRPr/>
           </a:p>
         </p:txBody>
       </p:sp>
@@ -2983,6 +3027,7 @@
           <a:lstStyle/>
           <a:p>
             <a:pPr algn="ctr"/>
+            <a:endParaRPr/>
           </a:p>
         </p:txBody>
       </p:sp>
@@ -3031,6 +3076,7 @@
           <a:lstStyle/>
           <a:p>
             <a:pPr algn="ctr"/>
+            <a:endParaRPr/>
           </a:p>
         </p:txBody>
       </p:sp>
@@ -3114,6 +3160,7 @@
           <a:lstStyle/>
           <a:p>
             <a:pPr algn="ctr"/>
+            <a:endParaRPr/>
           </a:p>
         </p:txBody>
       </p:sp>
@@ -3432,7 +3479,9 @@
         <p:txBody>
           <a:bodyPr vert="horz" wrap="square" lIns="121899" tIns="60949" rIns="121899" bIns="60949" numCol="1" anchor="t" anchorCtr="0" compatLnSpc="1"/>
           <a:lstStyle/>
-          <a:p/>
+          <a:p>
+            <a:endParaRPr/>
+          </a:p>
         </p:txBody>
       </p:sp>
       <p:cxnSp>
@@ -3512,6 +3561,7 @@
           <a:lstStyle/>
           <a:p>
             <a:pPr algn="ctr"/>
+            <a:endParaRPr/>
           </a:p>
         </p:txBody>
       </p:sp>
@@ -3559,6 +3609,7 @@
           <a:lstStyle/>
           <a:p>
             <a:pPr algn="ctr"/>
+            <a:endParaRPr/>
           </a:p>
         </p:txBody>
       </p:sp>
@@ -3604,6 +3655,7 @@
           <a:lstStyle/>
           <a:p>
             <a:pPr algn="ctr"/>
+            <a:endParaRPr/>
           </a:p>
         </p:txBody>
       </p:sp>
@@ -3651,6 +3703,7 @@
           <a:lstStyle/>
           <a:p>
             <a:pPr algn="ctr"/>
+            <a:endParaRPr/>
           </a:p>
         </p:txBody>
       </p:sp>
@@ -3699,6 +3752,7 @@
           <a:lstStyle/>
           <a:p>
             <a:pPr algn="ctr"/>
+            <a:endParaRPr/>
           </a:p>
         </p:txBody>
       </p:sp>
@@ -3782,6 +3836,7 @@
           <a:lstStyle/>
           <a:p>
             <a:pPr algn="ctr"/>
+            <a:endParaRPr/>
           </a:p>
         </p:txBody>
       </p:sp>
@@ -3850,7 +3905,6 @@
               <a:rPr lang="en-US"/>
               <a:t>Click to edit Master title style</a:t>
             </a:r>
-            <a:endParaRPr lang="en-US"/>
           </a:p>
         </p:txBody>
       </p:sp>
@@ -3973,7 +4027,6 @@
               <a:rPr lang="en-US"/>
               <a:t>Click to edit Master text styles</a:t>
             </a:r>
-            <a:endParaRPr lang="en-US"/>
           </a:p>
         </p:txBody>
       </p:sp>
@@ -4002,6 +4055,7 @@
           <a:p>
             <a:fld id="{C2C6F8EA-316C-41DE-B9A4-EDCC3A85ED9A}" type="datetimeFigureOut">
               <a:rPr lang="en-US" smtClean="0"/>
+              <a:t>10/5/2020</a:t>
             </a:fld>
             <a:endParaRPr lang="en-US" dirty="0"/>
           </a:p>
@@ -4068,6 +4122,7 @@
           <a:p>
             <a:fld id="{7DC1BBB0-96F0-4077-A278-0F3FB5C104D3}" type="slidenum">
               <a:rPr lang="en-US" smtClean="0"/>
+              <a:t>‹#›</a:t>
             </a:fld>
             <a:endParaRPr lang="en-US"/>
           </a:p>
@@ -4078,13 +4133,13 @@
   <p:clrMapOvr>
     <a:masterClrMapping/>
   </p:clrMapOvr>
-  <mc:AlternateContent xmlns:mc="http://schemas.openxmlformats.org/markup-compatibility/2006">
-    <mc:Choice xmlns:p14="http://schemas.microsoft.com/office/powerpoint/2010/main" Requires="p14">
+  <mc:AlternateContent xmlns:mc="http://schemas.openxmlformats.org/markup-compatibility/2006" xmlns:p14="http://schemas.microsoft.com/office/powerpoint/2010/main">
+    <mc:Choice Requires="p14">
       <p:transition spd="med" p14:dur="700">
         <p:fade/>
       </p:transition>
     </mc:Choice>
-    <mc:Fallback>
+    <mc:Fallback xmlns="">
       <p:transition spd="med">
         <p:fade/>
       </p:transition>
@@ -4129,7 +4184,6 @@
               <a:rPr lang="en-US"/>
               <a:t>Click to edit Master title style</a:t>
             </a:r>
-            <a:endParaRPr lang="en-US"/>
           </a:p>
         </p:txBody>
       </p:sp>
@@ -4186,7 +4240,6 @@
               <a:rPr lang="en-US"/>
               <a:t>Click to edit Master text styles</a:t>
             </a:r>
-            <a:endParaRPr lang="en-US"/>
           </a:p>
           <a:p>
             <a:pPr lvl="1"/>
@@ -4194,7 +4247,6 @@
               <a:rPr lang="en-US"/>
               <a:t>Second level</a:t>
             </a:r>
-            <a:endParaRPr lang="en-US"/>
           </a:p>
           <a:p>
             <a:pPr lvl="2"/>
@@ -4202,7 +4254,6 @@
               <a:rPr lang="en-US"/>
               <a:t>Third level</a:t>
             </a:r>
-            <a:endParaRPr lang="en-US"/>
           </a:p>
           <a:p>
             <a:pPr lvl="3"/>
@@ -4210,7 +4261,6 @@
               <a:rPr lang="en-US"/>
               <a:t>Fourth level</a:t>
             </a:r>
-            <a:endParaRPr lang="en-US"/>
           </a:p>
           <a:p>
             <a:pPr lvl="4"/>
@@ -4218,7 +4268,6 @@
               <a:rPr lang="en-US"/>
               <a:t>Fifth level</a:t>
             </a:r>
-            <a:endParaRPr lang="en-US"/>
           </a:p>
         </p:txBody>
       </p:sp>
@@ -4275,7 +4324,6 @@
               <a:rPr lang="en-US"/>
               <a:t>Click to edit Master text styles</a:t>
             </a:r>
-            <a:endParaRPr lang="en-US"/>
           </a:p>
           <a:p>
             <a:pPr lvl="1"/>
@@ -4283,7 +4331,6 @@
               <a:rPr lang="en-US"/>
               <a:t>Second level</a:t>
             </a:r>
-            <a:endParaRPr lang="en-US"/>
           </a:p>
           <a:p>
             <a:pPr lvl="2"/>
@@ -4291,7 +4338,6 @@
               <a:rPr lang="en-US"/>
               <a:t>Third level</a:t>
             </a:r>
-            <a:endParaRPr lang="en-US"/>
           </a:p>
           <a:p>
             <a:pPr lvl="3"/>
@@ -4299,7 +4345,6 @@
               <a:rPr lang="en-US"/>
               <a:t>Fourth level</a:t>
             </a:r>
-            <a:endParaRPr lang="en-US"/>
           </a:p>
           <a:p>
             <a:pPr lvl="4"/>
@@ -4307,7 +4352,6 @@
               <a:rPr lang="en-US"/>
               <a:t>Fifth level</a:t>
             </a:r>
-            <a:endParaRPr lang="en-US"/>
           </a:p>
         </p:txBody>
       </p:sp>
@@ -4328,6 +4372,7 @@
           <a:p>
             <a:fld id="{C2C6F8EA-316C-41DE-B9A4-EDCC3A85ED9A}" type="datetimeFigureOut">
               <a:rPr lang="en-US"/>
+              <a:t>10/5/2020</a:t>
             </a:fld>
             <a:endParaRPr lang="en-US"/>
           </a:p>
@@ -4373,6 +4418,7 @@
           <a:p>
             <a:fld id="{7DC1BBB0-96F0-4077-A278-0F3FB5C104D3}" type="slidenum">
               <a:rPr/>
+              <a:t>‹#›</a:t>
             </a:fld>
             <a:endParaRPr/>
           </a:p>
@@ -4383,13 +4429,13 @@
   <p:clrMapOvr>
     <a:masterClrMapping/>
   </p:clrMapOvr>
-  <mc:AlternateContent xmlns:mc="http://schemas.openxmlformats.org/markup-compatibility/2006">
-    <mc:Choice xmlns:p14="http://schemas.microsoft.com/office/powerpoint/2010/main" Requires="p14">
+  <mc:AlternateContent xmlns:mc="http://schemas.openxmlformats.org/markup-compatibility/2006" xmlns:p14="http://schemas.microsoft.com/office/powerpoint/2010/main">
+    <mc:Choice Requires="p14">
       <p:transition spd="med" p14:dur="700">
         <p:fade/>
       </p:transition>
     </mc:Choice>
-    <mc:Fallback>
+    <mc:Fallback xmlns="">
       <p:transition spd="med">
         <p:fade/>
       </p:transition>
@@ -4438,7 +4484,6 @@
               <a:rPr lang="en-US"/>
               <a:t>Click to edit Master title style</a:t>
             </a:r>
-            <a:endParaRPr lang="en-US"/>
           </a:p>
         </p:txBody>
       </p:sp>
@@ -4509,7 +4554,6 @@
               <a:rPr lang="en-US"/>
               <a:t>Click to edit Master text styles</a:t>
             </a:r>
-            <a:endParaRPr lang="en-US"/>
           </a:p>
         </p:txBody>
       </p:sp>
@@ -4568,7 +4612,6 @@
               <a:rPr lang="en-US"/>
               <a:t>Click to edit Master text styles</a:t>
             </a:r>
-            <a:endParaRPr lang="en-US"/>
           </a:p>
           <a:p>
             <a:pPr lvl="1"/>
@@ -4576,7 +4619,6 @@
               <a:rPr lang="en-US"/>
               <a:t>Second level</a:t>
             </a:r>
-            <a:endParaRPr lang="en-US"/>
           </a:p>
           <a:p>
             <a:pPr lvl="2"/>
@@ -4584,7 +4626,6 @@
               <a:rPr lang="en-US"/>
               <a:t>Third level</a:t>
             </a:r>
-            <a:endParaRPr lang="en-US"/>
           </a:p>
           <a:p>
             <a:pPr lvl="3"/>
@@ -4592,7 +4633,6 @@
               <a:rPr lang="en-US"/>
               <a:t>Fourth level</a:t>
             </a:r>
-            <a:endParaRPr lang="en-US"/>
           </a:p>
           <a:p>
             <a:pPr lvl="4"/>
@@ -4671,7 +4711,6 @@
               <a:rPr lang="en-US"/>
               <a:t>Click to edit Master text styles</a:t>
             </a:r>
-            <a:endParaRPr lang="en-US"/>
           </a:p>
         </p:txBody>
       </p:sp>
@@ -4730,7 +4769,6 @@
               <a:rPr lang="en-US"/>
               <a:t>Click to edit Master text styles</a:t>
             </a:r>
-            <a:endParaRPr lang="en-US"/>
           </a:p>
           <a:p>
             <a:pPr lvl="1"/>
@@ -4738,7 +4776,6 @@
               <a:rPr lang="en-US"/>
               <a:t>Second level</a:t>
             </a:r>
-            <a:endParaRPr lang="en-US"/>
           </a:p>
           <a:p>
             <a:pPr lvl="2"/>
@@ -4746,7 +4783,6 @@
               <a:rPr lang="en-US"/>
               <a:t>Third level</a:t>
             </a:r>
-            <a:endParaRPr lang="en-US"/>
           </a:p>
           <a:p>
             <a:pPr lvl="3"/>
@@ -4754,7 +4790,6 @@
               <a:rPr lang="en-US"/>
               <a:t>Fourth level</a:t>
             </a:r>
-            <a:endParaRPr lang="en-US"/>
           </a:p>
           <a:p>
             <a:pPr lvl="4"/>
@@ -4762,7 +4797,6 @@
               <a:rPr lang="en-US"/>
               <a:t>Fifth level</a:t>
             </a:r>
-            <a:endParaRPr lang="en-US"/>
           </a:p>
         </p:txBody>
       </p:sp>
@@ -4783,6 +4817,7 @@
           <a:p>
             <a:fld id="{C2C6F8EA-316C-41DE-B9A4-EDCC3A85ED9A}" type="datetimeFigureOut">
               <a:rPr lang="en-US"/>
+              <a:t>10/5/2020</a:t>
             </a:fld>
             <a:endParaRPr lang="en-US"/>
           </a:p>
@@ -4828,6 +4863,7 @@
           <a:p>
             <a:fld id="{7DC1BBB0-96F0-4077-A278-0F3FB5C104D3}" type="slidenum">
               <a:rPr/>
+              <a:t>‹#›</a:t>
             </a:fld>
             <a:endParaRPr/>
           </a:p>
@@ -4838,13 +4874,13 @@
   <p:clrMapOvr>
     <a:masterClrMapping/>
   </p:clrMapOvr>
-  <mc:AlternateContent xmlns:mc="http://schemas.openxmlformats.org/markup-compatibility/2006">
-    <mc:Choice xmlns:p14="http://schemas.microsoft.com/office/powerpoint/2010/main" Requires="p14">
+  <mc:AlternateContent xmlns:mc="http://schemas.openxmlformats.org/markup-compatibility/2006" xmlns:p14="http://schemas.microsoft.com/office/powerpoint/2010/main">
+    <mc:Choice Requires="p14">
       <p:transition spd="med" p14:dur="700">
         <p:fade/>
       </p:transition>
     </mc:Choice>
-    <mc:Fallback>
+    <mc:Fallback xmlns="">
       <p:transition spd="med">
         <p:fade/>
       </p:transition>
@@ -4889,7 +4925,6 @@
               <a:rPr lang="en-US"/>
               <a:t>Click to edit Master title style</a:t>
             </a:r>
-            <a:endParaRPr lang="en-US"/>
           </a:p>
         </p:txBody>
       </p:sp>
@@ -4910,6 +4945,7 @@
           <a:p>
             <a:fld id="{C2C6F8EA-316C-41DE-B9A4-EDCC3A85ED9A}" type="datetimeFigureOut">
               <a:rPr lang="en-US"/>
+              <a:t>10/5/2020</a:t>
             </a:fld>
             <a:endParaRPr lang="en-US"/>
           </a:p>
@@ -4955,6 +4991,7 @@
           <a:p>
             <a:fld id="{7DC1BBB0-96F0-4077-A278-0F3FB5C104D3}" type="slidenum">
               <a:rPr/>
+              <a:t>‹#›</a:t>
             </a:fld>
             <a:endParaRPr/>
           </a:p>
@@ -4965,13 +5002,13 @@
   <p:clrMapOvr>
     <a:masterClrMapping/>
   </p:clrMapOvr>
-  <mc:AlternateContent xmlns:mc="http://schemas.openxmlformats.org/markup-compatibility/2006">
-    <mc:Choice xmlns:p14="http://schemas.microsoft.com/office/powerpoint/2010/main" Requires="p14">
+  <mc:AlternateContent xmlns:mc="http://schemas.openxmlformats.org/markup-compatibility/2006" xmlns:p14="http://schemas.microsoft.com/office/powerpoint/2010/main">
+    <mc:Choice Requires="p14">
       <p:transition spd="med" p14:dur="700">
         <p:fade/>
       </p:transition>
     </mc:Choice>
-    <mc:Fallback>
+    <mc:Fallback xmlns="">
       <p:transition spd="med">
         <p:fade/>
       </p:transition>
@@ -4981,7 +5018,7 @@
 </file>
 
 <file path=ppt/slideLayouts/slideLayout7.xml><?xml version="1.0" encoding="utf-8"?>
-<p:sldLayout xmlns:a="http://schemas.openxmlformats.org/drawingml/2006/main" xmlns:r="http://schemas.openxmlformats.org/officeDocument/2006/relationships" xmlns:p="http://schemas.openxmlformats.org/presentationml/2006/main" type="blank" preserve="1" showMasterSp="0">
+<p:sldLayout xmlns:a="http://schemas.openxmlformats.org/drawingml/2006/main" xmlns:r="http://schemas.openxmlformats.org/officeDocument/2006/relationships" xmlns:p="http://schemas.openxmlformats.org/presentationml/2006/main" showMasterSp="0" type="blank" preserve="1">
   <p:cSld name="Blank">
     <p:spTree>
       <p:nvGrpSpPr>
@@ -5039,6 +5076,7 @@
           <a:lstStyle/>
           <a:p>
             <a:pPr lvl="0" algn="ctr"/>
+            <a:endParaRPr/>
           </a:p>
         </p:txBody>
       </p:sp>
@@ -5087,6 +5125,7 @@
           <a:lstStyle/>
           <a:p>
             <a:pPr lvl="0" algn="ctr"/>
+            <a:endParaRPr/>
           </a:p>
         </p:txBody>
       </p:sp>
@@ -5170,6 +5209,7 @@
           <a:lstStyle/>
           <a:p>
             <a:pPr lvl="0" algn="ctr"/>
+            <a:endParaRPr/>
           </a:p>
         </p:txBody>
       </p:sp>
@@ -5218,6 +5258,7 @@
           <a:lstStyle/>
           <a:p>
             <a:pPr lvl="0" algn="ctr"/>
+            <a:endParaRPr/>
           </a:p>
         </p:txBody>
       </p:sp>
@@ -5238,6 +5279,7 @@
           <a:p>
             <a:fld id="{C2C6F8EA-316C-41DE-B9A4-EDCC3A85ED9A}" type="datetimeFigureOut">
               <a:rPr lang="en-US"/>
+              <a:t>10/5/2020</a:t>
             </a:fld>
             <a:endParaRPr lang="en-US"/>
           </a:p>
@@ -5291,6 +5333,7 @@
           <a:p>
             <a:fld id="{7DC1BBB0-96F0-4077-A278-0F3FB5C104D3}" type="slidenum">
               <a:rPr/>
+              <a:t>‹#›</a:t>
             </a:fld>
             <a:endParaRPr/>
           </a:p>
@@ -5301,13 +5344,13 @@
   <p:clrMapOvr>
     <a:masterClrMapping/>
   </p:clrMapOvr>
-  <mc:AlternateContent xmlns:mc="http://schemas.openxmlformats.org/markup-compatibility/2006">
-    <mc:Choice xmlns:p14="http://schemas.microsoft.com/office/powerpoint/2010/main" Requires="p14">
+  <mc:AlternateContent xmlns:mc="http://schemas.openxmlformats.org/markup-compatibility/2006" xmlns:p14="http://schemas.microsoft.com/office/powerpoint/2010/main">
+    <mc:Choice Requires="p14">
       <p:transition spd="med" p14:dur="700">
         <p:fade/>
       </p:transition>
     </mc:Choice>
-    <mc:Fallback>
+    <mc:Fallback xmlns="">
       <p:transition spd="med">
         <p:fade/>
       </p:transition>
@@ -5317,7 +5360,7 @@
 </file>
 
 <file path=ppt/slideLayouts/slideLayout8.xml><?xml version="1.0" encoding="utf-8"?>
-<p:sldLayout xmlns:a="http://schemas.openxmlformats.org/drawingml/2006/main" xmlns:r="http://schemas.openxmlformats.org/officeDocument/2006/relationships" xmlns:p="http://schemas.openxmlformats.org/presentationml/2006/main" type="objTx" preserve="1" showMasterSp="0">
+<p:sldLayout xmlns:a="http://schemas.openxmlformats.org/drawingml/2006/main" xmlns:r="http://schemas.openxmlformats.org/officeDocument/2006/relationships" xmlns:p="http://schemas.openxmlformats.org/presentationml/2006/main" showMasterSp="0" type="objTx" preserve="1">
   <p:cSld name="Content with Caption">
     <p:spTree>
       <p:nvGrpSpPr>
@@ -5377,6 +5420,7 @@
           <a:lstStyle/>
           <a:p>
             <a:pPr lvl="0" algn="ctr"/>
+            <a:endParaRPr/>
           </a:p>
         </p:txBody>
       </p:sp>
@@ -5425,6 +5469,7 @@
           <a:lstStyle/>
           <a:p>
             <a:pPr lvl="0" algn="ctr"/>
+            <a:endParaRPr/>
           </a:p>
         </p:txBody>
       </p:sp>
@@ -5507,6 +5552,7 @@
           <a:lstStyle/>
           <a:p>
             <a:pPr lvl="0" algn="ctr"/>
+            <a:endParaRPr/>
           </a:p>
         </p:txBody>
       </p:sp>
@@ -5544,7 +5590,6 @@
               <a:rPr lang="en-US"/>
               <a:t>Click to edit Master title style</a:t>
             </a:r>
-            <a:endParaRPr lang="en-US"/>
           </a:p>
         </p:txBody>
       </p:sp>
@@ -5603,7 +5648,6 @@
               <a:rPr lang="en-US"/>
               <a:t>Click to edit Master text styles</a:t>
             </a:r>
-            <a:endParaRPr lang="en-US"/>
           </a:p>
           <a:p>
             <a:pPr lvl="1"/>
@@ -5611,7 +5655,6 @@
               <a:rPr lang="en-US"/>
               <a:t>Second level</a:t>
             </a:r>
-            <a:endParaRPr lang="en-US"/>
           </a:p>
           <a:p>
             <a:pPr lvl="2"/>
@@ -5619,7 +5662,6 @@
               <a:rPr lang="en-US"/>
               <a:t>Third level</a:t>
             </a:r>
-            <a:endParaRPr lang="en-US"/>
           </a:p>
           <a:p>
             <a:pPr lvl="3"/>
@@ -5627,7 +5669,6 @@
               <a:rPr lang="en-US"/>
               <a:t>Fourth level</a:t>
             </a:r>
-            <a:endParaRPr lang="en-US"/>
           </a:p>
           <a:p>
             <a:pPr lvl="4"/>
@@ -5635,7 +5676,6 @@
               <a:rPr lang="en-US"/>
               <a:t>Fifth level</a:t>
             </a:r>
-            <a:endParaRPr lang="en-US"/>
           </a:p>
         </p:txBody>
       </p:sp>
@@ -5707,7 +5747,6 @@
               <a:rPr lang="en-US"/>
               <a:t>Click to edit Master text styles</a:t>
             </a:r>
-            <a:endParaRPr lang="en-US"/>
           </a:p>
         </p:txBody>
       </p:sp>
@@ -5728,6 +5767,7 @@
           <a:p>
             <a:fld id="{C2C6F8EA-316C-41DE-B9A4-EDCC3A85ED9A}" type="datetimeFigureOut">
               <a:rPr lang="en-US"/>
+              <a:t>10/5/2020</a:t>
             </a:fld>
             <a:endParaRPr lang="en-US"/>
           </a:p>
@@ -5773,6 +5813,7 @@
           <a:p>
             <a:fld id="{7DC1BBB0-96F0-4077-A278-0F3FB5C104D3}" type="slidenum">
               <a:rPr/>
+              <a:t>‹#›</a:t>
             </a:fld>
             <a:endParaRPr/>
           </a:p>
@@ -5783,13 +5824,13 @@
   <p:clrMapOvr>
     <a:masterClrMapping/>
   </p:clrMapOvr>
-  <mc:AlternateContent xmlns:mc="http://schemas.openxmlformats.org/markup-compatibility/2006">
-    <mc:Choice xmlns:p14="http://schemas.microsoft.com/office/powerpoint/2010/main" Requires="p14">
+  <mc:AlternateContent xmlns:mc="http://schemas.openxmlformats.org/markup-compatibility/2006" xmlns:p14="http://schemas.microsoft.com/office/powerpoint/2010/main">
+    <mc:Choice Requires="p14">
       <p:transition spd="med" p14:dur="700">
         <p:fade/>
       </p:transition>
     </mc:Choice>
-    <mc:Fallback>
+    <mc:Fallback xmlns="">
       <p:transition spd="med">
         <p:fade/>
       </p:transition>
@@ -5799,7 +5840,7 @@
 </file>
 
 <file path=ppt/slideLayouts/slideLayout9.xml><?xml version="1.0" encoding="utf-8"?>
-<p:sldLayout xmlns:a="http://schemas.openxmlformats.org/drawingml/2006/main" xmlns:r="http://schemas.openxmlformats.org/officeDocument/2006/relationships" xmlns:p="http://schemas.openxmlformats.org/presentationml/2006/main" type="picTx" preserve="1" showMasterSp="0">
+<p:sldLayout xmlns:a="http://schemas.openxmlformats.org/drawingml/2006/main" xmlns:r="http://schemas.openxmlformats.org/officeDocument/2006/relationships" xmlns:p="http://schemas.openxmlformats.org/presentationml/2006/main" showMasterSp="0" type="picTx" preserve="1">
   <p:cSld name="Picture with Caption">
     <p:spTree>
       <p:nvGrpSpPr>
@@ -5860,6 +5901,7 @@
           <a:lstStyle/>
           <a:p>
             <a:pPr lvl="0" algn="ctr"/>
+            <a:endParaRPr/>
           </a:p>
         </p:txBody>
       </p:sp>
@@ -5907,6 +5949,7 @@
           <a:lstStyle/>
           <a:p>
             <a:pPr lvl="0" algn="ctr"/>
+            <a:endParaRPr/>
           </a:p>
         </p:txBody>
       </p:sp>
@@ -5955,6 +5998,7 @@
           <a:lstStyle/>
           <a:p>
             <a:pPr lvl="0" algn="ctr"/>
+            <a:endParaRPr/>
           </a:p>
         </p:txBody>
       </p:sp>
@@ -5994,7 +6038,6 @@
               <a:rPr lang="en-US"/>
               <a:t>Click to edit Master title style</a:t>
             </a:r>
-            <a:endParaRPr lang="en-US"/>
           </a:p>
         </p:txBody>
       </p:sp>
@@ -6142,7 +6185,6 @@
               <a:rPr lang="en-US"/>
               <a:t>Click to edit Master text styles</a:t>
             </a:r>
-            <a:endParaRPr lang="en-US"/>
           </a:p>
         </p:txBody>
       </p:sp>
@@ -6171,6 +6213,7 @@
           <a:p>
             <a:fld id="{C2C6F8EA-316C-41DE-B9A4-EDCC3A85ED9A}" type="datetimeFigureOut">
               <a:rPr lang="en-US" smtClean="0"/>
+              <a:t>10/5/2020</a:t>
             </a:fld>
             <a:endParaRPr lang="en-US" dirty="0"/>
           </a:p>
@@ -6232,6 +6275,7 @@
           <a:p>
             <a:fld id="{7DC1BBB0-96F0-4077-A278-0F3FB5C104D3}" type="slidenum">
               <a:rPr lang="en-US" smtClean="0"/>
+              <a:t>‹#›</a:t>
             </a:fld>
             <a:endParaRPr lang="en-US"/>
           </a:p>
@@ -6277,13 +6321,13 @@
   <p:clrMapOvr>
     <a:masterClrMapping/>
   </p:clrMapOvr>
-  <mc:AlternateContent xmlns:mc="http://schemas.openxmlformats.org/markup-compatibility/2006">
-    <mc:Choice xmlns:p14="http://schemas.microsoft.com/office/powerpoint/2010/main" Requires="p14">
+  <mc:AlternateContent xmlns:mc="http://schemas.openxmlformats.org/markup-compatibility/2006" xmlns:p14="http://schemas.microsoft.com/office/powerpoint/2010/main">
+    <mc:Choice Requires="p14">
       <p:transition spd="med" p14:dur="700">
         <p:fade/>
       </p:transition>
     </mc:Choice>
-    <mc:Fallback>
+    <mc:Fallback xmlns="">
       <p:transition spd="med">
         <p:fade/>
       </p:transition>
@@ -6359,6 +6403,7 @@
           <a:lstStyle/>
           <a:p>
             <a:pPr lvl="0" algn="ctr"/>
+            <a:endParaRPr/>
           </a:p>
         </p:txBody>
       </p:sp>
@@ -6404,6 +6449,7 @@
           <a:lstStyle/>
           <a:p>
             <a:pPr algn="ctr"/>
+            <a:endParaRPr/>
           </a:p>
         </p:txBody>
       </p:sp>
@@ -6452,6 +6498,7 @@
           <a:lstStyle/>
           <a:p>
             <a:pPr algn="ctr"/>
+            <a:endParaRPr/>
           </a:p>
         </p:txBody>
       </p:sp>
@@ -6500,6 +6547,7 @@
           <a:lstStyle/>
           <a:p>
             <a:pPr algn="ctr"/>
+            <a:endParaRPr/>
           </a:p>
         </p:txBody>
       </p:sp>
@@ -6886,7 +6934,9 @@
         <p:txBody>
           <a:bodyPr vert="horz" wrap="square" lIns="91440" tIns="45720" rIns="91440" bIns="45720" numCol="1" anchor="t" anchorCtr="0" compatLnSpc="1"/>
           <a:lstStyle/>
-          <a:p/>
+          <a:p>
+            <a:endParaRPr/>
+          </a:p>
         </p:txBody>
       </p:sp>
       <p:cxnSp>
@@ -6953,7 +7003,6 @@
               <a:rPr lang="en-US"/>
               <a:t>Click to edit Master title style</a:t>
             </a:r>
-            <a:endParaRPr lang="en-US"/>
           </a:p>
         </p:txBody>
       </p:sp>
@@ -6987,7 +7036,6 @@
               <a:rPr lang="en-US"/>
               <a:t>Click to edit Master text styles</a:t>
             </a:r>
-            <a:endParaRPr lang="en-US"/>
           </a:p>
           <a:p>
             <a:pPr lvl="1"/>
@@ -6995,7 +7043,6 @@
               <a:rPr lang="en-US"/>
               <a:t>Second level</a:t>
             </a:r>
-            <a:endParaRPr lang="en-US"/>
           </a:p>
           <a:p>
             <a:pPr lvl="2"/>
@@ -7003,7 +7050,6 @@
               <a:rPr lang="en-US"/>
               <a:t>Third level</a:t>
             </a:r>
-            <a:endParaRPr lang="en-US"/>
           </a:p>
           <a:p>
             <a:pPr lvl="3"/>
@@ -7011,7 +7057,6 @@
               <a:rPr lang="en-US"/>
               <a:t>Fourth level</a:t>
             </a:r>
-            <a:endParaRPr lang="en-US"/>
           </a:p>
           <a:p>
             <a:pPr lvl="4"/>
@@ -7019,7 +7064,6 @@
               <a:rPr lang="en-US"/>
               <a:t>Fifth level</a:t>
             </a:r>
-            <a:endParaRPr lang="en-US"/>
           </a:p>
         </p:txBody>
       </p:sp>
@@ -7056,6 +7100,7 @@
           <a:p>
             <a:fld id="{C2C6F8EA-316C-41DE-B9A4-EDCC3A85ED9A}" type="datetimeFigureOut">
               <a:rPr lang="en-US" smtClean="0"/>
+              <a:t>10/5/2020</a:t>
             </a:fld>
             <a:endParaRPr lang="en-US" dirty="0"/>
           </a:p>
@@ -7133,6 +7178,7 @@
           <a:p>
             <a:fld id="{7DC1BBB0-96F0-4077-A278-0F3FB5C104D3}" type="slidenum">
               <a:rPr lang="en-US" smtClean="0"/>
+              <a:t>‹#›</a:t>
             </a:fld>
             <a:endParaRPr lang="en-US"/>
           </a:p>
@@ -7154,13 +7200,13 @@
     <p:sldLayoutId id="2147483658" r:id="rId10"/>
     <p:sldLayoutId id="2147483659" r:id="rId11"/>
   </p:sldLayoutIdLst>
-  <mc:AlternateContent xmlns:mc="http://schemas.openxmlformats.org/markup-compatibility/2006">
-    <mc:Choice xmlns:p14="http://schemas.microsoft.com/office/powerpoint/2010/main" Requires="p14">
+  <mc:AlternateContent xmlns:mc="http://schemas.openxmlformats.org/markup-compatibility/2006" xmlns:p14="http://schemas.microsoft.com/office/powerpoint/2010/main">
+    <mc:Choice Requires="p14">
       <p:transition spd="med" p14:dur="700">
         <p:fade/>
       </p:transition>
     </mc:Choice>
-    <mc:Fallback>
+    <mc:Fallback xmlns="">
       <p:transition spd="med">
         <p:fade/>
       </p:transition>
@@ -7509,13 +7555,13 @@
   <p:clrMapOvr>
     <a:masterClrMapping/>
   </p:clrMapOvr>
-  <mc:AlternateContent xmlns:mc="http://schemas.openxmlformats.org/markup-compatibility/2006">
-    <mc:Choice xmlns:p14="http://schemas.microsoft.com/office/powerpoint/2010/main" Requires="p14">
+  <mc:AlternateContent xmlns:mc="http://schemas.openxmlformats.org/markup-compatibility/2006" xmlns:p14="http://schemas.microsoft.com/office/powerpoint/2010/main">
+    <mc:Choice Requires="p14">
       <p:transition spd="med" p14:dur="700">
         <p:fade/>
       </p:transition>
     </mc:Choice>
-    <mc:Fallback>
+    <mc:Fallback xmlns="">
       <p:transition spd="med">
         <p:fade/>
       </p:transition>
@@ -7561,6 +7607,7 @@
           <a:bodyPr wrap="square" rtlCol="0">
             <a:spAutoFit/>
           </a:bodyPr>
+          <a:lstStyle/>
           <a:p>
             <a:r>
               <a:rPr lang="en-US" b="1">
@@ -7576,10 +7623,6 @@
               </a:rPr>
               <a:t>Ganiger</a:t>
             </a:r>
-            <a:endParaRPr lang="en-IN" altLang="en-US" b="1">
-              <a:latin typeface="Calibri" panose="020F0502020204030204" charset="0"/>
-              <a:cs typeface="Calibri" panose="020F0502020204030204" charset="0"/>
-            </a:endParaRPr>
           </a:p>
         </p:txBody>
       </p:sp>
@@ -7603,6 +7646,7 @@
           <a:bodyPr wrap="square" rtlCol="0" anchor="t">
             <a:spAutoFit/>
           </a:bodyPr>
+          <a:lstStyle/>
           <a:p>
             <a:pPr marL="0" indent="0">
               <a:buNone/>
@@ -7663,11 +7707,6 @@
               </a:rPr>
               <a:t> </a:t>
             </a:r>
-            <a:endParaRPr lang="en-IN" altLang="en-US" dirty="0">
-              <a:latin typeface="Calibri" panose="020F0502020204030204" charset="0"/>
-              <a:cs typeface="Calibri" panose="020F0502020204030204" charset="0"/>
-              <a:sym typeface="+mn-ea"/>
-            </a:endParaRPr>
           </a:p>
           <a:p>
             <a:pPr marL="457200" lvl="1" indent="0">
@@ -7698,14 +7737,6 @@
               </a:rPr>
               <a:t>http://www.ieee-jas.org/fileZDHXBEN/journal/article/zdhxbywb/2019/3/PDF/jas-6-3-778.pdf</a:t>
             </a:r>
-            <a:endParaRPr lang="en-IN" altLang="en-US" sz="1400" dirty="0">
-              <a:solidFill>
-                <a:srgbClr val="0070C0"/>
-              </a:solidFill>
-              <a:latin typeface="Calibri" panose="020F0502020204030204" charset="0"/>
-              <a:cs typeface="Calibri" panose="020F0502020204030204" charset="0"/>
-              <a:sym typeface="+mn-ea"/>
-            </a:endParaRPr>
           </a:p>
           <a:p>
             <a:pPr marL="0" indent="0">
@@ -7713,16 +7744,12 @@
               <a:buNone/>
             </a:pPr>
             <a:r>
-              <a:rPr lang="en-US" sz="1400">
+              <a:rPr lang="en-US" sz="1400" dirty="0">
                 <a:latin typeface="Calibri" panose="020F0502020204030204" charset="0"/>
                 <a:cs typeface="Calibri" panose="020F0502020204030204" charset="0"/>
               </a:rPr>
               <a:t> </a:t>
             </a:r>
-            <a:endParaRPr lang="en-US" sz="1400">
-              <a:latin typeface="Calibri" panose="020F0502020204030204" charset="0"/>
-              <a:cs typeface="Calibri" panose="020F0502020204030204" charset="0"/>
-            </a:endParaRPr>
           </a:p>
           <a:p>
             <a:pPr marL="0" indent="0">
@@ -7730,23 +7757,19 @@
               <a:buNone/>
             </a:pPr>
             <a:r>
-              <a:rPr lang="en-IN" altLang="en-US" sz="2000" b="1">
+              <a:rPr lang="en-IN" altLang="en-US" sz="2000" b="1" dirty="0">
                 <a:latin typeface="Calibri" panose="020F0502020204030204" charset="0"/>
                 <a:cs typeface="Calibri" panose="020F0502020204030204" charset="0"/>
               </a:rPr>
               <a:t>Dataset</a:t>
             </a:r>
             <a:r>
-              <a:rPr lang="en-IN" altLang="en-US" sz="2000">
+              <a:rPr lang="en-IN" altLang="en-US" sz="2000" dirty="0">
                 <a:latin typeface="Calibri" panose="020F0502020204030204" charset="0"/>
                 <a:cs typeface="Calibri" panose="020F0502020204030204" charset="0"/>
               </a:rPr>
               <a:t>: https://www.kaggle.com/pengliu1997/infantcrying?</a:t>
             </a:r>
-            <a:endParaRPr lang="en-IN" altLang="en-US" sz="2000">
-              <a:latin typeface="Calibri" panose="020F0502020204030204" charset="0"/>
-              <a:cs typeface="Calibri" panose="020F0502020204030204" charset="0"/>
-            </a:endParaRPr>
           </a:p>
         </p:txBody>
       </p:sp>
@@ -7755,13 +7778,13 @@
   <p:clrMapOvr>
     <a:masterClrMapping/>
   </p:clrMapOvr>
-  <mc:AlternateContent xmlns:mc="http://schemas.openxmlformats.org/markup-compatibility/2006">
-    <mc:Choice xmlns:p14="http://schemas.microsoft.com/office/powerpoint/2010/main" Requires="p14">
+  <mc:AlternateContent xmlns:mc="http://schemas.openxmlformats.org/markup-compatibility/2006" xmlns:p14="http://schemas.microsoft.com/office/powerpoint/2010/main">
+    <mc:Choice Requires="p14">
       <p:transition spd="med" p14:dur="700">
         <p:fade/>
       </p:transition>
     </mc:Choice>
-    <mc:Fallback>
+    <mc:Fallback xmlns="">
       <p:transition spd="med">
         <p:fade/>
       </p:transition>
@@ -7807,12 +7830,12 @@
           <a:bodyPr wrap="none" rtlCol="0">
             <a:spAutoFit/>
           </a:bodyPr>
+          <a:lstStyle/>
           <a:p>
             <a:r>
               <a:rPr lang="en-US"/>
               <a:t>Sakshi</a:t>
             </a:r>
-            <a:endParaRPr lang="en-US"/>
           </a:p>
         </p:txBody>
       </p:sp>
@@ -8009,7 +8032,6 @@
               <a:rPr lang="en-US" sz="1600"/>
               <a:t>Quick Draw</a:t>
             </a:r>
-            <a:endParaRPr lang="en-US" sz="1600"/>
           </a:p>
           <a:p>
             <a:pPr lvl="1"/>
@@ -8017,7 +8039,6 @@
               <a:rPr lang="en-US" sz="1370"/>
               <a:t>These doodles are a unique data set that can </a:t>
             </a:r>
-            <a:endParaRPr lang="en-US" sz="1370"/>
           </a:p>
           <a:p>
             <a:pPr lvl="2"/>
@@ -8025,7 +8046,6 @@
               <a:rPr lang="en-US" sz="1140"/>
               <a:t>help developers train new neural networks,</a:t>
             </a:r>
-            <a:endParaRPr lang="en-US" sz="1140"/>
           </a:p>
           <a:p>
             <a:pPr lvl="2"/>
@@ -8033,7 +8053,6 @@
               <a:rPr lang="en-US" sz="1140"/>
               <a:t>help researchers see patterns in how people around the world draw, </a:t>
             </a:r>
-            <a:endParaRPr lang="en-US" sz="1140"/>
           </a:p>
           <a:p>
             <a:pPr lvl="2"/>
@@ -8041,21 +8060,18 @@
               <a:rPr lang="en-US" sz="1140"/>
               <a:t>and help artists create things we haven’t begun to think of.</a:t>
             </a:r>
-            <a:endParaRPr lang="en-US" sz="1140"/>
           </a:p>
           <a:p>
             <a:r>
               <a:rPr lang="en-US" sz="900"/>
               <a:t>https://quickdraw.withgoogle.com/data</a:t>
             </a:r>
-            <a:endParaRPr lang="en-US" sz="900"/>
           </a:p>
           <a:p>
             <a:r>
               <a:rPr lang="en-US" sz="900"/>
               <a:t>https://github.com/googlecreativelab/quickdraw-dataset</a:t>
             </a:r>
-            <a:endParaRPr lang="en-US" sz="900"/>
           </a:p>
         </p:txBody>
       </p:sp>
@@ -8064,13 +8080,13 @@
   <p:clrMapOvr>
     <a:masterClrMapping/>
   </p:clrMapOvr>
-  <mc:AlternateContent xmlns:mc="http://schemas.openxmlformats.org/markup-compatibility/2006">
-    <mc:Choice xmlns:p14="http://schemas.microsoft.com/office/powerpoint/2010/main" Requires="p14">
+  <mc:AlternateContent xmlns:mc="http://schemas.openxmlformats.org/markup-compatibility/2006" xmlns:p14="http://schemas.microsoft.com/office/powerpoint/2010/main">
+    <mc:Choice Requires="p14">
       <p:transition spd="med" p14:dur="700">
         <p:fade/>
       </p:transition>
     </mc:Choice>
-    <mc:Fallback>
+    <mc:Fallback xmlns="">
       <p:transition spd="med">
         <p:fade/>
       </p:transition>
@@ -8088,7 +8104,14 @@
         <p:cNvGrpSpPr/>
         <p:nvPr/>
       </p:nvGrpSpPr>
-      <p:grpSpPr/>
+      <p:grpSpPr>
+        <a:xfrm>
+          <a:off x="0" y="0"/>
+          <a:ext cx="0" cy="0"/>
+          <a:chOff x="0" y="0"/>
+          <a:chExt cx="0" cy="0"/>
+        </a:xfrm>
+      </p:grpSpPr>
       <p:sp>
         <p:nvSpPr>
           <p:cNvPr id="2" name="Text Box 1"/>
@@ -8109,19 +8132,21 @@
           <a:bodyPr wrap="square" rtlCol="0">
             <a:spAutoFit/>
           </a:bodyPr>
+          <a:lstStyle/>
           <a:p>
             <a:r>
               <a:rPr lang="en-US"/>
               <a:t>		Varun Bohara</a:t>
             </a:r>
-            <a:endParaRPr lang="en-US"/>
           </a:p>
         </p:txBody>
       </p:sp>
       <p:sp>
         <p:nvSpPr>
           <p:cNvPr id="6" name="Content Placeholder 5"/>
-          <p:cNvSpPr/>
+          <p:cNvSpPr>
+            <a:spLocks noGrp="1"/>
+          </p:cNvSpPr>
           <p:nvPr>
             <p:ph sz="half" idx="1"/>
           </p:nvPr>
@@ -8134,6 +8159,7 @@
         </p:spPr>
         <p:txBody>
           <a:bodyPr/>
+          <a:lstStyle/>
           <a:p>
             <a:r>
               <a:rPr lang="en-US" sz="1400">
@@ -8142,10 +8168,6 @@
               </a:rPr>
               <a:t>Twitter has become an important communication channel in times of emergency.</a:t>
             </a:r>
-            <a:endParaRPr lang="en-US" sz="1400">
-              <a:latin typeface="Times New Roman" panose="02020603050405020304" pitchFamily="18" charset="0"/>
-              <a:cs typeface="Times New Roman" panose="02020603050405020304" pitchFamily="18" charset="0"/>
-            </a:endParaRPr>
           </a:p>
           <a:p>
             <a:r>
@@ -8155,10 +8177,6 @@
               </a:rPr>
               <a:t>The ubiquitousness of smartphones enables people to announce an emergency they’re observing in real-time. </a:t>
             </a:r>
-            <a:endParaRPr lang="en-US" sz="1400">
-              <a:latin typeface="Times New Roman" panose="02020603050405020304" pitchFamily="18" charset="0"/>
-              <a:cs typeface="Times New Roman" panose="02020603050405020304" pitchFamily="18" charset="0"/>
-            </a:endParaRPr>
           </a:p>
           <a:p>
             <a:r>
@@ -8168,10 +8186,6 @@
               </a:rPr>
               <a:t>Because of this, more agencies are interested in programatically monitoring Twitter (i.e. disaster relief organizations and news agencies).</a:t>
             </a:r>
-            <a:endParaRPr lang="en-US" sz="1400">
-              <a:latin typeface="Times New Roman" panose="02020603050405020304" pitchFamily="18" charset="0"/>
-              <a:cs typeface="Times New Roman" panose="02020603050405020304" pitchFamily="18" charset="0"/>
-            </a:endParaRPr>
           </a:p>
           <a:p>
             <a:r>
@@ -8199,28 +8213,6 @@
               </a:rPr>
               <a:t>https://www.kaggle.com/c/nlp-getting-started</a:t>
             </a:r>
-            <a:endParaRPr lang="en-US" sz="1400">
-              <a:gradFill>
-                <a:gsLst>
-                  <a:gs pos="0">
-                    <a:srgbClr val="007BD3"/>
-                  </a:gs>
-                  <a:gs pos="100000">
-                    <a:srgbClr val="034373"/>
-                  </a:gs>
-                </a:gsLst>
-                <a:lin scaled="0"/>
-              </a:gradFill>
-              <a:effectLst>
-                <a:outerShdw blurRad="38100" dist="19050" dir="2700000" algn="tl" rotWithShape="0">
-                  <a:schemeClr val="dk1">
-                    <a:alpha val="40000"/>
-                  </a:schemeClr>
-                </a:outerShdw>
-              </a:effectLst>
-              <a:latin typeface="Times New Roman" panose="02020603050405020304" pitchFamily="18" charset="0"/>
-              <a:cs typeface="Times New Roman" panose="02020603050405020304" pitchFamily="18" charset="0"/>
-            </a:endParaRPr>
           </a:p>
         </p:txBody>
       </p:sp>
@@ -8228,14 +8220,14 @@
         <p:nvPicPr>
           <p:cNvPr id="7" name="Content Placeholder 6"/>
           <p:cNvPicPr>
-            <a:picLocks noChangeAspect="1"/>
+            <a:picLocks noGrp="1" noChangeAspect="1"/>
           </p:cNvPicPr>
           <p:nvPr>
             <p:ph sz="half" idx="2"/>
           </p:nvPr>
         </p:nvPicPr>
         <p:blipFill>
-          <a:blip r:embed="rId1"/>
+          <a:blip r:embed="rId2"/>
           <a:stretch>
             <a:fillRect/>
           </a:stretch>
@@ -8444,10 +8436,6 @@
               </a:rPr>
               <a:t>Real or Not? NLP with Disaster Tweets</a:t>
             </a:r>
-            <a:endParaRPr lang="en-US" sz="2000">
-              <a:latin typeface="Times New Roman" panose="02020603050405020304" pitchFamily="18" charset="0"/>
-              <a:cs typeface="Times New Roman" panose="02020603050405020304" pitchFamily="18" charset="0"/>
-            </a:endParaRPr>
           </a:p>
         </p:txBody>
       </p:sp>
@@ -8456,13 +8444,13 @@
   <p:clrMapOvr>
     <a:masterClrMapping/>
   </p:clrMapOvr>
-  <mc:AlternateContent xmlns:mc="http://schemas.openxmlformats.org/markup-compatibility/2006">
-    <mc:Choice xmlns:p14="http://schemas.microsoft.com/office/powerpoint/2010/main" Requires="p14">
+  <mc:AlternateContent xmlns:mc="http://schemas.openxmlformats.org/markup-compatibility/2006" xmlns:p14="http://schemas.microsoft.com/office/powerpoint/2010/main">
+    <mc:Choice Requires="p14">
       <p:transition spd="med" p14:dur="700">
         <p:fade/>
       </p:transition>
     </mc:Choice>
-    <mc:Fallback>
+    <mc:Fallback xmlns="">
       <p:transition spd="med">
         <p:fade/>
       </p:transition>
@@ -8480,7 +8468,14 @@
         <p:cNvGrpSpPr/>
         <p:nvPr/>
       </p:nvGrpSpPr>
-      <p:grpSpPr/>
+      <p:grpSpPr>
+        <a:xfrm>
+          <a:off x="0" y="0"/>
+          <a:ext cx="0" cy="0"/>
+          <a:chOff x="0" y="0"/>
+          <a:chExt cx="0" cy="0"/>
+        </a:xfrm>
+      </p:grpSpPr>
       <p:sp>
         <p:nvSpPr>
           <p:cNvPr id="2" name="Title 1"/>
@@ -8494,6 +8489,7 @@
         <p:spPr/>
         <p:txBody>
           <a:bodyPr/>
+          <a:lstStyle/>
           <a:p>
             <a:r>
               <a:rPr lang="en-US" sz="2000">
@@ -8502,10 +8498,6 @@
               </a:rPr>
               <a:t>Combating On​line Ho​st​ile Posts in ​Regional L​anguages dur​ing Emerge​ncy Si​tuation</a:t>
             </a:r>
-            <a:endParaRPr lang="en-US" sz="2000">
-              <a:latin typeface="Times New Roman" panose="02020603050405020304" pitchFamily="18" charset="0"/>
-              <a:cs typeface="Times New Roman" panose="02020603050405020304" pitchFamily="18" charset="0"/>
-            </a:endParaRPr>
           </a:p>
         </p:txBody>
       </p:sp>
@@ -8527,62 +8519,51 @@
         </p:spPr>
         <p:txBody>
           <a:bodyPr/>
-          <a:p>
-            <a:r>
-              <a:rPr lang="en-US" sz="1400">
+          <a:lstStyle/>
+          <a:p>
+            <a:r>
+              <a:rPr lang="en-US" sz="1400" dirty="0">
                 <a:latin typeface="Times New Roman" panose="02020603050405020304" pitchFamily="18" charset="0"/>
                 <a:cs typeface="Times New Roman" panose="02020603050405020304" pitchFamily="18" charset="0"/>
               </a:rPr>
               <a:t>This subtask focuses on a variety of hostile posts in Hindi Devanagari script collected from Twitter and Facebook. </a:t>
             </a:r>
-            <a:endParaRPr lang="en-US" sz="1400">
-              <a:latin typeface="Times New Roman" panose="02020603050405020304" pitchFamily="18" charset="0"/>
-              <a:cs typeface="Times New Roman" panose="02020603050405020304" pitchFamily="18" charset="0"/>
-            </a:endParaRPr>
-          </a:p>
-          <a:p>
-            <a:r>
-              <a:rPr lang="en-US" sz="1400">
+          </a:p>
+          <a:p>
+            <a:r>
+              <a:rPr lang="en-US" sz="1400" dirty="0">
                 <a:latin typeface="Times New Roman" panose="02020603050405020304" pitchFamily="18" charset="0"/>
                 <a:cs typeface="Times New Roman" panose="02020603050405020304" pitchFamily="18" charset="0"/>
               </a:rPr>
               <a:t>The set of valid categories are fake news, hate speech, offensive, defamation, and non-hostile posts.</a:t>
             </a:r>
-            <a:endParaRPr lang="en-US" sz="1400">
-              <a:latin typeface="Times New Roman" panose="02020603050405020304" pitchFamily="18" charset="0"/>
-              <a:cs typeface="Times New Roman" panose="02020603050405020304" pitchFamily="18" charset="0"/>
-            </a:endParaRPr>
-          </a:p>
-          <a:p>
-            <a:r>
-              <a:rPr lang="en-US" sz="1400">
+          </a:p>
+          <a:p>
+            <a:r>
+              <a:rPr lang="en-US" sz="1400" dirty="0">
                 <a:latin typeface="Times New Roman" panose="02020603050405020304" pitchFamily="18" charset="0"/>
                 <a:cs typeface="Times New Roman" panose="02020603050405020304" pitchFamily="18" charset="0"/>
               </a:rPr>
               <a:t> It is a multi-label </a:t>
             </a:r>
             <a:r>
-              <a:rPr lang="en-US" sz="1400" b="1">
+              <a:rPr lang="en-US" sz="1400" b="1" dirty="0">
                 <a:latin typeface="Times New Roman" panose="02020603050405020304" pitchFamily="18" charset="0"/>
                 <a:cs typeface="Times New Roman" panose="02020603050405020304" pitchFamily="18" charset="0"/>
               </a:rPr>
               <a:t>multi-class classification</a:t>
             </a:r>
             <a:r>
-              <a:rPr lang="en-US" sz="1400">
+              <a:rPr lang="en-US" sz="1400" dirty="0">
                 <a:latin typeface="Times New Roman" panose="02020603050405020304" pitchFamily="18" charset="0"/>
                 <a:cs typeface="Times New Roman" panose="02020603050405020304" pitchFamily="18" charset="0"/>
               </a:rPr>
               <a:t> problem where each post can belong to one or more of these hostile classes. However, the non-hostile posts cannot be grouped with any other class.</a:t>
             </a:r>
-            <a:endParaRPr lang="en-US" sz="1400">
-              <a:latin typeface="Times New Roman" panose="02020603050405020304" pitchFamily="18" charset="0"/>
-              <a:cs typeface="Times New Roman" panose="02020603050405020304" pitchFamily="18" charset="0"/>
-            </a:endParaRPr>
-          </a:p>
-          <a:p>
-            <a:r>
-              <a:rPr lang="en-US" sz="1400">
+          </a:p>
+          <a:p>
+            <a:r>
+              <a:rPr lang="en-US" sz="1400" dirty="0">
                 <a:gradFill>
                   <a:gsLst>
                     <a:gs pos="0">
@@ -8599,21 +8580,6 @@
               </a:rPr>
               <a:t>https://competitions.codalab.org/competitions/26654#learn_the_details-overview</a:t>
             </a:r>
-            <a:endParaRPr lang="en-US" sz="1400">
-              <a:gradFill>
-                <a:gsLst>
-                  <a:gs pos="0">
-                    <a:srgbClr val="007BD3"/>
-                  </a:gs>
-                  <a:gs pos="100000">
-                    <a:srgbClr val="034373"/>
-                  </a:gs>
-                </a:gsLst>
-                <a:lin scaled="0"/>
-              </a:gradFill>
-              <a:latin typeface="Times New Roman" panose="02020603050405020304" pitchFamily="18" charset="0"/>
-              <a:cs typeface="Times New Roman" panose="02020603050405020304" pitchFamily="18" charset="0"/>
-            </a:endParaRPr>
           </a:p>
         </p:txBody>
       </p:sp>
@@ -8621,14 +8587,14 @@
         <p:nvPicPr>
           <p:cNvPr id="5" name="Content Placeholder 4"/>
           <p:cNvPicPr>
-            <a:picLocks noChangeAspect="1"/>
+            <a:picLocks noGrp="1" noChangeAspect="1"/>
           </p:cNvPicPr>
           <p:nvPr>
             <p:ph sz="half" idx="2"/>
           </p:nvPr>
         </p:nvPicPr>
         <p:blipFill>
-          <a:blip r:embed="rId1"/>
+          <a:blip r:embed="rId2"/>
           <a:stretch>
             <a:fillRect/>
           </a:stretch>
@@ -8663,12 +8629,12 @@
           <a:bodyPr wrap="square" rtlCol="0">
             <a:spAutoFit/>
           </a:bodyPr>
+          <a:lstStyle/>
           <a:p>
             <a:r>
               <a:rPr lang="en-US"/>
               <a:t>		Varun Bohara</a:t>
             </a:r>
-            <a:endParaRPr lang="en-US"/>
           </a:p>
         </p:txBody>
       </p:sp>
@@ -8677,13 +8643,13 @@
   <p:clrMapOvr>
     <a:masterClrMapping/>
   </p:clrMapOvr>
-  <mc:AlternateContent xmlns:mc="http://schemas.openxmlformats.org/markup-compatibility/2006">
-    <mc:Choice xmlns:p14="http://schemas.microsoft.com/office/powerpoint/2010/main" Requires="p14">
+  <mc:AlternateContent xmlns:mc="http://schemas.openxmlformats.org/markup-compatibility/2006" xmlns:p14="http://schemas.microsoft.com/office/powerpoint/2010/main">
+    <mc:Choice Requires="p14">
       <p:transition spd="med" p14:dur="700">
         <p:fade/>
       </p:transition>
     </mc:Choice>
-    <mc:Fallback>
+    <mc:Fallback xmlns="">
       <p:transition spd="med">
         <p:fade/>
       </p:transition>
@@ -8701,7 +8667,14 @@
         <p:cNvGrpSpPr/>
         <p:nvPr/>
       </p:nvGrpSpPr>
-      <p:grpSpPr/>
+      <p:grpSpPr>
+        <a:xfrm>
+          <a:off x="0" y="0"/>
+          <a:ext cx="0" cy="0"/>
+          <a:chOff x="0" y="0"/>
+          <a:chExt cx="0" cy="0"/>
+        </a:xfrm>
+      </p:grpSpPr>
       <p:sp>
         <p:nvSpPr>
           <p:cNvPr id="2" name="Text Box 1"/>
@@ -8710,7 +8683,7 @@
         </p:nvSpPr>
         <p:spPr>
           <a:xfrm>
-            <a:off x="3122295" y="3086735"/>
+            <a:off x="9262764" y="6381328"/>
             <a:ext cx="3188335" cy="368300"/>
           </a:xfrm>
           <a:prstGeom prst="rect">
@@ -8722,12 +8695,299 @@
           <a:bodyPr wrap="square" rtlCol="0">
             <a:spAutoFit/>
           </a:bodyPr>
-          <a:p>
-            <a:r>
-              <a:rPr lang="en-US"/>
-              <a:t>abhishek</a:t>
-            </a:r>
-            <a:endParaRPr lang="en-US"/>
+          <a:lstStyle/>
+          <a:p>
+            <a:r>
+              <a:rPr lang="en-US" dirty="0"/>
+              <a:t>Abhishek Rao</a:t>
+            </a:r>
+          </a:p>
+        </p:txBody>
+      </p:sp>
+      <p:sp>
+        <p:nvSpPr>
+          <p:cNvPr id="3" name="TextBox 2">
+            <a:extLst>
+              <a:ext uri="{FF2B5EF4-FFF2-40B4-BE49-F238E27FC236}">
+                <a16:creationId xmlns:a16="http://schemas.microsoft.com/office/drawing/2014/main" id="{DF331551-FA80-4063-9F00-093C846CEBC7}"/>
+              </a:ext>
+            </a:extLst>
+          </p:cNvPr>
+          <p:cNvSpPr txBox="1"/>
+          <p:nvPr/>
+        </p:nvSpPr>
+        <p:spPr>
+          <a:xfrm>
+            <a:off x="1341884" y="1292606"/>
+            <a:ext cx="9505056" cy="1261884"/>
+          </a:xfrm>
+          <a:prstGeom prst="rect">
+            <a:avLst/>
+          </a:prstGeom>
+          <a:noFill/>
+        </p:spPr>
+        <p:txBody>
+          <a:bodyPr wrap="square" rtlCol="0">
+            <a:spAutoFit/>
+          </a:bodyPr>
+          <a:lstStyle/>
+          <a:p>
+            <a:r>
+              <a:rPr lang="en-US" sz="2400" b="1" dirty="0">
+                <a:latin typeface="Times New Roman" panose="02020603050405020304" pitchFamily="18" charset="0"/>
+                <a:cs typeface="Times New Roman" panose="02020603050405020304" pitchFamily="18" charset="0"/>
+              </a:rPr>
+              <a:t>1. The thermodynamic stability of perovskite oxides</a:t>
+            </a:r>
+            <a:r>
+              <a:rPr lang="en-US" sz="2400" b="1" dirty="0"/>
+              <a:t>:</a:t>
+            </a:r>
+          </a:p>
+          <a:p>
+            <a:endParaRPr lang="en-US" b="1" dirty="0"/>
+          </a:p>
+          <a:p>
+            <a:r>
+              <a:rPr lang="en-US" b="1" dirty="0"/>
+              <a:t> </a:t>
+            </a:r>
+            <a:r>
+              <a:rPr lang="en-US" b="1" dirty="0">
+                <a:latin typeface="Times New Roman" panose="02020603050405020304" pitchFamily="18" charset="0"/>
+                <a:cs typeface="Times New Roman" panose="02020603050405020304" pitchFamily="18" charset="0"/>
+              </a:rPr>
+              <a:t>Aim </a:t>
+            </a:r>
+            <a:r>
+              <a:rPr lang="en-US" b="1" dirty="0"/>
+              <a:t>: 	</a:t>
+            </a:r>
+            <a:r>
+              <a:rPr lang="en-US" sz="1600" dirty="0">
+                <a:latin typeface="Times New Roman" panose="02020603050405020304" pitchFamily="18" charset="0"/>
+                <a:cs typeface="Times New Roman" panose="02020603050405020304" pitchFamily="18" charset="0"/>
+              </a:rPr>
+              <a:t>Determining the thermodynamic stability of perovskite(Crystal structure).</a:t>
+            </a:r>
+          </a:p>
+          <a:p>
+            <a:endParaRPr lang="en-US" sz="1600" b="1" dirty="0"/>
+          </a:p>
+        </p:txBody>
+      </p:sp>
+      <p:sp>
+        <p:nvSpPr>
+          <p:cNvPr id="5" name="TextBox 4">
+            <a:extLst>
+              <a:ext uri="{FF2B5EF4-FFF2-40B4-BE49-F238E27FC236}">
+                <a16:creationId xmlns:a16="http://schemas.microsoft.com/office/drawing/2014/main" id="{5CABADB1-F650-44F4-8D86-570228ACFD75}"/>
+              </a:ext>
+            </a:extLst>
+          </p:cNvPr>
+          <p:cNvSpPr txBox="1"/>
+          <p:nvPr/>
+        </p:nvSpPr>
+        <p:spPr>
+          <a:xfrm>
+            <a:off x="2205980" y="2849652"/>
+            <a:ext cx="7272808" cy="1631216"/>
+          </a:xfrm>
+          <a:prstGeom prst="rect">
+            <a:avLst/>
+          </a:prstGeom>
+          <a:noFill/>
+        </p:spPr>
+        <p:txBody>
+          <a:bodyPr wrap="square" rtlCol="0">
+            <a:spAutoFit/>
+          </a:bodyPr>
+          <a:lstStyle/>
+          <a:p>
+            <a:r>
+              <a:rPr lang="en-IN" sz="1600" b="1" dirty="0">
+                <a:solidFill>
+                  <a:schemeClr val="tx1">
+                    <a:lumMod val="75000"/>
+                  </a:schemeClr>
+                </a:solidFill>
+                <a:latin typeface="Times New Roman" panose="02020603050405020304" pitchFamily="18" charset="0"/>
+                <a:cs typeface="Times New Roman" panose="02020603050405020304" pitchFamily="18" charset="0"/>
+                <a:hlinkClick r:id="rId2">
+                  <a:extLst>
+                    <a:ext uri="{A12FA001-AC4F-418D-AE19-62706E023703}">
+                      <ahyp:hlinkClr xmlns:ahyp="http://schemas.microsoft.com/office/drawing/2018/hyperlinkcolor" val="tx"/>
+                    </a:ext>
+                  </a:extLst>
+                </a:hlinkClick>
+              </a:rPr>
+              <a:t>Data A</a:t>
+            </a:r>
+            <a:r>
+              <a:rPr lang="en-IN" sz="1600" b="1" dirty="0">
+                <a:solidFill>
+                  <a:schemeClr val="tx1">
+                    <a:lumMod val="75000"/>
+                  </a:schemeClr>
+                </a:solidFill>
+                <a:hlinkClick r:id="rId2">
+                  <a:extLst>
+                    <a:ext uri="{A12FA001-AC4F-418D-AE19-62706E023703}">
+                      <ahyp:hlinkClr xmlns:ahyp="http://schemas.microsoft.com/office/drawing/2018/hyperlinkcolor" val="tx"/>
+                    </a:ext>
+                  </a:extLst>
+                </a:hlinkClick>
+              </a:rPr>
+              <a:t>rticle 1 </a:t>
+            </a:r>
+            <a:endParaRPr lang="en-IN" sz="1600" b="1" dirty="0">
+              <a:solidFill>
+                <a:schemeClr val="tx1">
+                  <a:lumMod val="75000"/>
+                </a:schemeClr>
+              </a:solidFill>
+            </a:endParaRPr>
+          </a:p>
+          <a:p>
+            <a:pPr marL="342900" indent="-342900">
+              <a:buFont typeface="+mj-lt"/>
+              <a:buAutoNum type="arabicPeriod"/>
+            </a:pPr>
+            <a:endParaRPr lang="en-IN" sz="1600" b="1" dirty="0">
+              <a:solidFill>
+                <a:schemeClr val="tx1">
+                  <a:lumMod val="75000"/>
+                </a:schemeClr>
+              </a:solidFill>
+            </a:endParaRPr>
+          </a:p>
+          <a:p>
+            <a:r>
+              <a:rPr lang="en-IN" sz="1600" b="1" dirty="0">
+                <a:solidFill>
+                  <a:schemeClr val="tx1">
+                    <a:lumMod val="75000"/>
+                  </a:schemeClr>
+                </a:solidFill>
+                <a:latin typeface="Times New Roman" panose="02020603050405020304" pitchFamily="18" charset="0"/>
+                <a:cs typeface="Times New Roman" panose="02020603050405020304" pitchFamily="18" charset="0"/>
+                <a:hlinkClick r:id="rId3">
+                  <a:extLst>
+                    <a:ext uri="{A12FA001-AC4F-418D-AE19-62706E023703}">
+                      <ahyp:hlinkClr xmlns:ahyp="http://schemas.microsoft.com/office/drawing/2018/hyperlinkcolor" val="tx"/>
+                    </a:ext>
+                  </a:extLst>
+                </a:hlinkClick>
+              </a:rPr>
+              <a:t>Data Article 2</a:t>
+            </a:r>
+            <a:endParaRPr lang="en-IN" sz="1600" b="1" dirty="0">
+              <a:solidFill>
+                <a:schemeClr val="tx1">
+                  <a:lumMod val="75000"/>
+                </a:schemeClr>
+              </a:solidFill>
+              <a:latin typeface="Times New Roman" panose="02020603050405020304" pitchFamily="18" charset="0"/>
+              <a:cs typeface="Times New Roman" panose="02020603050405020304" pitchFamily="18" charset="0"/>
+            </a:endParaRPr>
+          </a:p>
+          <a:p>
+            <a:r>
+              <a:rPr lang="en-IN" sz="1800" b="1" dirty="0">
+                <a:solidFill>
+                  <a:schemeClr val="tx1">
+                    <a:lumMod val="75000"/>
+                  </a:schemeClr>
+                </a:solidFill>
+              </a:rPr>
+              <a:t> </a:t>
+            </a:r>
+            <a:endParaRPr lang="en-IN" dirty="0"/>
+          </a:p>
+          <a:p>
+            <a:r>
+              <a:rPr lang="en-IN" sz="1600" b="1" dirty="0">
+                <a:solidFill>
+                  <a:schemeClr val="tx1">
+                    <a:lumMod val="75000"/>
+                  </a:schemeClr>
+                </a:solidFill>
+                <a:latin typeface="Times New Roman" panose="02020603050405020304" pitchFamily="18" charset="0"/>
+                <a:cs typeface="Times New Roman" panose="02020603050405020304" pitchFamily="18" charset="0"/>
+                <a:hlinkClick r:id="rId4">
+                  <a:extLst>
+                    <a:ext uri="{A12FA001-AC4F-418D-AE19-62706E023703}">
+                      <ahyp:hlinkClr xmlns:ahyp="http://schemas.microsoft.com/office/drawing/2018/hyperlinkcolor" val="tx"/>
+                    </a:ext>
+                  </a:extLst>
+                </a:hlinkClick>
+              </a:rPr>
+              <a:t>GitHub</a:t>
+            </a:r>
+            <a:endParaRPr lang="en-IN" sz="1600" b="1" dirty="0">
+              <a:solidFill>
+                <a:schemeClr val="tx1">
+                  <a:lumMod val="75000"/>
+                </a:schemeClr>
+              </a:solidFill>
+              <a:latin typeface="Times New Roman" panose="02020603050405020304" pitchFamily="18" charset="0"/>
+              <a:cs typeface="Times New Roman" panose="02020603050405020304" pitchFamily="18" charset="0"/>
+            </a:endParaRPr>
+          </a:p>
+          <a:p>
+            <a:pPr marL="342900" indent="-342900">
+              <a:buFont typeface="+mj-lt"/>
+              <a:buAutoNum type="arabicPeriod"/>
+            </a:pPr>
+            <a:endParaRPr lang="en-IN" sz="1600" b="1" dirty="0">
+              <a:solidFill>
+                <a:schemeClr val="tx1">
+                  <a:lumMod val="75000"/>
+                </a:schemeClr>
+              </a:solidFill>
+            </a:endParaRPr>
+          </a:p>
+        </p:txBody>
+      </p:sp>
+      <p:sp>
+        <p:nvSpPr>
+          <p:cNvPr id="12" name="TextBox 11">
+            <a:extLst>
+              <a:ext uri="{FF2B5EF4-FFF2-40B4-BE49-F238E27FC236}">
+                <a16:creationId xmlns:a16="http://schemas.microsoft.com/office/drawing/2014/main" id="{CB084883-BBA3-4FA5-86B4-A1B2CEDEC222}"/>
+              </a:ext>
+            </a:extLst>
+          </p:cNvPr>
+          <p:cNvSpPr txBox="1"/>
+          <p:nvPr/>
+        </p:nvSpPr>
+        <p:spPr>
+          <a:xfrm>
+            <a:off x="1413892" y="2849652"/>
+            <a:ext cx="864096" cy="369332"/>
+          </a:xfrm>
+          <a:prstGeom prst="rect">
+            <a:avLst/>
+          </a:prstGeom>
+          <a:noFill/>
+        </p:spPr>
+        <p:txBody>
+          <a:bodyPr wrap="square" rtlCol="0">
+            <a:spAutoFit/>
+          </a:bodyPr>
+          <a:lstStyle/>
+          <a:p>
+            <a:r>
+              <a:rPr lang="en-IN" b="1" dirty="0">
+                <a:latin typeface="Times New Roman" panose="02020603050405020304" pitchFamily="18" charset="0"/>
+                <a:cs typeface="Times New Roman" panose="02020603050405020304" pitchFamily="18" charset="0"/>
+              </a:rPr>
+              <a:t>Links </a:t>
+            </a:r>
+            <a:r>
+              <a:rPr lang="en-IN" dirty="0"/>
+              <a:t>:</a:t>
+            </a:r>
           </a:p>
         </p:txBody>
       </p:sp>
@@ -8736,13 +8996,13 @@
   <p:clrMapOvr>
     <a:masterClrMapping/>
   </p:clrMapOvr>
-  <mc:AlternateContent xmlns:mc="http://schemas.openxmlformats.org/markup-compatibility/2006">
-    <mc:Choice xmlns:p14="http://schemas.microsoft.com/office/powerpoint/2010/main" Requires="p14">
+  <mc:AlternateContent xmlns:mc="http://schemas.openxmlformats.org/markup-compatibility/2006" xmlns:p14="http://schemas.microsoft.com/office/powerpoint/2010/main">
+    <mc:Choice Requires="p14">
       <p:transition spd="med" p14:dur="700">
         <p:fade/>
       </p:transition>
     </mc:Choice>
-    <mc:Fallback>
+    <mc:Fallback xmlns="">
       <p:transition spd="med">
         <p:fade/>
       </p:transition>
@@ -8942,6 +9202,8 @@
       </a:bgFillStyleLst>
     </a:fmtScheme>
   </a:themeElements>
+  <a:objectDefaults/>
+  <a:extraClrSchemeLst/>
   <a:extLst>
     <a:ext uri="{05A4C25C-085E-4340-85A3-A5531E510DB2}">
       <thm15:themeFamily xmlns:thm15="http://schemas.microsoft.com/office/thememl/2012/main" name="Office Theme" id="{62F939B6-93AF-4DB8-9C6B-D6C7DFDC589F}" vid="{4A3C46E8-61CC-4603-A589-7422A47A8E4A}"/>
@@ -9141,6 +9403,8 @@
       </a:bgFillStyleLst>
     </a:fmtScheme>
   </a:themeElements>
+  <a:objectDefaults/>
+  <a:extraClrSchemeLst/>
   <a:extLst>
     <a:ext uri="{05A4C25C-085E-4340-85A3-A5531E510DB2}">
       <thm15:themeFamily xmlns:thm15="http://schemas.microsoft.com/office/thememl/2012/main" name="Office Theme" id="{62F939B6-93AF-4DB8-9C6B-D6C7DFDC589F}" vid="{4A3C46E8-61CC-4603-A589-7422A47A8E4A}"/>
@@ -9340,6 +9604,8 @@
       </a:bgFillStyleLst>
     </a:fmtScheme>
   </a:themeElements>
+  <a:objectDefaults/>
+  <a:extraClrSchemeLst/>
   <a:extLst>
     <a:ext uri="{05A4C25C-085E-4340-85A3-A5531E510DB2}">
       <thm15:themeFamily xmlns:thm15="http://schemas.microsoft.com/office/thememl/2012/main" name="Office Theme" id="{62F939B6-93AF-4DB8-9C6B-D6C7DFDC589F}" vid="{4A3C46E8-61CC-4603-A589-7422A47A8E4A}"/>

--- a/Ideas -- v3.0.pptx
+++ b/Ideas -- v3.0.pptx
@@ -13,9 +13,9 @@
   <p:sldIdLst>
     <p:sldId id="262" r:id="rId2"/>
     <p:sldId id="263" r:id="rId3"/>
-    <p:sldId id="264" r:id="rId4"/>
-    <p:sldId id="265" r:id="rId5"/>
-    <p:sldId id="267" r:id="rId6"/>
+    <p:sldId id="265" r:id="rId4"/>
+    <p:sldId id="267" r:id="rId5"/>
+    <p:sldId id="268" r:id="rId6"/>
     <p:sldId id="266" r:id="rId7"/>
   </p:sldIdLst>
   <p:sldSz cx="12188825" cy="6858000"/>
@@ -117,7 +117,7 @@
   </p:defaultTextStyle>
   <p:extLst>
     <p:ext uri="{EFAFB233-063F-42B5-8137-9DF3F51BA10A}">
-      <p15:sldGuideLst xmlns:p15="http://schemas.microsoft.com/office/powerpoint/2012/main">
+      <p15:sldGuideLst xmlns:p15="http://schemas.microsoft.com/office/powerpoint/2012/main" xmlns="">
         <p15:guide id="1" orient="horz" pos="2160">
           <p15:clr>
             <a:srgbClr val="A4A3A4"/>
@@ -136,7 +136,7 @@
       </p15:sldGuideLst>
     </p:ext>
     <p:ext uri="{2D200454-40CA-4A62-9FC3-DE9A4176ACB9}">
-      <p15:notesGuideLst xmlns:p15="http://schemas.microsoft.com/office/powerpoint/2012/main">
+      <p15:notesGuideLst xmlns:p15="http://schemas.microsoft.com/office/powerpoint/2012/main" xmlns="">
         <p15:guide id="1" orient="horz" pos="2880">
           <p15:clr>
             <a:srgbClr val="A4A3A4"/>
@@ -235,6 +235,7 @@
           <a:p>
             <a:fld id="{BDB7646E-8811-423A-9C42-2CBFADA00A96}" type="datetimeFigureOut">
               <a:rPr lang="en-US" smtClean="0"/>
+              <a:pPr/>
               <a:t>10/5/2020</a:t>
             </a:fld>
             <a:endParaRPr lang="en-US"/>
@@ -301,6 +302,7 @@
           <a:p>
             <a:fld id="{04360E59-1627-4404-ACC5-51C744AB0F27}" type="slidenum">
               <a:rPr lang="en-US" smtClean="0"/>
+              <a:pPr/>
               <a:t>‹#›</a:t>
             </a:fld>
             <a:endParaRPr lang="en-US"/>
@@ -310,7 +312,7 @@
     </p:spTree>
     <p:extLst>
       <p:ext uri="{BB962C8B-B14F-4D97-AF65-F5344CB8AC3E}">
-        <p14:creationId xmlns:p14="http://schemas.microsoft.com/office/powerpoint/2010/main" val="1"/>
+        <p14:creationId xmlns:p14="http://schemas.microsoft.com/office/powerpoint/2010/main" xmlns="" val="1"/>
       </p:ext>
     </p:extLst>
   </p:cSld>
@@ -408,6 +410,7 @@
           <a:p>
             <a:fld id="{D677E230-58DD-43ED-96A1-552DDAB53532}" type="datetimeFigureOut">
               <a:rPr lang="en-US" smtClean="0"/>
+              <a:pPr/>
               <a:t>10/5/2020</a:t>
             </a:fld>
             <a:endParaRPr lang="en-US"/>
@@ -574,6 +577,7 @@
           <a:p>
             <a:fld id="{841221E5-7225-48EB-A4EE-420E7BFCF705}" type="slidenum">
               <a:rPr lang="en-US" smtClean="0"/>
+              <a:pPr/>
               <a:t>‹#›</a:t>
             </a:fld>
             <a:endParaRPr lang="en-US"/>
@@ -1585,6 +1589,7 @@
           <a:p>
             <a:fld id="{C2C6F8EA-316C-41DE-B9A4-EDCC3A85ED9A}" type="datetimeFigureOut">
               <a:rPr lang="en-US" smtClean="0"/>
+              <a:pPr/>
               <a:t>10/5/2020</a:t>
             </a:fld>
             <a:endParaRPr lang="en-US" dirty="0"/>
@@ -1652,6 +1657,7 @@
           <a:p>
             <a:fld id="{7DC1BBB0-96F0-4077-A278-0F3FB5C104D3}" type="slidenum">
               <a:rPr lang="en-US" smtClean="0"/>
+              <a:pPr/>
               <a:t>‹#›</a:t>
             </a:fld>
             <a:endParaRPr lang="en-US"/>
@@ -1663,13 +1669,13 @@
   <p:clrMapOvr>
     <a:masterClrMapping/>
   </p:clrMapOvr>
-  <mc:AlternateContent xmlns:mc="http://schemas.openxmlformats.org/markup-compatibility/2006" xmlns:p14="http://schemas.microsoft.com/office/powerpoint/2010/main">
-    <mc:Choice Requires="p14">
+  <mc:AlternateContent xmlns:mc="http://schemas.openxmlformats.org/markup-compatibility/2006">
+    <mc:Choice xmlns:p14="http://schemas.microsoft.com/office/powerpoint/2010/main" xmlns="" Requires="p14">
       <p:transition spd="med" p14:dur="700">
         <p:fade/>
       </p:transition>
     </mc:Choice>
-    <mc:Fallback xmlns="">
+    <mc:Fallback>
       <p:transition spd="med">
         <p:fade/>
       </p:transition>
@@ -1801,6 +1807,7 @@
           <a:p>
             <a:fld id="{C2C6F8EA-316C-41DE-B9A4-EDCC3A85ED9A}" type="datetimeFigureOut">
               <a:rPr lang="en-US"/>
+              <a:pPr/>
               <a:t>10/5/2020</a:t>
             </a:fld>
             <a:endParaRPr lang="en-US"/>
@@ -1847,6 +1854,7 @@
           <a:p>
             <a:fld id="{7DC1BBB0-96F0-4077-A278-0F3FB5C104D3}" type="slidenum">
               <a:rPr/>
+              <a:pPr/>
               <a:t>‹#›</a:t>
             </a:fld>
             <a:endParaRPr/>
@@ -1858,13 +1866,13 @@
   <p:clrMapOvr>
     <a:masterClrMapping/>
   </p:clrMapOvr>
-  <mc:AlternateContent xmlns:mc="http://schemas.openxmlformats.org/markup-compatibility/2006" xmlns:p14="http://schemas.microsoft.com/office/powerpoint/2010/main">
-    <mc:Choice Requires="p14">
+  <mc:AlternateContent xmlns:mc="http://schemas.openxmlformats.org/markup-compatibility/2006">
+    <mc:Choice xmlns:p14="http://schemas.microsoft.com/office/powerpoint/2010/main" xmlns="" Requires="p14">
       <p:transition spd="med" p14:dur="700">
         <p:fade/>
       </p:transition>
     </mc:Choice>
-    <mc:Fallback xmlns="">
+    <mc:Fallback>
       <p:transition spd="med">
         <p:fade/>
       </p:transition>
@@ -2606,6 +2614,7 @@
           <a:p>
             <a:fld id="{C2C6F8EA-316C-41DE-B9A4-EDCC3A85ED9A}" type="datetimeFigureOut">
               <a:rPr lang="en-US"/>
+              <a:pPr/>
               <a:t>10/5/2020</a:t>
             </a:fld>
             <a:endParaRPr lang="en-US"/>
@@ -2652,6 +2661,7 @@
           <a:p>
             <a:fld id="{7DC1BBB0-96F0-4077-A278-0F3FB5C104D3}" type="slidenum">
               <a:rPr/>
+              <a:pPr/>
               <a:t>‹#›</a:t>
             </a:fld>
             <a:endParaRPr/>
@@ -2663,13 +2673,13 @@
   <p:clrMapOvr>
     <a:masterClrMapping/>
   </p:clrMapOvr>
-  <mc:AlternateContent xmlns:mc="http://schemas.openxmlformats.org/markup-compatibility/2006" xmlns:p14="http://schemas.microsoft.com/office/powerpoint/2010/main">
-    <mc:Choice Requires="p14">
+  <mc:AlternateContent xmlns:mc="http://schemas.openxmlformats.org/markup-compatibility/2006">
+    <mc:Choice xmlns:p14="http://schemas.microsoft.com/office/powerpoint/2010/main" xmlns="" Requires="p14">
       <p:transition spd="med" p14:dur="700">
         <p:fade/>
       </p:transition>
     </mc:Choice>
-    <mc:Fallback xmlns="">
+    <mc:Fallback>
       <p:transition spd="med">
         <p:fade/>
       </p:transition>
@@ -2802,6 +2812,7 @@
           <a:p>
             <a:fld id="{C2C6F8EA-316C-41DE-B9A4-EDCC3A85ED9A}" type="datetimeFigureOut">
               <a:rPr lang="en-US"/>
+              <a:pPr/>
               <a:t>10/5/2020</a:t>
             </a:fld>
             <a:endParaRPr dirty="0"/>
@@ -2848,6 +2859,7 @@
           <a:p>
             <a:fld id="{7DC1BBB0-96F0-4077-A278-0F3FB5C104D3}" type="slidenum">
               <a:rPr/>
+              <a:pPr/>
               <a:t>‹#›</a:t>
             </a:fld>
             <a:endParaRPr/>
@@ -2859,13 +2871,13 @@
   <p:clrMapOvr>
     <a:masterClrMapping/>
   </p:clrMapOvr>
-  <mc:AlternateContent xmlns:mc="http://schemas.openxmlformats.org/markup-compatibility/2006" xmlns:p14="http://schemas.microsoft.com/office/powerpoint/2010/main">
-    <mc:Choice Requires="p14">
+  <mc:AlternateContent xmlns:mc="http://schemas.openxmlformats.org/markup-compatibility/2006">
+    <mc:Choice xmlns:p14="http://schemas.microsoft.com/office/powerpoint/2010/main" xmlns="" Requires="p14">
       <p:transition spd="med" p14:dur="700">
         <p:fade/>
       </p:transition>
     </mc:Choice>
-    <mc:Fallback xmlns="">
+    <mc:Fallback>
       <p:transition spd="med">
         <p:fade/>
       </p:transition>
@@ -4055,6 +4067,7 @@
           <a:p>
             <a:fld id="{C2C6F8EA-316C-41DE-B9A4-EDCC3A85ED9A}" type="datetimeFigureOut">
               <a:rPr lang="en-US" smtClean="0"/>
+              <a:pPr/>
               <a:t>10/5/2020</a:t>
             </a:fld>
             <a:endParaRPr lang="en-US" dirty="0"/>
@@ -4122,6 +4135,7 @@
           <a:p>
             <a:fld id="{7DC1BBB0-96F0-4077-A278-0F3FB5C104D3}" type="slidenum">
               <a:rPr lang="en-US" smtClean="0"/>
+              <a:pPr/>
               <a:t>‹#›</a:t>
             </a:fld>
             <a:endParaRPr lang="en-US"/>
@@ -4133,13 +4147,13 @@
   <p:clrMapOvr>
     <a:masterClrMapping/>
   </p:clrMapOvr>
-  <mc:AlternateContent xmlns:mc="http://schemas.openxmlformats.org/markup-compatibility/2006" xmlns:p14="http://schemas.microsoft.com/office/powerpoint/2010/main">
-    <mc:Choice Requires="p14">
+  <mc:AlternateContent xmlns:mc="http://schemas.openxmlformats.org/markup-compatibility/2006">
+    <mc:Choice xmlns:p14="http://schemas.microsoft.com/office/powerpoint/2010/main" xmlns="" Requires="p14">
       <p:transition spd="med" p14:dur="700">
         <p:fade/>
       </p:transition>
     </mc:Choice>
-    <mc:Fallback xmlns="">
+    <mc:Fallback>
       <p:transition spd="med">
         <p:fade/>
       </p:transition>
@@ -4372,6 +4386,7 @@
           <a:p>
             <a:fld id="{C2C6F8EA-316C-41DE-B9A4-EDCC3A85ED9A}" type="datetimeFigureOut">
               <a:rPr lang="en-US"/>
+              <a:pPr/>
               <a:t>10/5/2020</a:t>
             </a:fld>
             <a:endParaRPr lang="en-US"/>
@@ -4418,6 +4433,7 @@
           <a:p>
             <a:fld id="{7DC1BBB0-96F0-4077-A278-0F3FB5C104D3}" type="slidenum">
               <a:rPr/>
+              <a:pPr/>
               <a:t>‹#›</a:t>
             </a:fld>
             <a:endParaRPr/>
@@ -4429,13 +4445,13 @@
   <p:clrMapOvr>
     <a:masterClrMapping/>
   </p:clrMapOvr>
-  <mc:AlternateContent xmlns:mc="http://schemas.openxmlformats.org/markup-compatibility/2006" xmlns:p14="http://schemas.microsoft.com/office/powerpoint/2010/main">
-    <mc:Choice Requires="p14">
+  <mc:AlternateContent xmlns:mc="http://schemas.openxmlformats.org/markup-compatibility/2006">
+    <mc:Choice xmlns:p14="http://schemas.microsoft.com/office/powerpoint/2010/main" xmlns="" Requires="p14">
       <p:transition spd="med" p14:dur="700">
         <p:fade/>
       </p:transition>
     </mc:Choice>
-    <mc:Fallback xmlns="">
+    <mc:Fallback>
       <p:transition spd="med">
         <p:fade/>
       </p:transition>
@@ -4817,6 +4833,7 @@
           <a:p>
             <a:fld id="{C2C6F8EA-316C-41DE-B9A4-EDCC3A85ED9A}" type="datetimeFigureOut">
               <a:rPr lang="en-US"/>
+              <a:pPr/>
               <a:t>10/5/2020</a:t>
             </a:fld>
             <a:endParaRPr lang="en-US"/>
@@ -4863,6 +4880,7 @@
           <a:p>
             <a:fld id="{7DC1BBB0-96F0-4077-A278-0F3FB5C104D3}" type="slidenum">
               <a:rPr/>
+              <a:pPr/>
               <a:t>‹#›</a:t>
             </a:fld>
             <a:endParaRPr/>
@@ -4874,13 +4892,13 @@
   <p:clrMapOvr>
     <a:masterClrMapping/>
   </p:clrMapOvr>
-  <mc:AlternateContent xmlns:mc="http://schemas.openxmlformats.org/markup-compatibility/2006" xmlns:p14="http://schemas.microsoft.com/office/powerpoint/2010/main">
-    <mc:Choice Requires="p14">
+  <mc:AlternateContent xmlns:mc="http://schemas.openxmlformats.org/markup-compatibility/2006">
+    <mc:Choice xmlns:p14="http://schemas.microsoft.com/office/powerpoint/2010/main" xmlns="" Requires="p14">
       <p:transition spd="med" p14:dur="700">
         <p:fade/>
       </p:transition>
     </mc:Choice>
-    <mc:Fallback xmlns="">
+    <mc:Fallback>
       <p:transition spd="med">
         <p:fade/>
       </p:transition>
@@ -4945,6 +4963,7 @@
           <a:p>
             <a:fld id="{C2C6F8EA-316C-41DE-B9A4-EDCC3A85ED9A}" type="datetimeFigureOut">
               <a:rPr lang="en-US"/>
+              <a:pPr/>
               <a:t>10/5/2020</a:t>
             </a:fld>
             <a:endParaRPr lang="en-US"/>
@@ -4991,6 +5010,7 @@
           <a:p>
             <a:fld id="{7DC1BBB0-96F0-4077-A278-0F3FB5C104D3}" type="slidenum">
               <a:rPr/>
+              <a:pPr/>
               <a:t>‹#›</a:t>
             </a:fld>
             <a:endParaRPr/>
@@ -5002,13 +5022,13 @@
   <p:clrMapOvr>
     <a:masterClrMapping/>
   </p:clrMapOvr>
-  <mc:AlternateContent xmlns:mc="http://schemas.openxmlformats.org/markup-compatibility/2006" xmlns:p14="http://schemas.microsoft.com/office/powerpoint/2010/main">
-    <mc:Choice Requires="p14">
+  <mc:AlternateContent xmlns:mc="http://schemas.openxmlformats.org/markup-compatibility/2006">
+    <mc:Choice xmlns:p14="http://schemas.microsoft.com/office/powerpoint/2010/main" xmlns="" Requires="p14">
       <p:transition spd="med" p14:dur="700">
         <p:fade/>
       </p:transition>
     </mc:Choice>
-    <mc:Fallback xmlns="">
+    <mc:Fallback>
       <p:transition spd="med">
         <p:fade/>
       </p:transition>
@@ -5279,6 +5299,7 @@
           <a:p>
             <a:fld id="{C2C6F8EA-316C-41DE-B9A4-EDCC3A85ED9A}" type="datetimeFigureOut">
               <a:rPr lang="en-US"/>
+              <a:pPr/>
               <a:t>10/5/2020</a:t>
             </a:fld>
             <a:endParaRPr lang="en-US"/>
@@ -5333,6 +5354,7 @@
           <a:p>
             <a:fld id="{7DC1BBB0-96F0-4077-A278-0F3FB5C104D3}" type="slidenum">
               <a:rPr/>
+              <a:pPr/>
               <a:t>‹#›</a:t>
             </a:fld>
             <a:endParaRPr/>
@@ -5344,13 +5366,13 @@
   <p:clrMapOvr>
     <a:masterClrMapping/>
   </p:clrMapOvr>
-  <mc:AlternateContent xmlns:mc="http://schemas.openxmlformats.org/markup-compatibility/2006" xmlns:p14="http://schemas.microsoft.com/office/powerpoint/2010/main">
-    <mc:Choice Requires="p14">
+  <mc:AlternateContent xmlns:mc="http://schemas.openxmlformats.org/markup-compatibility/2006">
+    <mc:Choice xmlns:p14="http://schemas.microsoft.com/office/powerpoint/2010/main" xmlns="" Requires="p14">
       <p:transition spd="med" p14:dur="700">
         <p:fade/>
       </p:transition>
     </mc:Choice>
-    <mc:Fallback xmlns="">
+    <mc:Fallback>
       <p:transition spd="med">
         <p:fade/>
       </p:transition>
@@ -5767,6 +5789,7 @@
           <a:p>
             <a:fld id="{C2C6F8EA-316C-41DE-B9A4-EDCC3A85ED9A}" type="datetimeFigureOut">
               <a:rPr lang="en-US"/>
+              <a:pPr/>
               <a:t>10/5/2020</a:t>
             </a:fld>
             <a:endParaRPr lang="en-US"/>
@@ -5813,6 +5836,7 @@
           <a:p>
             <a:fld id="{7DC1BBB0-96F0-4077-A278-0F3FB5C104D3}" type="slidenum">
               <a:rPr/>
+              <a:pPr/>
               <a:t>‹#›</a:t>
             </a:fld>
             <a:endParaRPr/>
@@ -5824,13 +5848,13 @@
   <p:clrMapOvr>
     <a:masterClrMapping/>
   </p:clrMapOvr>
-  <mc:AlternateContent xmlns:mc="http://schemas.openxmlformats.org/markup-compatibility/2006" xmlns:p14="http://schemas.microsoft.com/office/powerpoint/2010/main">
-    <mc:Choice Requires="p14">
+  <mc:AlternateContent xmlns:mc="http://schemas.openxmlformats.org/markup-compatibility/2006">
+    <mc:Choice xmlns:p14="http://schemas.microsoft.com/office/powerpoint/2010/main" xmlns="" Requires="p14">
       <p:transition spd="med" p14:dur="700">
         <p:fade/>
       </p:transition>
     </mc:Choice>
-    <mc:Fallback xmlns="">
+    <mc:Fallback>
       <p:transition spd="med">
         <p:fade/>
       </p:transition>
@@ -6213,6 +6237,7 @@
           <a:p>
             <a:fld id="{C2C6F8EA-316C-41DE-B9A4-EDCC3A85ED9A}" type="datetimeFigureOut">
               <a:rPr lang="en-US" smtClean="0"/>
+              <a:pPr/>
               <a:t>10/5/2020</a:t>
             </a:fld>
             <a:endParaRPr lang="en-US" dirty="0"/>
@@ -6275,6 +6300,7 @@
           <a:p>
             <a:fld id="{7DC1BBB0-96F0-4077-A278-0F3FB5C104D3}" type="slidenum">
               <a:rPr lang="en-US" smtClean="0"/>
+              <a:pPr/>
               <a:t>‹#›</a:t>
             </a:fld>
             <a:endParaRPr lang="en-US"/>
@@ -6321,13 +6347,13 @@
   <p:clrMapOvr>
     <a:masterClrMapping/>
   </p:clrMapOvr>
-  <mc:AlternateContent xmlns:mc="http://schemas.openxmlformats.org/markup-compatibility/2006" xmlns:p14="http://schemas.microsoft.com/office/powerpoint/2010/main">
-    <mc:Choice Requires="p14">
+  <mc:AlternateContent xmlns:mc="http://schemas.openxmlformats.org/markup-compatibility/2006">
+    <mc:Choice xmlns:p14="http://schemas.microsoft.com/office/powerpoint/2010/main" xmlns="" Requires="p14">
       <p:transition spd="med" p14:dur="700">
         <p:fade/>
       </p:transition>
     </mc:Choice>
-    <mc:Fallback xmlns="">
+    <mc:Fallback>
       <p:transition spd="med">
         <p:fade/>
       </p:transition>
@@ -7100,6 +7126,7 @@
           <a:p>
             <a:fld id="{C2C6F8EA-316C-41DE-B9A4-EDCC3A85ED9A}" type="datetimeFigureOut">
               <a:rPr lang="en-US" smtClean="0"/>
+              <a:pPr/>
               <a:t>10/5/2020</a:t>
             </a:fld>
             <a:endParaRPr lang="en-US" dirty="0"/>
@@ -7178,6 +7205,7 @@
           <a:p>
             <a:fld id="{7DC1BBB0-96F0-4077-A278-0F3FB5C104D3}" type="slidenum">
               <a:rPr lang="en-US" smtClean="0"/>
+              <a:pPr/>
               <a:t>‹#›</a:t>
             </a:fld>
             <a:endParaRPr lang="en-US"/>
@@ -7200,13 +7228,13 @@
     <p:sldLayoutId id="2147483658" r:id="rId10"/>
     <p:sldLayoutId id="2147483659" r:id="rId11"/>
   </p:sldLayoutIdLst>
-  <mc:AlternateContent xmlns:mc="http://schemas.openxmlformats.org/markup-compatibility/2006" xmlns:p14="http://schemas.microsoft.com/office/powerpoint/2010/main">
-    <mc:Choice Requires="p14">
+  <mc:AlternateContent xmlns:mc="http://schemas.openxmlformats.org/markup-compatibility/2006">
+    <mc:Choice xmlns:p14="http://schemas.microsoft.com/office/powerpoint/2010/main" xmlns="" Requires="p14">
       <p:transition spd="med" p14:dur="700">
         <p:fade/>
       </p:transition>
     </mc:Choice>
-    <mc:Fallback xmlns="">
+    <mc:Fallback>
       <p:transition spd="med">
         <p:fade/>
       </p:transition>
@@ -7555,13 +7583,13 @@
   <p:clrMapOvr>
     <a:masterClrMapping/>
   </p:clrMapOvr>
-  <mc:AlternateContent xmlns:mc="http://schemas.openxmlformats.org/markup-compatibility/2006" xmlns:p14="http://schemas.microsoft.com/office/powerpoint/2010/main">
-    <mc:Choice Requires="p14">
+  <mc:AlternateContent xmlns:mc="http://schemas.openxmlformats.org/markup-compatibility/2006">
+    <mc:Choice xmlns:p14="http://schemas.microsoft.com/office/powerpoint/2010/main" xmlns="" Requires="p14">
       <p:transition spd="med" p14:dur="700">
         <p:fade/>
       </p:transition>
     </mc:Choice>
-    <mc:Fallback xmlns="">
+    <mc:Fallback>
       <p:transition spd="med">
         <p:fade/>
       </p:transition>
@@ -7778,13 +7806,13 @@
   <p:clrMapOvr>
     <a:masterClrMapping/>
   </p:clrMapOvr>
-  <mc:AlternateContent xmlns:mc="http://schemas.openxmlformats.org/markup-compatibility/2006" xmlns:p14="http://schemas.microsoft.com/office/powerpoint/2010/main">
-    <mc:Choice Requires="p14">
+  <mc:AlternateContent xmlns:mc="http://schemas.openxmlformats.org/markup-compatibility/2006">
+    <mc:Choice xmlns:p14="http://schemas.microsoft.com/office/powerpoint/2010/main" xmlns="" Requires="p14">
       <p:transition spd="med" p14:dur="700">
         <p:fade/>
       </p:transition>
     </mc:Choice>
-    <mc:Fallback xmlns="">
+    <mc:Fallback>
       <p:transition spd="med">
         <p:fade/>
       </p:transition>
@@ -7794,308 +7822,6 @@
 </file>
 
 <file path=ppt/slides/slide3.xml><?xml version="1.0" encoding="utf-8"?>
-<p:sld xmlns:a="http://schemas.openxmlformats.org/drawingml/2006/main" xmlns:r="http://schemas.openxmlformats.org/officeDocument/2006/relationships" xmlns:p="http://schemas.openxmlformats.org/presentationml/2006/main">
-  <p:cSld>
-    <p:spTree>
-      <p:nvGrpSpPr>
-        <p:cNvPr id="1" name=""/>
-        <p:cNvGrpSpPr/>
-        <p:nvPr/>
-      </p:nvGrpSpPr>
-      <p:grpSpPr>
-        <a:xfrm>
-          <a:off x="0" y="0"/>
-          <a:ext cx="0" cy="0"/>
-          <a:chOff x="0" y="0"/>
-          <a:chExt cx="0" cy="0"/>
-        </a:xfrm>
-      </p:grpSpPr>
-      <p:sp>
-        <p:nvSpPr>
-          <p:cNvPr id="2" name="Text Box 1"/>
-          <p:cNvSpPr txBox="1"/>
-          <p:nvPr/>
-        </p:nvSpPr>
-        <p:spPr>
-          <a:xfrm>
-            <a:off x="6716395" y="4025265"/>
-            <a:ext cx="904240" cy="368300"/>
-          </a:xfrm>
-          <a:prstGeom prst="rect">
-            <a:avLst/>
-          </a:prstGeom>
-          <a:noFill/>
-        </p:spPr>
-        <p:txBody>
-          <a:bodyPr wrap="none" rtlCol="0">
-            <a:spAutoFit/>
-          </a:bodyPr>
-          <a:lstStyle/>
-          <a:p>
-            <a:r>
-              <a:rPr lang="en-US"/>
-              <a:t>Sakshi</a:t>
-            </a:r>
-          </a:p>
-        </p:txBody>
-      </p:sp>
-      <p:sp>
-        <p:nvSpPr>
-          <p:cNvPr id="5" name="Content Placeholder 4"/>
-          <p:cNvSpPr>
-            <a:spLocks noGrp="1"/>
-          </p:cNvSpPr>
-          <p:nvPr/>
-        </p:nvSpPr>
-        <p:spPr>
-          <a:xfrm>
-            <a:off x="1593215" y="314325"/>
-            <a:ext cx="9782810" cy="5857875"/>
-          </a:xfrm>
-          <a:prstGeom prst="rect">
-            <a:avLst/>
-          </a:prstGeom>
-        </p:spPr>
-        <p:txBody>
-          <a:bodyPr vert="horz" lIns="91440" tIns="45720" rIns="91440" bIns="45720" rtlCol="0">
-            <a:normAutofit/>
-          </a:bodyPr>
-          <a:lstStyle>
-            <a:lvl1pPr marL="247015" indent="-247015" algn="l" defTabSz="914400" rtl="0" eaLnBrk="1" latinLnBrk="0" hangingPunct="1">
-              <a:lnSpc>
-                <a:spcPct val="90000"/>
-              </a:lnSpc>
-              <a:spcBef>
-                <a:spcPts val="1400"/>
-              </a:spcBef>
-              <a:buFont typeface="Euphemia" pitchFamily="34" charset="0"/>
-              <a:buChar char="›"/>
-              <a:defRPr sz="2800" kern="1200">
-                <a:solidFill>
-                  <a:schemeClr val="tx1"/>
-                </a:solidFill>
-                <a:latin typeface="+mn-lt"/>
-                <a:ea typeface="+mn-ea"/>
-                <a:cs typeface="+mn-cs"/>
-              </a:defRPr>
-            </a:lvl1pPr>
-            <a:lvl2pPr marL="612775" indent="-247015" algn="l" defTabSz="914400" rtl="0" eaLnBrk="1" latinLnBrk="0" hangingPunct="1">
-              <a:lnSpc>
-                <a:spcPct val="90000"/>
-              </a:lnSpc>
-              <a:spcBef>
-                <a:spcPts val="600"/>
-              </a:spcBef>
-              <a:buFont typeface="Euphemia" pitchFamily="34" charset="0"/>
-              <a:buChar char="–"/>
-              <a:defRPr sz="2400" kern="1200">
-                <a:solidFill>
-                  <a:schemeClr val="tx1"/>
-                </a:solidFill>
-                <a:latin typeface="+mn-lt"/>
-                <a:ea typeface="+mn-ea"/>
-                <a:cs typeface="+mn-cs"/>
-              </a:defRPr>
-            </a:lvl2pPr>
-            <a:lvl3pPr marL="978535" indent="-247015" algn="l" defTabSz="914400" rtl="0" eaLnBrk="1" latinLnBrk="0" hangingPunct="1">
-              <a:lnSpc>
-                <a:spcPct val="90000"/>
-              </a:lnSpc>
-              <a:spcBef>
-                <a:spcPts val="600"/>
-              </a:spcBef>
-              <a:buFont typeface="Euphemia" pitchFamily="34" charset="0"/>
-              <a:buChar char="›"/>
-              <a:defRPr sz="2000" kern="1200">
-                <a:solidFill>
-                  <a:schemeClr val="tx1"/>
-                </a:solidFill>
-                <a:latin typeface="+mn-lt"/>
-                <a:ea typeface="+mn-ea"/>
-                <a:cs typeface="+mn-cs"/>
-              </a:defRPr>
-            </a:lvl3pPr>
-            <a:lvl4pPr marL="1344295" indent="-247015" algn="l" defTabSz="914400" rtl="0" eaLnBrk="1" latinLnBrk="0" hangingPunct="1">
-              <a:lnSpc>
-                <a:spcPct val="90000"/>
-              </a:lnSpc>
-              <a:spcBef>
-                <a:spcPts val="600"/>
-              </a:spcBef>
-              <a:buFont typeface="Arial" panose="020B0604020202020204" pitchFamily="34" charset="0"/>
-              <a:buChar char="–"/>
-              <a:defRPr sz="1800" kern="1200">
-                <a:solidFill>
-                  <a:schemeClr val="tx1"/>
-                </a:solidFill>
-                <a:latin typeface="+mn-lt"/>
-                <a:ea typeface="+mn-ea"/>
-                <a:cs typeface="+mn-cs"/>
-              </a:defRPr>
-            </a:lvl4pPr>
-            <a:lvl5pPr marL="1710055" indent="-247015" algn="l" defTabSz="914400" rtl="0" eaLnBrk="1" latinLnBrk="0" hangingPunct="1">
-              <a:lnSpc>
-                <a:spcPct val="90000"/>
-              </a:lnSpc>
-              <a:spcBef>
-                <a:spcPts val="600"/>
-              </a:spcBef>
-              <a:buFont typeface="Euphemia" pitchFamily="34" charset="0"/>
-              <a:buChar char="›"/>
-              <a:defRPr sz="1800" kern="1200">
-                <a:solidFill>
-                  <a:schemeClr val="tx1"/>
-                </a:solidFill>
-                <a:latin typeface="+mn-lt"/>
-                <a:ea typeface="+mn-ea"/>
-                <a:cs typeface="+mn-cs"/>
-              </a:defRPr>
-            </a:lvl5pPr>
-            <a:lvl6pPr marL="2075815" indent="-247015" algn="l" defTabSz="914400" rtl="0" eaLnBrk="1" latinLnBrk="0" hangingPunct="1">
-              <a:lnSpc>
-                <a:spcPct val="90000"/>
-              </a:lnSpc>
-              <a:spcBef>
-                <a:spcPts val="600"/>
-              </a:spcBef>
-              <a:buFont typeface="Euphemia" pitchFamily="34" charset="0"/>
-              <a:buChar char="–"/>
-              <a:defRPr sz="1800" kern="1200">
-                <a:solidFill>
-                  <a:schemeClr val="tx1"/>
-                </a:solidFill>
-                <a:latin typeface="+mn-lt"/>
-                <a:ea typeface="+mn-ea"/>
-                <a:cs typeface="+mn-cs"/>
-              </a:defRPr>
-            </a:lvl6pPr>
-            <a:lvl7pPr marL="2441575" indent="-247015" algn="l" defTabSz="914400" rtl="0" eaLnBrk="1" latinLnBrk="0" hangingPunct="1">
-              <a:lnSpc>
-                <a:spcPct val="90000"/>
-              </a:lnSpc>
-              <a:spcBef>
-                <a:spcPts val="600"/>
-              </a:spcBef>
-              <a:buFont typeface="Euphemia" pitchFamily="34" charset="0"/>
-              <a:buChar char="›"/>
-              <a:defRPr sz="1800" kern="1200">
-                <a:solidFill>
-                  <a:schemeClr val="tx1"/>
-                </a:solidFill>
-                <a:latin typeface="+mn-lt"/>
-                <a:ea typeface="+mn-ea"/>
-                <a:cs typeface="+mn-cs"/>
-              </a:defRPr>
-            </a:lvl7pPr>
-            <a:lvl8pPr marL="2807335" indent="-247015" algn="l" defTabSz="914400" rtl="0" eaLnBrk="1" latinLnBrk="0" hangingPunct="1">
-              <a:lnSpc>
-                <a:spcPct val="90000"/>
-              </a:lnSpc>
-              <a:spcBef>
-                <a:spcPts val="600"/>
-              </a:spcBef>
-              <a:buFont typeface="Euphemia" pitchFamily="34" charset="0"/>
-              <a:buChar char="–"/>
-              <a:defRPr sz="1800" kern="1200" baseline="0">
-                <a:solidFill>
-                  <a:schemeClr val="tx1"/>
-                </a:solidFill>
-                <a:latin typeface="+mn-lt"/>
-                <a:ea typeface="+mn-ea"/>
-                <a:cs typeface="+mn-cs"/>
-              </a:defRPr>
-            </a:lvl8pPr>
-            <a:lvl9pPr marL="3173095" indent="-247015" algn="l" defTabSz="914400" rtl="0" eaLnBrk="1" latinLnBrk="0" hangingPunct="1">
-              <a:lnSpc>
-                <a:spcPct val="90000"/>
-              </a:lnSpc>
-              <a:spcBef>
-                <a:spcPts val="600"/>
-              </a:spcBef>
-              <a:buFont typeface="Euphemia" pitchFamily="34" charset="0"/>
-              <a:buChar char="›"/>
-              <a:defRPr sz="1800" kern="1200" baseline="0">
-                <a:solidFill>
-                  <a:schemeClr val="tx1"/>
-                </a:solidFill>
-                <a:latin typeface="+mn-lt"/>
-                <a:ea typeface="+mn-ea"/>
-                <a:cs typeface="+mn-cs"/>
-              </a:defRPr>
-            </a:lvl9pPr>
-          </a:lstStyle>
-          <a:p>
-            <a:endParaRPr lang="en-US" sz="1600"/>
-          </a:p>
-          <a:p>
-            <a:r>
-              <a:rPr lang="en-US" sz="1600"/>
-              <a:t>Quick Draw</a:t>
-            </a:r>
-          </a:p>
-          <a:p>
-            <a:pPr lvl="1"/>
-            <a:r>
-              <a:rPr lang="en-US" sz="1370"/>
-              <a:t>These doodles are a unique data set that can </a:t>
-            </a:r>
-          </a:p>
-          <a:p>
-            <a:pPr lvl="2"/>
-            <a:r>
-              <a:rPr lang="en-US" sz="1140"/>
-              <a:t>help developers train new neural networks,</a:t>
-            </a:r>
-          </a:p>
-          <a:p>
-            <a:pPr lvl="2"/>
-            <a:r>
-              <a:rPr lang="en-US" sz="1140"/>
-              <a:t>help researchers see patterns in how people around the world draw, </a:t>
-            </a:r>
-          </a:p>
-          <a:p>
-            <a:pPr lvl="2"/>
-            <a:r>
-              <a:rPr lang="en-US" sz="1140"/>
-              <a:t>and help artists create things we haven’t begun to think of.</a:t>
-            </a:r>
-          </a:p>
-          <a:p>
-            <a:r>
-              <a:rPr lang="en-US" sz="900"/>
-              <a:t>https://quickdraw.withgoogle.com/data</a:t>
-            </a:r>
-          </a:p>
-          <a:p>
-            <a:r>
-              <a:rPr lang="en-US" sz="900"/>
-              <a:t>https://github.com/googlecreativelab/quickdraw-dataset</a:t>
-            </a:r>
-          </a:p>
-        </p:txBody>
-      </p:sp>
-    </p:spTree>
-  </p:cSld>
-  <p:clrMapOvr>
-    <a:masterClrMapping/>
-  </p:clrMapOvr>
-  <mc:AlternateContent xmlns:mc="http://schemas.openxmlformats.org/markup-compatibility/2006" xmlns:p14="http://schemas.microsoft.com/office/powerpoint/2010/main">
-    <mc:Choice Requires="p14">
-      <p:transition spd="med" p14:dur="700">
-        <p:fade/>
-      </p:transition>
-    </mc:Choice>
-    <mc:Fallback xmlns="">
-      <p:transition spd="med">
-        <p:fade/>
-      </p:transition>
-    </mc:Fallback>
-  </mc:AlternateContent>
-</p:sld>
-</file>
-
-<file path=ppt/slides/slide4.xml><?xml version="1.0" encoding="utf-8"?>
 <p:sld xmlns:a="http://schemas.openxmlformats.org/drawingml/2006/main" xmlns:r="http://schemas.openxmlformats.org/officeDocument/2006/relationships" xmlns:p="http://schemas.openxmlformats.org/presentationml/2006/main">
   <p:cSld>
     <p:spTree>
@@ -8444,13 +8170,212 @@
   <p:clrMapOvr>
     <a:masterClrMapping/>
   </p:clrMapOvr>
-  <mc:AlternateContent xmlns:mc="http://schemas.openxmlformats.org/markup-compatibility/2006" xmlns:p14="http://schemas.microsoft.com/office/powerpoint/2010/main">
-    <mc:Choice Requires="p14">
+  <mc:AlternateContent xmlns:mc="http://schemas.openxmlformats.org/markup-compatibility/2006">
+    <mc:Choice xmlns:p14="http://schemas.microsoft.com/office/powerpoint/2010/main" xmlns="" Requires="p14">
       <p:transition spd="med" p14:dur="700">
         <p:fade/>
       </p:transition>
     </mc:Choice>
-    <mc:Fallback xmlns="">
+    <mc:Fallback>
+      <p:transition spd="med">
+        <p:fade/>
+      </p:transition>
+    </mc:Fallback>
+  </mc:AlternateContent>
+</p:sld>
+</file>
+
+<file path=ppt/slides/slide4.xml><?xml version="1.0" encoding="utf-8"?>
+<p:sld xmlns:a="http://schemas.openxmlformats.org/drawingml/2006/main" xmlns:r="http://schemas.openxmlformats.org/officeDocument/2006/relationships" xmlns:p="http://schemas.openxmlformats.org/presentationml/2006/main">
+  <p:cSld>
+    <p:spTree>
+      <p:nvGrpSpPr>
+        <p:cNvPr id="1" name=""/>
+        <p:cNvGrpSpPr/>
+        <p:nvPr/>
+      </p:nvGrpSpPr>
+      <p:grpSpPr>
+        <a:xfrm>
+          <a:off x="0" y="0"/>
+          <a:ext cx="0" cy="0"/>
+          <a:chOff x="0" y="0"/>
+          <a:chExt cx="0" cy="0"/>
+        </a:xfrm>
+      </p:grpSpPr>
+      <p:sp>
+        <p:nvSpPr>
+          <p:cNvPr id="2" name="Title 1"/>
+          <p:cNvSpPr>
+            <a:spLocks noGrp="1"/>
+          </p:cNvSpPr>
+          <p:nvPr>
+            <p:ph type="title"/>
+          </p:nvPr>
+        </p:nvSpPr>
+        <p:spPr/>
+        <p:txBody>
+          <a:bodyPr/>
+          <a:lstStyle/>
+          <a:p>
+            <a:r>
+              <a:rPr lang="en-US" sz="2000">
+                <a:latin typeface="Times New Roman" panose="02020603050405020304" pitchFamily="18" charset="0"/>
+                <a:cs typeface="Times New Roman" panose="02020603050405020304" pitchFamily="18" charset="0"/>
+              </a:rPr>
+              <a:t>Combating On​line Ho​st​ile Posts in ​Regional L​anguages dur​ing Emerge​ncy Si​tuation</a:t>
+            </a:r>
+          </a:p>
+        </p:txBody>
+      </p:sp>
+      <p:sp>
+        <p:nvSpPr>
+          <p:cNvPr id="3" name="Content Placeholder 2"/>
+          <p:cNvSpPr>
+            <a:spLocks noGrp="1"/>
+          </p:cNvSpPr>
+          <p:nvPr>
+            <p:ph sz="half" idx="1"/>
+          </p:nvPr>
+        </p:nvSpPr>
+        <p:spPr>
+          <a:xfrm>
+            <a:off x="1593215" y="1600200"/>
+            <a:ext cx="9782175" cy="4572000"/>
+          </a:xfrm>
+        </p:spPr>
+        <p:txBody>
+          <a:bodyPr/>
+          <a:lstStyle/>
+          <a:p>
+            <a:r>
+              <a:rPr lang="en-US" sz="1400" dirty="0">
+                <a:latin typeface="Times New Roman" panose="02020603050405020304" pitchFamily="18" charset="0"/>
+                <a:cs typeface="Times New Roman" panose="02020603050405020304" pitchFamily="18" charset="0"/>
+              </a:rPr>
+              <a:t>This subtask focuses on a variety of hostile posts in Hindi Devanagari script collected from Twitter and Facebook. </a:t>
+            </a:r>
+          </a:p>
+          <a:p>
+            <a:r>
+              <a:rPr lang="en-US" sz="1400" dirty="0">
+                <a:latin typeface="Times New Roman" panose="02020603050405020304" pitchFamily="18" charset="0"/>
+                <a:cs typeface="Times New Roman" panose="02020603050405020304" pitchFamily="18" charset="0"/>
+              </a:rPr>
+              <a:t>The set of valid categories are fake news, hate speech, offensive, defamation, and non-hostile posts.</a:t>
+            </a:r>
+          </a:p>
+          <a:p>
+            <a:r>
+              <a:rPr lang="en-US" sz="1400" dirty="0">
+                <a:latin typeface="Times New Roman" panose="02020603050405020304" pitchFamily="18" charset="0"/>
+                <a:cs typeface="Times New Roman" panose="02020603050405020304" pitchFamily="18" charset="0"/>
+              </a:rPr>
+              <a:t> It is a multi-label </a:t>
+            </a:r>
+            <a:r>
+              <a:rPr lang="en-US" sz="1400" b="1" dirty="0">
+                <a:latin typeface="Times New Roman" panose="02020603050405020304" pitchFamily="18" charset="0"/>
+                <a:cs typeface="Times New Roman" panose="02020603050405020304" pitchFamily="18" charset="0"/>
+              </a:rPr>
+              <a:t>multi-class classification</a:t>
+            </a:r>
+            <a:r>
+              <a:rPr lang="en-US" sz="1400" dirty="0">
+                <a:latin typeface="Times New Roman" panose="02020603050405020304" pitchFamily="18" charset="0"/>
+                <a:cs typeface="Times New Roman" panose="02020603050405020304" pitchFamily="18" charset="0"/>
+              </a:rPr>
+              <a:t> problem where each post can belong to one or more of these hostile classes. However, the non-hostile posts cannot be grouped with any other class.</a:t>
+            </a:r>
+          </a:p>
+          <a:p>
+            <a:r>
+              <a:rPr lang="en-US" sz="1400" dirty="0">
+                <a:gradFill>
+                  <a:gsLst>
+                    <a:gs pos="0">
+                      <a:srgbClr val="007BD3"/>
+                    </a:gs>
+                    <a:gs pos="100000">
+                      <a:srgbClr val="034373"/>
+                    </a:gs>
+                  </a:gsLst>
+                  <a:lin scaled="0"/>
+                </a:gradFill>
+                <a:latin typeface="Times New Roman" panose="02020603050405020304" pitchFamily="18" charset="0"/>
+                <a:cs typeface="Times New Roman" panose="02020603050405020304" pitchFamily="18" charset="0"/>
+              </a:rPr>
+              <a:t>https://competitions.codalab.org/competitions/26654#learn_the_details-overview</a:t>
+            </a:r>
+          </a:p>
+        </p:txBody>
+      </p:sp>
+      <p:pic>
+        <p:nvPicPr>
+          <p:cNvPr id="5" name="Content Placeholder 4"/>
+          <p:cNvPicPr>
+            <a:picLocks noGrp="1" noChangeAspect="1"/>
+          </p:cNvPicPr>
+          <p:nvPr>
+            <p:ph sz="half" idx="2"/>
+          </p:nvPr>
+        </p:nvPicPr>
+        <p:blipFill>
+          <a:blip r:embed="rId2"/>
+          <a:stretch>
+            <a:fillRect/>
+          </a:stretch>
+        </p:blipFill>
+        <p:spPr>
+          <a:xfrm>
+            <a:off x="1840230" y="3408045"/>
+            <a:ext cx="9288000" cy="279302"/>
+          </a:xfrm>
+          <a:prstGeom prst="rect">
+            <a:avLst/>
+          </a:prstGeom>
+        </p:spPr>
+      </p:pic>
+      <p:sp>
+        <p:nvSpPr>
+          <p:cNvPr id="6" name="Text Box 5"/>
+          <p:cNvSpPr txBox="1"/>
+          <p:nvPr/>
+        </p:nvSpPr>
+        <p:spPr>
+          <a:xfrm>
+            <a:off x="7192645" y="6205220"/>
+            <a:ext cx="3656330" cy="368300"/>
+          </a:xfrm>
+          <a:prstGeom prst="rect">
+            <a:avLst/>
+          </a:prstGeom>
+          <a:noFill/>
+        </p:spPr>
+        <p:txBody>
+          <a:bodyPr wrap="square" rtlCol="0">
+            <a:spAutoFit/>
+          </a:bodyPr>
+          <a:lstStyle/>
+          <a:p>
+            <a:r>
+              <a:rPr lang="en-US"/>
+              <a:t>		Varun Bohara</a:t>
+            </a:r>
+          </a:p>
+        </p:txBody>
+      </p:sp>
+    </p:spTree>
+  </p:cSld>
+  <p:clrMapOvr>
+    <a:masterClrMapping/>
+  </p:clrMapOvr>
+  <mc:AlternateContent xmlns:mc="http://schemas.openxmlformats.org/markup-compatibility/2006">
+    <mc:Choice xmlns:p14="http://schemas.microsoft.com/office/powerpoint/2010/main" xmlns="" Requires="p14">
+      <p:transition spd="med" p14:dur="700">
+        <p:fade/>
+      </p:transition>
+    </mc:Choice>
+    <mc:Fallback>
       <p:transition spd="med">
         <p:fade/>
       </p:transition>
@@ -8478,147 +8403,14 @@
       </p:grpSpPr>
       <p:sp>
         <p:nvSpPr>
-          <p:cNvPr id="2" name="Title 1"/>
-          <p:cNvSpPr>
-            <a:spLocks noGrp="1"/>
-          </p:cNvSpPr>
-          <p:nvPr>
-            <p:ph type="title"/>
-          </p:nvPr>
-        </p:nvSpPr>
-        <p:spPr/>
-        <p:txBody>
-          <a:bodyPr/>
-          <a:lstStyle/>
-          <a:p>
-            <a:r>
-              <a:rPr lang="en-US" sz="2000">
-                <a:latin typeface="Times New Roman" panose="02020603050405020304" pitchFamily="18" charset="0"/>
-                <a:cs typeface="Times New Roman" panose="02020603050405020304" pitchFamily="18" charset="0"/>
-              </a:rPr>
-              <a:t>Combating On​line Ho​st​ile Posts in ​Regional L​anguages dur​ing Emerge​ncy Si​tuation</a:t>
-            </a:r>
-          </a:p>
-        </p:txBody>
-      </p:sp>
-      <p:sp>
-        <p:nvSpPr>
-          <p:cNvPr id="3" name="Content Placeholder 2"/>
-          <p:cNvSpPr>
-            <a:spLocks noGrp="1"/>
-          </p:cNvSpPr>
-          <p:nvPr>
-            <p:ph sz="half" idx="1"/>
-          </p:nvPr>
-        </p:nvSpPr>
-        <p:spPr>
-          <a:xfrm>
-            <a:off x="1593215" y="1600200"/>
-            <a:ext cx="9782175" cy="4572000"/>
-          </a:xfrm>
-        </p:spPr>
-        <p:txBody>
-          <a:bodyPr/>
-          <a:lstStyle/>
-          <a:p>
-            <a:r>
-              <a:rPr lang="en-US" sz="1400" dirty="0">
-                <a:latin typeface="Times New Roman" panose="02020603050405020304" pitchFamily="18" charset="0"/>
-                <a:cs typeface="Times New Roman" panose="02020603050405020304" pitchFamily="18" charset="0"/>
-              </a:rPr>
-              <a:t>This subtask focuses on a variety of hostile posts in Hindi Devanagari script collected from Twitter and Facebook. </a:t>
-            </a:r>
-          </a:p>
-          <a:p>
-            <a:r>
-              <a:rPr lang="en-US" sz="1400" dirty="0">
-                <a:latin typeface="Times New Roman" panose="02020603050405020304" pitchFamily="18" charset="0"/>
-                <a:cs typeface="Times New Roman" panose="02020603050405020304" pitchFamily="18" charset="0"/>
-              </a:rPr>
-              <a:t>The set of valid categories are fake news, hate speech, offensive, defamation, and non-hostile posts.</a:t>
-            </a:r>
-          </a:p>
-          <a:p>
-            <a:r>
-              <a:rPr lang="en-US" sz="1400" dirty="0">
-                <a:latin typeface="Times New Roman" panose="02020603050405020304" pitchFamily="18" charset="0"/>
-                <a:cs typeface="Times New Roman" panose="02020603050405020304" pitchFamily="18" charset="0"/>
-              </a:rPr>
-              <a:t> It is a multi-label </a:t>
-            </a:r>
-            <a:r>
-              <a:rPr lang="en-US" sz="1400" b="1" dirty="0">
-                <a:latin typeface="Times New Roman" panose="02020603050405020304" pitchFamily="18" charset="0"/>
-                <a:cs typeface="Times New Roman" panose="02020603050405020304" pitchFamily="18" charset="0"/>
-              </a:rPr>
-              <a:t>multi-class classification</a:t>
-            </a:r>
-            <a:r>
-              <a:rPr lang="en-US" sz="1400" dirty="0">
-                <a:latin typeface="Times New Roman" panose="02020603050405020304" pitchFamily="18" charset="0"/>
-                <a:cs typeface="Times New Roman" panose="02020603050405020304" pitchFamily="18" charset="0"/>
-              </a:rPr>
-              <a:t> problem where each post can belong to one or more of these hostile classes. However, the non-hostile posts cannot be grouped with any other class.</a:t>
-            </a:r>
-          </a:p>
-          <a:p>
-            <a:r>
-              <a:rPr lang="en-US" sz="1400" dirty="0">
-                <a:gradFill>
-                  <a:gsLst>
-                    <a:gs pos="0">
-                      <a:srgbClr val="007BD3"/>
-                    </a:gs>
-                    <a:gs pos="100000">
-                      <a:srgbClr val="034373"/>
-                    </a:gs>
-                  </a:gsLst>
-                  <a:lin scaled="0"/>
-                </a:gradFill>
-                <a:latin typeface="Times New Roman" panose="02020603050405020304" pitchFamily="18" charset="0"/>
-                <a:cs typeface="Times New Roman" panose="02020603050405020304" pitchFamily="18" charset="0"/>
-              </a:rPr>
-              <a:t>https://competitions.codalab.org/competitions/26654#learn_the_details-overview</a:t>
-            </a:r>
-          </a:p>
-        </p:txBody>
-      </p:sp>
-      <p:pic>
-        <p:nvPicPr>
-          <p:cNvPr id="5" name="Content Placeholder 4"/>
-          <p:cNvPicPr>
-            <a:picLocks noGrp="1" noChangeAspect="1"/>
-          </p:cNvPicPr>
-          <p:nvPr>
-            <p:ph sz="half" idx="2"/>
-          </p:nvPr>
-        </p:nvPicPr>
-        <p:blipFill>
-          <a:blip r:embed="rId2"/>
-          <a:stretch>
-            <a:fillRect/>
-          </a:stretch>
-        </p:blipFill>
-        <p:spPr>
-          <a:xfrm>
-            <a:off x="1840230" y="3408045"/>
-            <a:ext cx="9288000" cy="279302"/>
-          </a:xfrm>
-          <a:prstGeom prst="rect">
-            <a:avLst/>
-          </a:prstGeom>
-        </p:spPr>
-      </p:pic>
-      <p:sp>
-        <p:nvSpPr>
-          <p:cNvPr id="6" name="Text Box 5"/>
+          <p:cNvPr id="4" name="TextBox 3"/>
           <p:cNvSpPr txBox="1"/>
           <p:nvPr/>
         </p:nvSpPr>
         <p:spPr>
           <a:xfrm>
-            <a:off x="7192645" y="6205220"/>
-            <a:ext cx="3656330" cy="368300"/>
+            <a:off x="1522412" y="762000"/>
+            <a:ext cx="9372600" cy="5632311"/>
           </a:xfrm>
           <a:prstGeom prst="rect">
             <a:avLst/>
@@ -8631,10 +8423,173 @@
           </a:bodyPr>
           <a:lstStyle/>
           <a:p>
-            <a:r>
-              <a:rPr lang="en-US"/>
-              <a:t>		Varun Bohara</a:t>
-            </a:r>
+            <a:pPr>
+              <a:buFont typeface="Wingdings"/>
+              <a:buChar char="Ø"/>
+            </a:pPr>
+            <a:r>
+              <a:rPr lang="en-US" sz="2000" b="1" dirty="0" smtClean="0"/>
+              <a:t>  Quick Draw  </a:t>
+            </a:r>
+          </a:p>
+          <a:p>
+            <a:pPr>
+              <a:buFont typeface="Arial" pitchFamily="34" charset="0"/>
+              <a:buChar char="•"/>
+            </a:pPr>
+            <a:r>
+              <a:rPr lang="en-US" sz="2000" dirty="0" smtClean="0"/>
+              <a:t> </a:t>
+            </a:r>
+            <a:r>
+              <a:rPr lang="en-US" sz="2000" dirty="0" smtClean="0"/>
+              <a:t> These </a:t>
+            </a:r>
+            <a:r>
+              <a:rPr lang="en-US" sz="2000" dirty="0" smtClean="0"/>
+              <a:t>doodles are a unique data set that </a:t>
+            </a:r>
+            <a:r>
+              <a:rPr lang="en-US" sz="2000" dirty="0" smtClean="0"/>
+              <a:t>can:</a:t>
+            </a:r>
+          </a:p>
+          <a:p>
+            <a:endParaRPr lang="en-US" sz="2000" dirty="0" smtClean="0"/>
+          </a:p>
+          <a:p>
+            <a:pPr>
+              <a:buFont typeface="Wingdings" pitchFamily="2" charset="2"/>
+              <a:buChar char="q"/>
+            </a:pPr>
+            <a:r>
+              <a:rPr lang="en-US" sz="2000" dirty="0" smtClean="0"/>
+              <a:t> </a:t>
+            </a:r>
+            <a:r>
+              <a:rPr lang="en-US" sz="2000" dirty="0" smtClean="0"/>
+              <a:t>  help </a:t>
+            </a:r>
+            <a:r>
+              <a:rPr lang="en-US" sz="2000" dirty="0" smtClean="0"/>
+              <a:t>developers train new neural networks,</a:t>
+            </a:r>
+          </a:p>
+          <a:p>
+            <a:pPr>
+              <a:buFont typeface="Wingdings" pitchFamily="2" charset="2"/>
+              <a:buChar char="q"/>
+            </a:pPr>
+            <a:r>
+              <a:rPr lang="en-US" sz="2000" dirty="0" smtClean="0"/>
+              <a:t>   help researchers see patterns in how people around the world draw,</a:t>
+            </a:r>
+          </a:p>
+          <a:p>
+            <a:pPr>
+              <a:buFont typeface="Wingdings" pitchFamily="2" charset="2"/>
+              <a:buChar char="q"/>
+            </a:pPr>
+            <a:r>
+              <a:rPr lang="en-US" sz="2000" dirty="0" smtClean="0"/>
+              <a:t>   and help artists create things we haven’t begun to think of</a:t>
+            </a:r>
+            <a:r>
+              <a:rPr lang="en-US" sz="2000" dirty="0" smtClean="0"/>
+              <a:t>.</a:t>
+            </a:r>
+            <a:endParaRPr lang="en-US" sz="2000" dirty="0" smtClean="0"/>
+          </a:p>
+          <a:p>
+            <a:pPr>
+              <a:buFont typeface="Arial" pitchFamily="34" charset="0"/>
+              <a:buChar char="•"/>
+            </a:pPr>
+            <a:r>
+              <a:rPr lang="en-US" sz="2000" dirty="0" smtClean="0"/>
+              <a:t>    </a:t>
+            </a:r>
+            <a:r>
+              <a:rPr lang="en-US" sz="2000" dirty="0" smtClean="0">
+                <a:hlinkClick r:id="rId2"/>
+              </a:rPr>
+              <a:t>https://quickdraw.withgoogle.com/data</a:t>
+            </a:r>
+            <a:r>
+              <a:rPr lang="en-US" sz="2000" dirty="0" smtClean="0"/>
+              <a:t> </a:t>
+            </a:r>
+            <a:endParaRPr lang="en-US" sz="2000" dirty="0" smtClean="0"/>
+          </a:p>
+          <a:p>
+            <a:endParaRPr lang="en-US" sz="2000" dirty="0" smtClean="0"/>
+          </a:p>
+          <a:p>
+            <a:pPr>
+              <a:buFont typeface="Wingdings"/>
+              <a:buChar char="Ø"/>
+            </a:pPr>
+            <a:r>
+              <a:rPr lang="en-US" sz="2000" b="1" dirty="0" smtClean="0">
+                <a:hlinkClick r:id="rId3"/>
+              </a:rPr>
+              <a:t>  The Neural Integration of Speaker and Message</a:t>
+            </a:r>
+            <a:r>
+              <a:rPr lang="en-US" sz="2000" b="1" dirty="0" smtClean="0"/>
+              <a:t> </a:t>
+            </a:r>
+          </a:p>
+          <a:p>
+            <a:endParaRPr lang="en-US" sz="2000" dirty="0" smtClean="0"/>
+          </a:p>
+          <a:p>
+            <a:endParaRPr lang="en-US" sz="2000" dirty="0" smtClean="0"/>
+          </a:p>
+          <a:p>
+            <a:pPr>
+              <a:buFont typeface="Wingdings"/>
+              <a:buChar char="Ø"/>
+            </a:pPr>
+            <a:r>
+              <a:rPr lang="en-US" sz="2000" b="1" dirty="0" smtClean="0">
+                <a:hlinkClick r:id="rId4"/>
+              </a:rPr>
+              <a:t>  On-line Integration of Semantic Information from Speech and Gesture: Insights from Event-related Brain Potentials</a:t>
+            </a:r>
+            <a:r>
+              <a:rPr lang="en-US" sz="2000" b="1" dirty="0" smtClean="0"/>
+              <a:t> </a:t>
+            </a:r>
+          </a:p>
+          <a:p>
+            <a:endParaRPr lang="en-US" sz="2000" dirty="0" smtClean="0"/>
+          </a:p>
+          <a:p>
+            <a:endParaRPr lang="en-US" sz="2000" dirty="0" smtClean="0"/>
+          </a:p>
+          <a:p>
+            <a:pPr>
+              <a:buFont typeface="Wingdings"/>
+              <a:buChar char="Ø"/>
+            </a:pPr>
+            <a:r>
+              <a:rPr lang="en-US" sz="2000" b="1" dirty="0" smtClean="0">
+                <a:hlinkClick r:id="rId5"/>
+              </a:rPr>
+              <a:t>  When Language Meets Action: The Neural Integration of Gesture and Speech</a:t>
+            </a:r>
+            <a:r>
+              <a:rPr lang="en-US" sz="2000" b="1" dirty="0" smtClean="0"/>
+              <a:t>  </a:t>
+            </a:r>
+          </a:p>
+          <a:p>
+            <a:r>
+              <a:rPr lang="en-US" sz="2000" dirty="0" smtClean="0"/>
+              <a:t>      </a:t>
+            </a:r>
+            <a:endParaRPr lang="en-IN" sz="2000" dirty="0"/>
           </a:p>
         </p:txBody>
       </p:sp>
@@ -8643,13 +8598,13 @@
   <p:clrMapOvr>
     <a:masterClrMapping/>
   </p:clrMapOvr>
-  <mc:AlternateContent xmlns:mc="http://schemas.openxmlformats.org/markup-compatibility/2006" xmlns:p14="http://schemas.microsoft.com/office/powerpoint/2010/main">
-    <mc:Choice Requires="p14">
+  <mc:AlternateContent xmlns:mc="http://schemas.openxmlformats.org/markup-compatibility/2006">
+    <mc:Choice xmlns:p14="http://schemas.microsoft.com/office/powerpoint/2010/main" xmlns="" Requires="p14">
       <p:transition spd="med" p14:dur="700">
         <p:fade/>
       </p:transition>
     </mc:Choice>
-    <mc:Fallback xmlns="">
+    <mc:Fallback>
       <p:transition spd="med">
         <p:fade/>
       </p:transition>
@@ -8709,7 +8664,7 @@
           <p:cNvPr id="3" name="TextBox 2">
             <a:extLst>
               <a:ext uri="{FF2B5EF4-FFF2-40B4-BE49-F238E27FC236}">
-                <a16:creationId xmlns:a16="http://schemas.microsoft.com/office/drawing/2014/main" id="{DF331551-FA80-4063-9F00-093C846CEBC7}"/>
+                <a16:creationId xmlns:a16="http://schemas.microsoft.com/office/drawing/2014/main" xmlns="" id="{DF331551-FA80-4063-9F00-093C846CEBC7}"/>
               </a:ext>
             </a:extLst>
           </p:cNvPr>
@@ -8781,7 +8736,7 @@
           <p:cNvPr id="5" name="TextBox 4">
             <a:extLst>
               <a:ext uri="{FF2B5EF4-FFF2-40B4-BE49-F238E27FC236}">
-                <a16:creationId xmlns:a16="http://schemas.microsoft.com/office/drawing/2014/main" id="{5CABADB1-F650-44F4-8D86-570228ACFD75}"/>
+                <a16:creationId xmlns:a16="http://schemas.microsoft.com/office/drawing/2014/main" xmlns="" id="{5CABADB1-F650-44F4-8D86-570228ACFD75}"/>
               </a:ext>
             </a:extLst>
           </p:cNvPr>
@@ -8816,7 +8771,7 @@
                 <a:hlinkClick r:id="rId2">
                   <a:extLst>
                     <a:ext uri="{A12FA001-AC4F-418D-AE19-62706E023703}">
-                      <ahyp:hlinkClr xmlns:ahyp="http://schemas.microsoft.com/office/drawing/2018/hyperlinkcolor" val="tx"/>
+                      <ahyp:hlinkClr xmlns:ahyp="http://schemas.microsoft.com/office/drawing/2018/hyperlinkcolor" xmlns="" val="tx"/>
                     </a:ext>
                   </a:extLst>
                 </a:hlinkClick>
@@ -8833,7 +8788,7 @@
                 <a:hlinkClick r:id="rId2">
                   <a:extLst>
                     <a:ext uri="{A12FA001-AC4F-418D-AE19-62706E023703}">
-                      <ahyp:hlinkClr xmlns:ahyp="http://schemas.microsoft.com/office/drawing/2018/hyperlinkcolor" val="tx"/>
+                      <ahyp:hlinkClr xmlns:ahyp="http://schemas.microsoft.com/office/drawing/2018/hyperlinkcolor" xmlns="" val="tx"/>
                     </a:ext>
                   </a:extLst>
                 </a:hlinkClick>
@@ -8874,7 +8829,7 @@
                 <a:hlinkClick r:id="rId3">
                   <a:extLst>
                     <a:ext uri="{A12FA001-AC4F-418D-AE19-62706E023703}">
-                      <ahyp:hlinkClr xmlns:ahyp="http://schemas.microsoft.com/office/drawing/2018/hyperlinkcolor" val="tx"/>
+                      <ahyp:hlinkClr xmlns:ahyp="http://schemas.microsoft.com/office/drawing/2018/hyperlinkcolor" xmlns="" val="tx"/>
                     </a:ext>
                   </a:extLst>
                 </a:hlinkClick>
@@ -8917,7 +8872,7 @@
                 <a:hlinkClick r:id="rId4">
                   <a:extLst>
                     <a:ext uri="{A12FA001-AC4F-418D-AE19-62706E023703}">
-                      <ahyp:hlinkClr xmlns:ahyp="http://schemas.microsoft.com/office/drawing/2018/hyperlinkcolor" val="tx"/>
+                      <ahyp:hlinkClr xmlns:ahyp="http://schemas.microsoft.com/office/drawing/2018/hyperlinkcolor" xmlns="" val="tx"/>
                     </a:ext>
                   </a:extLst>
                 </a:hlinkClick>
@@ -8954,7 +8909,7 @@
           <p:cNvPr id="12" name="TextBox 11">
             <a:extLst>
               <a:ext uri="{FF2B5EF4-FFF2-40B4-BE49-F238E27FC236}">
-                <a16:creationId xmlns:a16="http://schemas.microsoft.com/office/drawing/2014/main" id="{CB084883-BBA3-4FA5-86B4-A1B2CEDEC222}"/>
+                <a16:creationId xmlns:a16="http://schemas.microsoft.com/office/drawing/2014/main" xmlns="" id="{CB084883-BBA3-4FA5-86B4-A1B2CEDEC222}"/>
               </a:ext>
             </a:extLst>
           </p:cNvPr>
@@ -8996,13 +8951,13 @@
   <p:clrMapOvr>
     <a:masterClrMapping/>
   </p:clrMapOvr>
-  <mc:AlternateContent xmlns:mc="http://schemas.openxmlformats.org/markup-compatibility/2006" xmlns:p14="http://schemas.microsoft.com/office/powerpoint/2010/main">
-    <mc:Choice Requires="p14">
+  <mc:AlternateContent xmlns:mc="http://schemas.openxmlformats.org/markup-compatibility/2006">
+    <mc:Choice xmlns:p14="http://schemas.microsoft.com/office/powerpoint/2010/main" xmlns="" Requires="p14">
       <p:transition spd="med" p14:dur="700">
         <p:fade/>
       </p:transition>
     </mc:Choice>
-    <mc:Fallback xmlns="">
+    <mc:Fallback>
       <p:transition spd="med">
         <p:fade/>
       </p:transition>
@@ -9014,7 +8969,7 @@
 <file path=ppt/theme/theme1.xml><?xml version="1.0" encoding="utf-8"?>
 <a:theme xmlns:a="http://schemas.openxmlformats.org/drawingml/2006/main" name="Math 16x9">
   <a:themeElements>
-    <a:clrScheme name="Math_16x9">
+    <a:clrScheme name="Custom 4">
       <a:dk1>
         <a:srgbClr val="465562"/>
       </a:dk1>
@@ -9046,7 +9001,7 @@
         <a:srgbClr val="BABABA"/>
       </a:accent6>
       <a:hlink>
-        <a:srgbClr val="8FC48C"/>
+        <a:srgbClr val="0070C0"/>
       </a:hlink>
       <a:folHlink>
         <a:srgbClr val="969696"/>
@@ -9206,7 +9161,7 @@
   <a:extraClrSchemeLst/>
   <a:extLst>
     <a:ext uri="{05A4C25C-085E-4340-85A3-A5531E510DB2}">
-      <thm15:themeFamily xmlns:thm15="http://schemas.microsoft.com/office/thememl/2012/main" name="Office Theme" id="{62F939B6-93AF-4DB8-9C6B-D6C7DFDC589F}" vid="{4A3C46E8-61CC-4603-A589-7422A47A8E4A}"/>
+      <thm15:themeFamily xmlns:thm15="http://schemas.microsoft.com/office/thememl/2012/main" xmlns="" name="Office Theme" id="{62F939B6-93AF-4DB8-9C6B-D6C7DFDC589F}" vid="{4A3C46E8-61CC-4603-A589-7422A47A8E4A}"/>
     </a:ext>
   </a:extLst>
 </a:theme>
@@ -9407,7 +9362,7 @@
   <a:extraClrSchemeLst/>
   <a:extLst>
     <a:ext uri="{05A4C25C-085E-4340-85A3-A5531E510DB2}">
-      <thm15:themeFamily xmlns:thm15="http://schemas.microsoft.com/office/thememl/2012/main" name="Office Theme" id="{62F939B6-93AF-4DB8-9C6B-D6C7DFDC589F}" vid="{4A3C46E8-61CC-4603-A589-7422A47A8E4A}"/>
+      <thm15:themeFamily xmlns:thm15="http://schemas.microsoft.com/office/thememl/2012/main" xmlns="" name="Office Theme" id="{62F939B6-93AF-4DB8-9C6B-D6C7DFDC589F}" vid="{4A3C46E8-61CC-4603-A589-7422A47A8E4A}"/>
     </a:ext>
   </a:extLst>
 </a:theme>
@@ -9608,7 +9563,7 @@
   <a:extraClrSchemeLst/>
   <a:extLst>
     <a:ext uri="{05A4C25C-085E-4340-85A3-A5531E510DB2}">
-      <thm15:themeFamily xmlns:thm15="http://schemas.microsoft.com/office/thememl/2012/main" name="Office Theme" id="{62F939B6-93AF-4DB8-9C6B-D6C7DFDC589F}" vid="{4A3C46E8-61CC-4603-A589-7422A47A8E4A}"/>
+      <thm15:themeFamily xmlns:thm15="http://schemas.microsoft.com/office/thememl/2012/main" xmlns="" name="Office Theme" id="{62F939B6-93AF-4DB8-9C6B-D6C7DFDC589F}" vid="{4A3C46E8-61CC-4603-A589-7422A47A8E4A}"/>
     </a:ext>
   </a:extLst>
 </a:theme>

--- a/Ideas -- v3.0.pptx
+++ b/Ideas -- v3.0.pptx
@@ -117,7 +117,7 @@
   </p:defaultTextStyle>
   <p:extLst>
     <p:ext uri="{EFAFB233-063F-42B5-8137-9DF3F51BA10A}">
-      <p15:sldGuideLst xmlns:p15="http://schemas.microsoft.com/office/powerpoint/2012/main" xmlns="">
+      <p15:sldGuideLst xmlns="" xmlns:p15="http://schemas.microsoft.com/office/powerpoint/2012/main">
         <p15:guide id="1" orient="horz" pos="2160">
           <p15:clr>
             <a:srgbClr val="A4A3A4"/>
@@ -136,7 +136,7 @@
       </p15:sldGuideLst>
     </p:ext>
     <p:ext uri="{2D200454-40CA-4A62-9FC3-DE9A4176ACB9}">
-      <p15:notesGuideLst xmlns:p15="http://schemas.microsoft.com/office/powerpoint/2012/main" xmlns="">
+      <p15:notesGuideLst xmlns="" xmlns:p15="http://schemas.microsoft.com/office/powerpoint/2012/main">
         <p15:guide id="1" orient="horz" pos="2880">
           <p15:clr>
             <a:srgbClr val="A4A3A4"/>
@@ -312,7 +312,7 @@
     </p:spTree>
     <p:extLst>
       <p:ext uri="{BB962C8B-B14F-4D97-AF65-F5344CB8AC3E}">
-        <p14:creationId xmlns:p14="http://schemas.microsoft.com/office/powerpoint/2010/main" xmlns="" val="1"/>
+        <p14:creationId xmlns="" xmlns:p14="http://schemas.microsoft.com/office/powerpoint/2010/main" val="1"/>
       </p:ext>
     </p:extLst>
   </p:cSld>
@@ -1670,7 +1670,7 @@
     <a:masterClrMapping/>
   </p:clrMapOvr>
   <mc:AlternateContent xmlns:mc="http://schemas.openxmlformats.org/markup-compatibility/2006">
-    <mc:Choice xmlns:p14="http://schemas.microsoft.com/office/powerpoint/2010/main" xmlns="" Requires="p14">
+    <mc:Choice xmlns="" xmlns:p14="http://schemas.microsoft.com/office/powerpoint/2010/main" Requires="p14">
       <p:transition spd="med" p14:dur="700">
         <p:fade/>
       </p:transition>
@@ -1867,7 +1867,7 @@
     <a:masterClrMapping/>
   </p:clrMapOvr>
   <mc:AlternateContent xmlns:mc="http://schemas.openxmlformats.org/markup-compatibility/2006">
-    <mc:Choice xmlns:p14="http://schemas.microsoft.com/office/powerpoint/2010/main" xmlns="" Requires="p14">
+    <mc:Choice xmlns="" xmlns:p14="http://schemas.microsoft.com/office/powerpoint/2010/main" Requires="p14">
       <p:transition spd="med" p14:dur="700">
         <p:fade/>
       </p:transition>
@@ -2674,7 +2674,7 @@
     <a:masterClrMapping/>
   </p:clrMapOvr>
   <mc:AlternateContent xmlns:mc="http://schemas.openxmlformats.org/markup-compatibility/2006">
-    <mc:Choice xmlns:p14="http://schemas.microsoft.com/office/powerpoint/2010/main" xmlns="" Requires="p14">
+    <mc:Choice xmlns="" xmlns:p14="http://schemas.microsoft.com/office/powerpoint/2010/main" Requires="p14">
       <p:transition spd="med" p14:dur="700">
         <p:fade/>
       </p:transition>
@@ -2872,7 +2872,7 @@
     <a:masterClrMapping/>
   </p:clrMapOvr>
   <mc:AlternateContent xmlns:mc="http://schemas.openxmlformats.org/markup-compatibility/2006">
-    <mc:Choice xmlns:p14="http://schemas.microsoft.com/office/powerpoint/2010/main" xmlns="" Requires="p14">
+    <mc:Choice xmlns="" xmlns:p14="http://schemas.microsoft.com/office/powerpoint/2010/main" Requires="p14">
       <p:transition spd="med" p14:dur="700">
         <p:fade/>
       </p:transition>
@@ -4148,7 +4148,7 @@
     <a:masterClrMapping/>
   </p:clrMapOvr>
   <mc:AlternateContent xmlns:mc="http://schemas.openxmlformats.org/markup-compatibility/2006">
-    <mc:Choice xmlns:p14="http://schemas.microsoft.com/office/powerpoint/2010/main" xmlns="" Requires="p14">
+    <mc:Choice xmlns="" xmlns:p14="http://schemas.microsoft.com/office/powerpoint/2010/main" Requires="p14">
       <p:transition spd="med" p14:dur="700">
         <p:fade/>
       </p:transition>
@@ -4446,7 +4446,7 @@
     <a:masterClrMapping/>
   </p:clrMapOvr>
   <mc:AlternateContent xmlns:mc="http://schemas.openxmlformats.org/markup-compatibility/2006">
-    <mc:Choice xmlns:p14="http://schemas.microsoft.com/office/powerpoint/2010/main" xmlns="" Requires="p14">
+    <mc:Choice xmlns="" xmlns:p14="http://schemas.microsoft.com/office/powerpoint/2010/main" Requires="p14">
       <p:transition spd="med" p14:dur="700">
         <p:fade/>
       </p:transition>
@@ -4893,7 +4893,7 @@
     <a:masterClrMapping/>
   </p:clrMapOvr>
   <mc:AlternateContent xmlns:mc="http://schemas.openxmlformats.org/markup-compatibility/2006">
-    <mc:Choice xmlns:p14="http://schemas.microsoft.com/office/powerpoint/2010/main" xmlns="" Requires="p14">
+    <mc:Choice xmlns="" xmlns:p14="http://schemas.microsoft.com/office/powerpoint/2010/main" Requires="p14">
       <p:transition spd="med" p14:dur="700">
         <p:fade/>
       </p:transition>
@@ -5023,7 +5023,7 @@
     <a:masterClrMapping/>
   </p:clrMapOvr>
   <mc:AlternateContent xmlns:mc="http://schemas.openxmlformats.org/markup-compatibility/2006">
-    <mc:Choice xmlns:p14="http://schemas.microsoft.com/office/powerpoint/2010/main" xmlns="" Requires="p14">
+    <mc:Choice xmlns="" xmlns:p14="http://schemas.microsoft.com/office/powerpoint/2010/main" Requires="p14">
       <p:transition spd="med" p14:dur="700">
         <p:fade/>
       </p:transition>
@@ -5367,7 +5367,7 @@
     <a:masterClrMapping/>
   </p:clrMapOvr>
   <mc:AlternateContent xmlns:mc="http://schemas.openxmlformats.org/markup-compatibility/2006">
-    <mc:Choice xmlns:p14="http://schemas.microsoft.com/office/powerpoint/2010/main" xmlns="" Requires="p14">
+    <mc:Choice xmlns="" xmlns:p14="http://schemas.microsoft.com/office/powerpoint/2010/main" Requires="p14">
       <p:transition spd="med" p14:dur="700">
         <p:fade/>
       </p:transition>
@@ -5849,7 +5849,7 @@
     <a:masterClrMapping/>
   </p:clrMapOvr>
   <mc:AlternateContent xmlns:mc="http://schemas.openxmlformats.org/markup-compatibility/2006">
-    <mc:Choice xmlns:p14="http://schemas.microsoft.com/office/powerpoint/2010/main" xmlns="" Requires="p14">
+    <mc:Choice xmlns="" xmlns:p14="http://schemas.microsoft.com/office/powerpoint/2010/main" Requires="p14">
       <p:transition spd="med" p14:dur="700">
         <p:fade/>
       </p:transition>
@@ -6348,7 +6348,7 @@
     <a:masterClrMapping/>
   </p:clrMapOvr>
   <mc:AlternateContent xmlns:mc="http://schemas.openxmlformats.org/markup-compatibility/2006">
-    <mc:Choice xmlns:p14="http://schemas.microsoft.com/office/powerpoint/2010/main" xmlns="" Requires="p14">
+    <mc:Choice xmlns="" xmlns:p14="http://schemas.microsoft.com/office/powerpoint/2010/main" Requires="p14">
       <p:transition spd="med" p14:dur="700">
         <p:fade/>
       </p:transition>
@@ -7229,7 +7229,7 @@
     <p:sldLayoutId id="2147483659" r:id="rId11"/>
   </p:sldLayoutIdLst>
   <mc:AlternateContent xmlns:mc="http://schemas.openxmlformats.org/markup-compatibility/2006">
-    <mc:Choice xmlns:p14="http://schemas.microsoft.com/office/powerpoint/2010/main" xmlns="" Requires="p14">
+    <mc:Choice xmlns="" xmlns:p14="http://schemas.microsoft.com/office/powerpoint/2010/main" Requires="p14">
       <p:transition spd="med" p14:dur="700">
         <p:fade/>
       </p:transition>
@@ -7584,7 +7584,7 @@
     <a:masterClrMapping/>
   </p:clrMapOvr>
   <mc:AlternateContent xmlns:mc="http://schemas.openxmlformats.org/markup-compatibility/2006">
-    <mc:Choice xmlns:p14="http://schemas.microsoft.com/office/powerpoint/2010/main" xmlns="" Requires="p14">
+    <mc:Choice xmlns="" xmlns:p14="http://schemas.microsoft.com/office/powerpoint/2010/main" Requires="p14">
       <p:transition spd="med" p14:dur="700">
         <p:fade/>
       </p:transition>
@@ -7807,7 +7807,7 @@
     <a:masterClrMapping/>
   </p:clrMapOvr>
   <mc:AlternateContent xmlns:mc="http://schemas.openxmlformats.org/markup-compatibility/2006">
-    <mc:Choice xmlns:p14="http://schemas.microsoft.com/office/powerpoint/2010/main" xmlns="" Requires="p14">
+    <mc:Choice xmlns="" xmlns:p14="http://schemas.microsoft.com/office/powerpoint/2010/main" Requires="p14">
       <p:transition spd="med" p14:dur="700">
         <p:fade/>
       </p:transition>
@@ -8171,7 +8171,7 @@
     <a:masterClrMapping/>
   </p:clrMapOvr>
   <mc:AlternateContent xmlns:mc="http://schemas.openxmlformats.org/markup-compatibility/2006">
-    <mc:Choice xmlns:p14="http://schemas.microsoft.com/office/powerpoint/2010/main" xmlns="" Requires="p14">
+    <mc:Choice xmlns="" xmlns:p14="http://schemas.microsoft.com/office/powerpoint/2010/main" Requires="p14">
       <p:transition spd="med" p14:dur="700">
         <p:fade/>
       </p:transition>
@@ -8370,7 +8370,7 @@
     <a:masterClrMapping/>
   </p:clrMapOvr>
   <mc:AlternateContent xmlns:mc="http://schemas.openxmlformats.org/markup-compatibility/2006">
-    <mc:Choice xmlns:p14="http://schemas.microsoft.com/office/powerpoint/2010/main" xmlns="" Requires="p14">
+    <mc:Choice xmlns="" xmlns:p14="http://schemas.microsoft.com/office/powerpoint/2010/main" Requires="p14">
       <p:transition spd="med" p14:dur="700">
         <p:fade/>
       </p:transition>
@@ -8410,7 +8410,7 @@
         <p:spPr>
           <a:xfrm>
             <a:off x="1522412" y="762000"/>
-            <a:ext cx="9372600" cy="5632311"/>
+            <a:ext cx="9372600" cy="5940088"/>
           </a:xfrm>
           <a:prstGeom prst="rect">
             <a:avLst/>
@@ -8439,19 +8439,7 @@
             </a:pPr>
             <a:r>
               <a:rPr lang="en-US" sz="2000" dirty="0" smtClean="0"/>
-              <a:t> </a:t>
-            </a:r>
-            <a:r>
-              <a:rPr lang="en-US" sz="2000" dirty="0" smtClean="0"/>
-              <a:t> These </a:t>
-            </a:r>
-            <a:r>
-              <a:rPr lang="en-US" sz="2000" dirty="0" smtClean="0"/>
-              <a:t>doodles are a unique data set that </a:t>
-            </a:r>
-            <a:r>
-              <a:rPr lang="en-US" sz="2000" dirty="0" smtClean="0"/>
-              <a:t>can:</a:t>
+              <a:t>  These doodles are a unique data set that can:</a:t>
             </a:r>
           </a:p>
           <a:p>
@@ -8464,15 +8452,7 @@
             </a:pPr>
             <a:r>
               <a:rPr lang="en-US" sz="2000" dirty="0" smtClean="0"/>
-              <a:t> </a:t>
-            </a:r>
-            <a:r>
-              <a:rPr lang="en-US" sz="2000" dirty="0" smtClean="0"/>
-              <a:t>  help </a:t>
-            </a:r>
-            <a:r>
-              <a:rPr lang="en-US" sz="2000" dirty="0" smtClean="0"/>
-              <a:t>developers train new neural networks,</a:t>
+              <a:t>   help developers train new neural networks,</a:t>
             </a:r>
           </a:p>
           <a:p>
@@ -8492,13 +8472,8 @@
             </a:pPr>
             <a:r>
               <a:rPr lang="en-US" sz="2000" dirty="0" smtClean="0"/>
-              <a:t>   and help artists create things we haven’t begun to think of</a:t>
-            </a:r>
-            <a:r>
-              <a:rPr lang="en-US" sz="2000" dirty="0" smtClean="0"/>
-              <a:t>.</a:t>
-            </a:r>
-            <a:endParaRPr lang="en-US" sz="2000" dirty="0" smtClean="0"/>
+              <a:t>   and help artists create things we haven’t begun to think of.</a:t>
+            </a:r>
           </a:p>
           <a:p>
             <a:pPr>
@@ -8519,7 +8494,6 @@
               <a:rPr lang="en-US" sz="2000" dirty="0" smtClean="0"/>
               <a:t> </a:t>
             </a:r>
-            <a:endParaRPr lang="en-US" sz="2000" dirty="0" smtClean="0"/>
           </a:p>
           <a:p>
             <a:endParaRPr lang="en-US" sz="2000" dirty="0" smtClean="0"/>
@@ -8583,6 +8557,22 @@
               <a:rPr lang="en-US" sz="2000" b="1" dirty="0" smtClean="0"/>
               <a:t>  </a:t>
             </a:r>
+            <a:endParaRPr lang="en-US" sz="2000" b="1" dirty="0" smtClean="0"/>
+          </a:p>
+          <a:p>
+            <a:r>
+              <a:rPr lang="en-US" sz="2000" b="1" dirty="0" smtClean="0"/>
+              <a:t> </a:t>
+            </a:r>
+            <a:r>
+              <a:rPr lang="en-US" sz="2000" b="1" dirty="0" smtClean="0"/>
+              <a:t>                                                                                            Sakshi </a:t>
+            </a:r>
+            <a:r>
+              <a:rPr lang="en-US" sz="2000" b="1" smtClean="0"/>
+              <a:t>tahlani</a:t>
+            </a:r>
+            <a:endParaRPr lang="en-US" sz="2000" b="1" dirty="0" smtClean="0"/>
           </a:p>
           <a:p>
             <a:r>
@@ -8599,7 +8589,7 @@
     <a:masterClrMapping/>
   </p:clrMapOvr>
   <mc:AlternateContent xmlns:mc="http://schemas.openxmlformats.org/markup-compatibility/2006">
-    <mc:Choice xmlns:p14="http://schemas.microsoft.com/office/powerpoint/2010/main" xmlns="" Requires="p14">
+    <mc:Choice xmlns="" xmlns:p14="http://schemas.microsoft.com/office/powerpoint/2010/main" Requires="p14">
       <p:transition spd="med" p14:dur="700">
         <p:fade/>
       </p:transition>
@@ -8664,7 +8654,7 @@
           <p:cNvPr id="3" name="TextBox 2">
             <a:extLst>
               <a:ext uri="{FF2B5EF4-FFF2-40B4-BE49-F238E27FC236}">
-                <a16:creationId xmlns:a16="http://schemas.microsoft.com/office/drawing/2014/main" xmlns="" id="{DF331551-FA80-4063-9F00-093C846CEBC7}"/>
+                <a16:creationId xmlns="" xmlns:a16="http://schemas.microsoft.com/office/drawing/2014/main" id="{DF331551-FA80-4063-9F00-093C846CEBC7}"/>
               </a:ext>
             </a:extLst>
           </p:cNvPr>
@@ -8736,7 +8726,7 @@
           <p:cNvPr id="5" name="TextBox 4">
             <a:extLst>
               <a:ext uri="{FF2B5EF4-FFF2-40B4-BE49-F238E27FC236}">
-                <a16:creationId xmlns:a16="http://schemas.microsoft.com/office/drawing/2014/main" xmlns="" id="{5CABADB1-F650-44F4-8D86-570228ACFD75}"/>
+                <a16:creationId xmlns="" xmlns:a16="http://schemas.microsoft.com/office/drawing/2014/main" id="{5CABADB1-F650-44F4-8D86-570228ACFD75}"/>
               </a:ext>
             </a:extLst>
           </p:cNvPr>
@@ -8771,7 +8761,7 @@
                 <a:hlinkClick r:id="rId2">
                   <a:extLst>
                     <a:ext uri="{A12FA001-AC4F-418D-AE19-62706E023703}">
-                      <ahyp:hlinkClr xmlns:ahyp="http://schemas.microsoft.com/office/drawing/2018/hyperlinkcolor" xmlns="" val="tx"/>
+                      <ahyp:hlinkClr xmlns="" xmlns:ahyp="http://schemas.microsoft.com/office/drawing/2018/hyperlinkcolor" val="tx"/>
                     </a:ext>
                   </a:extLst>
                 </a:hlinkClick>
@@ -8788,7 +8778,7 @@
                 <a:hlinkClick r:id="rId2">
                   <a:extLst>
                     <a:ext uri="{A12FA001-AC4F-418D-AE19-62706E023703}">
-                      <ahyp:hlinkClr xmlns:ahyp="http://schemas.microsoft.com/office/drawing/2018/hyperlinkcolor" xmlns="" val="tx"/>
+                      <ahyp:hlinkClr xmlns="" xmlns:ahyp="http://schemas.microsoft.com/office/drawing/2018/hyperlinkcolor" val="tx"/>
                     </a:ext>
                   </a:extLst>
                 </a:hlinkClick>
@@ -8829,7 +8819,7 @@
                 <a:hlinkClick r:id="rId3">
                   <a:extLst>
                     <a:ext uri="{A12FA001-AC4F-418D-AE19-62706E023703}">
-                      <ahyp:hlinkClr xmlns:ahyp="http://schemas.microsoft.com/office/drawing/2018/hyperlinkcolor" xmlns="" val="tx"/>
+                      <ahyp:hlinkClr xmlns="" xmlns:ahyp="http://schemas.microsoft.com/office/drawing/2018/hyperlinkcolor" val="tx"/>
                     </a:ext>
                   </a:extLst>
                 </a:hlinkClick>
@@ -8872,7 +8862,7 @@
                 <a:hlinkClick r:id="rId4">
                   <a:extLst>
                     <a:ext uri="{A12FA001-AC4F-418D-AE19-62706E023703}">
-                      <ahyp:hlinkClr xmlns:ahyp="http://schemas.microsoft.com/office/drawing/2018/hyperlinkcolor" xmlns="" val="tx"/>
+                      <ahyp:hlinkClr xmlns="" xmlns:ahyp="http://schemas.microsoft.com/office/drawing/2018/hyperlinkcolor" val="tx"/>
                     </a:ext>
                   </a:extLst>
                 </a:hlinkClick>
@@ -8909,7 +8899,7 @@
           <p:cNvPr id="12" name="TextBox 11">
             <a:extLst>
               <a:ext uri="{FF2B5EF4-FFF2-40B4-BE49-F238E27FC236}">
-                <a16:creationId xmlns:a16="http://schemas.microsoft.com/office/drawing/2014/main" xmlns="" id="{CB084883-BBA3-4FA5-86B4-A1B2CEDEC222}"/>
+                <a16:creationId xmlns="" xmlns:a16="http://schemas.microsoft.com/office/drawing/2014/main" id="{CB084883-BBA3-4FA5-86B4-A1B2CEDEC222}"/>
               </a:ext>
             </a:extLst>
           </p:cNvPr>
@@ -8952,7 +8942,7 @@
     <a:masterClrMapping/>
   </p:clrMapOvr>
   <mc:AlternateContent xmlns:mc="http://schemas.openxmlformats.org/markup-compatibility/2006">
-    <mc:Choice xmlns:p14="http://schemas.microsoft.com/office/powerpoint/2010/main" xmlns="" Requires="p14">
+    <mc:Choice xmlns="" xmlns:p14="http://schemas.microsoft.com/office/powerpoint/2010/main" Requires="p14">
       <p:transition spd="med" p14:dur="700">
         <p:fade/>
       </p:transition>
@@ -9161,7 +9151,7 @@
   <a:extraClrSchemeLst/>
   <a:extLst>
     <a:ext uri="{05A4C25C-085E-4340-85A3-A5531E510DB2}">
-      <thm15:themeFamily xmlns:thm15="http://schemas.microsoft.com/office/thememl/2012/main" xmlns="" name="Office Theme" id="{62F939B6-93AF-4DB8-9C6B-D6C7DFDC589F}" vid="{4A3C46E8-61CC-4603-A589-7422A47A8E4A}"/>
+      <thm15:themeFamily xmlns="" xmlns:thm15="http://schemas.microsoft.com/office/thememl/2012/main" name="Office Theme" id="{62F939B6-93AF-4DB8-9C6B-D6C7DFDC589F}" vid="{4A3C46E8-61CC-4603-A589-7422A47A8E4A}"/>
     </a:ext>
   </a:extLst>
 </a:theme>
@@ -9362,7 +9352,7 @@
   <a:extraClrSchemeLst/>
   <a:extLst>
     <a:ext uri="{05A4C25C-085E-4340-85A3-A5531E510DB2}">
-      <thm15:themeFamily xmlns:thm15="http://schemas.microsoft.com/office/thememl/2012/main" xmlns="" name="Office Theme" id="{62F939B6-93AF-4DB8-9C6B-D6C7DFDC589F}" vid="{4A3C46E8-61CC-4603-A589-7422A47A8E4A}"/>
+      <thm15:themeFamily xmlns="" xmlns:thm15="http://schemas.microsoft.com/office/thememl/2012/main" name="Office Theme" id="{62F939B6-93AF-4DB8-9C6B-D6C7DFDC589F}" vid="{4A3C46E8-61CC-4603-A589-7422A47A8E4A}"/>
     </a:ext>
   </a:extLst>
 </a:theme>
@@ -9563,7 +9553,7 @@
   <a:extraClrSchemeLst/>
   <a:extLst>
     <a:ext uri="{05A4C25C-085E-4340-85A3-A5531E510DB2}">
-      <thm15:themeFamily xmlns:thm15="http://schemas.microsoft.com/office/thememl/2012/main" xmlns="" name="Office Theme" id="{62F939B6-93AF-4DB8-9C6B-D6C7DFDC589F}" vid="{4A3C46E8-61CC-4603-A589-7422A47A8E4A}"/>
+      <thm15:themeFamily xmlns="" xmlns:thm15="http://schemas.microsoft.com/office/thememl/2012/main" name="Office Theme" id="{62F939B6-93AF-4DB8-9C6B-D6C7DFDC589F}" vid="{4A3C46E8-61CC-4603-A589-7422A47A8E4A}"/>
     </a:ext>
   </a:extLst>
 </a:theme>

--- a/Ideas -- v3.0.pptx
+++ b/Ideas -- v3.0.pptx
@@ -117,7 +117,7 @@
   </p:defaultTextStyle>
   <p:extLst>
     <p:ext uri="{EFAFB233-063F-42B5-8137-9DF3F51BA10A}">
-      <p15:sldGuideLst xmlns:p15="http://schemas.microsoft.com/office/powerpoint/2012/main" xmlns="">
+      <p15:sldGuideLst xmlns:p15="http://schemas.microsoft.com/office/powerpoint/2012/main">
         <p15:guide id="1" orient="horz" pos="2160">
           <p15:clr>
             <a:srgbClr val="A4A3A4"/>
@@ -136,7 +136,7 @@
       </p15:sldGuideLst>
     </p:ext>
     <p:ext uri="{2D200454-40CA-4A62-9FC3-DE9A4176ACB9}">
-      <p15:notesGuideLst xmlns:p15="http://schemas.microsoft.com/office/powerpoint/2012/main" xmlns="">
+      <p15:notesGuideLst xmlns:p15="http://schemas.microsoft.com/office/powerpoint/2012/main">
         <p15:guide id="1" orient="horz" pos="2880">
           <p15:clr>
             <a:srgbClr val="A4A3A4"/>
@@ -312,7 +312,7 @@
     </p:spTree>
     <p:extLst>
       <p:ext uri="{BB962C8B-B14F-4D97-AF65-F5344CB8AC3E}">
-        <p14:creationId xmlns:p14="http://schemas.microsoft.com/office/powerpoint/2010/main" xmlns="" val="1"/>
+        <p14:creationId xmlns:p14="http://schemas.microsoft.com/office/powerpoint/2010/main" val="1"/>
       </p:ext>
     </p:extLst>
   </p:cSld>
@@ -1669,13 +1669,13 @@
   <p:clrMapOvr>
     <a:masterClrMapping/>
   </p:clrMapOvr>
-  <mc:AlternateContent xmlns:mc="http://schemas.openxmlformats.org/markup-compatibility/2006">
-    <mc:Choice xmlns:p14="http://schemas.microsoft.com/office/powerpoint/2010/main" xmlns="" Requires="p14">
+  <mc:AlternateContent xmlns:mc="http://schemas.openxmlformats.org/markup-compatibility/2006" xmlns:p14="http://schemas.microsoft.com/office/powerpoint/2010/main">
+    <mc:Choice Requires="p14">
       <p:transition spd="med" p14:dur="700">
         <p:fade/>
       </p:transition>
     </mc:Choice>
-    <mc:Fallback>
+    <mc:Fallback xmlns="">
       <p:transition spd="med">
         <p:fade/>
       </p:transition>
@@ -1866,13 +1866,13 @@
   <p:clrMapOvr>
     <a:masterClrMapping/>
   </p:clrMapOvr>
-  <mc:AlternateContent xmlns:mc="http://schemas.openxmlformats.org/markup-compatibility/2006">
-    <mc:Choice xmlns:p14="http://schemas.microsoft.com/office/powerpoint/2010/main" xmlns="" Requires="p14">
+  <mc:AlternateContent xmlns:mc="http://schemas.openxmlformats.org/markup-compatibility/2006" xmlns:p14="http://schemas.microsoft.com/office/powerpoint/2010/main">
+    <mc:Choice Requires="p14">
       <p:transition spd="med" p14:dur="700">
         <p:fade/>
       </p:transition>
     </mc:Choice>
-    <mc:Fallback>
+    <mc:Fallback xmlns="">
       <p:transition spd="med">
         <p:fade/>
       </p:transition>
@@ -2673,13 +2673,13 @@
   <p:clrMapOvr>
     <a:masterClrMapping/>
   </p:clrMapOvr>
-  <mc:AlternateContent xmlns:mc="http://schemas.openxmlformats.org/markup-compatibility/2006">
-    <mc:Choice xmlns:p14="http://schemas.microsoft.com/office/powerpoint/2010/main" xmlns="" Requires="p14">
+  <mc:AlternateContent xmlns:mc="http://schemas.openxmlformats.org/markup-compatibility/2006" xmlns:p14="http://schemas.microsoft.com/office/powerpoint/2010/main">
+    <mc:Choice Requires="p14">
       <p:transition spd="med" p14:dur="700">
         <p:fade/>
       </p:transition>
     </mc:Choice>
-    <mc:Fallback>
+    <mc:Fallback xmlns="">
       <p:transition spd="med">
         <p:fade/>
       </p:transition>
@@ -2871,13 +2871,13 @@
   <p:clrMapOvr>
     <a:masterClrMapping/>
   </p:clrMapOvr>
-  <mc:AlternateContent xmlns:mc="http://schemas.openxmlformats.org/markup-compatibility/2006">
-    <mc:Choice xmlns:p14="http://schemas.microsoft.com/office/powerpoint/2010/main" xmlns="" Requires="p14">
+  <mc:AlternateContent xmlns:mc="http://schemas.openxmlformats.org/markup-compatibility/2006" xmlns:p14="http://schemas.microsoft.com/office/powerpoint/2010/main">
+    <mc:Choice Requires="p14">
       <p:transition spd="med" p14:dur="700">
         <p:fade/>
       </p:transition>
     </mc:Choice>
-    <mc:Fallback>
+    <mc:Fallback xmlns="">
       <p:transition spd="med">
         <p:fade/>
       </p:transition>
@@ -4147,13 +4147,13 @@
   <p:clrMapOvr>
     <a:masterClrMapping/>
   </p:clrMapOvr>
-  <mc:AlternateContent xmlns:mc="http://schemas.openxmlformats.org/markup-compatibility/2006">
-    <mc:Choice xmlns:p14="http://schemas.microsoft.com/office/powerpoint/2010/main" xmlns="" Requires="p14">
+  <mc:AlternateContent xmlns:mc="http://schemas.openxmlformats.org/markup-compatibility/2006" xmlns:p14="http://schemas.microsoft.com/office/powerpoint/2010/main">
+    <mc:Choice Requires="p14">
       <p:transition spd="med" p14:dur="700">
         <p:fade/>
       </p:transition>
     </mc:Choice>
-    <mc:Fallback>
+    <mc:Fallback xmlns="">
       <p:transition spd="med">
         <p:fade/>
       </p:transition>
@@ -4445,13 +4445,13 @@
   <p:clrMapOvr>
     <a:masterClrMapping/>
   </p:clrMapOvr>
-  <mc:AlternateContent xmlns:mc="http://schemas.openxmlformats.org/markup-compatibility/2006">
-    <mc:Choice xmlns:p14="http://schemas.microsoft.com/office/powerpoint/2010/main" xmlns="" Requires="p14">
+  <mc:AlternateContent xmlns:mc="http://schemas.openxmlformats.org/markup-compatibility/2006" xmlns:p14="http://schemas.microsoft.com/office/powerpoint/2010/main">
+    <mc:Choice Requires="p14">
       <p:transition spd="med" p14:dur="700">
         <p:fade/>
       </p:transition>
     </mc:Choice>
-    <mc:Fallback>
+    <mc:Fallback xmlns="">
       <p:transition spd="med">
         <p:fade/>
       </p:transition>
@@ -4892,13 +4892,13 @@
   <p:clrMapOvr>
     <a:masterClrMapping/>
   </p:clrMapOvr>
-  <mc:AlternateContent xmlns:mc="http://schemas.openxmlformats.org/markup-compatibility/2006">
-    <mc:Choice xmlns:p14="http://schemas.microsoft.com/office/powerpoint/2010/main" xmlns="" Requires="p14">
+  <mc:AlternateContent xmlns:mc="http://schemas.openxmlformats.org/markup-compatibility/2006" xmlns:p14="http://schemas.microsoft.com/office/powerpoint/2010/main">
+    <mc:Choice Requires="p14">
       <p:transition spd="med" p14:dur="700">
         <p:fade/>
       </p:transition>
     </mc:Choice>
-    <mc:Fallback>
+    <mc:Fallback xmlns="">
       <p:transition spd="med">
         <p:fade/>
       </p:transition>
@@ -5022,13 +5022,13 @@
   <p:clrMapOvr>
     <a:masterClrMapping/>
   </p:clrMapOvr>
-  <mc:AlternateContent xmlns:mc="http://schemas.openxmlformats.org/markup-compatibility/2006">
-    <mc:Choice xmlns:p14="http://schemas.microsoft.com/office/powerpoint/2010/main" xmlns="" Requires="p14">
+  <mc:AlternateContent xmlns:mc="http://schemas.openxmlformats.org/markup-compatibility/2006" xmlns:p14="http://schemas.microsoft.com/office/powerpoint/2010/main">
+    <mc:Choice Requires="p14">
       <p:transition spd="med" p14:dur="700">
         <p:fade/>
       </p:transition>
     </mc:Choice>
-    <mc:Fallback>
+    <mc:Fallback xmlns="">
       <p:transition spd="med">
         <p:fade/>
       </p:transition>
@@ -5366,13 +5366,13 @@
   <p:clrMapOvr>
     <a:masterClrMapping/>
   </p:clrMapOvr>
-  <mc:AlternateContent xmlns:mc="http://schemas.openxmlformats.org/markup-compatibility/2006">
-    <mc:Choice xmlns:p14="http://schemas.microsoft.com/office/powerpoint/2010/main" xmlns="" Requires="p14">
+  <mc:AlternateContent xmlns:mc="http://schemas.openxmlformats.org/markup-compatibility/2006" xmlns:p14="http://schemas.microsoft.com/office/powerpoint/2010/main">
+    <mc:Choice Requires="p14">
       <p:transition spd="med" p14:dur="700">
         <p:fade/>
       </p:transition>
     </mc:Choice>
-    <mc:Fallback>
+    <mc:Fallback xmlns="">
       <p:transition spd="med">
         <p:fade/>
       </p:transition>
@@ -5848,13 +5848,13 @@
   <p:clrMapOvr>
     <a:masterClrMapping/>
   </p:clrMapOvr>
-  <mc:AlternateContent xmlns:mc="http://schemas.openxmlformats.org/markup-compatibility/2006">
-    <mc:Choice xmlns:p14="http://schemas.microsoft.com/office/powerpoint/2010/main" xmlns="" Requires="p14">
+  <mc:AlternateContent xmlns:mc="http://schemas.openxmlformats.org/markup-compatibility/2006" xmlns:p14="http://schemas.microsoft.com/office/powerpoint/2010/main">
+    <mc:Choice Requires="p14">
       <p:transition spd="med" p14:dur="700">
         <p:fade/>
       </p:transition>
     </mc:Choice>
-    <mc:Fallback>
+    <mc:Fallback xmlns="">
       <p:transition spd="med">
         <p:fade/>
       </p:transition>
@@ -6347,13 +6347,13 @@
   <p:clrMapOvr>
     <a:masterClrMapping/>
   </p:clrMapOvr>
-  <mc:AlternateContent xmlns:mc="http://schemas.openxmlformats.org/markup-compatibility/2006">
-    <mc:Choice xmlns:p14="http://schemas.microsoft.com/office/powerpoint/2010/main" xmlns="" Requires="p14">
+  <mc:AlternateContent xmlns:mc="http://schemas.openxmlformats.org/markup-compatibility/2006" xmlns:p14="http://schemas.microsoft.com/office/powerpoint/2010/main">
+    <mc:Choice Requires="p14">
       <p:transition spd="med" p14:dur="700">
         <p:fade/>
       </p:transition>
     </mc:Choice>
-    <mc:Fallback>
+    <mc:Fallback xmlns="">
       <p:transition spd="med">
         <p:fade/>
       </p:transition>
@@ -7228,13 +7228,13 @@
     <p:sldLayoutId id="2147483658" r:id="rId10"/>
     <p:sldLayoutId id="2147483659" r:id="rId11"/>
   </p:sldLayoutIdLst>
-  <mc:AlternateContent xmlns:mc="http://schemas.openxmlformats.org/markup-compatibility/2006">
-    <mc:Choice xmlns:p14="http://schemas.microsoft.com/office/powerpoint/2010/main" xmlns="" Requires="p14">
+  <mc:AlternateContent xmlns:mc="http://schemas.openxmlformats.org/markup-compatibility/2006" xmlns:p14="http://schemas.microsoft.com/office/powerpoint/2010/main">
+    <mc:Choice Requires="p14">
       <p:transition spd="med" p14:dur="700">
         <p:fade/>
       </p:transition>
     </mc:Choice>
-    <mc:Fallback>
+    <mc:Fallback xmlns="">
       <p:transition spd="med">
         <p:fade/>
       </p:transition>
@@ -7583,13 +7583,13 @@
   <p:clrMapOvr>
     <a:masterClrMapping/>
   </p:clrMapOvr>
-  <mc:AlternateContent xmlns:mc="http://schemas.openxmlformats.org/markup-compatibility/2006">
-    <mc:Choice xmlns:p14="http://schemas.microsoft.com/office/powerpoint/2010/main" xmlns="" Requires="p14">
+  <mc:AlternateContent xmlns:mc="http://schemas.openxmlformats.org/markup-compatibility/2006" xmlns:p14="http://schemas.microsoft.com/office/powerpoint/2010/main">
+    <mc:Choice Requires="p14">
       <p:transition spd="med" p14:dur="700">
         <p:fade/>
       </p:transition>
     </mc:Choice>
-    <mc:Fallback>
+    <mc:Fallback xmlns="">
       <p:transition spd="med">
         <p:fade/>
       </p:transition>
@@ -7806,13 +7806,13 @@
   <p:clrMapOvr>
     <a:masterClrMapping/>
   </p:clrMapOvr>
-  <mc:AlternateContent xmlns:mc="http://schemas.openxmlformats.org/markup-compatibility/2006">
-    <mc:Choice xmlns:p14="http://schemas.microsoft.com/office/powerpoint/2010/main" xmlns="" Requires="p14">
+  <mc:AlternateContent xmlns:mc="http://schemas.openxmlformats.org/markup-compatibility/2006" xmlns:p14="http://schemas.microsoft.com/office/powerpoint/2010/main">
+    <mc:Choice Requires="p14">
       <p:transition spd="med" p14:dur="700">
         <p:fade/>
       </p:transition>
     </mc:Choice>
-    <mc:Fallback>
+    <mc:Fallback xmlns="">
       <p:transition spd="med">
         <p:fade/>
       </p:transition>
@@ -8170,13 +8170,13 @@
   <p:clrMapOvr>
     <a:masterClrMapping/>
   </p:clrMapOvr>
-  <mc:AlternateContent xmlns:mc="http://schemas.openxmlformats.org/markup-compatibility/2006">
-    <mc:Choice xmlns:p14="http://schemas.microsoft.com/office/powerpoint/2010/main" xmlns="" Requires="p14">
+  <mc:AlternateContent xmlns:mc="http://schemas.openxmlformats.org/markup-compatibility/2006" xmlns:p14="http://schemas.microsoft.com/office/powerpoint/2010/main">
+    <mc:Choice Requires="p14">
       <p:transition spd="med" p14:dur="700">
         <p:fade/>
       </p:transition>
     </mc:Choice>
-    <mc:Fallback>
+    <mc:Fallback xmlns="">
       <p:transition spd="med">
         <p:fade/>
       </p:transition>
@@ -8369,13 +8369,13 @@
   <p:clrMapOvr>
     <a:masterClrMapping/>
   </p:clrMapOvr>
-  <mc:AlternateContent xmlns:mc="http://schemas.openxmlformats.org/markup-compatibility/2006">
-    <mc:Choice xmlns:p14="http://schemas.microsoft.com/office/powerpoint/2010/main" xmlns="" Requires="p14">
+  <mc:AlternateContent xmlns:mc="http://schemas.openxmlformats.org/markup-compatibility/2006" xmlns:p14="http://schemas.microsoft.com/office/powerpoint/2010/main">
+    <mc:Choice Requires="p14">
       <p:transition spd="med" p14:dur="700">
         <p:fade/>
       </p:transition>
     </mc:Choice>
-    <mc:Fallback>
+    <mc:Fallback xmlns="">
       <p:transition spd="med">
         <p:fade/>
       </p:transition>
@@ -8428,7 +8428,7 @@
               <a:buChar char="Ø"/>
             </a:pPr>
             <a:r>
-              <a:rPr lang="en-US" sz="2000" b="1" dirty="0" smtClean="0"/>
+              <a:rPr lang="en-US" sz="2000" b="1" dirty="0"/>
               <a:t>  Quick Draw  </a:t>
             </a:r>
           </a:p>
@@ -8438,24 +8438,12 @@
               <a:buChar char="•"/>
             </a:pPr>
             <a:r>
-              <a:rPr lang="en-US" sz="2000" dirty="0" smtClean="0"/>
-              <a:t> </a:t>
-            </a:r>
-            <a:r>
-              <a:rPr lang="en-US" sz="2000" dirty="0" smtClean="0"/>
-              <a:t> These </a:t>
-            </a:r>
-            <a:r>
-              <a:rPr lang="en-US" sz="2000" dirty="0" smtClean="0"/>
-              <a:t>doodles are a unique data set that </a:t>
-            </a:r>
-            <a:r>
-              <a:rPr lang="en-US" sz="2000" dirty="0" smtClean="0"/>
-              <a:t>can:</a:t>
-            </a:r>
-          </a:p>
-          <a:p>
-            <a:endParaRPr lang="en-US" sz="2000" dirty="0" smtClean="0"/>
+              <a:rPr lang="en-US" sz="2000" dirty="0"/>
+              <a:t>  These doodles are a unique data set that can:</a:t>
+            </a:r>
+          </a:p>
+          <a:p>
+            <a:endParaRPr lang="en-US" sz="2000" dirty="0"/>
           </a:p>
           <a:p>
             <a:pPr>
@@ -8463,16 +8451,8 @@
               <a:buChar char="q"/>
             </a:pPr>
             <a:r>
-              <a:rPr lang="en-US" sz="2000" dirty="0" smtClean="0"/>
-              <a:t> </a:t>
-            </a:r>
-            <a:r>
-              <a:rPr lang="en-US" sz="2000" dirty="0" smtClean="0"/>
-              <a:t>  help </a:t>
-            </a:r>
-            <a:r>
-              <a:rPr lang="en-US" sz="2000" dirty="0" smtClean="0"/>
-              <a:t>developers train new neural networks,</a:t>
+              <a:rPr lang="en-US" sz="2000" dirty="0"/>
+              <a:t>   help developers train new neural networks,</a:t>
             </a:r>
           </a:p>
           <a:p>
@@ -8481,7 +8461,7 @@
               <a:buChar char="q"/>
             </a:pPr>
             <a:r>
-              <a:rPr lang="en-US" sz="2000" dirty="0" smtClean="0"/>
+              <a:rPr lang="en-US" sz="2000" dirty="0"/>
               <a:t>   help researchers see patterns in how people around the world draw,</a:t>
             </a:r>
           </a:p>
@@ -8491,14 +8471,9 @@
               <a:buChar char="q"/>
             </a:pPr>
             <a:r>
-              <a:rPr lang="en-US" sz="2000" dirty="0" smtClean="0"/>
-              <a:t>   and help artists create things we haven’t begun to think of</a:t>
-            </a:r>
-            <a:r>
-              <a:rPr lang="en-US" sz="2000" dirty="0" smtClean="0"/>
-              <a:t>.</a:t>
-            </a:r>
-            <a:endParaRPr lang="en-US" sz="2000" dirty="0" smtClean="0"/>
+              <a:rPr lang="en-US" sz="2000" dirty="0"/>
+              <a:t>   and help artists create things we haven’t begun to think of.</a:t>
+            </a:r>
           </a:p>
           <a:p>
             <a:pPr>
@@ -8506,23 +8481,22 @@
               <a:buChar char="•"/>
             </a:pPr>
             <a:r>
-              <a:rPr lang="en-US" sz="2000" dirty="0" smtClean="0"/>
+              <a:rPr lang="en-US" sz="2000" dirty="0"/>
               <a:t>    </a:t>
             </a:r>
             <a:r>
-              <a:rPr lang="en-US" sz="2000" dirty="0" smtClean="0">
+              <a:rPr lang="en-US" sz="2000" dirty="0">
                 <a:hlinkClick r:id="rId2"/>
               </a:rPr>
               <a:t>https://quickdraw.withgoogle.com/data</a:t>
             </a:r>
             <a:r>
-              <a:rPr lang="en-US" sz="2000" dirty="0" smtClean="0"/>
+              <a:rPr lang="en-US" sz="2000" dirty="0"/>
               <a:t> </a:t>
             </a:r>
-            <a:endParaRPr lang="en-US" sz="2000" dirty="0" smtClean="0"/>
-          </a:p>
-          <a:p>
-            <a:endParaRPr lang="en-US" sz="2000" dirty="0" smtClean="0"/>
+          </a:p>
+          <a:p>
+            <a:endParaRPr lang="en-US" sz="2000" dirty="0"/>
           </a:p>
           <a:p>
             <a:pPr>
@@ -8530,21 +8504,21 @@
               <a:buChar char="Ø"/>
             </a:pPr>
             <a:r>
-              <a:rPr lang="en-US" sz="2000" b="1" dirty="0" smtClean="0">
+              <a:rPr lang="en-US" sz="2000" b="1" dirty="0">
                 <a:hlinkClick r:id="rId3"/>
               </a:rPr>
               <a:t>  The Neural Integration of Speaker and Message</a:t>
             </a:r>
             <a:r>
-              <a:rPr lang="en-US" sz="2000" b="1" dirty="0" smtClean="0"/>
+              <a:rPr lang="en-US" sz="2000" b="1" dirty="0"/>
               <a:t> </a:t>
             </a:r>
           </a:p>
           <a:p>
-            <a:endParaRPr lang="en-US" sz="2000" dirty="0" smtClean="0"/>
-          </a:p>
-          <a:p>
-            <a:endParaRPr lang="en-US" sz="2000" dirty="0" smtClean="0"/>
+            <a:endParaRPr lang="en-US" sz="2000" dirty="0"/>
+          </a:p>
+          <a:p>
+            <a:endParaRPr lang="en-US" sz="2000" dirty="0"/>
           </a:p>
           <a:p>
             <a:pPr>
@@ -8552,21 +8526,21 @@
               <a:buChar char="Ø"/>
             </a:pPr>
             <a:r>
-              <a:rPr lang="en-US" sz="2000" b="1" dirty="0" smtClean="0">
+              <a:rPr lang="en-US" sz="2000" b="1" dirty="0">
                 <a:hlinkClick r:id="rId4"/>
               </a:rPr>
               <a:t>  On-line Integration of Semantic Information from Speech and Gesture: Insights from Event-related Brain Potentials</a:t>
             </a:r>
             <a:r>
-              <a:rPr lang="en-US" sz="2000" b="1" dirty="0" smtClean="0"/>
+              <a:rPr lang="en-US" sz="2000" b="1" dirty="0"/>
               <a:t> </a:t>
             </a:r>
           </a:p>
           <a:p>
-            <a:endParaRPr lang="en-US" sz="2000" dirty="0" smtClean="0"/>
-          </a:p>
-          <a:p>
-            <a:endParaRPr lang="en-US" sz="2000" dirty="0" smtClean="0"/>
+            <a:endParaRPr lang="en-US" sz="2000" dirty="0"/>
+          </a:p>
+          <a:p>
+            <a:endParaRPr lang="en-US" sz="2000" dirty="0"/>
           </a:p>
           <a:p>
             <a:pPr>
@@ -8574,19 +8548,19 @@
               <a:buChar char="Ø"/>
             </a:pPr>
             <a:r>
-              <a:rPr lang="en-US" sz="2000" b="1" dirty="0" smtClean="0">
+              <a:rPr lang="en-US" sz="2000" b="1" dirty="0">
                 <a:hlinkClick r:id="rId5"/>
               </a:rPr>
               <a:t>  When Language Meets Action: The Neural Integration of Gesture and Speech</a:t>
             </a:r>
             <a:r>
-              <a:rPr lang="en-US" sz="2000" b="1" dirty="0" smtClean="0"/>
+              <a:rPr lang="en-US" sz="2000" b="1" dirty="0"/>
               <a:t>  </a:t>
             </a:r>
           </a:p>
           <a:p>
             <a:r>
-              <a:rPr lang="en-US" sz="2000" dirty="0" smtClean="0"/>
+              <a:rPr lang="en-US" sz="2000" dirty="0"/>
               <a:t>      </a:t>
             </a:r>
             <a:endParaRPr lang="en-IN" sz="2000" dirty="0"/>
@@ -8598,13 +8572,13 @@
   <p:clrMapOvr>
     <a:masterClrMapping/>
   </p:clrMapOvr>
-  <mc:AlternateContent xmlns:mc="http://schemas.openxmlformats.org/markup-compatibility/2006">
-    <mc:Choice xmlns:p14="http://schemas.microsoft.com/office/powerpoint/2010/main" xmlns="" Requires="p14">
+  <mc:AlternateContent xmlns:mc="http://schemas.openxmlformats.org/markup-compatibility/2006" xmlns:p14="http://schemas.microsoft.com/office/powerpoint/2010/main">
+    <mc:Choice Requires="p14">
       <p:transition spd="med" p14:dur="700">
         <p:fade/>
       </p:transition>
     </mc:Choice>
-    <mc:Fallback>
+    <mc:Fallback xmlns="">
       <p:transition spd="med">
         <p:fade/>
       </p:transition>
@@ -8664,7 +8638,7 @@
           <p:cNvPr id="3" name="TextBox 2">
             <a:extLst>
               <a:ext uri="{FF2B5EF4-FFF2-40B4-BE49-F238E27FC236}">
-                <a16:creationId xmlns:a16="http://schemas.microsoft.com/office/drawing/2014/main" xmlns="" id="{DF331551-FA80-4063-9F00-093C846CEBC7}"/>
+                <a16:creationId xmlns:a16="http://schemas.microsoft.com/office/drawing/2014/main" id="{DF331551-FA80-4063-9F00-093C846CEBC7}"/>
               </a:ext>
             </a:extLst>
           </p:cNvPr>
@@ -8736,7 +8710,7 @@
           <p:cNvPr id="5" name="TextBox 4">
             <a:extLst>
               <a:ext uri="{FF2B5EF4-FFF2-40B4-BE49-F238E27FC236}">
-                <a16:creationId xmlns:a16="http://schemas.microsoft.com/office/drawing/2014/main" xmlns="" id="{5CABADB1-F650-44F4-8D86-570228ACFD75}"/>
+                <a16:creationId xmlns:a16="http://schemas.microsoft.com/office/drawing/2014/main" id="{5CABADB1-F650-44F4-8D86-570228ACFD75}"/>
               </a:ext>
             </a:extLst>
           </p:cNvPr>
@@ -8762,21 +8736,34 @@
             <a:r>
               <a:rPr lang="en-IN" sz="1600" b="1" dirty="0">
                 <a:solidFill>
-                  <a:schemeClr val="tx1">
-                    <a:lumMod val="75000"/>
-                  </a:schemeClr>
+                  <a:srgbClr val="00B0F0"/>
                 </a:solidFill>
                 <a:latin typeface="Times New Roman" panose="02020603050405020304" pitchFamily="18" charset="0"/>
                 <a:cs typeface="Times New Roman" panose="02020603050405020304" pitchFamily="18" charset="0"/>
                 <a:hlinkClick r:id="rId2">
                   <a:extLst>
                     <a:ext uri="{A12FA001-AC4F-418D-AE19-62706E023703}">
-                      <ahyp:hlinkClr xmlns:ahyp="http://schemas.microsoft.com/office/drawing/2018/hyperlinkcolor" xmlns="" val="tx"/>
+                      <ahyp:hlinkClr xmlns:ahyp="http://schemas.microsoft.com/office/drawing/2018/hyperlinkcolor" val="tx"/>
                     </a:ext>
                   </a:extLst>
                 </a:hlinkClick>
               </a:rPr>
               <a:t>Data A</a:t>
+            </a:r>
+            <a:r>
+              <a:rPr lang="en-IN" sz="1600" b="1" dirty="0">
+                <a:solidFill>
+                  <a:srgbClr val="00B0F0"/>
+                </a:solidFill>
+                <a:hlinkClick r:id="rId2">
+                  <a:extLst>
+                    <a:ext uri="{A12FA001-AC4F-418D-AE19-62706E023703}">
+                      <ahyp:hlinkClr xmlns:ahyp="http://schemas.microsoft.com/office/drawing/2018/hyperlinkcolor" val="tx"/>
+                    </a:ext>
+                  </a:extLst>
+                </a:hlinkClick>
+              </a:rPr>
+              <a:t>rticle 1</a:t>
             </a:r>
             <a:r>
               <a:rPr lang="en-IN" sz="1600" b="1" dirty="0">
@@ -8788,12 +8775,12 @@
                 <a:hlinkClick r:id="rId2">
                   <a:extLst>
                     <a:ext uri="{A12FA001-AC4F-418D-AE19-62706E023703}">
-                      <ahyp:hlinkClr xmlns:ahyp="http://schemas.microsoft.com/office/drawing/2018/hyperlinkcolor" xmlns="" val="tx"/>
+                      <ahyp:hlinkClr xmlns:ahyp="http://schemas.microsoft.com/office/drawing/2018/hyperlinkcolor" val="tx"/>
                     </a:ext>
                   </a:extLst>
                 </a:hlinkClick>
               </a:rPr>
-              <a:t>rticle 1 </a:t>
+              <a:t> </a:t>
             </a:r>
             <a:endParaRPr lang="en-IN" sz="1600" b="1" dirty="0">
               <a:solidFill>
@@ -8820,16 +8807,14 @@
             <a:r>
               <a:rPr lang="en-IN" sz="1600" b="1" dirty="0">
                 <a:solidFill>
-                  <a:schemeClr val="tx1">
-                    <a:lumMod val="75000"/>
-                  </a:schemeClr>
+                  <a:srgbClr val="00B0F0"/>
                 </a:solidFill>
                 <a:latin typeface="Times New Roman" panose="02020603050405020304" pitchFamily="18" charset="0"/>
                 <a:cs typeface="Times New Roman" panose="02020603050405020304" pitchFamily="18" charset="0"/>
                 <a:hlinkClick r:id="rId3">
                   <a:extLst>
                     <a:ext uri="{A12FA001-AC4F-418D-AE19-62706E023703}">
-                      <ahyp:hlinkClr xmlns:ahyp="http://schemas.microsoft.com/office/drawing/2018/hyperlinkcolor" xmlns="" val="tx"/>
+                      <ahyp:hlinkClr xmlns:ahyp="http://schemas.microsoft.com/office/drawing/2018/hyperlinkcolor" val="tx"/>
                     </a:ext>
                   </a:extLst>
                 </a:hlinkClick>
@@ -8838,9 +8823,7 @@
             </a:r>
             <a:endParaRPr lang="en-IN" sz="1600" b="1" dirty="0">
               <a:solidFill>
-                <a:schemeClr val="tx1">
-                  <a:lumMod val="75000"/>
-                </a:schemeClr>
+                <a:srgbClr val="00B0F0"/>
               </a:solidFill>
               <a:latin typeface="Times New Roman" panose="02020603050405020304" pitchFamily="18" charset="0"/>
               <a:cs typeface="Times New Roman" panose="02020603050405020304" pitchFamily="18" charset="0"/>
@@ -8850,29 +8833,29 @@
             <a:r>
               <a:rPr lang="en-IN" sz="1800" b="1" dirty="0">
                 <a:solidFill>
-                  <a:schemeClr val="tx1">
-                    <a:lumMod val="75000"/>
-                  </a:schemeClr>
+                  <a:srgbClr val="00B0F0"/>
                 </a:solidFill>
               </a:rPr>
               <a:t> </a:t>
             </a:r>
-            <a:endParaRPr lang="en-IN" dirty="0"/>
+            <a:endParaRPr lang="en-IN" dirty="0">
+              <a:solidFill>
+                <a:srgbClr val="00B0F0"/>
+              </a:solidFill>
+            </a:endParaRPr>
           </a:p>
           <a:p>
             <a:r>
               <a:rPr lang="en-IN" sz="1600" b="1" dirty="0">
                 <a:solidFill>
-                  <a:schemeClr val="tx1">
-                    <a:lumMod val="75000"/>
-                  </a:schemeClr>
+                  <a:srgbClr val="00B0F0"/>
                 </a:solidFill>
                 <a:latin typeface="Times New Roman" panose="02020603050405020304" pitchFamily="18" charset="0"/>
                 <a:cs typeface="Times New Roman" panose="02020603050405020304" pitchFamily="18" charset="0"/>
                 <a:hlinkClick r:id="rId4">
                   <a:extLst>
                     <a:ext uri="{A12FA001-AC4F-418D-AE19-62706E023703}">
-                      <ahyp:hlinkClr xmlns:ahyp="http://schemas.microsoft.com/office/drawing/2018/hyperlinkcolor" xmlns="" val="tx"/>
+                      <ahyp:hlinkClr xmlns:ahyp="http://schemas.microsoft.com/office/drawing/2018/hyperlinkcolor" val="tx"/>
                     </a:ext>
                   </a:extLst>
                 </a:hlinkClick>
@@ -8881,9 +8864,7 @@
             </a:r>
             <a:endParaRPr lang="en-IN" sz="1600" b="1" dirty="0">
               <a:solidFill>
-                <a:schemeClr val="tx1">
-                  <a:lumMod val="75000"/>
-                </a:schemeClr>
+                <a:srgbClr val="00B0F0"/>
               </a:solidFill>
               <a:latin typeface="Times New Roman" panose="02020603050405020304" pitchFamily="18" charset="0"/>
               <a:cs typeface="Times New Roman" panose="02020603050405020304" pitchFamily="18" charset="0"/>
@@ -8909,7 +8890,7 @@
           <p:cNvPr id="12" name="TextBox 11">
             <a:extLst>
               <a:ext uri="{FF2B5EF4-FFF2-40B4-BE49-F238E27FC236}">
-                <a16:creationId xmlns:a16="http://schemas.microsoft.com/office/drawing/2014/main" xmlns="" id="{CB084883-BBA3-4FA5-86B4-A1B2CEDEC222}"/>
+                <a16:creationId xmlns:a16="http://schemas.microsoft.com/office/drawing/2014/main" id="{CB084883-BBA3-4FA5-86B4-A1B2CEDEC222}"/>
               </a:ext>
             </a:extLst>
           </p:cNvPr>
@@ -8951,13 +8932,13 @@
   <p:clrMapOvr>
     <a:masterClrMapping/>
   </p:clrMapOvr>
-  <mc:AlternateContent xmlns:mc="http://schemas.openxmlformats.org/markup-compatibility/2006">
-    <mc:Choice xmlns:p14="http://schemas.microsoft.com/office/powerpoint/2010/main" xmlns="" Requires="p14">
+  <mc:AlternateContent xmlns:mc="http://schemas.openxmlformats.org/markup-compatibility/2006" xmlns:p14="http://schemas.microsoft.com/office/powerpoint/2010/main">
+    <mc:Choice Requires="p14">
       <p:transition spd="med" p14:dur="700">
         <p:fade/>
       </p:transition>
     </mc:Choice>
-    <mc:Fallback>
+    <mc:Fallback xmlns="">
       <p:transition spd="med">
         <p:fade/>
       </p:transition>
@@ -9161,7 +9142,7 @@
   <a:extraClrSchemeLst/>
   <a:extLst>
     <a:ext uri="{05A4C25C-085E-4340-85A3-A5531E510DB2}">
-      <thm15:themeFamily xmlns:thm15="http://schemas.microsoft.com/office/thememl/2012/main" xmlns="" name="Office Theme" id="{62F939B6-93AF-4DB8-9C6B-D6C7DFDC589F}" vid="{4A3C46E8-61CC-4603-A589-7422A47A8E4A}"/>
+      <thm15:themeFamily xmlns:thm15="http://schemas.microsoft.com/office/thememl/2012/main" name="Office Theme" id="{62F939B6-93AF-4DB8-9C6B-D6C7DFDC589F}" vid="{4A3C46E8-61CC-4603-A589-7422A47A8E4A}"/>
     </a:ext>
   </a:extLst>
 </a:theme>
@@ -9362,7 +9343,7 @@
   <a:extraClrSchemeLst/>
   <a:extLst>
     <a:ext uri="{05A4C25C-085E-4340-85A3-A5531E510DB2}">
-      <thm15:themeFamily xmlns:thm15="http://schemas.microsoft.com/office/thememl/2012/main" xmlns="" name="Office Theme" id="{62F939B6-93AF-4DB8-9C6B-D6C7DFDC589F}" vid="{4A3C46E8-61CC-4603-A589-7422A47A8E4A}"/>
+      <thm15:themeFamily xmlns:thm15="http://schemas.microsoft.com/office/thememl/2012/main" name="Office Theme" id="{62F939B6-93AF-4DB8-9C6B-D6C7DFDC589F}" vid="{4A3C46E8-61CC-4603-A589-7422A47A8E4A}"/>
     </a:ext>
   </a:extLst>
 </a:theme>
@@ -9563,7 +9544,7 @@
   <a:extraClrSchemeLst/>
   <a:extLst>
     <a:ext uri="{05A4C25C-085E-4340-85A3-A5531E510DB2}">
-      <thm15:themeFamily xmlns:thm15="http://schemas.microsoft.com/office/thememl/2012/main" xmlns="" name="Office Theme" id="{62F939B6-93AF-4DB8-9C6B-D6C7DFDC589F}" vid="{4A3C46E8-61CC-4603-A589-7422A47A8E4A}"/>
+      <thm15:themeFamily xmlns:thm15="http://schemas.microsoft.com/office/thememl/2012/main" name="Office Theme" id="{62F939B6-93AF-4DB8-9C6B-D6C7DFDC589F}" vid="{4A3C46E8-61CC-4603-A589-7422A47A8E4A}"/>
     </a:ext>
   </a:extLst>
 </a:theme>

--- a/Ideas -- v3.0.pptx
+++ b/Ideas -- v3.0.pptx
@@ -5,18 +5,18 @@
     <p:sldMasterId id="2147483648" r:id="rId1"/>
   </p:sldMasterIdLst>
   <p:notesMasterIdLst>
-    <p:notesMasterId r:id="rId8"/>
+    <p:notesMasterId r:id="rId9"/>
   </p:notesMasterIdLst>
   <p:handoutMasterIdLst>
-    <p:handoutMasterId r:id="rId9"/>
+    <p:handoutMasterId r:id="rId10"/>
   </p:handoutMasterIdLst>
   <p:sldIdLst>
-    <p:sldId id="262" r:id="rId2"/>
-    <p:sldId id="263" r:id="rId3"/>
-    <p:sldId id="265" r:id="rId4"/>
-    <p:sldId id="267" r:id="rId5"/>
-    <p:sldId id="268" r:id="rId6"/>
-    <p:sldId id="266" r:id="rId7"/>
+    <p:sldId id="262" r:id="rId3"/>
+    <p:sldId id="263" r:id="rId4"/>
+    <p:sldId id="265" r:id="rId5"/>
+    <p:sldId id="267" r:id="rId6"/>
+    <p:sldId id="268" r:id="rId7"/>
+    <p:sldId id="266" r:id="rId8"/>
   </p:sldIdLst>
   <p:sldSz cx="12188825" cy="6858000"/>
   <p:notesSz cx="6858000" cy="9144000"/>
@@ -115,41 +115,6 @@
       </a:defRPr>
     </a:lvl9pPr>
   </p:defaultTextStyle>
-  <p:extLst>
-    <p:ext uri="{EFAFB233-063F-42B5-8137-9DF3F51BA10A}">
-      <p15:sldGuideLst xmlns:p15="http://schemas.microsoft.com/office/powerpoint/2012/main" xmlns="">
-        <p15:guide id="1" orient="horz" pos="2160">
-          <p15:clr>
-            <a:srgbClr val="A4A3A4"/>
-          </p15:clr>
-        </p15:guide>
-        <p15:guide id="2" pos="3839">
-          <p15:clr>
-            <a:srgbClr val="A4A3A4"/>
-          </p15:clr>
-        </p15:guide>
-        <p15:guide id="3" pos="1004">
-          <p15:clr>
-            <a:srgbClr val="A4A3A4"/>
-          </p15:clr>
-        </p15:guide>
-      </p15:sldGuideLst>
-    </p:ext>
-    <p:ext uri="{2D200454-40CA-4A62-9FC3-DE9A4176ACB9}">
-      <p15:notesGuideLst xmlns:p15="http://schemas.microsoft.com/office/powerpoint/2012/main" xmlns="">
-        <p15:guide id="1" orient="horz" pos="2880">
-          <p15:clr>
-            <a:srgbClr val="A4A3A4"/>
-          </p15:clr>
-        </p15:guide>
-        <p15:guide id="2" pos="2160">
-          <p15:clr>
-            <a:srgbClr val="A4A3A4"/>
-          </p15:clr>
-        </p15:guide>
-      </p15:notesGuideLst>
-    </p:ext>
-  </p:extLst>
 </p:presentation>
 </file>
 
@@ -235,8 +200,6 @@
           <a:p>
             <a:fld id="{BDB7646E-8811-423A-9C42-2CBFADA00A96}" type="datetimeFigureOut">
               <a:rPr lang="en-US" smtClean="0"/>
-              <a:pPr/>
-              <a:t>10/5/2020</a:t>
             </a:fld>
             <a:endParaRPr lang="en-US"/>
           </a:p>
@@ -302,19 +265,12 @@
           <a:p>
             <a:fld id="{04360E59-1627-4404-ACC5-51C744AB0F27}" type="slidenum">
               <a:rPr lang="en-US" smtClean="0"/>
-              <a:pPr/>
-              <a:t>‹#›</a:t>
             </a:fld>
             <a:endParaRPr lang="en-US"/>
           </a:p>
         </p:txBody>
       </p:sp>
     </p:spTree>
-    <p:extLst>
-      <p:ext uri="{BB962C8B-B14F-4D97-AF65-F5344CB8AC3E}">
-        <p14:creationId xmlns:p14="http://schemas.microsoft.com/office/powerpoint/2010/main" xmlns="" val="1"/>
-      </p:ext>
-    </p:extLst>
   </p:cSld>
   <p:clrMap bg1="lt1" tx1="dk1" bg2="lt2" tx2="dk2" accent1="accent1" accent2="accent2" accent3="accent3" accent4="accent4" accent5="accent5" accent6="accent6" hlink="hlink" folHlink="folHlink"/>
 </p:handoutMaster>
@@ -410,8 +366,6 @@
           <a:p>
             <a:fld id="{D677E230-58DD-43ED-96A1-552DDAB53532}" type="datetimeFigureOut">
               <a:rPr lang="en-US" smtClean="0"/>
-              <a:pPr/>
-              <a:t>10/5/2020</a:t>
             </a:fld>
             <a:endParaRPr lang="en-US"/>
           </a:p>
@@ -478,6 +432,7 @@
               <a:rPr lang="en-US"/>
               <a:t>Click to edit Master text styles</a:t>
             </a:r>
+            <a:endParaRPr lang="en-US"/>
           </a:p>
           <a:p>
             <a:pPr lvl="1"/>
@@ -485,6 +440,7 @@
               <a:rPr lang="en-US"/>
               <a:t>Second level</a:t>
             </a:r>
+            <a:endParaRPr lang="en-US"/>
           </a:p>
           <a:p>
             <a:pPr lvl="2"/>
@@ -492,6 +448,7 @@
               <a:rPr lang="en-US"/>
               <a:t>Third level</a:t>
             </a:r>
+            <a:endParaRPr lang="en-US"/>
           </a:p>
           <a:p>
             <a:pPr lvl="3"/>
@@ -499,6 +456,7 @@
               <a:rPr lang="en-US"/>
               <a:t>Fourth level</a:t>
             </a:r>
+            <a:endParaRPr lang="en-US"/>
           </a:p>
           <a:p>
             <a:pPr lvl="4"/>
@@ -506,6 +464,7 @@
               <a:rPr lang="en-US"/>
               <a:t>Fifth level</a:t>
             </a:r>
+            <a:endParaRPr lang="en-US"/>
           </a:p>
         </p:txBody>
       </p:sp>
@@ -577,8 +536,6 @@
           <a:p>
             <a:fld id="{841221E5-7225-48EB-A4EE-420E7BFCF705}" type="slidenum">
               <a:rPr lang="en-US" smtClean="0"/>
-              <a:pPr/>
-              <a:t>‹#›</a:t>
             </a:fld>
             <a:endParaRPr lang="en-US"/>
           </a:p>
@@ -683,7 +640,7 @@
 </file>
 
 <file path=ppt/slideLayouts/slideLayout1.xml><?xml version="1.0" encoding="utf-8"?>
-<p:sldLayout xmlns:a="http://schemas.openxmlformats.org/drawingml/2006/main" xmlns:r="http://schemas.openxmlformats.org/officeDocument/2006/relationships" xmlns:p="http://schemas.openxmlformats.org/presentationml/2006/main" showMasterSp="0" type="title" preserve="1">
+<p:sldLayout xmlns:a="http://schemas.openxmlformats.org/drawingml/2006/main" xmlns:r="http://schemas.openxmlformats.org/officeDocument/2006/relationships" xmlns:p="http://schemas.openxmlformats.org/presentationml/2006/main" type="title" preserve="1" showMasterSp="0">
   <p:cSld name="Title Slide">
     <p:spTree>
       <p:nvGrpSpPr>
@@ -741,7 +698,6 @@
           <a:lstStyle/>
           <a:p>
             <a:pPr algn="ctr"/>
-            <a:endParaRPr/>
           </a:p>
         </p:txBody>
       </p:sp>
@@ -789,7 +745,6 @@
           <a:lstStyle/>
           <a:p>
             <a:pPr algn="ctr"/>
-            <a:endParaRPr/>
           </a:p>
         </p:txBody>
       </p:sp>
@@ -835,7 +790,6 @@
           <a:lstStyle/>
           <a:p>
             <a:pPr algn="ctr"/>
-            <a:endParaRPr/>
           </a:p>
         </p:txBody>
       </p:sp>
@@ -883,7 +837,6 @@
           <a:lstStyle/>
           <a:p>
             <a:pPr algn="ctr"/>
-            <a:endParaRPr/>
           </a:p>
         </p:txBody>
       </p:sp>
@@ -932,7 +885,6 @@
           <a:lstStyle/>
           <a:p>
             <a:pPr algn="ctr"/>
-            <a:endParaRPr/>
           </a:p>
         </p:txBody>
       </p:sp>
@@ -1016,7 +968,6 @@
           <a:lstStyle/>
           <a:p>
             <a:pPr algn="ctr"/>
-            <a:endParaRPr/>
           </a:p>
         </p:txBody>
       </p:sp>
@@ -1405,9 +1356,7 @@
         <p:txBody>
           <a:bodyPr vert="horz" wrap="square" lIns="121899" tIns="60949" rIns="121899" bIns="60949" numCol="1" anchor="t" anchorCtr="0" compatLnSpc="1"/>
           <a:lstStyle/>
-          <a:p>
-            <a:endParaRPr/>
-          </a:p>
+          <a:p/>
         </p:txBody>
       </p:sp>
       <p:sp>
@@ -1440,6 +1389,7 @@
               <a:rPr lang="en-US"/>
               <a:t>Click to edit Master title style</a:t>
             </a:r>
+            <a:endParaRPr lang="en-US"/>
           </a:p>
         </p:txBody>
       </p:sp>
@@ -1561,6 +1511,7 @@
               <a:rPr lang="en-US"/>
               <a:t>Click to edit Master subtitle style</a:t>
             </a:r>
+            <a:endParaRPr lang="en-US"/>
           </a:p>
         </p:txBody>
       </p:sp>
@@ -1589,8 +1540,6 @@
           <a:p>
             <a:fld id="{C2C6F8EA-316C-41DE-B9A4-EDCC3A85ED9A}" type="datetimeFigureOut">
               <a:rPr lang="en-US" smtClean="0"/>
-              <a:pPr/>
-              <a:t>10/5/2020</a:t>
             </a:fld>
             <a:endParaRPr lang="en-US" dirty="0"/>
           </a:p>
@@ -1657,8 +1606,6 @@
           <a:p>
             <a:fld id="{7DC1BBB0-96F0-4077-A278-0F3FB5C104D3}" type="slidenum">
               <a:rPr lang="en-US" smtClean="0"/>
-              <a:pPr/>
-              <a:t>‹#›</a:t>
             </a:fld>
             <a:endParaRPr lang="en-US"/>
           </a:p>
@@ -1670,7 +1617,7 @@
     <a:masterClrMapping/>
   </p:clrMapOvr>
   <mc:AlternateContent xmlns:mc="http://schemas.openxmlformats.org/markup-compatibility/2006">
-    <mc:Choice xmlns:p14="http://schemas.microsoft.com/office/powerpoint/2010/main" xmlns="" Requires="p14">
+    <mc:Choice xmlns:p14="http://schemas.microsoft.com/office/powerpoint/2010/main" Requires="p14">
       <p:transition spd="med" p14:dur="700">
         <p:fade/>
       </p:transition>
@@ -1720,6 +1667,7 @@
               <a:rPr lang="en-US"/>
               <a:t>Click to edit Master title style</a:t>
             </a:r>
+            <a:endParaRPr lang="en-US"/>
           </a:p>
         </p:txBody>
       </p:sp>
@@ -1759,6 +1707,7 @@
               <a:rPr lang="en-US"/>
               <a:t>Click to edit Master text styles</a:t>
             </a:r>
+            <a:endParaRPr lang="en-US"/>
           </a:p>
           <a:p>
             <a:pPr lvl="1"/>
@@ -1766,6 +1715,7 @@
               <a:rPr lang="en-US"/>
               <a:t>Second level</a:t>
             </a:r>
+            <a:endParaRPr lang="en-US"/>
           </a:p>
           <a:p>
             <a:pPr lvl="2"/>
@@ -1773,6 +1723,7 @@
               <a:rPr lang="en-US"/>
               <a:t>Third level</a:t>
             </a:r>
+            <a:endParaRPr lang="en-US"/>
           </a:p>
           <a:p>
             <a:pPr lvl="3"/>
@@ -1780,6 +1731,7 @@
               <a:rPr lang="en-US"/>
               <a:t>Fourth level</a:t>
             </a:r>
+            <a:endParaRPr lang="en-US"/>
           </a:p>
           <a:p>
             <a:pPr lvl="4"/>
@@ -1787,6 +1739,7 @@
               <a:rPr lang="en-US"/>
               <a:t>Fifth level</a:t>
             </a:r>
+            <a:endParaRPr lang="en-US"/>
           </a:p>
         </p:txBody>
       </p:sp>
@@ -1807,8 +1760,6 @@
           <a:p>
             <a:fld id="{C2C6F8EA-316C-41DE-B9A4-EDCC3A85ED9A}" type="datetimeFigureOut">
               <a:rPr lang="en-US"/>
-              <a:pPr/>
-              <a:t>10/5/2020</a:t>
             </a:fld>
             <a:endParaRPr lang="en-US"/>
           </a:p>
@@ -1854,8 +1805,6 @@
           <a:p>
             <a:fld id="{7DC1BBB0-96F0-4077-A278-0F3FB5C104D3}" type="slidenum">
               <a:rPr/>
-              <a:pPr/>
-              <a:t>‹#›</a:t>
             </a:fld>
             <a:endParaRPr/>
           </a:p>
@@ -1867,7 +1816,7 @@
     <a:masterClrMapping/>
   </p:clrMapOvr>
   <mc:AlternateContent xmlns:mc="http://schemas.openxmlformats.org/markup-compatibility/2006">
-    <mc:Choice xmlns:p14="http://schemas.microsoft.com/office/powerpoint/2010/main" xmlns="" Requires="p14">
+    <mc:Choice xmlns:p14="http://schemas.microsoft.com/office/powerpoint/2010/main" Requires="p14">
       <p:transition spd="med" p14:dur="700">
         <p:fade/>
       </p:transition>
@@ -1882,7 +1831,7 @@
 </file>
 
 <file path=ppt/slideLayouts/slideLayout11.xml><?xml version="1.0" encoding="utf-8"?>
-<p:sldLayout xmlns:a="http://schemas.openxmlformats.org/drawingml/2006/main" xmlns:r="http://schemas.openxmlformats.org/officeDocument/2006/relationships" xmlns:p="http://schemas.openxmlformats.org/presentationml/2006/main" showMasterSp="0" type="vertTitleAndTx" preserve="1">
+<p:sldLayout xmlns:a="http://schemas.openxmlformats.org/drawingml/2006/main" xmlns:r="http://schemas.openxmlformats.org/officeDocument/2006/relationships" xmlns:p="http://schemas.openxmlformats.org/presentationml/2006/main" type="vertTitleAndTx" preserve="1" showMasterSp="0">
   <p:cSld name="Vertical Title and Text">
     <p:spTree>
       <p:nvGrpSpPr>
@@ -1943,7 +1892,6 @@
           <a:lstStyle/>
           <a:p>
             <a:pPr lvl="0" algn="ctr"/>
-            <a:endParaRPr/>
           </a:p>
         </p:txBody>
       </p:sp>
@@ -1989,7 +1937,6 @@
           <a:lstStyle/>
           <a:p>
             <a:pPr algn="ctr"/>
-            <a:endParaRPr/>
           </a:p>
         </p:txBody>
       </p:sp>
@@ -2038,7 +1985,6 @@
           <a:lstStyle/>
           <a:p>
             <a:pPr algn="ctr"/>
-            <a:endParaRPr/>
           </a:p>
         </p:txBody>
       </p:sp>
@@ -2087,7 +2033,6 @@
           <a:lstStyle/>
           <a:p>
             <a:pPr algn="ctr"/>
-            <a:endParaRPr/>
           </a:p>
         </p:txBody>
       </p:sp>
@@ -2474,9 +2419,7 @@
         <p:txBody>
           <a:bodyPr vert="horz" wrap="square" lIns="91440" tIns="45720" rIns="91440" bIns="45720" numCol="1" anchor="t" anchorCtr="0" compatLnSpc="1"/>
           <a:lstStyle/>
-          <a:p>
-            <a:endParaRPr/>
-          </a:p>
+          <a:p/>
         </p:txBody>
       </p:sp>
       <p:cxnSp>
@@ -2538,6 +2481,7 @@
               <a:rPr lang="en-US"/>
               <a:t>Click to edit Master title style</a:t>
             </a:r>
+            <a:endParaRPr lang="en-US"/>
           </a:p>
         </p:txBody>
       </p:sp>
@@ -2566,6 +2510,7 @@
               <a:rPr lang="en-US"/>
               <a:t>Click to edit Master text styles</a:t>
             </a:r>
+            <a:endParaRPr lang="en-US"/>
           </a:p>
           <a:p>
             <a:pPr lvl="1"/>
@@ -2573,6 +2518,7 @@
               <a:rPr lang="en-US"/>
               <a:t>Second level</a:t>
             </a:r>
+            <a:endParaRPr lang="en-US"/>
           </a:p>
           <a:p>
             <a:pPr lvl="2"/>
@@ -2580,6 +2526,7 @@
               <a:rPr lang="en-US"/>
               <a:t>Third level</a:t>
             </a:r>
+            <a:endParaRPr lang="en-US"/>
           </a:p>
           <a:p>
             <a:pPr lvl="3"/>
@@ -2587,6 +2534,7 @@
               <a:rPr lang="en-US"/>
               <a:t>Fourth level</a:t>
             </a:r>
+            <a:endParaRPr lang="en-US"/>
           </a:p>
           <a:p>
             <a:pPr lvl="4"/>
@@ -2594,6 +2542,7 @@
               <a:rPr lang="en-US"/>
               <a:t>Fifth level</a:t>
             </a:r>
+            <a:endParaRPr lang="en-US"/>
           </a:p>
         </p:txBody>
       </p:sp>
@@ -2614,8 +2563,6 @@
           <a:p>
             <a:fld id="{C2C6F8EA-316C-41DE-B9A4-EDCC3A85ED9A}" type="datetimeFigureOut">
               <a:rPr lang="en-US"/>
-              <a:pPr/>
-              <a:t>10/5/2020</a:t>
             </a:fld>
             <a:endParaRPr lang="en-US"/>
           </a:p>
@@ -2661,8 +2608,6 @@
           <a:p>
             <a:fld id="{7DC1BBB0-96F0-4077-A278-0F3FB5C104D3}" type="slidenum">
               <a:rPr/>
-              <a:pPr/>
-              <a:t>‹#›</a:t>
             </a:fld>
             <a:endParaRPr/>
           </a:p>
@@ -2674,7 +2619,7 @@
     <a:masterClrMapping/>
   </p:clrMapOvr>
   <mc:AlternateContent xmlns:mc="http://schemas.openxmlformats.org/markup-compatibility/2006">
-    <mc:Choice xmlns:p14="http://schemas.microsoft.com/office/powerpoint/2010/main" xmlns="" Requires="p14">
+    <mc:Choice xmlns:p14="http://schemas.microsoft.com/office/powerpoint/2010/main" Requires="p14">
       <p:transition spd="med" p14:dur="700">
         <p:fade/>
       </p:transition>
@@ -2724,6 +2669,7 @@
               <a:rPr lang="en-US"/>
               <a:t>Click to edit Master title style</a:t>
             </a:r>
+            <a:endParaRPr lang="en-US"/>
           </a:p>
         </p:txBody>
       </p:sp>
@@ -2763,6 +2709,7 @@
               <a:rPr lang="en-US"/>
               <a:t>Click to edit Master text styles</a:t>
             </a:r>
+            <a:endParaRPr lang="en-US"/>
           </a:p>
           <a:p>
             <a:pPr lvl="1"/>
@@ -2770,6 +2717,7 @@
               <a:rPr lang="en-US"/>
               <a:t>Second level</a:t>
             </a:r>
+            <a:endParaRPr lang="en-US"/>
           </a:p>
           <a:p>
             <a:pPr lvl="2"/>
@@ -2777,6 +2725,7 @@
               <a:rPr lang="en-US"/>
               <a:t>Third level</a:t>
             </a:r>
+            <a:endParaRPr lang="en-US"/>
           </a:p>
           <a:p>
             <a:pPr lvl="3"/>
@@ -2784,6 +2733,7 @@
               <a:rPr lang="en-US"/>
               <a:t>Fourth level</a:t>
             </a:r>
+            <a:endParaRPr lang="en-US"/>
           </a:p>
           <a:p>
             <a:pPr lvl="4"/>
@@ -2812,8 +2762,6 @@
           <a:p>
             <a:fld id="{C2C6F8EA-316C-41DE-B9A4-EDCC3A85ED9A}" type="datetimeFigureOut">
               <a:rPr lang="en-US"/>
-              <a:pPr/>
-              <a:t>10/5/2020</a:t>
             </a:fld>
             <a:endParaRPr dirty="0"/>
           </a:p>
@@ -2859,8 +2807,6 @@
           <a:p>
             <a:fld id="{7DC1BBB0-96F0-4077-A278-0F3FB5C104D3}" type="slidenum">
               <a:rPr/>
-              <a:pPr/>
-              <a:t>‹#›</a:t>
             </a:fld>
             <a:endParaRPr/>
           </a:p>
@@ -2872,7 +2818,7 @@
     <a:masterClrMapping/>
   </p:clrMapOvr>
   <mc:AlternateContent xmlns:mc="http://schemas.openxmlformats.org/markup-compatibility/2006">
-    <mc:Choice xmlns:p14="http://schemas.microsoft.com/office/powerpoint/2010/main" xmlns="" Requires="p14">
+    <mc:Choice xmlns:p14="http://schemas.microsoft.com/office/powerpoint/2010/main" Requires="p14">
       <p:transition spd="med" p14:dur="700">
         <p:fade/>
       </p:transition>
@@ -2887,7 +2833,7 @@
 </file>
 
 <file path=ppt/slideLayouts/slideLayout3.xml><?xml version="1.0" encoding="utf-8"?>
-<p:sldLayout xmlns:a="http://schemas.openxmlformats.org/drawingml/2006/main" xmlns:r="http://schemas.openxmlformats.org/officeDocument/2006/relationships" xmlns:p="http://schemas.openxmlformats.org/presentationml/2006/main" showMasterSp="0" type="secHead" preserve="1">
+<p:sldLayout xmlns:a="http://schemas.openxmlformats.org/drawingml/2006/main" xmlns:r="http://schemas.openxmlformats.org/officeDocument/2006/relationships" xmlns:p="http://schemas.openxmlformats.org/presentationml/2006/main" type="secHead" preserve="1" showMasterSp="0">
   <p:cSld name="Section Header">
     <p:spTree>
       <p:nvGrpSpPr>
@@ -2945,7 +2891,6 @@
           <a:lstStyle/>
           <a:p>
             <a:pPr algn="ctr"/>
-            <a:endParaRPr/>
           </a:p>
         </p:txBody>
       </p:sp>
@@ -2993,7 +2938,6 @@
           <a:lstStyle/>
           <a:p>
             <a:pPr algn="ctr"/>
-            <a:endParaRPr/>
           </a:p>
         </p:txBody>
       </p:sp>
@@ -3039,7 +2983,6 @@
           <a:lstStyle/>
           <a:p>
             <a:pPr algn="ctr"/>
-            <a:endParaRPr/>
           </a:p>
         </p:txBody>
       </p:sp>
@@ -3088,7 +3031,6 @@
           <a:lstStyle/>
           <a:p>
             <a:pPr algn="ctr"/>
-            <a:endParaRPr/>
           </a:p>
         </p:txBody>
       </p:sp>
@@ -3172,7 +3114,6 @@
           <a:lstStyle/>
           <a:p>
             <a:pPr algn="ctr"/>
-            <a:endParaRPr/>
           </a:p>
         </p:txBody>
       </p:sp>
@@ -3491,9 +3432,7 @@
         <p:txBody>
           <a:bodyPr vert="horz" wrap="square" lIns="121899" tIns="60949" rIns="121899" bIns="60949" numCol="1" anchor="t" anchorCtr="0" compatLnSpc="1"/>
           <a:lstStyle/>
-          <a:p>
-            <a:endParaRPr/>
-          </a:p>
+          <a:p/>
         </p:txBody>
       </p:sp>
       <p:cxnSp>
@@ -3573,7 +3512,6 @@
           <a:lstStyle/>
           <a:p>
             <a:pPr algn="ctr"/>
-            <a:endParaRPr/>
           </a:p>
         </p:txBody>
       </p:sp>
@@ -3621,7 +3559,6 @@
           <a:lstStyle/>
           <a:p>
             <a:pPr algn="ctr"/>
-            <a:endParaRPr/>
           </a:p>
         </p:txBody>
       </p:sp>
@@ -3667,7 +3604,6 @@
           <a:lstStyle/>
           <a:p>
             <a:pPr algn="ctr"/>
-            <a:endParaRPr/>
           </a:p>
         </p:txBody>
       </p:sp>
@@ -3715,7 +3651,6 @@
           <a:lstStyle/>
           <a:p>
             <a:pPr algn="ctr"/>
-            <a:endParaRPr/>
           </a:p>
         </p:txBody>
       </p:sp>
@@ -3764,7 +3699,6 @@
           <a:lstStyle/>
           <a:p>
             <a:pPr algn="ctr"/>
-            <a:endParaRPr/>
           </a:p>
         </p:txBody>
       </p:sp>
@@ -3848,7 +3782,6 @@
           <a:lstStyle/>
           <a:p>
             <a:pPr algn="ctr"/>
-            <a:endParaRPr/>
           </a:p>
         </p:txBody>
       </p:sp>
@@ -3917,6 +3850,7 @@
               <a:rPr lang="en-US"/>
               <a:t>Click to edit Master title style</a:t>
             </a:r>
+            <a:endParaRPr lang="en-US"/>
           </a:p>
         </p:txBody>
       </p:sp>
@@ -4039,6 +3973,7 @@
               <a:rPr lang="en-US"/>
               <a:t>Click to edit Master text styles</a:t>
             </a:r>
+            <a:endParaRPr lang="en-US"/>
           </a:p>
         </p:txBody>
       </p:sp>
@@ -4067,8 +4002,6 @@
           <a:p>
             <a:fld id="{C2C6F8EA-316C-41DE-B9A4-EDCC3A85ED9A}" type="datetimeFigureOut">
               <a:rPr lang="en-US" smtClean="0"/>
-              <a:pPr/>
-              <a:t>10/5/2020</a:t>
             </a:fld>
             <a:endParaRPr lang="en-US" dirty="0"/>
           </a:p>
@@ -4135,8 +4068,6 @@
           <a:p>
             <a:fld id="{7DC1BBB0-96F0-4077-A278-0F3FB5C104D3}" type="slidenum">
               <a:rPr lang="en-US" smtClean="0"/>
-              <a:pPr/>
-              <a:t>‹#›</a:t>
             </a:fld>
             <a:endParaRPr lang="en-US"/>
           </a:p>
@@ -4148,7 +4079,7 @@
     <a:masterClrMapping/>
   </p:clrMapOvr>
   <mc:AlternateContent xmlns:mc="http://schemas.openxmlformats.org/markup-compatibility/2006">
-    <mc:Choice xmlns:p14="http://schemas.microsoft.com/office/powerpoint/2010/main" xmlns="" Requires="p14">
+    <mc:Choice xmlns:p14="http://schemas.microsoft.com/office/powerpoint/2010/main" Requires="p14">
       <p:transition spd="med" p14:dur="700">
         <p:fade/>
       </p:transition>
@@ -4198,6 +4129,7 @@
               <a:rPr lang="en-US"/>
               <a:t>Click to edit Master title style</a:t>
             </a:r>
+            <a:endParaRPr lang="en-US"/>
           </a:p>
         </p:txBody>
       </p:sp>
@@ -4254,6 +4186,7 @@
               <a:rPr lang="en-US"/>
               <a:t>Click to edit Master text styles</a:t>
             </a:r>
+            <a:endParaRPr lang="en-US"/>
           </a:p>
           <a:p>
             <a:pPr lvl="1"/>
@@ -4261,6 +4194,7 @@
               <a:rPr lang="en-US"/>
               <a:t>Second level</a:t>
             </a:r>
+            <a:endParaRPr lang="en-US"/>
           </a:p>
           <a:p>
             <a:pPr lvl="2"/>
@@ -4268,6 +4202,7 @@
               <a:rPr lang="en-US"/>
               <a:t>Third level</a:t>
             </a:r>
+            <a:endParaRPr lang="en-US"/>
           </a:p>
           <a:p>
             <a:pPr lvl="3"/>
@@ -4275,6 +4210,7 @@
               <a:rPr lang="en-US"/>
               <a:t>Fourth level</a:t>
             </a:r>
+            <a:endParaRPr lang="en-US"/>
           </a:p>
           <a:p>
             <a:pPr lvl="4"/>
@@ -4282,6 +4218,7 @@
               <a:rPr lang="en-US"/>
               <a:t>Fifth level</a:t>
             </a:r>
+            <a:endParaRPr lang="en-US"/>
           </a:p>
         </p:txBody>
       </p:sp>
@@ -4338,6 +4275,7 @@
               <a:rPr lang="en-US"/>
               <a:t>Click to edit Master text styles</a:t>
             </a:r>
+            <a:endParaRPr lang="en-US"/>
           </a:p>
           <a:p>
             <a:pPr lvl="1"/>
@@ -4345,6 +4283,7 @@
               <a:rPr lang="en-US"/>
               <a:t>Second level</a:t>
             </a:r>
+            <a:endParaRPr lang="en-US"/>
           </a:p>
           <a:p>
             <a:pPr lvl="2"/>
@@ -4352,6 +4291,7 @@
               <a:rPr lang="en-US"/>
               <a:t>Third level</a:t>
             </a:r>
+            <a:endParaRPr lang="en-US"/>
           </a:p>
           <a:p>
             <a:pPr lvl="3"/>
@@ -4359,6 +4299,7 @@
               <a:rPr lang="en-US"/>
               <a:t>Fourth level</a:t>
             </a:r>
+            <a:endParaRPr lang="en-US"/>
           </a:p>
           <a:p>
             <a:pPr lvl="4"/>
@@ -4366,6 +4307,7 @@
               <a:rPr lang="en-US"/>
               <a:t>Fifth level</a:t>
             </a:r>
+            <a:endParaRPr lang="en-US"/>
           </a:p>
         </p:txBody>
       </p:sp>
@@ -4386,8 +4328,6 @@
           <a:p>
             <a:fld id="{C2C6F8EA-316C-41DE-B9A4-EDCC3A85ED9A}" type="datetimeFigureOut">
               <a:rPr lang="en-US"/>
-              <a:pPr/>
-              <a:t>10/5/2020</a:t>
             </a:fld>
             <a:endParaRPr lang="en-US"/>
           </a:p>
@@ -4433,8 +4373,6 @@
           <a:p>
             <a:fld id="{7DC1BBB0-96F0-4077-A278-0F3FB5C104D3}" type="slidenum">
               <a:rPr/>
-              <a:pPr/>
-              <a:t>‹#›</a:t>
             </a:fld>
             <a:endParaRPr/>
           </a:p>
@@ -4446,7 +4384,7 @@
     <a:masterClrMapping/>
   </p:clrMapOvr>
   <mc:AlternateContent xmlns:mc="http://schemas.openxmlformats.org/markup-compatibility/2006">
-    <mc:Choice xmlns:p14="http://schemas.microsoft.com/office/powerpoint/2010/main" xmlns="" Requires="p14">
+    <mc:Choice xmlns:p14="http://schemas.microsoft.com/office/powerpoint/2010/main" Requires="p14">
       <p:transition spd="med" p14:dur="700">
         <p:fade/>
       </p:transition>
@@ -4500,6 +4438,7 @@
               <a:rPr lang="en-US"/>
               <a:t>Click to edit Master title style</a:t>
             </a:r>
+            <a:endParaRPr lang="en-US"/>
           </a:p>
         </p:txBody>
       </p:sp>
@@ -4570,6 +4509,7 @@
               <a:rPr lang="en-US"/>
               <a:t>Click to edit Master text styles</a:t>
             </a:r>
+            <a:endParaRPr lang="en-US"/>
           </a:p>
         </p:txBody>
       </p:sp>
@@ -4628,6 +4568,7 @@
               <a:rPr lang="en-US"/>
               <a:t>Click to edit Master text styles</a:t>
             </a:r>
+            <a:endParaRPr lang="en-US"/>
           </a:p>
           <a:p>
             <a:pPr lvl="1"/>
@@ -4635,6 +4576,7 @@
               <a:rPr lang="en-US"/>
               <a:t>Second level</a:t>
             </a:r>
+            <a:endParaRPr lang="en-US"/>
           </a:p>
           <a:p>
             <a:pPr lvl="2"/>
@@ -4642,6 +4584,7 @@
               <a:rPr lang="en-US"/>
               <a:t>Third level</a:t>
             </a:r>
+            <a:endParaRPr lang="en-US"/>
           </a:p>
           <a:p>
             <a:pPr lvl="3"/>
@@ -4649,6 +4592,7 @@
               <a:rPr lang="en-US"/>
               <a:t>Fourth level</a:t>
             </a:r>
+            <a:endParaRPr lang="en-US"/>
           </a:p>
           <a:p>
             <a:pPr lvl="4"/>
@@ -4727,6 +4671,7 @@
               <a:rPr lang="en-US"/>
               <a:t>Click to edit Master text styles</a:t>
             </a:r>
+            <a:endParaRPr lang="en-US"/>
           </a:p>
         </p:txBody>
       </p:sp>
@@ -4785,6 +4730,7 @@
               <a:rPr lang="en-US"/>
               <a:t>Click to edit Master text styles</a:t>
             </a:r>
+            <a:endParaRPr lang="en-US"/>
           </a:p>
           <a:p>
             <a:pPr lvl="1"/>
@@ -4792,6 +4738,7 @@
               <a:rPr lang="en-US"/>
               <a:t>Second level</a:t>
             </a:r>
+            <a:endParaRPr lang="en-US"/>
           </a:p>
           <a:p>
             <a:pPr lvl="2"/>
@@ -4799,6 +4746,7 @@
               <a:rPr lang="en-US"/>
               <a:t>Third level</a:t>
             </a:r>
+            <a:endParaRPr lang="en-US"/>
           </a:p>
           <a:p>
             <a:pPr lvl="3"/>
@@ -4806,6 +4754,7 @@
               <a:rPr lang="en-US"/>
               <a:t>Fourth level</a:t>
             </a:r>
+            <a:endParaRPr lang="en-US"/>
           </a:p>
           <a:p>
             <a:pPr lvl="4"/>
@@ -4813,6 +4762,7 @@
               <a:rPr lang="en-US"/>
               <a:t>Fifth level</a:t>
             </a:r>
+            <a:endParaRPr lang="en-US"/>
           </a:p>
         </p:txBody>
       </p:sp>
@@ -4833,8 +4783,6 @@
           <a:p>
             <a:fld id="{C2C6F8EA-316C-41DE-B9A4-EDCC3A85ED9A}" type="datetimeFigureOut">
               <a:rPr lang="en-US"/>
-              <a:pPr/>
-              <a:t>10/5/2020</a:t>
             </a:fld>
             <a:endParaRPr lang="en-US"/>
           </a:p>
@@ -4880,8 +4828,6 @@
           <a:p>
             <a:fld id="{7DC1BBB0-96F0-4077-A278-0F3FB5C104D3}" type="slidenum">
               <a:rPr/>
-              <a:pPr/>
-              <a:t>‹#›</a:t>
             </a:fld>
             <a:endParaRPr/>
           </a:p>
@@ -4893,7 +4839,7 @@
     <a:masterClrMapping/>
   </p:clrMapOvr>
   <mc:AlternateContent xmlns:mc="http://schemas.openxmlformats.org/markup-compatibility/2006">
-    <mc:Choice xmlns:p14="http://schemas.microsoft.com/office/powerpoint/2010/main" xmlns="" Requires="p14">
+    <mc:Choice xmlns:p14="http://schemas.microsoft.com/office/powerpoint/2010/main" Requires="p14">
       <p:transition spd="med" p14:dur="700">
         <p:fade/>
       </p:transition>
@@ -4943,6 +4889,7 @@
               <a:rPr lang="en-US"/>
               <a:t>Click to edit Master title style</a:t>
             </a:r>
+            <a:endParaRPr lang="en-US"/>
           </a:p>
         </p:txBody>
       </p:sp>
@@ -4963,8 +4910,6 @@
           <a:p>
             <a:fld id="{C2C6F8EA-316C-41DE-B9A4-EDCC3A85ED9A}" type="datetimeFigureOut">
               <a:rPr lang="en-US"/>
-              <a:pPr/>
-              <a:t>10/5/2020</a:t>
             </a:fld>
             <a:endParaRPr lang="en-US"/>
           </a:p>
@@ -5010,8 +4955,6 @@
           <a:p>
             <a:fld id="{7DC1BBB0-96F0-4077-A278-0F3FB5C104D3}" type="slidenum">
               <a:rPr/>
-              <a:pPr/>
-              <a:t>‹#›</a:t>
             </a:fld>
             <a:endParaRPr/>
           </a:p>
@@ -5023,7 +4966,7 @@
     <a:masterClrMapping/>
   </p:clrMapOvr>
   <mc:AlternateContent xmlns:mc="http://schemas.openxmlformats.org/markup-compatibility/2006">
-    <mc:Choice xmlns:p14="http://schemas.microsoft.com/office/powerpoint/2010/main" xmlns="" Requires="p14">
+    <mc:Choice xmlns:p14="http://schemas.microsoft.com/office/powerpoint/2010/main" Requires="p14">
       <p:transition spd="med" p14:dur="700">
         <p:fade/>
       </p:transition>
@@ -5038,7 +4981,7 @@
 </file>
 
 <file path=ppt/slideLayouts/slideLayout7.xml><?xml version="1.0" encoding="utf-8"?>
-<p:sldLayout xmlns:a="http://schemas.openxmlformats.org/drawingml/2006/main" xmlns:r="http://schemas.openxmlformats.org/officeDocument/2006/relationships" xmlns:p="http://schemas.openxmlformats.org/presentationml/2006/main" showMasterSp="0" type="blank" preserve="1">
+<p:sldLayout xmlns:a="http://schemas.openxmlformats.org/drawingml/2006/main" xmlns:r="http://schemas.openxmlformats.org/officeDocument/2006/relationships" xmlns:p="http://schemas.openxmlformats.org/presentationml/2006/main" type="blank" preserve="1" showMasterSp="0">
   <p:cSld name="Blank">
     <p:spTree>
       <p:nvGrpSpPr>
@@ -5096,7 +5039,6 @@
           <a:lstStyle/>
           <a:p>
             <a:pPr lvl="0" algn="ctr"/>
-            <a:endParaRPr/>
           </a:p>
         </p:txBody>
       </p:sp>
@@ -5145,7 +5087,6 @@
           <a:lstStyle/>
           <a:p>
             <a:pPr lvl="0" algn="ctr"/>
-            <a:endParaRPr/>
           </a:p>
         </p:txBody>
       </p:sp>
@@ -5229,7 +5170,6 @@
           <a:lstStyle/>
           <a:p>
             <a:pPr lvl="0" algn="ctr"/>
-            <a:endParaRPr/>
           </a:p>
         </p:txBody>
       </p:sp>
@@ -5278,7 +5218,6 @@
           <a:lstStyle/>
           <a:p>
             <a:pPr lvl="0" algn="ctr"/>
-            <a:endParaRPr/>
           </a:p>
         </p:txBody>
       </p:sp>
@@ -5299,8 +5238,6 @@
           <a:p>
             <a:fld id="{C2C6F8EA-316C-41DE-B9A4-EDCC3A85ED9A}" type="datetimeFigureOut">
               <a:rPr lang="en-US"/>
-              <a:pPr/>
-              <a:t>10/5/2020</a:t>
             </a:fld>
             <a:endParaRPr lang="en-US"/>
           </a:p>
@@ -5354,8 +5291,6 @@
           <a:p>
             <a:fld id="{7DC1BBB0-96F0-4077-A278-0F3FB5C104D3}" type="slidenum">
               <a:rPr/>
-              <a:pPr/>
-              <a:t>‹#›</a:t>
             </a:fld>
             <a:endParaRPr/>
           </a:p>
@@ -5367,7 +5302,7 @@
     <a:masterClrMapping/>
   </p:clrMapOvr>
   <mc:AlternateContent xmlns:mc="http://schemas.openxmlformats.org/markup-compatibility/2006">
-    <mc:Choice xmlns:p14="http://schemas.microsoft.com/office/powerpoint/2010/main" xmlns="" Requires="p14">
+    <mc:Choice xmlns:p14="http://schemas.microsoft.com/office/powerpoint/2010/main" Requires="p14">
       <p:transition spd="med" p14:dur="700">
         <p:fade/>
       </p:transition>
@@ -5382,7 +5317,7 @@
 </file>
 
 <file path=ppt/slideLayouts/slideLayout8.xml><?xml version="1.0" encoding="utf-8"?>
-<p:sldLayout xmlns:a="http://schemas.openxmlformats.org/drawingml/2006/main" xmlns:r="http://schemas.openxmlformats.org/officeDocument/2006/relationships" xmlns:p="http://schemas.openxmlformats.org/presentationml/2006/main" showMasterSp="0" type="objTx" preserve="1">
+<p:sldLayout xmlns:a="http://schemas.openxmlformats.org/drawingml/2006/main" xmlns:r="http://schemas.openxmlformats.org/officeDocument/2006/relationships" xmlns:p="http://schemas.openxmlformats.org/presentationml/2006/main" type="objTx" preserve="1" showMasterSp="0">
   <p:cSld name="Content with Caption">
     <p:spTree>
       <p:nvGrpSpPr>
@@ -5442,7 +5377,6 @@
           <a:lstStyle/>
           <a:p>
             <a:pPr lvl="0" algn="ctr"/>
-            <a:endParaRPr/>
           </a:p>
         </p:txBody>
       </p:sp>
@@ -5491,7 +5425,6 @@
           <a:lstStyle/>
           <a:p>
             <a:pPr lvl="0" algn="ctr"/>
-            <a:endParaRPr/>
           </a:p>
         </p:txBody>
       </p:sp>
@@ -5574,7 +5507,6 @@
           <a:lstStyle/>
           <a:p>
             <a:pPr lvl="0" algn="ctr"/>
-            <a:endParaRPr/>
           </a:p>
         </p:txBody>
       </p:sp>
@@ -5612,6 +5544,7 @@
               <a:rPr lang="en-US"/>
               <a:t>Click to edit Master title style</a:t>
             </a:r>
+            <a:endParaRPr lang="en-US"/>
           </a:p>
         </p:txBody>
       </p:sp>
@@ -5670,6 +5603,7 @@
               <a:rPr lang="en-US"/>
               <a:t>Click to edit Master text styles</a:t>
             </a:r>
+            <a:endParaRPr lang="en-US"/>
           </a:p>
           <a:p>
             <a:pPr lvl="1"/>
@@ -5677,6 +5611,7 @@
               <a:rPr lang="en-US"/>
               <a:t>Second level</a:t>
             </a:r>
+            <a:endParaRPr lang="en-US"/>
           </a:p>
           <a:p>
             <a:pPr lvl="2"/>
@@ -5684,6 +5619,7 @@
               <a:rPr lang="en-US"/>
               <a:t>Third level</a:t>
             </a:r>
+            <a:endParaRPr lang="en-US"/>
           </a:p>
           <a:p>
             <a:pPr lvl="3"/>
@@ -5691,6 +5627,7 @@
               <a:rPr lang="en-US"/>
               <a:t>Fourth level</a:t>
             </a:r>
+            <a:endParaRPr lang="en-US"/>
           </a:p>
           <a:p>
             <a:pPr lvl="4"/>
@@ -5698,6 +5635,7 @@
               <a:rPr lang="en-US"/>
               <a:t>Fifth level</a:t>
             </a:r>
+            <a:endParaRPr lang="en-US"/>
           </a:p>
         </p:txBody>
       </p:sp>
@@ -5769,6 +5707,7 @@
               <a:rPr lang="en-US"/>
               <a:t>Click to edit Master text styles</a:t>
             </a:r>
+            <a:endParaRPr lang="en-US"/>
           </a:p>
         </p:txBody>
       </p:sp>
@@ -5789,8 +5728,6 @@
           <a:p>
             <a:fld id="{C2C6F8EA-316C-41DE-B9A4-EDCC3A85ED9A}" type="datetimeFigureOut">
               <a:rPr lang="en-US"/>
-              <a:pPr/>
-              <a:t>10/5/2020</a:t>
             </a:fld>
             <a:endParaRPr lang="en-US"/>
           </a:p>
@@ -5836,8 +5773,6 @@
           <a:p>
             <a:fld id="{7DC1BBB0-96F0-4077-A278-0F3FB5C104D3}" type="slidenum">
               <a:rPr/>
-              <a:pPr/>
-              <a:t>‹#›</a:t>
             </a:fld>
             <a:endParaRPr/>
           </a:p>
@@ -5849,7 +5784,7 @@
     <a:masterClrMapping/>
   </p:clrMapOvr>
   <mc:AlternateContent xmlns:mc="http://schemas.openxmlformats.org/markup-compatibility/2006">
-    <mc:Choice xmlns:p14="http://schemas.microsoft.com/office/powerpoint/2010/main" xmlns="" Requires="p14">
+    <mc:Choice xmlns:p14="http://schemas.microsoft.com/office/powerpoint/2010/main" Requires="p14">
       <p:transition spd="med" p14:dur="700">
         <p:fade/>
       </p:transition>
@@ -5864,7 +5799,7 @@
 </file>
 
 <file path=ppt/slideLayouts/slideLayout9.xml><?xml version="1.0" encoding="utf-8"?>
-<p:sldLayout xmlns:a="http://schemas.openxmlformats.org/drawingml/2006/main" xmlns:r="http://schemas.openxmlformats.org/officeDocument/2006/relationships" xmlns:p="http://schemas.openxmlformats.org/presentationml/2006/main" showMasterSp="0" type="picTx" preserve="1">
+<p:sldLayout xmlns:a="http://schemas.openxmlformats.org/drawingml/2006/main" xmlns:r="http://schemas.openxmlformats.org/officeDocument/2006/relationships" xmlns:p="http://schemas.openxmlformats.org/presentationml/2006/main" type="picTx" preserve="1" showMasterSp="0">
   <p:cSld name="Picture with Caption">
     <p:spTree>
       <p:nvGrpSpPr>
@@ -5925,7 +5860,6 @@
           <a:lstStyle/>
           <a:p>
             <a:pPr lvl="0" algn="ctr"/>
-            <a:endParaRPr/>
           </a:p>
         </p:txBody>
       </p:sp>
@@ -5973,7 +5907,6 @@
           <a:lstStyle/>
           <a:p>
             <a:pPr lvl="0" algn="ctr"/>
-            <a:endParaRPr/>
           </a:p>
         </p:txBody>
       </p:sp>
@@ -6022,7 +5955,6 @@
           <a:lstStyle/>
           <a:p>
             <a:pPr lvl="0" algn="ctr"/>
-            <a:endParaRPr/>
           </a:p>
         </p:txBody>
       </p:sp>
@@ -6062,6 +5994,7 @@
               <a:rPr lang="en-US"/>
               <a:t>Click to edit Master title style</a:t>
             </a:r>
+            <a:endParaRPr lang="en-US"/>
           </a:p>
         </p:txBody>
       </p:sp>
@@ -6209,6 +6142,7 @@
               <a:rPr lang="en-US"/>
               <a:t>Click to edit Master text styles</a:t>
             </a:r>
+            <a:endParaRPr lang="en-US"/>
           </a:p>
         </p:txBody>
       </p:sp>
@@ -6237,8 +6171,6 @@
           <a:p>
             <a:fld id="{C2C6F8EA-316C-41DE-B9A4-EDCC3A85ED9A}" type="datetimeFigureOut">
               <a:rPr lang="en-US" smtClean="0"/>
-              <a:pPr/>
-              <a:t>10/5/2020</a:t>
             </a:fld>
             <a:endParaRPr lang="en-US" dirty="0"/>
           </a:p>
@@ -6300,8 +6232,6 @@
           <a:p>
             <a:fld id="{7DC1BBB0-96F0-4077-A278-0F3FB5C104D3}" type="slidenum">
               <a:rPr lang="en-US" smtClean="0"/>
-              <a:pPr/>
-              <a:t>‹#›</a:t>
             </a:fld>
             <a:endParaRPr lang="en-US"/>
           </a:p>
@@ -6348,7 +6278,7 @@
     <a:masterClrMapping/>
   </p:clrMapOvr>
   <mc:AlternateContent xmlns:mc="http://schemas.openxmlformats.org/markup-compatibility/2006">
-    <mc:Choice xmlns:p14="http://schemas.microsoft.com/office/powerpoint/2010/main" xmlns="" Requires="p14">
+    <mc:Choice xmlns:p14="http://schemas.microsoft.com/office/powerpoint/2010/main" Requires="p14">
       <p:transition spd="med" p14:dur="700">
         <p:fade/>
       </p:transition>
@@ -6429,7 +6359,6 @@
           <a:lstStyle/>
           <a:p>
             <a:pPr lvl="0" algn="ctr"/>
-            <a:endParaRPr/>
           </a:p>
         </p:txBody>
       </p:sp>
@@ -6475,7 +6404,6 @@
           <a:lstStyle/>
           <a:p>
             <a:pPr algn="ctr"/>
-            <a:endParaRPr/>
           </a:p>
         </p:txBody>
       </p:sp>
@@ -6524,7 +6452,6 @@
           <a:lstStyle/>
           <a:p>
             <a:pPr algn="ctr"/>
-            <a:endParaRPr/>
           </a:p>
         </p:txBody>
       </p:sp>
@@ -6573,7 +6500,6 @@
           <a:lstStyle/>
           <a:p>
             <a:pPr algn="ctr"/>
-            <a:endParaRPr/>
           </a:p>
         </p:txBody>
       </p:sp>
@@ -6960,9 +6886,7 @@
         <p:txBody>
           <a:bodyPr vert="horz" wrap="square" lIns="91440" tIns="45720" rIns="91440" bIns="45720" numCol="1" anchor="t" anchorCtr="0" compatLnSpc="1"/>
           <a:lstStyle/>
-          <a:p>
-            <a:endParaRPr/>
-          </a:p>
+          <a:p/>
         </p:txBody>
       </p:sp>
       <p:cxnSp>
@@ -7029,6 +6953,7 @@
               <a:rPr lang="en-US"/>
               <a:t>Click to edit Master title style</a:t>
             </a:r>
+            <a:endParaRPr lang="en-US"/>
           </a:p>
         </p:txBody>
       </p:sp>
@@ -7062,6 +6987,7 @@
               <a:rPr lang="en-US"/>
               <a:t>Click to edit Master text styles</a:t>
             </a:r>
+            <a:endParaRPr lang="en-US"/>
           </a:p>
           <a:p>
             <a:pPr lvl="1"/>
@@ -7069,6 +6995,7 @@
               <a:rPr lang="en-US"/>
               <a:t>Second level</a:t>
             </a:r>
+            <a:endParaRPr lang="en-US"/>
           </a:p>
           <a:p>
             <a:pPr lvl="2"/>
@@ -7076,6 +7003,7 @@
               <a:rPr lang="en-US"/>
               <a:t>Third level</a:t>
             </a:r>
+            <a:endParaRPr lang="en-US"/>
           </a:p>
           <a:p>
             <a:pPr lvl="3"/>
@@ -7083,6 +7011,7 @@
               <a:rPr lang="en-US"/>
               <a:t>Fourth level</a:t>
             </a:r>
+            <a:endParaRPr lang="en-US"/>
           </a:p>
           <a:p>
             <a:pPr lvl="4"/>
@@ -7090,6 +7019,7 @@
               <a:rPr lang="en-US"/>
               <a:t>Fifth level</a:t>
             </a:r>
+            <a:endParaRPr lang="en-US"/>
           </a:p>
         </p:txBody>
       </p:sp>
@@ -7126,8 +7056,6 @@
           <a:p>
             <a:fld id="{C2C6F8EA-316C-41DE-B9A4-EDCC3A85ED9A}" type="datetimeFigureOut">
               <a:rPr lang="en-US" smtClean="0"/>
-              <a:pPr/>
-              <a:t>10/5/2020</a:t>
             </a:fld>
             <a:endParaRPr lang="en-US" dirty="0"/>
           </a:p>
@@ -7205,8 +7133,6 @@
           <a:p>
             <a:fld id="{7DC1BBB0-96F0-4077-A278-0F3FB5C104D3}" type="slidenum">
               <a:rPr lang="en-US" smtClean="0"/>
-              <a:pPr/>
-              <a:t>‹#›</a:t>
             </a:fld>
             <a:endParaRPr lang="en-US"/>
           </a:p>
@@ -7229,7 +7155,7 @@
     <p:sldLayoutId id="2147483659" r:id="rId11"/>
   </p:sldLayoutIdLst>
   <mc:AlternateContent xmlns:mc="http://schemas.openxmlformats.org/markup-compatibility/2006">
-    <mc:Choice xmlns:p14="http://schemas.microsoft.com/office/powerpoint/2010/main" xmlns="" Requires="p14">
+    <mc:Choice xmlns:p14="http://schemas.microsoft.com/office/powerpoint/2010/main" Requires="p14">
       <p:transition spd="med" p14:dur="700">
         <p:fade/>
       </p:transition>
@@ -7584,7 +7510,7 @@
     <a:masterClrMapping/>
   </p:clrMapOvr>
   <mc:AlternateContent xmlns:mc="http://schemas.openxmlformats.org/markup-compatibility/2006">
-    <mc:Choice xmlns:p14="http://schemas.microsoft.com/office/powerpoint/2010/main" xmlns="" Requires="p14">
+    <mc:Choice xmlns:p14="http://schemas.microsoft.com/office/powerpoint/2010/main" Requires="p14">
       <p:transition spd="med" p14:dur="700">
         <p:fade/>
       </p:transition>
@@ -7623,7 +7549,7 @@
         </p:nvSpPr>
         <p:spPr>
           <a:xfrm>
-            <a:off x="7633335" y="5944870"/>
+            <a:off x="8466455" y="4399280"/>
             <a:ext cx="2696845" cy="368300"/>
           </a:xfrm>
           <a:prstGeom prst="rect">
@@ -7639,18 +7565,22 @@
           <a:p>
             <a:r>
               <a:rPr lang="en-US" b="1">
-                <a:latin typeface="Calibri" panose="020F0502020204030204" charset="0"/>
-                <a:cs typeface="Calibri" panose="020F0502020204030204" charset="0"/>
+                <a:latin typeface="Times New Roman" panose="02020603050405020304" pitchFamily="18" charset="0"/>
+                <a:cs typeface="Times New Roman" panose="02020603050405020304" pitchFamily="18" charset="0"/>
               </a:rPr>
               <a:t>Madhurika  </a:t>
             </a:r>
             <a:r>
               <a:rPr lang="en-IN" altLang="en-US" b="1">
-                <a:latin typeface="Calibri" panose="020F0502020204030204" charset="0"/>
-                <a:cs typeface="Calibri" panose="020F0502020204030204" charset="0"/>
+                <a:latin typeface="Times New Roman" panose="02020603050405020304" pitchFamily="18" charset="0"/>
+                <a:cs typeface="Times New Roman" panose="02020603050405020304" pitchFamily="18" charset="0"/>
               </a:rPr>
               <a:t>Ganiger</a:t>
             </a:r>
+            <a:endParaRPr lang="en-IN" altLang="en-US" b="1">
+              <a:latin typeface="Times New Roman" panose="02020603050405020304" pitchFamily="18" charset="0"/>
+              <a:cs typeface="Times New Roman" panose="02020603050405020304" pitchFamily="18" charset="0"/>
+            </a:endParaRPr>
           </a:p>
         </p:txBody>
       </p:sp>
@@ -7662,8 +7592,8 @@
         </p:nvSpPr>
         <p:spPr>
           <a:xfrm>
-            <a:off x="1569720" y="1167130"/>
-            <a:ext cx="8317865" cy="1876425"/>
+            <a:off x="1657985" y="2287270"/>
+            <a:ext cx="8873490" cy="1814830"/>
           </a:xfrm>
           <a:prstGeom prst="rect">
             <a:avLst/>
@@ -7681,23 +7611,23 @@
             </a:pPr>
             <a:r>
               <a:rPr lang="en-US" b="1" dirty="0">
-                <a:latin typeface="Calibri" panose="020F0502020204030204" charset="0"/>
-                <a:cs typeface="Calibri" panose="020F0502020204030204" charset="0"/>
+                <a:latin typeface="Times New Roman" panose="02020603050405020304" pitchFamily="18" charset="0"/>
+                <a:cs typeface="Times New Roman" panose="02020603050405020304" pitchFamily="18" charset="0"/>
                 <a:sym typeface="+mn-ea"/>
               </a:rPr>
               <a:t> </a:t>
             </a:r>
             <a:r>
               <a:rPr lang="en-US" sz="2800" b="1" dirty="0">
-                <a:latin typeface="Calibri" panose="020F0502020204030204" charset="0"/>
-                <a:cs typeface="Calibri" panose="020F0502020204030204" charset="0"/>
+                <a:latin typeface="Times New Roman" panose="02020603050405020304" pitchFamily="18" charset="0"/>
+                <a:cs typeface="Times New Roman" panose="02020603050405020304" pitchFamily="18" charset="0"/>
                 <a:sym typeface="+mn-ea"/>
               </a:rPr>
               <a:t>  Infant Cry Language Analysis and Recognition:</a:t>
             </a:r>
             <a:endParaRPr lang="en-US" sz="2800" b="1" dirty="0">
-              <a:latin typeface="Calibri" panose="020F0502020204030204" charset="0"/>
-              <a:cs typeface="Calibri" panose="020F0502020204030204" charset="0"/>
+              <a:latin typeface="Times New Roman" panose="02020603050405020304" pitchFamily="18" charset="0"/>
+              <a:cs typeface="Times New Roman" panose="02020603050405020304" pitchFamily="18" charset="0"/>
             </a:endParaRPr>
           </a:p>
           <a:p>
@@ -7707,41 +7637,123 @@
             </a:pPr>
             <a:r>
               <a:rPr lang="en-IN" altLang="en-US" dirty="0">
+                <a:latin typeface="Times New Roman" panose="02020603050405020304" pitchFamily="18" charset="0"/>
+                <a:cs typeface="Times New Roman" panose="02020603050405020304" pitchFamily="18" charset="0"/>
                 <a:sym typeface="+mn-ea"/>
               </a:rPr>
-              <a:t>   </a:t>
-            </a:r>
-            <a:r>
-              <a:rPr lang="en-IN" altLang="en-US" dirty="0">
-                <a:latin typeface="Calibri" panose="020F0502020204030204" charset="0"/>
-                <a:cs typeface="Calibri" panose="020F0502020204030204" charset="0"/>
-                <a:sym typeface="+mn-ea"/>
-              </a:rPr>
-              <a:t> Determine the reason for cry of the infants may be </a:t>
+              <a:t>    Determine the reason for cry of the infants may be </a:t>
             </a:r>
             <a:r>
               <a:rPr lang="en-IN" altLang="en-US" dirty="0" err="1">
-                <a:latin typeface="Calibri" panose="020F0502020204030204" charset="0"/>
-                <a:cs typeface="Calibri" panose="020F0502020204030204" charset="0"/>
+                <a:latin typeface="Times New Roman" panose="02020603050405020304" pitchFamily="18" charset="0"/>
+                <a:cs typeface="Times New Roman" panose="02020603050405020304" pitchFamily="18" charset="0"/>
                 <a:sym typeface="+mn-ea"/>
               </a:rPr>
               <a:t>hunger,sleepy,pain</a:t>
             </a:r>
             <a:r>
               <a:rPr lang="en-IN" altLang="en-US" dirty="0">
-                <a:latin typeface="Calibri" panose="020F0502020204030204" charset="0"/>
-                <a:cs typeface="Calibri" panose="020F0502020204030204" charset="0"/>
+                <a:latin typeface="Times New Roman" panose="02020603050405020304" pitchFamily="18" charset="0"/>
+                <a:cs typeface="Times New Roman" panose="02020603050405020304" pitchFamily="18" charset="0"/>
                 <a:sym typeface="+mn-ea"/>
               </a:rPr>
               <a:t> </a:t>
             </a:r>
+            <a:endParaRPr lang="en-IN" altLang="en-US" dirty="0">
+              <a:latin typeface="Times New Roman" panose="02020603050405020304" pitchFamily="18" charset="0"/>
+              <a:cs typeface="Times New Roman" panose="02020603050405020304" pitchFamily="18" charset="0"/>
+              <a:sym typeface="+mn-ea"/>
+            </a:endParaRPr>
           </a:p>
           <a:p>
             <a:pPr marL="457200" lvl="1" indent="0">
               <a:buFont typeface="+mj-lt"/>
               <a:buNone/>
             </a:pPr>
-            <a:endParaRPr lang="en-IN" altLang="en-US" dirty="0"/>
+            <a:r>
+              <a:rPr lang="en-US" altLang="en-IN" b="1" dirty="0">
+                <a:latin typeface="Times New Roman" panose="02020603050405020304" pitchFamily="18" charset="0"/>
+                <a:cs typeface="Times New Roman" panose="02020603050405020304" pitchFamily="18" charset="0"/>
+                <a:sym typeface="+mn-ea"/>
+              </a:rPr>
+              <a:t>	</a:t>
+            </a:r>
+            <a:r>
+              <a:rPr lang="en-IN" altLang="en-US" b="1" dirty="0">
+                <a:latin typeface="Times New Roman" panose="02020603050405020304" pitchFamily="18" charset="0"/>
+                <a:cs typeface="Times New Roman" panose="02020603050405020304" pitchFamily="18" charset="0"/>
+                <a:sym typeface="+mn-ea"/>
+              </a:rPr>
+              <a:t>Dataset</a:t>
+            </a:r>
+            <a:r>
+              <a:rPr lang="en-IN" altLang="en-US" dirty="0">
+                <a:latin typeface="Times New Roman" panose="02020603050405020304" pitchFamily="18" charset="0"/>
+                <a:cs typeface="Times New Roman" panose="02020603050405020304" pitchFamily="18" charset="0"/>
+                <a:sym typeface="+mn-ea"/>
+              </a:rPr>
+              <a:t>: </a:t>
+            </a:r>
+            <a:r>
+              <a:rPr lang="en-IN" altLang="en-US" dirty="0">
+                <a:solidFill>
+                  <a:srgbClr val="0070C0"/>
+                </a:solidFill>
+                <a:latin typeface="Times New Roman" panose="02020603050405020304" pitchFamily="18" charset="0"/>
+                <a:cs typeface="Times New Roman" panose="02020603050405020304" pitchFamily="18" charset="0"/>
+                <a:sym typeface="+mn-ea"/>
+              </a:rPr>
+              <a:t>https://www.kaggle.com/pengliu1997/infantcrying?</a:t>
+            </a:r>
+            <a:r>
+              <a:rPr lang="en-IN" altLang="en-US" dirty="0">
+                <a:latin typeface="Times New Roman" panose="02020603050405020304" pitchFamily="18" charset="0"/>
+                <a:cs typeface="Times New Roman" panose="02020603050405020304" pitchFamily="18" charset="0"/>
+                <a:sym typeface="+mn-ea"/>
+              </a:rPr>
+              <a:t>	</a:t>
+            </a:r>
+            <a:endParaRPr lang="en-IN" altLang="en-US" dirty="0">
+              <a:latin typeface="Times New Roman" panose="02020603050405020304" pitchFamily="18" charset="0"/>
+              <a:cs typeface="Times New Roman" panose="02020603050405020304" pitchFamily="18" charset="0"/>
+              <a:sym typeface="+mn-ea"/>
+            </a:endParaRPr>
+          </a:p>
+          <a:p>
+            <a:pPr marL="457200" lvl="1" indent="0">
+              <a:buFont typeface="+mj-lt"/>
+              <a:buNone/>
+            </a:pPr>
+            <a:r>
+              <a:rPr lang="en-US" altLang="en-IN" sz="1400" dirty="0">
+                <a:solidFill>
+                  <a:srgbClr val="0070C0"/>
+                </a:solidFill>
+                <a:latin typeface="Times New Roman" panose="02020603050405020304" pitchFamily="18" charset="0"/>
+                <a:cs typeface="Times New Roman" panose="02020603050405020304" pitchFamily="18" charset="0"/>
+                <a:sym typeface="+mn-ea"/>
+              </a:rPr>
+              <a:t>		</a:t>
+            </a:r>
+            <a:r>
+              <a:rPr lang="en-IN" altLang="en-US" sz="1400" dirty="0">
+                <a:solidFill>
+                  <a:srgbClr val="0070C0"/>
+                </a:solidFill>
+                <a:latin typeface="Times New Roman" panose="02020603050405020304" pitchFamily="18" charset="0"/>
+                <a:cs typeface="Times New Roman" panose="02020603050405020304" pitchFamily="18" charset="0"/>
+                <a:sym typeface="+mn-ea"/>
+              </a:rPr>
+              <a:t>http://www.ieee-jas.org/fileZDHXBEN/journal/article/zdhxbywb/2019/3/PDF/jas-6-3-778.pdf</a:t>
+            </a:r>
+            <a:endParaRPr lang="en-IN" altLang="en-US" sz="1400" dirty="0">
+              <a:solidFill>
+                <a:srgbClr val="0070C0"/>
+              </a:solidFill>
+              <a:latin typeface="Times New Roman" panose="02020603050405020304" pitchFamily="18" charset="0"/>
+              <a:cs typeface="Times New Roman" panose="02020603050405020304" pitchFamily="18" charset="0"/>
+              <a:sym typeface="+mn-ea"/>
+            </a:endParaRPr>
           </a:p>
           <a:p>
             <a:pPr marL="0" indent="0">
@@ -7749,22 +7761,16 @@
               <a:buNone/>
             </a:pPr>
             <a:r>
-              <a:rPr lang="en-IN" altLang="en-US" dirty="0">
-                <a:sym typeface="+mn-ea"/>
+              <a:rPr lang="en-US" sz="1400" dirty="0">
+                <a:latin typeface="Times New Roman" panose="02020603050405020304" pitchFamily="18" charset="0"/>
+                <a:cs typeface="Times New Roman" panose="02020603050405020304" pitchFamily="18" charset="0"/>
               </a:rPr>
-              <a:t>	</a:t>
-            </a:r>
-            <a:r>
-              <a:rPr lang="en-IN" altLang="en-US" sz="1400" dirty="0">
-                <a:solidFill>
-                  <a:srgbClr val="0070C0"/>
-                </a:solidFill>
-                <a:latin typeface="Calibri" panose="020F0502020204030204" charset="0"/>
-                <a:cs typeface="Calibri" panose="020F0502020204030204" charset="0"/>
-                <a:sym typeface="+mn-ea"/>
-              </a:rPr>
-              <a:t>http://www.ieee-jas.org/fileZDHXBEN/journal/article/zdhxbywb/2019/3/PDF/jas-6-3-778.pdf</a:t>
-            </a:r>
+              <a:t> </a:t>
+            </a:r>
+            <a:endParaRPr lang="en-US" sz="1400" dirty="0">
+              <a:latin typeface="Times New Roman" panose="02020603050405020304" pitchFamily="18" charset="0"/>
+              <a:cs typeface="Times New Roman" panose="02020603050405020304" pitchFamily="18" charset="0"/>
+            </a:endParaRPr>
           </a:p>
           <a:p>
             <a:pPr marL="0" indent="0">
@@ -7772,32 +7778,16 @@
               <a:buNone/>
             </a:pPr>
             <a:r>
-              <a:rPr lang="en-US" sz="1400" dirty="0">
-                <a:latin typeface="Calibri" panose="020F0502020204030204" charset="0"/>
-                <a:cs typeface="Calibri" panose="020F0502020204030204" charset="0"/>
+              <a:rPr lang="en-US" altLang="en-IN" sz="2000" b="1" dirty="0">
+                <a:latin typeface="Times New Roman" panose="02020603050405020304" pitchFamily="18" charset="0"/>
+                <a:cs typeface="Times New Roman" panose="02020603050405020304" pitchFamily="18" charset="0"/>
               </a:rPr>
-              <a:t> </a:t>
-            </a:r>
-          </a:p>
-          <a:p>
-            <a:pPr marL="0" indent="0">
-              <a:buFont typeface="+mj-lt"/>
-              <a:buNone/>
-            </a:pPr>
-            <a:r>
-              <a:rPr lang="en-IN" altLang="en-US" sz="2000" b="1" dirty="0">
-                <a:latin typeface="Calibri" panose="020F0502020204030204" charset="0"/>
-                <a:cs typeface="Calibri" panose="020F0502020204030204" charset="0"/>
-              </a:rPr>
-              <a:t>Dataset</a:t>
-            </a:r>
-            <a:r>
-              <a:rPr lang="en-IN" altLang="en-US" sz="2000" dirty="0">
-                <a:latin typeface="Calibri" panose="020F0502020204030204" charset="0"/>
-                <a:cs typeface="Calibri" panose="020F0502020204030204" charset="0"/>
-              </a:rPr>
-              <a:t>: https://www.kaggle.com/pengliu1997/infantcrying?</a:t>
-            </a:r>
+              <a:t>	</a:t>
+            </a:r>
+            <a:endParaRPr lang="en-IN" altLang="en-US" sz="2000" dirty="0">
+              <a:latin typeface="Times New Roman" panose="02020603050405020304" pitchFamily="18" charset="0"/>
+              <a:cs typeface="Times New Roman" panose="02020603050405020304" pitchFamily="18" charset="0"/>
+            </a:endParaRPr>
           </a:p>
         </p:txBody>
       </p:sp>
@@ -7807,7 +7797,7 @@
     <a:masterClrMapping/>
   </p:clrMapOvr>
   <mc:AlternateContent xmlns:mc="http://schemas.openxmlformats.org/markup-compatibility/2006">
-    <mc:Choice xmlns:p14="http://schemas.microsoft.com/office/powerpoint/2010/main" xmlns="" Requires="p14">
+    <mc:Choice xmlns:p14="http://schemas.microsoft.com/office/powerpoint/2010/main" Requires="p14">
       <p:transition spd="med" p14:dur="700">
         <p:fade/>
       </p:transition>
@@ -7846,7 +7836,7 @@
         </p:nvSpPr>
         <p:spPr>
           <a:xfrm>
-            <a:off x="7192645" y="6205220"/>
+            <a:off x="7498715" y="6057265"/>
             <a:ext cx="3656330" cy="368300"/>
           </a:xfrm>
           <a:prstGeom prst="rect">
@@ -7861,9 +7851,16 @@
           <a:lstStyle/>
           <a:p>
             <a:r>
-              <a:rPr lang="en-US"/>
+              <a:rPr lang="en-US" b="1">
+                <a:latin typeface="Times New Roman" panose="02020603050405020304" pitchFamily="18" charset="0"/>
+                <a:cs typeface="Times New Roman" panose="02020603050405020304" pitchFamily="18" charset="0"/>
+              </a:rPr>
               <a:t>		Varun Bohara</a:t>
             </a:r>
+            <a:endParaRPr lang="en-US" b="1">
+              <a:latin typeface="Times New Roman" panose="02020603050405020304" pitchFamily="18" charset="0"/>
+              <a:cs typeface="Times New Roman" panose="02020603050405020304" pitchFamily="18" charset="0"/>
+            </a:endParaRPr>
           </a:p>
         </p:txBody>
       </p:sp>
@@ -7894,6 +7891,10 @@
               </a:rPr>
               <a:t>Twitter has become an important communication channel in times of emergency.</a:t>
             </a:r>
+            <a:endParaRPr lang="en-US" sz="1400">
+              <a:latin typeface="Times New Roman" panose="02020603050405020304" pitchFamily="18" charset="0"/>
+              <a:cs typeface="Times New Roman" panose="02020603050405020304" pitchFamily="18" charset="0"/>
+            </a:endParaRPr>
           </a:p>
           <a:p>
             <a:r>
@@ -7903,6 +7904,10 @@
               </a:rPr>
               <a:t>The ubiquitousness of smartphones enables people to announce an emergency they’re observing in real-time. </a:t>
             </a:r>
+            <a:endParaRPr lang="en-US" sz="1400">
+              <a:latin typeface="Times New Roman" panose="02020603050405020304" pitchFamily="18" charset="0"/>
+              <a:cs typeface="Times New Roman" panose="02020603050405020304" pitchFamily="18" charset="0"/>
+            </a:endParaRPr>
           </a:p>
           <a:p>
             <a:r>
@@ -7912,6 +7917,10 @@
               </a:rPr>
               <a:t>Because of this, more agencies are interested in programatically monitoring Twitter (i.e. disaster relief organizations and news agencies).</a:t>
             </a:r>
+            <a:endParaRPr lang="en-US" sz="1400">
+              <a:latin typeface="Times New Roman" panose="02020603050405020304" pitchFamily="18" charset="0"/>
+              <a:cs typeface="Times New Roman" panose="02020603050405020304" pitchFamily="18" charset="0"/>
+            </a:endParaRPr>
           </a:p>
           <a:p>
             <a:r>
@@ -7939,6 +7948,28 @@
               </a:rPr>
               <a:t>https://www.kaggle.com/c/nlp-getting-started</a:t>
             </a:r>
+            <a:endParaRPr lang="en-US" sz="1400">
+              <a:gradFill>
+                <a:gsLst>
+                  <a:gs pos="0">
+                    <a:srgbClr val="007BD3"/>
+                  </a:gs>
+                  <a:gs pos="100000">
+                    <a:srgbClr val="034373"/>
+                  </a:gs>
+                </a:gsLst>
+                <a:lin scaled="0"/>
+              </a:gradFill>
+              <a:effectLst>
+                <a:outerShdw blurRad="38100" dist="19050" dir="2700000" algn="tl" rotWithShape="0">
+                  <a:schemeClr val="dk1">
+                    <a:alpha val="40000"/>
+                  </a:schemeClr>
+                </a:outerShdw>
+              </a:effectLst>
+              <a:latin typeface="Times New Roman" panose="02020603050405020304" pitchFamily="18" charset="0"/>
+              <a:cs typeface="Times New Roman" panose="02020603050405020304" pitchFamily="18" charset="0"/>
+            </a:endParaRPr>
           </a:p>
         </p:txBody>
       </p:sp>
@@ -7953,7 +7984,7 @@
           </p:nvPr>
         </p:nvPicPr>
         <p:blipFill>
-          <a:blip r:embed="rId2"/>
+          <a:blip r:embed="rId1"/>
           <a:stretch>
             <a:fillRect/>
           </a:stretch>
@@ -8162,6 +8193,10 @@
               </a:rPr>
               <a:t>Real or Not? NLP with Disaster Tweets</a:t>
             </a:r>
+            <a:endParaRPr lang="en-US" sz="2000">
+              <a:latin typeface="Times New Roman" panose="02020603050405020304" pitchFamily="18" charset="0"/>
+              <a:cs typeface="Times New Roman" panose="02020603050405020304" pitchFamily="18" charset="0"/>
+            </a:endParaRPr>
           </a:p>
         </p:txBody>
       </p:sp>
@@ -8171,7 +8206,7 @@
     <a:masterClrMapping/>
   </p:clrMapOvr>
   <mc:AlternateContent xmlns:mc="http://schemas.openxmlformats.org/markup-compatibility/2006">
-    <mc:Choice xmlns:p14="http://schemas.microsoft.com/office/powerpoint/2010/main" xmlns="" Requires="p14">
+    <mc:Choice xmlns:p14="http://schemas.microsoft.com/office/powerpoint/2010/main" Requires="p14">
       <p:transition spd="med" p14:dur="700">
         <p:fade/>
       </p:transition>
@@ -8224,6 +8259,10 @@
               </a:rPr>
               <a:t>Combating On​line Ho​st​ile Posts in ​Regional L​anguages dur​ing Emerge​ncy Si​tuation</a:t>
             </a:r>
+            <a:endParaRPr lang="en-US" sz="2000">
+              <a:latin typeface="Times New Roman" panose="02020603050405020304" pitchFamily="18" charset="0"/>
+              <a:cs typeface="Times New Roman" panose="02020603050405020304" pitchFamily="18" charset="0"/>
+            </a:endParaRPr>
           </a:p>
         </p:txBody>
       </p:sp>
@@ -8254,6 +8293,10 @@
               </a:rPr>
               <a:t>This subtask focuses on a variety of hostile posts in Hindi Devanagari script collected from Twitter and Facebook. </a:t>
             </a:r>
+            <a:endParaRPr lang="en-US" sz="1400" dirty="0">
+              <a:latin typeface="Times New Roman" panose="02020603050405020304" pitchFamily="18" charset="0"/>
+              <a:cs typeface="Times New Roman" panose="02020603050405020304" pitchFamily="18" charset="0"/>
+            </a:endParaRPr>
           </a:p>
           <a:p>
             <a:r>
@@ -8263,6 +8306,10 @@
               </a:rPr>
               <a:t>The set of valid categories are fake news, hate speech, offensive, defamation, and non-hostile posts.</a:t>
             </a:r>
+            <a:endParaRPr lang="en-US" sz="1400" dirty="0">
+              <a:latin typeface="Times New Roman" panose="02020603050405020304" pitchFamily="18" charset="0"/>
+              <a:cs typeface="Times New Roman" panose="02020603050405020304" pitchFamily="18" charset="0"/>
+            </a:endParaRPr>
           </a:p>
           <a:p>
             <a:r>
@@ -8286,6 +8333,10 @@
               </a:rPr>
               <a:t> problem where each post can belong to one or more of these hostile classes. However, the non-hostile posts cannot be grouped with any other class.</a:t>
             </a:r>
+            <a:endParaRPr lang="en-US" sz="1400" dirty="0">
+              <a:latin typeface="Times New Roman" panose="02020603050405020304" pitchFamily="18" charset="0"/>
+              <a:cs typeface="Times New Roman" panose="02020603050405020304" pitchFamily="18" charset="0"/>
+            </a:endParaRPr>
           </a:p>
           <a:p>
             <a:r>
@@ -8306,6 +8357,21 @@
               </a:rPr>
               <a:t>https://competitions.codalab.org/competitions/26654#learn_the_details-overview</a:t>
             </a:r>
+            <a:endParaRPr lang="en-US" sz="1400" dirty="0">
+              <a:gradFill>
+                <a:gsLst>
+                  <a:gs pos="0">
+                    <a:srgbClr val="007BD3"/>
+                  </a:gs>
+                  <a:gs pos="100000">
+                    <a:srgbClr val="034373"/>
+                  </a:gs>
+                </a:gsLst>
+                <a:lin scaled="0"/>
+              </a:gradFill>
+              <a:latin typeface="Times New Roman" panose="02020603050405020304" pitchFamily="18" charset="0"/>
+              <a:cs typeface="Times New Roman" panose="02020603050405020304" pitchFamily="18" charset="0"/>
+            </a:endParaRPr>
           </a:p>
         </p:txBody>
       </p:sp>
@@ -8320,7 +8386,7 @@
           </p:nvPr>
         </p:nvPicPr>
         <p:blipFill>
-          <a:blip r:embed="rId2"/>
+          <a:blip r:embed="rId1"/>
           <a:stretch>
             <a:fillRect/>
           </a:stretch>
@@ -8343,8 +8409,8 @@
         </p:nvSpPr>
         <p:spPr>
           <a:xfrm>
-            <a:off x="7192645" y="6205220"/>
-            <a:ext cx="3656330" cy="368300"/>
+            <a:off x="7444740" y="4826000"/>
+            <a:ext cx="3553460" cy="368300"/>
           </a:xfrm>
           <a:prstGeom prst="rect">
             <a:avLst/>
@@ -8358,9 +8424,16 @@
           <a:lstStyle/>
           <a:p>
             <a:r>
-              <a:rPr lang="en-US"/>
+              <a:rPr lang="en-US" b="1">
+                <a:latin typeface="Times New Roman" panose="02020603050405020304" pitchFamily="18" charset="0"/>
+                <a:cs typeface="Times New Roman" panose="02020603050405020304" pitchFamily="18" charset="0"/>
+              </a:rPr>
               <a:t>		Varun Bohara</a:t>
             </a:r>
+            <a:endParaRPr lang="en-US" b="1">
+              <a:latin typeface="Times New Roman" panose="02020603050405020304" pitchFamily="18" charset="0"/>
+              <a:cs typeface="Times New Roman" panose="02020603050405020304" pitchFamily="18" charset="0"/>
+            </a:endParaRPr>
           </a:p>
         </p:txBody>
       </p:sp>
@@ -8370,7 +8443,7 @@
     <a:masterClrMapping/>
   </p:clrMapOvr>
   <mc:AlternateContent xmlns:mc="http://schemas.openxmlformats.org/markup-compatibility/2006">
-    <mc:Choice xmlns:p14="http://schemas.microsoft.com/office/powerpoint/2010/main" xmlns="" Requires="p14">
+    <mc:Choice xmlns:p14="http://schemas.microsoft.com/office/powerpoint/2010/main" Requires="p14">
       <p:transition spd="med" p14:dur="700">
         <p:fade/>
       </p:transition>
@@ -8410,7 +8483,7 @@
         <p:spPr>
           <a:xfrm>
             <a:off x="1522412" y="762000"/>
-            <a:ext cx="9372600" cy="5632311"/>
+            <a:ext cx="9372600" cy="4399915"/>
           </a:xfrm>
           <a:prstGeom prst="rect">
             <a:avLst/>
@@ -8424,172 +8497,313 @@
           <a:lstStyle/>
           <a:p>
             <a:pPr>
-              <a:buFont typeface="Wingdings"/>
+              <a:buFont typeface="Wingdings" panose="05000000000000000000"/>
               <a:buChar char="Ø"/>
             </a:pPr>
             <a:r>
-              <a:rPr lang="en-US" sz="2000" b="1" dirty="0" smtClean="0"/>
+              <a:rPr lang="en-US" sz="2000" b="1" dirty="0" smtClean="0">
+                <a:latin typeface="Times New Roman" panose="02020603050405020304" pitchFamily="18" charset="0"/>
+                <a:cs typeface="Times New Roman" panose="02020603050405020304" pitchFamily="18" charset="0"/>
+              </a:rPr>
               <a:t>  Quick Draw  </a:t>
             </a:r>
+            <a:endParaRPr lang="en-US" sz="2000" b="1" dirty="0" smtClean="0">
+              <a:latin typeface="Times New Roman" panose="02020603050405020304" pitchFamily="18" charset="0"/>
+              <a:cs typeface="Times New Roman" panose="02020603050405020304" pitchFamily="18" charset="0"/>
+            </a:endParaRPr>
+          </a:p>
+          <a:p>
+            <a:pPr indent="0">
+              <a:buFont typeface="Arial" panose="020B0604020202020204" pitchFamily="34" charset="0"/>
+              <a:buNone/>
+            </a:pPr>
+            <a:r>
+              <a:rPr lang="en-US" sz="2000" dirty="0" smtClean="0">
+                <a:latin typeface="Times New Roman" panose="02020603050405020304" pitchFamily="18" charset="0"/>
+                <a:cs typeface="Times New Roman" panose="02020603050405020304" pitchFamily="18" charset="0"/>
+              </a:rPr>
+              <a:t>    These doodles are a unique data set that can:</a:t>
+            </a:r>
+            <a:endParaRPr lang="en-US" sz="2000" dirty="0" smtClean="0">
+              <a:latin typeface="Times New Roman" panose="02020603050405020304" pitchFamily="18" charset="0"/>
+              <a:cs typeface="Times New Roman" panose="02020603050405020304" pitchFamily="18" charset="0"/>
+            </a:endParaRPr>
+          </a:p>
+          <a:p>
+            <a:pPr marL="457200" indent="-457200">
+              <a:buFont typeface="Wingdings" panose="05000000000000000000" pitchFamily="2" charset="2"/>
+              <a:buAutoNum type="arabicPeriod"/>
+            </a:pPr>
+            <a:r>
+              <a:rPr lang="en-US" sz="2000" dirty="0" smtClean="0">
+                <a:latin typeface="Times New Roman" panose="02020603050405020304" pitchFamily="18" charset="0"/>
+                <a:cs typeface="Times New Roman" panose="02020603050405020304" pitchFamily="18" charset="0"/>
+              </a:rPr>
+              <a:t>   Help developers train new neural networks,</a:t>
+            </a:r>
+            <a:endParaRPr lang="en-US" sz="2000" dirty="0" smtClean="0">
+              <a:latin typeface="Times New Roman" panose="02020603050405020304" pitchFamily="18" charset="0"/>
+              <a:cs typeface="Times New Roman" panose="02020603050405020304" pitchFamily="18" charset="0"/>
+            </a:endParaRPr>
+          </a:p>
+          <a:p>
+            <a:pPr marL="457200" indent="-457200">
+              <a:buFont typeface="Wingdings" panose="05000000000000000000" pitchFamily="2" charset="2"/>
+              <a:buAutoNum type="arabicPeriod"/>
+            </a:pPr>
+            <a:r>
+              <a:rPr lang="en-US" sz="2000" dirty="0" smtClean="0">
+                <a:latin typeface="Times New Roman" panose="02020603050405020304" pitchFamily="18" charset="0"/>
+                <a:cs typeface="Times New Roman" panose="02020603050405020304" pitchFamily="18" charset="0"/>
+              </a:rPr>
+              <a:t>   Help researchers see patterns in how people around the world draw,</a:t>
+            </a:r>
+            <a:endParaRPr lang="en-US" sz="2000" dirty="0" smtClean="0">
+              <a:latin typeface="Times New Roman" panose="02020603050405020304" pitchFamily="18" charset="0"/>
+              <a:cs typeface="Times New Roman" panose="02020603050405020304" pitchFamily="18" charset="0"/>
+            </a:endParaRPr>
+          </a:p>
+          <a:p>
+            <a:pPr marL="457200" indent="-457200">
+              <a:buFont typeface="Wingdings" panose="05000000000000000000" pitchFamily="2" charset="2"/>
+              <a:buAutoNum type="arabicPeriod"/>
+            </a:pPr>
+            <a:r>
+              <a:rPr lang="en-US" sz="2000" dirty="0" smtClean="0">
+                <a:latin typeface="Times New Roman" panose="02020603050405020304" pitchFamily="18" charset="0"/>
+                <a:cs typeface="Times New Roman" panose="02020603050405020304" pitchFamily="18" charset="0"/>
+              </a:rPr>
+              <a:t>   And help artists create things we haven’t begun to think of.</a:t>
+            </a:r>
+            <a:endParaRPr lang="en-US" sz="2000" dirty="0" smtClean="0">
+              <a:latin typeface="Times New Roman" panose="02020603050405020304" pitchFamily="18" charset="0"/>
+              <a:cs typeface="Times New Roman" panose="02020603050405020304" pitchFamily="18" charset="0"/>
+            </a:endParaRPr>
+          </a:p>
+          <a:p>
+            <a:pPr marL="457200" indent="-457200">
+              <a:buFont typeface="Arial" panose="020B0604020202020204" pitchFamily="34" charset="0"/>
+              <a:buAutoNum type="arabicPeriod"/>
+            </a:pPr>
+            <a:r>
+              <a:rPr lang="en-US" sz="2000" dirty="0" smtClean="0">
+                <a:latin typeface="Times New Roman" panose="02020603050405020304" pitchFamily="18" charset="0"/>
+                <a:cs typeface="Times New Roman" panose="02020603050405020304" pitchFamily="18" charset="0"/>
+              </a:rPr>
+              <a:t>    </a:t>
+            </a:r>
+            <a:r>
+              <a:rPr lang="en-US" sz="2000" dirty="0" smtClean="0">
+                <a:latin typeface="Times New Roman" panose="02020603050405020304" pitchFamily="18" charset="0"/>
+                <a:cs typeface="Times New Roman" panose="02020603050405020304" pitchFamily="18" charset="0"/>
+                <a:hlinkClick r:id="rId1"/>
+              </a:rPr>
+              <a:t>https://quickdraw.withgoogle.com/data</a:t>
+            </a:r>
+            <a:r>
+              <a:rPr lang="en-US" sz="2000" dirty="0" smtClean="0">
+                <a:latin typeface="Times New Roman" panose="02020603050405020304" pitchFamily="18" charset="0"/>
+                <a:cs typeface="Times New Roman" panose="02020603050405020304" pitchFamily="18" charset="0"/>
+              </a:rPr>
+              <a:t> </a:t>
+            </a:r>
+            <a:endParaRPr lang="en-US" sz="2000" dirty="0" smtClean="0">
+              <a:latin typeface="Times New Roman" panose="02020603050405020304" pitchFamily="18" charset="0"/>
+              <a:cs typeface="Times New Roman" panose="02020603050405020304" pitchFamily="18" charset="0"/>
+            </a:endParaRPr>
+          </a:p>
+          <a:p>
+            <a:pPr marL="457200" indent="-457200"/>
+            <a:endParaRPr lang="en-US" sz="2000" dirty="0" smtClean="0">
+              <a:latin typeface="Times New Roman" panose="02020603050405020304" pitchFamily="18" charset="0"/>
+              <a:cs typeface="Times New Roman" panose="02020603050405020304" pitchFamily="18" charset="0"/>
+            </a:endParaRPr>
           </a:p>
           <a:p>
             <a:pPr>
-              <a:buFont typeface="Arial" pitchFamily="34" charset="0"/>
-              <a:buChar char="•"/>
+              <a:buFont typeface="Wingdings" panose="05000000000000000000"/>
+              <a:buChar char="Ø"/>
             </a:pPr>
             <a:r>
-              <a:rPr lang="en-US" sz="2000" dirty="0" smtClean="0"/>
-              <a:t> </a:t>
-            </a:r>
-            <a:r>
-              <a:rPr lang="en-US" sz="2000" dirty="0" smtClean="0"/>
-              <a:t> These </a:t>
-            </a:r>
-            <a:r>
-              <a:rPr lang="en-US" sz="2000" dirty="0" smtClean="0"/>
-              <a:t>doodles are a unique data set that </a:t>
-            </a:r>
-            <a:r>
-              <a:rPr lang="en-US" sz="2000" dirty="0" smtClean="0"/>
-              <a:t>can:</a:t>
-            </a:r>
-          </a:p>
-          <a:p>
-            <a:endParaRPr lang="en-US" sz="2000" dirty="0" smtClean="0"/>
-          </a:p>
-          <a:p>
-            <a:pPr>
-              <a:buFont typeface="Wingdings" pitchFamily="2" charset="2"/>
-              <a:buChar char="q"/>
-            </a:pPr>
-            <a:r>
-              <a:rPr lang="en-US" sz="2000" dirty="0" smtClean="0"/>
-              <a:t> </a:t>
-            </a:r>
-            <a:r>
-              <a:rPr lang="en-US" sz="2000" dirty="0" smtClean="0"/>
-              <a:t>  help </a:t>
-            </a:r>
-            <a:r>
-              <a:rPr lang="en-US" sz="2000" dirty="0" smtClean="0"/>
-              <a:t>developers train new neural networks,</a:t>
-            </a:r>
-          </a:p>
-          <a:p>
-            <a:pPr>
-              <a:buFont typeface="Wingdings" pitchFamily="2" charset="2"/>
-              <a:buChar char="q"/>
-            </a:pPr>
-            <a:r>
-              <a:rPr lang="en-US" sz="2000" dirty="0" smtClean="0"/>
-              <a:t>   help researchers see patterns in how people around the world draw,</a:t>
-            </a:r>
-          </a:p>
-          <a:p>
-            <a:pPr>
-              <a:buFont typeface="Wingdings" pitchFamily="2" charset="2"/>
-              <a:buChar char="q"/>
-            </a:pPr>
-            <a:r>
-              <a:rPr lang="en-US" sz="2000" dirty="0" smtClean="0"/>
-              <a:t>   and help artists create things we haven’t begun to think of</a:t>
-            </a:r>
-            <a:r>
-              <a:rPr lang="en-US" sz="2000" dirty="0" smtClean="0"/>
-              <a:t>.</a:t>
-            </a:r>
-            <a:endParaRPr lang="en-US" sz="2000" dirty="0" smtClean="0"/>
-          </a:p>
-          <a:p>
-            <a:pPr>
-              <a:buFont typeface="Arial" pitchFamily="34" charset="0"/>
-              <a:buChar char="•"/>
-            </a:pPr>
-            <a:r>
-              <a:rPr lang="en-US" sz="2000" dirty="0" smtClean="0"/>
-              <a:t>    </a:t>
-            </a:r>
-            <a:r>
-              <a:rPr lang="en-US" sz="2000" dirty="0" smtClean="0">
+              <a:rPr lang="en-US" sz="2000" b="1" dirty="0" smtClean="0">
+                <a:latin typeface="Times New Roman" panose="02020603050405020304" pitchFamily="18" charset="0"/>
+                <a:cs typeface="Times New Roman" panose="02020603050405020304" pitchFamily="18" charset="0"/>
                 <a:hlinkClick r:id="rId2"/>
               </a:rPr>
-              <a:t>https://quickdraw.withgoogle.com/data</a:t>
-            </a:r>
-            <a:r>
-              <a:rPr lang="en-US" sz="2000" dirty="0" smtClean="0"/>
               <a:t> </a:t>
             </a:r>
-            <a:endParaRPr lang="en-US" sz="2000" dirty="0" smtClean="0"/>
-          </a:p>
-          <a:p>
-            <a:endParaRPr lang="en-US" sz="2000" dirty="0" smtClean="0"/>
-          </a:p>
-          <a:p>
-            <a:pPr>
-              <a:buFont typeface="Wingdings"/>
-              <a:buChar char="Ø"/>
+            <a:r>
+              <a:rPr lang="en-US" sz="2000" b="1" dirty="0" smtClean="0">
+                <a:solidFill>
+                  <a:schemeClr val="tx1">
+                    <a:lumMod val="50000"/>
+                  </a:schemeClr>
+                </a:solidFill>
+                <a:latin typeface="Times New Roman" panose="02020603050405020304" pitchFamily="18" charset="0"/>
+                <a:cs typeface="Times New Roman" panose="02020603050405020304" pitchFamily="18" charset="0"/>
+                <a:hlinkClick r:id="rId2"/>
+              </a:rPr>
+              <a:t> </a:t>
+            </a:r>
+            <a:r>
+              <a:rPr lang="en-US" sz="2000" b="1" dirty="0" smtClean="0">
+                <a:solidFill>
+                  <a:schemeClr val="tx1">
+                    <a:lumMod val="50000"/>
+                  </a:schemeClr>
+                </a:solidFill>
+                <a:latin typeface="Times New Roman" panose="02020603050405020304" pitchFamily="18" charset="0"/>
+                <a:cs typeface="Times New Roman" panose="02020603050405020304" pitchFamily="18" charset="0"/>
+              </a:rPr>
+              <a:t>The Neural Integration Of Speaker and Message.</a:t>
+            </a:r>
+            <a:endParaRPr lang="en-US" sz="2000" b="1" dirty="0" smtClean="0">
+              <a:ln/>
+              <a:solidFill>
+                <a:schemeClr val="tx1"/>
+              </a:solidFill>
+              <a:effectLst>
+                <a:outerShdw blurRad="38100" dist="19050" dir="2700000" algn="tl" rotWithShape="0">
+                  <a:schemeClr val="dk1">
+                    <a:alpha val="40000"/>
+                  </a:schemeClr>
+                </a:outerShdw>
+              </a:effectLst>
+              <a:latin typeface="Times New Roman" panose="02020603050405020304" pitchFamily="18" charset="0"/>
+              <a:cs typeface="Times New Roman" panose="02020603050405020304" pitchFamily="18" charset="0"/>
+            </a:endParaRPr>
+          </a:p>
+          <a:p>
+            <a:endParaRPr lang="en-US" sz="2000" dirty="0" smtClean="0">
+              <a:latin typeface="Times New Roman" panose="02020603050405020304" pitchFamily="18" charset="0"/>
+              <a:cs typeface="Times New Roman" panose="02020603050405020304" pitchFamily="18" charset="0"/>
+            </a:endParaRPr>
+          </a:p>
+          <a:p>
+            <a:pPr marL="457200" indent="-457200">
+              <a:buFont typeface="Wingdings" panose="05000000000000000000"/>
+              <a:buAutoNum type="arabicPeriod"/>
             </a:pPr>
             <a:r>
+              <a:rPr lang="en-US" sz="2000" dirty="0" smtClean="0">
+                <a:latin typeface="Times New Roman" panose="02020603050405020304" pitchFamily="18" charset="0"/>
+                <a:cs typeface="Times New Roman" panose="02020603050405020304" pitchFamily="18" charset="0"/>
+                <a:sym typeface="+mn-ea"/>
+              </a:rPr>
+              <a:t>On line Integration of Semantic Information from Speech and Gesture: </a:t>
+            </a:r>
+            <a:endParaRPr lang="en-US" sz="2000" dirty="0" smtClean="0">
+              <a:latin typeface="Times New Roman" panose="02020603050405020304" pitchFamily="18" charset="0"/>
+              <a:cs typeface="Times New Roman" panose="02020603050405020304" pitchFamily="18" charset="0"/>
+              <a:sym typeface="+mn-ea"/>
+            </a:endParaRPr>
+          </a:p>
+          <a:p>
+            <a:pPr lvl="3" indent="0">
+              <a:buFont typeface="Wingdings" panose="05000000000000000000"/>
+              <a:buNone/>
+            </a:pPr>
+            <a:r>
+              <a:rPr lang="en-US" sz="2000" dirty="0" smtClean="0">
+                <a:latin typeface="Times New Roman" panose="02020603050405020304" pitchFamily="18" charset="0"/>
+                <a:cs typeface="Times New Roman" panose="02020603050405020304" pitchFamily="18" charset="0"/>
+                <a:sym typeface="+mn-ea"/>
+              </a:rPr>
+              <a:t>       Insights from Event -related Brain Potential</a:t>
+            </a:r>
+            <a:endParaRPr lang="en-US" sz="2000" b="1" dirty="0" smtClean="0">
+              <a:solidFill>
+                <a:schemeClr val="tx1">
+                  <a:lumMod val="50000"/>
+                </a:schemeClr>
+              </a:solidFill>
+              <a:latin typeface="Times New Roman" panose="02020603050405020304" pitchFamily="18" charset="0"/>
+              <a:cs typeface="Times New Roman" panose="02020603050405020304" pitchFamily="18" charset="0"/>
+            </a:endParaRPr>
+          </a:p>
+          <a:p>
+            <a:pPr marL="457200" indent="-457200">
+              <a:buFont typeface="Wingdings" panose="05000000000000000000"/>
+              <a:buAutoNum type="arabicPeriod"/>
+            </a:pPr>
+            <a:r>
               <a:rPr lang="en-US" sz="2000" b="1" dirty="0" smtClean="0">
+                <a:solidFill>
+                  <a:schemeClr val="tx1">
+                    <a:lumMod val="50000"/>
+                  </a:schemeClr>
+                </a:solidFill>
+                <a:latin typeface="Times New Roman" panose="02020603050405020304" pitchFamily="18" charset="0"/>
+                <a:cs typeface="Times New Roman" panose="02020603050405020304" pitchFamily="18" charset="0"/>
+                <a:sym typeface="+mn-ea"/>
                 <a:hlinkClick r:id="rId3"/>
               </a:rPr>
-              <a:t>  The Neural Integration of Speaker and Message</a:t>
-            </a:r>
-            <a:r>
-              <a:rPr lang="en-US" sz="2000" b="1" dirty="0" smtClean="0"/>
               <a:t> </a:t>
             </a:r>
-          </a:p>
-          <a:p>
-            <a:endParaRPr lang="en-US" sz="2000" dirty="0" smtClean="0"/>
-          </a:p>
-          <a:p>
-            <a:endParaRPr lang="en-US" sz="2000" dirty="0" smtClean="0"/>
-          </a:p>
-          <a:p>
-            <a:pPr>
-              <a:buFont typeface="Wingdings"/>
-              <a:buChar char="Ø"/>
+            <a:r>
+              <a:rPr lang="en-US" sz="2000" b="1" dirty="0" smtClean="0">
+                <a:solidFill>
+                  <a:schemeClr val="tx1">
+                    <a:lumMod val="50000"/>
+                  </a:schemeClr>
+                </a:solidFill>
+                <a:latin typeface="Times New Roman" panose="02020603050405020304" pitchFamily="18" charset="0"/>
+                <a:cs typeface="Times New Roman" panose="02020603050405020304" pitchFamily="18" charset="0"/>
+                <a:sym typeface="+mn-ea"/>
+              </a:rPr>
+              <a:t> </a:t>
+            </a:r>
+            <a:r>
+              <a:rPr lang="en-US" sz="2000" dirty="0" smtClean="0">
+                <a:latin typeface="Times New Roman" panose="02020603050405020304" pitchFamily="18" charset="0"/>
+                <a:cs typeface="Times New Roman" panose="02020603050405020304" pitchFamily="18" charset="0"/>
+                <a:sym typeface="+mn-ea"/>
+              </a:rPr>
+              <a:t>When Language Meets Action :</a:t>
+            </a:r>
+            <a:endParaRPr lang="en-US" sz="2000" dirty="0" smtClean="0">
+              <a:latin typeface="Times New Roman" panose="02020603050405020304" pitchFamily="18" charset="0"/>
+              <a:cs typeface="Times New Roman" panose="02020603050405020304" pitchFamily="18" charset="0"/>
+              <a:sym typeface="+mn-ea"/>
+            </a:endParaRPr>
+          </a:p>
+          <a:p>
+            <a:pPr indent="0">
+              <a:buFont typeface="Wingdings" panose="05000000000000000000"/>
+              <a:buNone/>
             </a:pPr>
             <a:r>
-              <a:rPr lang="en-US" sz="2000" b="1" dirty="0" smtClean="0">
-                <a:hlinkClick r:id="rId4"/>
+              <a:rPr lang="en-US" sz="2000" dirty="0" smtClean="0">
+                <a:latin typeface="Times New Roman" panose="02020603050405020304" pitchFamily="18" charset="0"/>
+                <a:cs typeface="Times New Roman" panose="02020603050405020304" pitchFamily="18" charset="0"/>
+                <a:sym typeface="+mn-ea"/>
               </a:rPr>
-              <a:t>  On-line Integration of Semantic Information from Speech and Gesture: Insights from Event-related Brain Potentials</a:t>
-            </a:r>
-            <a:r>
-              <a:rPr lang="en-US" sz="2000" b="1" dirty="0" smtClean="0"/>
-              <a:t> </a:t>
-            </a:r>
-          </a:p>
-          <a:p>
-            <a:endParaRPr lang="en-US" sz="2000" dirty="0" smtClean="0"/>
-          </a:p>
-          <a:p>
-            <a:endParaRPr lang="en-US" sz="2000" dirty="0" smtClean="0"/>
-          </a:p>
-          <a:p>
-            <a:pPr>
-              <a:buFont typeface="Wingdings"/>
-              <a:buChar char="Ø"/>
+              <a:t>		The Neural Integration of Gesture and Speech </a:t>
+            </a:r>
+            <a:endParaRPr lang="en-US" sz="2000" b="1" dirty="0" smtClean="0">
+              <a:solidFill>
+                <a:schemeClr val="tx1">
+                  <a:lumMod val="50000"/>
+                </a:schemeClr>
+              </a:solidFill>
+              <a:latin typeface="Times New Roman" panose="02020603050405020304" pitchFamily="18" charset="0"/>
+              <a:cs typeface="Times New Roman" panose="02020603050405020304" pitchFamily="18" charset="0"/>
+            </a:endParaRPr>
+          </a:p>
+          <a:p>
+            <a:pPr marL="457200" indent="-457200">
+              <a:buFont typeface="Wingdings" panose="05000000000000000000"/>
+              <a:buAutoNum type="arabicPeriod"/>
             </a:pPr>
-            <a:r>
-              <a:rPr lang="en-US" sz="2000" b="1" dirty="0" smtClean="0">
-                <a:hlinkClick r:id="rId5"/>
-              </a:rPr>
-              <a:t>  When Language Meets Action: The Neural Integration of Gesture and Speech</a:t>
-            </a:r>
-            <a:r>
-              <a:rPr lang="en-US" sz="2000" b="1" dirty="0" smtClean="0"/>
-              <a:t>  </a:t>
-            </a:r>
-          </a:p>
-          <a:p>
-            <a:r>
-              <a:rPr lang="en-US" sz="2000" dirty="0" smtClean="0"/>
-              <a:t>      </a:t>
-            </a:r>
-            <a:endParaRPr lang="en-IN" sz="2000" dirty="0"/>
+            <a:endParaRPr lang="en-US" sz="2000" b="1" dirty="0" smtClean="0">
+              <a:solidFill>
+                <a:schemeClr val="tx1">
+                  <a:lumMod val="50000"/>
+                </a:schemeClr>
+              </a:solidFill>
+              <a:latin typeface="Times New Roman" panose="02020603050405020304" pitchFamily="18" charset="0"/>
+              <a:cs typeface="Times New Roman" panose="02020603050405020304" pitchFamily="18" charset="0"/>
+            </a:endParaRPr>
           </a:p>
         </p:txBody>
       </p:sp>
@@ -8599,7 +8813,7 @@
     <a:masterClrMapping/>
   </p:clrMapOvr>
   <mc:AlternateContent xmlns:mc="http://schemas.openxmlformats.org/markup-compatibility/2006">
-    <mc:Choice xmlns:p14="http://schemas.microsoft.com/office/powerpoint/2010/main" xmlns="" Requires="p14">
+    <mc:Choice xmlns:p14="http://schemas.microsoft.com/office/powerpoint/2010/main" Requires="p14">
       <p:transition spd="med" p14:dur="700">
         <p:fade/>
       </p:transition>
@@ -8656,18 +8870,13 @@
               <a:rPr lang="en-US" dirty="0"/>
               <a:t>Abhishek Rao</a:t>
             </a:r>
-          </a:p>
-        </p:txBody>
-      </p:sp>
-      <p:sp>
-        <p:nvSpPr>
-          <p:cNvPr id="3" name="TextBox 2">
-            <a:extLst>
-              <a:ext uri="{FF2B5EF4-FFF2-40B4-BE49-F238E27FC236}">
-                <a16:creationId xmlns:a16="http://schemas.microsoft.com/office/drawing/2014/main" xmlns="" id="{DF331551-FA80-4063-9F00-093C846CEBC7}"/>
-              </a:ext>
-            </a:extLst>
-          </p:cNvPr>
+            <a:endParaRPr lang="en-US" dirty="0"/>
+          </a:p>
+        </p:txBody>
+      </p:sp>
+      <p:sp>
+        <p:nvSpPr>
+          <p:cNvPr id="3" name="TextBox 2"/>
           <p:cNvSpPr txBox="1"/>
           <p:nvPr/>
         </p:nvSpPr>
@@ -8698,6 +8907,7 @@
               <a:rPr lang="en-US" sz="2400" b="1" dirty="0"/>
               <a:t>:</a:t>
             </a:r>
+            <a:endParaRPr lang="en-US" sz="2400" b="1" dirty="0"/>
           </a:p>
           <a:p>
             <a:endParaRPr lang="en-US" b="1" dirty="0"/>
@@ -8725,6 +8935,10 @@
               </a:rPr>
               <a:t>Determining the thermodynamic stability of perovskite(Crystal structure).</a:t>
             </a:r>
+            <a:endParaRPr lang="en-US" sz="1600" dirty="0">
+              <a:latin typeface="Times New Roman" panose="02020603050405020304" pitchFamily="18" charset="0"/>
+              <a:cs typeface="Times New Roman" panose="02020603050405020304" pitchFamily="18" charset="0"/>
+            </a:endParaRPr>
           </a:p>
           <a:p>
             <a:endParaRPr lang="en-US" sz="1600" b="1" dirty="0"/>
@@ -8733,20 +8947,14 @@
       </p:sp>
       <p:sp>
         <p:nvSpPr>
-          <p:cNvPr id="5" name="TextBox 4">
-            <a:extLst>
-              <a:ext uri="{FF2B5EF4-FFF2-40B4-BE49-F238E27FC236}">
-                <a16:creationId xmlns:a16="http://schemas.microsoft.com/office/drawing/2014/main" xmlns="" id="{5CABADB1-F650-44F4-8D86-570228ACFD75}"/>
-              </a:ext>
-            </a:extLst>
-          </p:cNvPr>
+          <p:cNvPr id="5" name="TextBox 4"/>
           <p:cNvSpPr txBox="1"/>
           <p:nvPr/>
         </p:nvSpPr>
         <p:spPr>
           <a:xfrm>
             <a:off x="2205980" y="2849652"/>
-            <a:ext cx="7272808" cy="1631216"/>
+            <a:ext cx="7272808" cy="1599565"/>
           </a:xfrm>
           <a:prstGeom prst="rect">
             <a:avLst/>
@@ -8768,32 +8976,9 @@
                 </a:solidFill>
                 <a:latin typeface="Times New Roman" panose="02020603050405020304" pitchFamily="18" charset="0"/>
                 <a:cs typeface="Times New Roman" panose="02020603050405020304" pitchFamily="18" charset="0"/>
-                <a:hlinkClick r:id="rId2">
-                  <a:extLst>
-                    <a:ext uri="{A12FA001-AC4F-418D-AE19-62706E023703}">
-                      <ahyp:hlinkClr xmlns:ahyp="http://schemas.microsoft.com/office/drawing/2018/hyperlinkcolor" xmlns="" val="tx"/>
-                    </a:ext>
-                  </a:extLst>
-                </a:hlinkClick>
+                <a:hlinkClick r:id="rId1"/>
               </a:rPr>
-              <a:t>Data A</a:t>
-            </a:r>
-            <a:r>
-              <a:rPr lang="en-IN" sz="1600" b="1" dirty="0">
-                <a:solidFill>
-                  <a:schemeClr val="tx1">
-                    <a:lumMod val="75000"/>
-                  </a:schemeClr>
-                </a:solidFill>
-                <a:hlinkClick r:id="rId2">
-                  <a:extLst>
-                    <a:ext uri="{A12FA001-AC4F-418D-AE19-62706E023703}">
-                      <ahyp:hlinkClr xmlns:ahyp="http://schemas.microsoft.com/office/drawing/2018/hyperlinkcolor" xmlns="" val="tx"/>
-                    </a:ext>
-                  </a:extLst>
-                </a:hlinkClick>
-              </a:rPr>
-              <a:t>rticle 1 </a:t>
+              <a:t>Data Article 1 </a:t>
             </a:r>
             <a:endParaRPr lang="en-IN" sz="1600" b="1" dirty="0">
               <a:solidFill>
@@ -8801,6 +8986,8 @@
                   <a:lumMod val="75000"/>
                 </a:schemeClr>
               </a:solidFill>
+              <a:latin typeface="Times New Roman" panose="02020603050405020304" pitchFamily="18" charset="0"/>
+              <a:cs typeface="Times New Roman" panose="02020603050405020304" pitchFamily="18" charset="0"/>
             </a:endParaRPr>
           </a:p>
           <a:p>
@@ -8814,6 +9001,8 @@
                   <a:lumMod val="75000"/>
                 </a:schemeClr>
               </a:solidFill>
+              <a:latin typeface="Times New Roman" panose="02020603050405020304" pitchFamily="18" charset="0"/>
+              <a:cs typeface="Times New Roman" panose="02020603050405020304" pitchFamily="18" charset="0"/>
             </a:endParaRPr>
           </a:p>
           <a:p>
@@ -8826,13 +9015,7 @@
                 </a:solidFill>
                 <a:latin typeface="Times New Roman" panose="02020603050405020304" pitchFamily="18" charset="0"/>
                 <a:cs typeface="Times New Roman" panose="02020603050405020304" pitchFamily="18" charset="0"/>
-                <a:hlinkClick r:id="rId3">
-                  <a:extLst>
-                    <a:ext uri="{A12FA001-AC4F-418D-AE19-62706E023703}">
-                      <ahyp:hlinkClr xmlns:ahyp="http://schemas.microsoft.com/office/drawing/2018/hyperlinkcolor" xmlns="" val="tx"/>
-                    </a:ext>
-                  </a:extLst>
-                </a:hlinkClick>
+                <a:hlinkClick r:id="rId2"/>
               </a:rPr>
               <a:t>Data Article 2</a:t>
             </a:r>
@@ -8854,10 +9037,15 @@
                     <a:lumMod val="75000"/>
                   </a:schemeClr>
                 </a:solidFill>
+                <a:latin typeface="Times New Roman" panose="02020603050405020304" pitchFamily="18" charset="0"/>
+                <a:cs typeface="Times New Roman" panose="02020603050405020304" pitchFamily="18" charset="0"/>
               </a:rPr>
               <a:t> </a:t>
             </a:r>
-            <a:endParaRPr lang="en-IN" dirty="0"/>
+            <a:endParaRPr lang="en-IN" dirty="0">
+              <a:latin typeface="Times New Roman" panose="02020603050405020304" pitchFamily="18" charset="0"/>
+              <a:cs typeface="Times New Roman" panose="02020603050405020304" pitchFamily="18" charset="0"/>
+            </a:endParaRPr>
           </a:p>
           <a:p>
             <a:r>
@@ -8869,13 +9057,7 @@
                 </a:solidFill>
                 <a:latin typeface="Times New Roman" panose="02020603050405020304" pitchFamily="18" charset="0"/>
                 <a:cs typeface="Times New Roman" panose="02020603050405020304" pitchFamily="18" charset="0"/>
-                <a:hlinkClick r:id="rId4">
-                  <a:extLst>
-                    <a:ext uri="{A12FA001-AC4F-418D-AE19-62706E023703}">
-                      <ahyp:hlinkClr xmlns:ahyp="http://schemas.microsoft.com/office/drawing/2018/hyperlinkcolor" xmlns="" val="tx"/>
-                    </a:ext>
-                  </a:extLst>
-                </a:hlinkClick>
+                <a:hlinkClick r:id="rId3"/>
               </a:rPr>
               <a:t>GitHub</a:t>
             </a:r>
@@ -8900,26 +9082,22 @@
                   <a:lumMod val="75000"/>
                 </a:schemeClr>
               </a:solidFill>
+              <a:latin typeface="Times New Roman" panose="02020603050405020304" pitchFamily="18" charset="0"/>
+              <a:cs typeface="Times New Roman" panose="02020603050405020304" pitchFamily="18" charset="0"/>
             </a:endParaRPr>
           </a:p>
         </p:txBody>
       </p:sp>
       <p:sp>
         <p:nvSpPr>
-          <p:cNvPr id="12" name="TextBox 11">
-            <a:extLst>
-              <a:ext uri="{FF2B5EF4-FFF2-40B4-BE49-F238E27FC236}">
-                <a16:creationId xmlns:a16="http://schemas.microsoft.com/office/drawing/2014/main" xmlns="" id="{CB084883-BBA3-4FA5-86B4-A1B2CEDEC222}"/>
-              </a:ext>
-            </a:extLst>
-          </p:cNvPr>
+          <p:cNvPr id="12" name="TextBox 11"/>
           <p:cNvSpPr txBox="1"/>
           <p:nvPr/>
         </p:nvSpPr>
         <p:spPr>
           <a:xfrm>
-            <a:off x="1413892" y="2849652"/>
-            <a:ext cx="864096" cy="369332"/>
+            <a:off x="1192530" y="2849880"/>
+            <a:ext cx="1085850" cy="368300"/>
           </a:xfrm>
           <a:prstGeom prst="rect">
             <a:avLst/>
@@ -8932,6 +9110,13 @@
           </a:bodyPr>
           <a:lstStyle/>
           <a:p>
+            <a:r>
+              <a:rPr lang="en-US" altLang="en-IN" b="1" dirty="0">
+                <a:latin typeface="Times New Roman" panose="02020603050405020304" pitchFamily="18" charset="0"/>
+                <a:cs typeface="Times New Roman" panose="02020603050405020304" pitchFamily="18" charset="0"/>
+              </a:rPr>
+              <a:t> </a:t>
+            </a:r>
             <a:r>
               <a:rPr lang="en-IN" b="1" dirty="0">
                 <a:latin typeface="Times New Roman" panose="02020603050405020304" pitchFamily="18" charset="0"/>
@@ -8943,6 +9128,7 @@
               <a:rPr lang="en-IN" dirty="0"/>
               <a:t>:</a:t>
             </a:r>
+            <a:endParaRPr lang="en-IN" dirty="0"/>
           </a:p>
         </p:txBody>
       </p:sp>
@@ -8952,7 +9138,7 @@
     <a:masterClrMapping/>
   </p:clrMapOvr>
   <mc:AlternateContent xmlns:mc="http://schemas.openxmlformats.org/markup-compatibility/2006">
-    <mc:Choice xmlns:p14="http://schemas.microsoft.com/office/powerpoint/2010/main" xmlns="" Requires="p14">
+    <mc:Choice xmlns:p14="http://schemas.microsoft.com/office/powerpoint/2010/main" Requires="p14">
       <p:transition spd="med" p14:dur="700">
         <p:fade/>
       </p:transition>
@@ -9157,11 +9343,9 @@
       </a:bgFillStyleLst>
     </a:fmtScheme>
   </a:themeElements>
-  <a:objectDefaults/>
-  <a:extraClrSchemeLst/>
   <a:extLst>
     <a:ext uri="{05A4C25C-085E-4340-85A3-A5531E510DB2}">
-      <thm15:themeFamily xmlns:thm15="http://schemas.microsoft.com/office/thememl/2012/main" xmlns="" name="Office Theme" id="{62F939B6-93AF-4DB8-9C6B-D6C7DFDC589F}" vid="{4A3C46E8-61CC-4603-A589-7422A47A8E4A}"/>
+      <thm15:themeFamily xmlns:thm15="http://schemas.microsoft.com/office/thememl/2012/main" name="Office Theme" id="{62F939B6-93AF-4DB8-9C6B-D6C7DFDC589F}" vid="{4A3C46E8-61CC-4603-A589-7422A47A8E4A}"/>
     </a:ext>
   </a:extLst>
 </a:theme>
@@ -9358,11 +9542,9 @@
       </a:bgFillStyleLst>
     </a:fmtScheme>
   </a:themeElements>
-  <a:objectDefaults/>
-  <a:extraClrSchemeLst/>
   <a:extLst>
     <a:ext uri="{05A4C25C-085E-4340-85A3-A5531E510DB2}">
-      <thm15:themeFamily xmlns:thm15="http://schemas.microsoft.com/office/thememl/2012/main" xmlns="" name="Office Theme" id="{62F939B6-93AF-4DB8-9C6B-D6C7DFDC589F}" vid="{4A3C46E8-61CC-4603-A589-7422A47A8E4A}"/>
+      <thm15:themeFamily xmlns:thm15="http://schemas.microsoft.com/office/thememl/2012/main" name="Office Theme" id="{62F939B6-93AF-4DB8-9C6B-D6C7DFDC589F}" vid="{4A3C46E8-61CC-4603-A589-7422A47A8E4A}"/>
     </a:ext>
   </a:extLst>
 </a:theme>
@@ -9559,11 +9741,9 @@
       </a:bgFillStyleLst>
     </a:fmtScheme>
   </a:themeElements>
-  <a:objectDefaults/>
-  <a:extraClrSchemeLst/>
   <a:extLst>
     <a:ext uri="{05A4C25C-085E-4340-85A3-A5531E510DB2}">
-      <thm15:themeFamily xmlns:thm15="http://schemas.microsoft.com/office/thememl/2012/main" xmlns="" name="Office Theme" id="{62F939B6-93AF-4DB8-9C6B-D6C7DFDC589F}" vid="{4A3C46E8-61CC-4603-A589-7422A47A8E4A}"/>
+      <thm15:themeFamily xmlns:thm15="http://schemas.microsoft.com/office/thememl/2012/main" name="Office Theme" id="{62F939B6-93AF-4DB8-9C6B-D6C7DFDC589F}" vid="{4A3C46E8-61CC-4603-A589-7422A47A8E4A}"/>
     </a:ext>
   </a:extLst>
 </a:theme>

--- a/Ideas -- v3.0.pptx
+++ b/Ideas -- v3.0.pptx
@@ -8483,7 +8483,7 @@
         <p:spPr>
           <a:xfrm>
             <a:off x="1522412" y="762000"/>
-            <a:ext cx="9372600" cy="4399915"/>
+            <a:ext cx="9372600" cy="5939155"/>
           </a:xfrm>
           <a:prstGeom prst="rect">
             <a:avLst/>
@@ -8620,17 +8620,21 @@
             </a:endParaRPr>
           </a:p>
           <a:p>
-            <a:pPr>
+            <a:pPr marL="457200" indent="-457200">
               <a:buFont typeface="Wingdings" panose="05000000000000000000"/>
-              <a:buChar char="Ø"/>
+              <a:buAutoNum type="arabicPeriod"/>
             </a:pPr>
             <a:r>
               <a:rPr lang="en-US" sz="2000" b="1" dirty="0" smtClean="0">
+                <a:solidFill>
+                  <a:schemeClr val="tx1">
+                    <a:lumMod val="50000"/>
+                  </a:schemeClr>
+                </a:solidFill>
                 <a:latin typeface="Times New Roman" panose="02020603050405020304" pitchFamily="18" charset="0"/>
                 <a:cs typeface="Times New Roman" panose="02020603050405020304" pitchFamily="18" charset="0"/>
-                <a:hlinkClick r:id="rId2"/>
               </a:rPr>
-              <a:t> </a:t>
+              <a:t>     </a:t>
             </a:r>
             <a:r>
               <a:rPr lang="en-US" sz="2000" b="1" dirty="0" smtClean="0">
@@ -8658,9 +8662,40 @@
               <a:t>The Neural Integration Of Speaker and Message.</a:t>
             </a:r>
             <a:endParaRPr lang="en-US" sz="2000" b="1" dirty="0" smtClean="0">
-              <a:ln/>
               <a:solidFill>
-                <a:schemeClr val="tx1"/>
+                <a:schemeClr val="tx1">
+                  <a:lumMod val="50000"/>
+                </a:schemeClr>
+              </a:solidFill>
+              <a:latin typeface="Times New Roman" panose="02020603050405020304" pitchFamily="18" charset="0"/>
+              <a:cs typeface="Times New Roman" panose="02020603050405020304" pitchFamily="18" charset="0"/>
+            </a:endParaRPr>
+          </a:p>
+          <a:p>
+            <a:pPr marL="1371600" lvl="2" indent="-457200">
+              <a:buFont typeface="Wingdings" panose="05000000000000000000"/>
+              <a:buAutoNum type="arabicPeriod"/>
+            </a:pPr>
+            <a:r>
+              <a:rPr lang="en-US" sz="2000" b="1" dirty="0" smtClean="0">
+                <a:solidFill>
+                  <a:srgbClr val="0070C0"/>
+                </a:solidFill>
+                <a:effectLst>
+                  <a:outerShdw blurRad="38100" dist="19050" dir="2700000" algn="tl" rotWithShape="0">
+                    <a:schemeClr val="dk1">
+                      <a:alpha val="40000"/>
+                    </a:schemeClr>
+                  </a:outerShdw>
+                </a:effectLst>
+                <a:latin typeface="Times New Roman" panose="02020603050405020304" pitchFamily="18" charset="0"/>
+                <a:cs typeface="Times New Roman" panose="02020603050405020304" pitchFamily="18" charset="0"/>
+              </a:rPr>
+              <a:t>      https://academic.oup.com/cercor/article/17/10/2322/311033</a:t>
+            </a:r>
+            <a:endParaRPr lang="en-US" sz="2000" b="1" dirty="0" smtClean="0">
+              <a:solidFill>
+                <a:srgbClr val="0070C0"/>
               </a:solidFill>
               <a:effectLst>
                 <a:outerShdw blurRad="38100" dist="19050" dir="2700000" algn="tl" rotWithShape="0">
@@ -8674,6 +8709,9 @@
             </a:endParaRPr>
           </a:p>
           <a:p>
+            <a:pPr marL="457200" indent="-457200">
+              <a:buAutoNum type="arabicPeriod"/>
+            </a:pPr>
             <a:endParaRPr lang="en-US" sz="2000" dirty="0" smtClean="0">
               <a:latin typeface="Times New Roman" panose="02020603050405020304" pitchFamily="18" charset="0"/>
               <a:cs typeface="Times New Roman" panose="02020603050405020304" pitchFamily="18" charset="0"/>
@@ -8699,9 +8737,9 @@
             </a:endParaRPr>
           </a:p>
           <a:p>
-            <a:pPr lvl="3" indent="0">
+            <a:pPr marL="1828800" lvl="3" indent="-457200">
               <a:buFont typeface="Wingdings" panose="05000000000000000000"/>
-              <a:buNone/>
+              <a:buAutoNum type="arabicPeriod"/>
             </a:pPr>
             <a:r>
               <a:rPr lang="en-US" sz="2000" dirty="0" smtClean="0">
@@ -8711,11 +8749,30 @@
               </a:rPr>
               <a:t>       Insights from Event -related Brain Potential</a:t>
             </a:r>
+            <a:endParaRPr lang="en-US" sz="2000" dirty="0" smtClean="0">
+              <a:latin typeface="Times New Roman" panose="02020603050405020304" pitchFamily="18" charset="0"/>
+              <a:cs typeface="Times New Roman" panose="02020603050405020304" pitchFamily="18" charset="0"/>
+              <a:sym typeface="+mn-ea"/>
+            </a:endParaRPr>
+          </a:p>
+          <a:p>
+            <a:pPr marL="1828800" lvl="3" indent="-457200">
+              <a:buFont typeface="Wingdings" panose="05000000000000000000"/>
+              <a:buAutoNum type="arabicPeriod"/>
+            </a:pPr>
+            <a:r>
+              <a:rPr lang="en-US" sz="2000" b="1" dirty="0" smtClean="0">
+                <a:solidFill>
+                  <a:srgbClr val="0070C0"/>
+                </a:solidFill>
+                <a:latin typeface="Times New Roman" panose="02020603050405020304" pitchFamily="18" charset="0"/>
+                <a:cs typeface="Times New Roman" panose="02020603050405020304" pitchFamily="18" charset="0"/>
+              </a:rPr>
+              <a:t>https://www.mitpressjournals.org/doi/abs/10.1162/jocn.2007.19.4.605</a:t>
+            </a:r>
             <a:endParaRPr lang="en-US" sz="2000" b="1" dirty="0" smtClean="0">
               <a:solidFill>
-                <a:schemeClr val="tx1">
-                  <a:lumMod val="50000"/>
-                </a:schemeClr>
+                <a:srgbClr val="0070C0"/>
               </a:solidFill>
               <a:latin typeface="Times New Roman" panose="02020603050405020304" pitchFamily="18" charset="0"/>
               <a:cs typeface="Times New Roman" panose="02020603050405020304" pitchFamily="18" charset="0"/>
@@ -8768,9 +8825,9 @@
             </a:endParaRPr>
           </a:p>
           <a:p>
-            <a:pPr indent="0">
+            <a:pPr marL="457200" indent="-457200">
               <a:buFont typeface="Wingdings" panose="05000000000000000000"/>
-              <a:buNone/>
+              <a:buAutoNum type="arabicPeriod"/>
             </a:pPr>
             <a:r>
               <a:rPr lang="en-US" sz="2000" dirty="0" smtClean="0">
@@ -8780,6 +8837,47 @@
               </a:rPr>
               <a:t>		The Neural Integration of Gesture and Speech </a:t>
             </a:r>
+            <a:endParaRPr lang="en-US" sz="2000" dirty="0" smtClean="0">
+              <a:latin typeface="Times New Roman" panose="02020603050405020304" pitchFamily="18" charset="0"/>
+              <a:cs typeface="Times New Roman" panose="02020603050405020304" pitchFamily="18" charset="0"/>
+              <a:sym typeface="+mn-ea"/>
+            </a:endParaRPr>
+          </a:p>
+          <a:p>
+            <a:pPr marL="457200" indent="-457200">
+              <a:buFont typeface="Wingdings" panose="05000000000000000000"/>
+              <a:buAutoNum type="arabicPeriod"/>
+            </a:pPr>
+            <a:r>
+              <a:rPr lang="en-US" sz="2000" dirty="0" smtClean="0">
+                <a:latin typeface="Times New Roman" panose="02020603050405020304" pitchFamily="18" charset="0"/>
+                <a:cs typeface="Times New Roman" panose="02020603050405020304" pitchFamily="18" charset="0"/>
+                <a:sym typeface="+mn-ea"/>
+              </a:rPr>
+              <a:t>	       </a:t>
+            </a:r>
+            <a:r>
+              <a:rPr lang="en-US" sz="2000" dirty="0" smtClean="0">
+                <a:solidFill>
+                  <a:srgbClr val="0070C0"/>
+                </a:solidFill>
+                <a:latin typeface="Times New Roman" panose="02020603050405020304" pitchFamily="18" charset="0"/>
+                <a:cs typeface="Times New Roman" panose="02020603050405020304" pitchFamily="18" charset="0"/>
+                <a:sym typeface="+mn-ea"/>
+              </a:rPr>
+              <a:t>https://academic.oup.com/cercor/article/17/10/2322/311033</a:t>
+            </a:r>
+            <a:endParaRPr lang="en-US" sz="2000" dirty="0" smtClean="0">
+              <a:latin typeface="Times New Roman" panose="02020603050405020304" pitchFamily="18" charset="0"/>
+              <a:cs typeface="Times New Roman" panose="02020603050405020304" pitchFamily="18" charset="0"/>
+              <a:sym typeface="+mn-ea"/>
+            </a:endParaRPr>
+          </a:p>
+          <a:p>
+            <a:pPr marL="457200" indent="-457200">
+              <a:buFont typeface="Wingdings" panose="05000000000000000000"/>
+              <a:buNone/>
+            </a:pPr>
             <a:endParaRPr lang="en-US" sz="2000" b="1" dirty="0" smtClean="0">
               <a:solidFill>
                 <a:schemeClr val="tx1">
@@ -8791,9 +8889,9 @@
             </a:endParaRPr>
           </a:p>
           <a:p>
-            <a:pPr marL="457200" indent="-457200">
+            <a:pPr indent="0">
               <a:buFont typeface="Wingdings" panose="05000000000000000000"/>
-              <a:buAutoNum type="arabicPeriod"/>
+              <a:buNone/>
             </a:pPr>
             <a:endParaRPr lang="en-US" sz="2000" b="1" dirty="0" smtClean="0">
               <a:solidFill>
@@ -8801,6 +8899,41 @@
                   <a:lumMod val="50000"/>
                 </a:schemeClr>
               </a:solidFill>
+              <a:latin typeface="Times New Roman" panose="02020603050405020304" pitchFamily="18" charset="0"/>
+              <a:cs typeface="Times New Roman" panose="02020603050405020304" pitchFamily="18" charset="0"/>
+            </a:endParaRPr>
+          </a:p>
+        </p:txBody>
+      </p:sp>
+      <p:sp>
+        <p:nvSpPr>
+          <p:cNvPr id="2" name="Text Box 1"/>
+          <p:cNvSpPr txBox="1"/>
+          <p:nvPr/>
+        </p:nvSpPr>
+        <p:spPr>
+          <a:xfrm>
+            <a:off x="9262764" y="6381328"/>
+            <a:ext cx="3188335" cy="368300"/>
+          </a:xfrm>
+          <a:prstGeom prst="rect">
+            <a:avLst/>
+          </a:prstGeom>
+          <a:noFill/>
+        </p:spPr>
+        <p:txBody>
+          <a:bodyPr wrap="square" rtlCol="0">
+            <a:spAutoFit/>
+          </a:bodyPr>
+          <a:p>
+            <a:r>
+              <a:rPr lang="en-US" dirty="0">
+                <a:latin typeface="Times New Roman" panose="02020603050405020304" pitchFamily="18" charset="0"/>
+                <a:cs typeface="Times New Roman" panose="02020603050405020304" pitchFamily="18" charset="0"/>
+              </a:rPr>
+              <a:t>Sakshi T</a:t>
+            </a:r>
+            <a:endParaRPr lang="en-US" dirty="0">
               <a:latin typeface="Times New Roman" panose="02020603050405020304" pitchFamily="18" charset="0"/>
               <a:cs typeface="Times New Roman" panose="02020603050405020304" pitchFamily="18" charset="0"/>
             </a:endParaRPr>
@@ -8867,10 +9000,16 @@
           <a:lstStyle/>
           <a:p>
             <a:r>
-              <a:rPr lang="en-US" dirty="0"/>
+              <a:rPr lang="en-US" dirty="0">
+                <a:latin typeface="Times New Roman" panose="02020603050405020304" pitchFamily="18" charset="0"/>
+                <a:cs typeface="Times New Roman" panose="02020603050405020304" pitchFamily="18" charset="0"/>
+              </a:rPr>
               <a:t>Abhishek Rao</a:t>
             </a:r>
-            <a:endParaRPr lang="en-US" dirty="0"/>
+            <a:endParaRPr lang="en-US" dirty="0">
+              <a:latin typeface="Times New Roman" panose="02020603050405020304" pitchFamily="18" charset="0"/>
+              <a:cs typeface="Times New Roman" panose="02020603050405020304" pitchFamily="18" charset="0"/>
+            </a:endParaRPr>
           </a:p>
         </p:txBody>
       </p:sp>

--- a/Ideas -- v3.0.pptx
+++ b/Ideas -- v3.0.pptx
@@ -7888,7 +7888,7 @@
           <a:lstStyle/>
           <a:p>
             <a:r>
-              <a:rPr lang="en-US" sz="1400">
+              <a:rPr lang="en-US" sz="1400" dirty="0">
                 <a:latin typeface="Times New Roman" panose="02020603050405020304" pitchFamily="18" charset="0"/>
                 <a:cs typeface="Times New Roman" panose="02020603050405020304" pitchFamily="18" charset="0"/>
               </a:rPr>
@@ -7897,25 +7897,53 @@
           </a:p>
           <a:p>
             <a:r>
-              <a:rPr lang="en-US" sz="1400">
+              <a:rPr lang="en-US" sz="1400" dirty="0">
                 <a:latin typeface="Times New Roman" panose="02020603050405020304" pitchFamily="18" charset="0"/>
                 <a:cs typeface="Times New Roman" panose="02020603050405020304" pitchFamily="18" charset="0"/>
               </a:rPr>
-              <a:t>The ubiquitousness of smartphones enables people to announce an emergency they’re observing in real-time. </a:t>
-            </a:r>
-          </a:p>
-          <a:p>
-            <a:r>
-              <a:rPr lang="en-US" sz="1400">
+              <a:t>The </a:t>
+            </a:r>
+            <a:r>
+              <a:rPr lang="en-US" sz="1400" dirty="0" err="1">
                 <a:latin typeface="Times New Roman" panose="02020603050405020304" pitchFamily="18" charset="0"/>
                 <a:cs typeface="Times New Roman" panose="02020603050405020304" pitchFamily="18" charset="0"/>
               </a:rPr>
-              <a:t>Because of this, more agencies are interested in programatically monitoring Twitter (i.e. disaster relief organizations and news agencies).</a:t>
-            </a:r>
-          </a:p>
-          <a:p>
-            <a:r>
-              <a:rPr lang="en-US" sz="1400">
+              <a:t>ubiquitousness</a:t>
+            </a:r>
+            <a:r>
+              <a:rPr lang="en-US" sz="1400" dirty="0">
+                <a:latin typeface="Times New Roman" panose="02020603050405020304" pitchFamily="18" charset="0"/>
+                <a:cs typeface="Times New Roman" panose="02020603050405020304" pitchFamily="18" charset="0"/>
+              </a:rPr>
+              <a:t> of smartphones enables people to announce an emergency they’re observing in real-time. </a:t>
+            </a:r>
+          </a:p>
+          <a:p>
+            <a:r>
+              <a:rPr lang="en-US" sz="1400" dirty="0">
+                <a:latin typeface="Times New Roman" panose="02020603050405020304" pitchFamily="18" charset="0"/>
+                <a:cs typeface="Times New Roman" panose="02020603050405020304" pitchFamily="18" charset="0"/>
+              </a:rPr>
+              <a:t>Because of this, more agencies are interested in </a:t>
+            </a:r>
+            <a:r>
+              <a:rPr lang="en-US" sz="1400" dirty="0" err="1">
+                <a:latin typeface="Times New Roman" panose="02020603050405020304" pitchFamily="18" charset="0"/>
+                <a:cs typeface="Times New Roman" panose="02020603050405020304" pitchFamily="18" charset="0"/>
+              </a:rPr>
+              <a:t>programatically</a:t>
+            </a:r>
+            <a:r>
+              <a:rPr lang="en-US" sz="1400" dirty="0">
+                <a:latin typeface="Times New Roman" panose="02020603050405020304" pitchFamily="18" charset="0"/>
+                <a:cs typeface="Times New Roman" panose="02020603050405020304" pitchFamily="18" charset="0"/>
+              </a:rPr>
+              <a:t> monitoring Twitter (i.e. disaster relief organizations and news agencies).</a:t>
+            </a:r>
+          </a:p>
+          <a:p>
+            <a:r>
+              <a:rPr lang="en-US" sz="1400" dirty="0">
                 <a:gradFill>
                   <a:gsLst>
                     <a:gs pos="0">
@@ -8410,7 +8438,7 @@
         <p:spPr>
           <a:xfrm>
             <a:off x="1522412" y="762000"/>
-            <a:ext cx="9372600" cy="5632311"/>
+            <a:ext cx="9372600" cy="5324535"/>
           </a:xfrm>
           <a:prstGeom prst="rect">
             <a:avLst/>
@@ -8507,7 +8535,7 @@
               <a:rPr lang="en-US" sz="2000" b="1" dirty="0">
                 <a:hlinkClick r:id="rId3"/>
               </a:rPr>
-              <a:t>  The Neural Integration of Speaker and Message</a:t>
+              <a:t>The Neural Integration of Speaker and Message</a:t>
             </a:r>
             <a:r>
               <a:rPr lang="en-US" sz="2000" b="1" dirty="0"/>
@@ -8529,7 +8557,7 @@
               <a:rPr lang="en-US" sz="2000" b="1" dirty="0">
                 <a:hlinkClick r:id="rId4"/>
               </a:rPr>
-              <a:t>  On-line Integration of Semantic Information from Speech and Gesture: Insights from Event-related Brain Potentials</a:t>
+              <a:t>On-line Integration of Semantic Information from Speech and Gesture: Insights from Event-related Brain Potentials</a:t>
             </a:r>
             <a:r>
               <a:rPr lang="en-US" sz="2000" b="1" dirty="0"/>
@@ -8551,7 +8579,7 @@
               <a:rPr lang="en-US" sz="2000" b="1" dirty="0">
                 <a:hlinkClick r:id="rId5"/>
               </a:rPr>
-              <a:t>  When Language Meets Action: The Neural Integration of Gesture and Speech</a:t>
+              <a:t>When Language Meets Action: The Neural Integration of Gesture and Speech</a:t>
             </a:r>
             <a:r>
               <a:rPr lang="en-US" sz="2000" b="1" dirty="0"/>
@@ -8720,7 +8748,7 @@
         <p:spPr>
           <a:xfrm>
             <a:off x="2205980" y="2849652"/>
-            <a:ext cx="7272808" cy="1631216"/>
+            <a:ext cx="7272808" cy="2092881"/>
           </a:xfrm>
           <a:prstGeom prst="rect">
             <a:avLst/>
@@ -8736,7 +8764,7 @@
             <a:r>
               <a:rPr lang="en-IN" sz="1600" b="1" dirty="0">
                 <a:solidFill>
-                  <a:srgbClr val="00B0F0"/>
+                  <a:srgbClr val="0070C0"/>
                 </a:solidFill>
                 <a:latin typeface="Times New Roman" panose="02020603050405020304" pitchFamily="18" charset="0"/>
                 <a:cs typeface="Times New Roman" panose="02020603050405020304" pitchFamily="18" charset="0"/>
@@ -8753,7 +8781,7 @@
             <a:r>
               <a:rPr lang="en-IN" sz="1600" b="1" dirty="0">
                 <a:solidFill>
-                  <a:srgbClr val="00B0F0"/>
+                  <a:srgbClr val="0070C0"/>
                 </a:solidFill>
                 <a:hlinkClick r:id="rId2">
                   <a:extLst>
@@ -8763,30 +8791,11 @@
                   </a:extLst>
                 </a:hlinkClick>
               </a:rPr>
-              <a:t>rticle 1</a:t>
-            </a:r>
-            <a:r>
-              <a:rPr lang="en-IN" sz="1600" b="1" dirty="0">
-                <a:solidFill>
-                  <a:schemeClr val="tx1">
-                    <a:lumMod val="75000"/>
-                  </a:schemeClr>
-                </a:solidFill>
-                <a:hlinkClick r:id="rId2">
-                  <a:extLst>
-                    <a:ext uri="{A12FA001-AC4F-418D-AE19-62706E023703}">
-                      <ahyp:hlinkClr xmlns:ahyp="http://schemas.microsoft.com/office/drawing/2018/hyperlinkcolor" val="tx"/>
-                    </a:ext>
-                  </a:extLst>
-                </a:hlinkClick>
-              </a:rPr>
-              <a:t> </a:t>
+              <a:t>rticle 1 </a:t>
             </a:r>
             <a:endParaRPr lang="en-IN" sz="1600" b="1" dirty="0">
               <a:solidFill>
-                <a:schemeClr val="tx1">
-                  <a:lumMod val="75000"/>
-                </a:schemeClr>
+                <a:srgbClr val="0070C0"/>
               </a:solidFill>
             </a:endParaRPr>
           </a:p>
@@ -8807,7 +8816,7 @@
             <a:r>
               <a:rPr lang="en-IN" sz="1600" b="1" dirty="0">
                 <a:solidFill>
-                  <a:srgbClr val="00B0F0"/>
+                  <a:srgbClr val="0070C0"/>
                 </a:solidFill>
                 <a:latin typeface="Times New Roman" panose="02020603050405020304" pitchFamily="18" charset="0"/>
                 <a:cs typeface="Times New Roman" panose="02020603050405020304" pitchFamily="18" charset="0"/>
@@ -8823,7 +8832,7 @@
             </a:r>
             <a:endParaRPr lang="en-IN" sz="1600" b="1" dirty="0">
               <a:solidFill>
-                <a:srgbClr val="00B0F0"/>
+                <a:srgbClr val="0070C0"/>
               </a:solidFill>
               <a:latin typeface="Times New Roman" panose="02020603050405020304" pitchFamily="18" charset="0"/>
               <a:cs typeface="Times New Roman" panose="02020603050405020304" pitchFamily="18" charset="0"/>
@@ -8848,7 +8857,7 @@
             <a:r>
               <a:rPr lang="en-IN" sz="1600" b="1" dirty="0">
                 <a:solidFill>
-                  <a:srgbClr val="00B0F0"/>
+                  <a:srgbClr val="0070C0"/>
                 </a:solidFill>
                 <a:latin typeface="Times New Roman" panose="02020603050405020304" pitchFamily="18" charset="0"/>
                 <a:cs typeface="Times New Roman" panose="02020603050405020304" pitchFamily="18" charset="0"/>
@@ -8861,6 +8870,35 @@
                 </a:hlinkClick>
               </a:rPr>
               <a:t>GitHub</a:t>
+            </a:r>
+            <a:endParaRPr lang="en-IN" sz="1600" b="1" dirty="0">
+              <a:solidFill>
+                <a:srgbClr val="0070C0"/>
+              </a:solidFill>
+              <a:latin typeface="Times New Roman" panose="02020603050405020304" pitchFamily="18" charset="0"/>
+              <a:cs typeface="Times New Roman" panose="02020603050405020304" pitchFamily="18" charset="0"/>
+            </a:endParaRPr>
+          </a:p>
+          <a:p>
+            <a:endParaRPr lang="en-IN" sz="1600" b="1" dirty="0">
+              <a:solidFill>
+                <a:srgbClr val="00B0F0"/>
+              </a:solidFill>
+              <a:latin typeface="Times New Roman" panose="02020603050405020304" pitchFamily="18" charset="0"/>
+              <a:cs typeface="Times New Roman" panose="02020603050405020304" pitchFamily="18" charset="0"/>
+            </a:endParaRPr>
+          </a:p>
+          <a:p>
+            <a:r>
+              <a:rPr lang="en-IN" sz="1600" b="1" dirty="0">
+                <a:solidFill>
+                  <a:srgbClr val="00B0F0"/>
+                </a:solidFill>
+                <a:latin typeface="Times New Roman" panose="02020603050405020304" pitchFamily="18" charset="0"/>
+                <a:cs typeface="Times New Roman" panose="02020603050405020304" pitchFamily="18" charset="0"/>
+                <a:hlinkClick r:id="rId5"/>
+              </a:rPr>
+              <a:t>https://www.nature.com/articles/s41524-019-0221-0#Sec6</a:t>
             </a:r>
             <a:endParaRPr lang="en-IN" sz="1600" b="1" dirty="0">
               <a:solidFill>

--- a/Ideas -- v3.0.pptx
+++ b/Ideas -- v3.0.pptx
@@ -117,7 +117,7 @@
   </p:defaultTextStyle>
   <p:extLst>
     <p:ext uri="{EFAFB233-063F-42B5-8137-9DF3F51BA10A}">
-      <p15:sldGuideLst xmlns:p15="http://schemas.microsoft.com/office/powerpoint/2012/main">
+      <p15:sldGuideLst xmlns:p15="http://schemas.microsoft.com/office/powerpoint/2012/main" xmlns="">
         <p15:guide id="1" orient="horz" pos="2160">
           <p15:clr>
             <a:srgbClr val="A4A3A4"/>
@@ -136,7 +136,7 @@
       </p15:sldGuideLst>
     </p:ext>
     <p:ext uri="{2D200454-40CA-4A62-9FC3-DE9A4176ACB9}">
-      <p15:notesGuideLst xmlns:p15="http://schemas.microsoft.com/office/powerpoint/2012/main">
+      <p15:notesGuideLst xmlns:p15="http://schemas.microsoft.com/office/powerpoint/2012/main" xmlns="">
         <p15:guide id="1" orient="horz" pos="2880">
           <p15:clr>
             <a:srgbClr val="A4A3A4"/>
@@ -312,7 +312,7 @@
     </p:spTree>
     <p:extLst>
       <p:ext uri="{BB962C8B-B14F-4D97-AF65-F5344CB8AC3E}">
-        <p14:creationId xmlns:p14="http://schemas.microsoft.com/office/powerpoint/2010/main" val="1"/>
+        <p14:creationId xmlns:p14="http://schemas.microsoft.com/office/powerpoint/2010/main" xmlns="" val="1"/>
       </p:ext>
     </p:extLst>
   </p:cSld>
@@ -1669,13 +1669,13 @@
   <p:clrMapOvr>
     <a:masterClrMapping/>
   </p:clrMapOvr>
-  <mc:AlternateContent xmlns:mc="http://schemas.openxmlformats.org/markup-compatibility/2006" xmlns:p14="http://schemas.microsoft.com/office/powerpoint/2010/main">
-    <mc:Choice Requires="p14">
+  <mc:AlternateContent xmlns:mc="http://schemas.openxmlformats.org/markup-compatibility/2006">
+    <mc:Choice xmlns:p14="http://schemas.microsoft.com/office/powerpoint/2010/main" xmlns="" Requires="p14">
       <p:transition spd="med" p14:dur="700">
         <p:fade/>
       </p:transition>
     </mc:Choice>
-    <mc:Fallback xmlns="">
+    <mc:Fallback>
       <p:transition spd="med">
         <p:fade/>
       </p:transition>
@@ -1866,13 +1866,13 @@
   <p:clrMapOvr>
     <a:masterClrMapping/>
   </p:clrMapOvr>
-  <mc:AlternateContent xmlns:mc="http://schemas.openxmlformats.org/markup-compatibility/2006" xmlns:p14="http://schemas.microsoft.com/office/powerpoint/2010/main">
-    <mc:Choice Requires="p14">
+  <mc:AlternateContent xmlns:mc="http://schemas.openxmlformats.org/markup-compatibility/2006">
+    <mc:Choice xmlns:p14="http://schemas.microsoft.com/office/powerpoint/2010/main" xmlns="" Requires="p14">
       <p:transition spd="med" p14:dur="700">
         <p:fade/>
       </p:transition>
     </mc:Choice>
-    <mc:Fallback xmlns="">
+    <mc:Fallback>
       <p:transition spd="med">
         <p:fade/>
       </p:transition>
@@ -2673,13 +2673,13 @@
   <p:clrMapOvr>
     <a:masterClrMapping/>
   </p:clrMapOvr>
-  <mc:AlternateContent xmlns:mc="http://schemas.openxmlformats.org/markup-compatibility/2006" xmlns:p14="http://schemas.microsoft.com/office/powerpoint/2010/main">
-    <mc:Choice Requires="p14">
+  <mc:AlternateContent xmlns:mc="http://schemas.openxmlformats.org/markup-compatibility/2006">
+    <mc:Choice xmlns:p14="http://schemas.microsoft.com/office/powerpoint/2010/main" xmlns="" Requires="p14">
       <p:transition spd="med" p14:dur="700">
         <p:fade/>
       </p:transition>
     </mc:Choice>
-    <mc:Fallback xmlns="">
+    <mc:Fallback>
       <p:transition spd="med">
         <p:fade/>
       </p:transition>
@@ -2871,13 +2871,13 @@
   <p:clrMapOvr>
     <a:masterClrMapping/>
   </p:clrMapOvr>
-  <mc:AlternateContent xmlns:mc="http://schemas.openxmlformats.org/markup-compatibility/2006" xmlns:p14="http://schemas.microsoft.com/office/powerpoint/2010/main">
-    <mc:Choice Requires="p14">
+  <mc:AlternateContent xmlns:mc="http://schemas.openxmlformats.org/markup-compatibility/2006">
+    <mc:Choice xmlns:p14="http://schemas.microsoft.com/office/powerpoint/2010/main" xmlns="" Requires="p14">
       <p:transition spd="med" p14:dur="700">
         <p:fade/>
       </p:transition>
     </mc:Choice>
-    <mc:Fallback xmlns="">
+    <mc:Fallback>
       <p:transition spd="med">
         <p:fade/>
       </p:transition>
@@ -4147,13 +4147,13 @@
   <p:clrMapOvr>
     <a:masterClrMapping/>
   </p:clrMapOvr>
-  <mc:AlternateContent xmlns:mc="http://schemas.openxmlformats.org/markup-compatibility/2006" xmlns:p14="http://schemas.microsoft.com/office/powerpoint/2010/main">
-    <mc:Choice Requires="p14">
+  <mc:AlternateContent xmlns:mc="http://schemas.openxmlformats.org/markup-compatibility/2006">
+    <mc:Choice xmlns:p14="http://schemas.microsoft.com/office/powerpoint/2010/main" xmlns="" Requires="p14">
       <p:transition spd="med" p14:dur="700">
         <p:fade/>
       </p:transition>
     </mc:Choice>
-    <mc:Fallback xmlns="">
+    <mc:Fallback>
       <p:transition spd="med">
         <p:fade/>
       </p:transition>
@@ -4445,13 +4445,13 @@
   <p:clrMapOvr>
     <a:masterClrMapping/>
   </p:clrMapOvr>
-  <mc:AlternateContent xmlns:mc="http://schemas.openxmlformats.org/markup-compatibility/2006" xmlns:p14="http://schemas.microsoft.com/office/powerpoint/2010/main">
-    <mc:Choice Requires="p14">
+  <mc:AlternateContent xmlns:mc="http://schemas.openxmlformats.org/markup-compatibility/2006">
+    <mc:Choice xmlns:p14="http://schemas.microsoft.com/office/powerpoint/2010/main" xmlns="" Requires="p14">
       <p:transition spd="med" p14:dur="700">
         <p:fade/>
       </p:transition>
     </mc:Choice>
-    <mc:Fallback xmlns="">
+    <mc:Fallback>
       <p:transition spd="med">
         <p:fade/>
       </p:transition>
@@ -4892,13 +4892,13 @@
   <p:clrMapOvr>
     <a:masterClrMapping/>
   </p:clrMapOvr>
-  <mc:AlternateContent xmlns:mc="http://schemas.openxmlformats.org/markup-compatibility/2006" xmlns:p14="http://schemas.microsoft.com/office/powerpoint/2010/main">
-    <mc:Choice Requires="p14">
+  <mc:AlternateContent xmlns:mc="http://schemas.openxmlformats.org/markup-compatibility/2006">
+    <mc:Choice xmlns:p14="http://schemas.microsoft.com/office/powerpoint/2010/main" xmlns="" Requires="p14">
       <p:transition spd="med" p14:dur="700">
         <p:fade/>
       </p:transition>
     </mc:Choice>
-    <mc:Fallback xmlns="">
+    <mc:Fallback>
       <p:transition spd="med">
         <p:fade/>
       </p:transition>
@@ -5022,13 +5022,13 @@
   <p:clrMapOvr>
     <a:masterClrMapping/>
   </p:clrMapOvr>
-  <mc:AlternateContent xmlns:mc="http://schemas.openxmlformats.org/markup-compatibility/2006" xmlns:p14="http://schemas.microsoft.com/office/powerpoint/2010/main">
-    <mc:Choice Requires="p14">
+  <mc:AlternateContent xmlns:mc="http://schemas.openxmlformats.org/markup-compatibility/2006">
+    <mc:Choice xmlns:p14="http://schemas.microsoft.com/office/powerpoint/2010/main" xmlns="" Requires="p14">
       <p:transition spd="med" p14:dur="700">
         <p:fade/>
       </p:transition>
     </mc:Choice>
-    <mc:Fallback xmlns="">
+    <mc:Fallback>
       <p:transition spd="med">
         <p:fade/>
       </p:transition>
@@ -5366,13 +5366,13 @@
   <p:clrMapOvr>
     <a:masterClrMapping/>
   </p:clrMapOvr>
-  <mc:AlternateContent xmlns:mc="http://schemas.openxmlformats.org/markup-compatibility/2006" xmlns:p14="http://schemas.microsoft.com/office/powerpoint/2010/main">
-    <mc:Choice Requires="p14">
+  <mc:AlternateContent xmlns:mc="http://schemas.openxmlformats.org/markup-compatibility/2006">
+    <mc:Choice xmlns:p14="http://schemas.microsoft.com/office/powerpoint/2010/main" xmlns="" Requires="p14">
       <p:transition spd="med" p14:dur="700">
         <p:fade/>
       </p:transition>
     </mc:Choice>
-    <mc:Fallback xmlns="">
+    <mc:Fallback>
       <p:transition spd="med">
         <p:fade/>
       </p:transition>
@@ -5848,13 +5848,13 @@
   <p:clrMapOvr>
     <a:masterClrMapping/>
   </p:clrMapOvr>
-  <mc:AlternateContent xmlns:mc="http://schemas.openxmlformats.org/markup-compatibility/2006" xmlns:p14="http://schemas.microsoft.com/office/powerpoint/2010/main">
-    <mc:Choice Requires="p14">
+  <mc:AlternateContent xmlns:mc="http://schemas.openxmlformats.org/markup-compatibility/2006">
+    <mc:Choice xmlns:p14="http://schemas.microsoft.com/office/powerpoint/2010/main" xmlns="" Requires="p14">
       <p:transition spd="med" p14:dur="700">
         <p:fade/>
       </p:transition>
     </mc:Choice>
-    <mc:Fallback xmlns="">
+    <mc:Fallback>
       <p:transition spd="med">
         <p:fade/>
       </p:transition>
@@ -6347,13 +6347,13 @@
   <p:clrMapOvr>
     <a:masterClrMapping/>
   </p:clrMapOvr>
-  <mc:AlternateContent xmlns:mc="http://schemas.openxmlformats.org/markup-compatibility/2006" xmlns:p14="http://schemas.microsoft.com/office/powerpoint/2010/main">
-    <mc:Choice Requires="p14">
+  <mc:AlternateContent xmlns:mc="http://schemas.openxmlformats.org/markup-compatibility/2006">
+    <mc:Choice xmlns:p14="http://schemas.microsoft.com/office/powerpoint/2010/main" xmlns="" Requires="p14">
       <p:transition spd="med" p14:dur="700">
         <p:fade/>
       </p:transition>
     </mc:Choice>
-    <mc:Fallback xmlns="">
+    <mc:Fallback>
       <p:transition spd="med">
         <p:fade/>
       </p:transition>
@@ -7228,13 +7228,13 @@
     <p:sldLayoutId id="2147483658" r:id="rId10"/>
     <p:sldLayoutId id="2147483659" r:id="rId11"/>
   </p:sldLayoutIdLst>
-  <mc:AlternateContent xmlns:mc="http://schemas.openxmlformats.org/markup-compatibility/2006" xmlns:p14="http://schemas.microsoft.com/office/powerpoint/2010/main">
-    <mc:Choice Requires="p14">
+  <mc:AlternateContent xmlns:mc="http://schemas.openxmlformats.org/markup-compatibility/2006">
+    <mc:Choice xmlns:p14="http://schemas.microsoft.com/office/powerpoint/2010/main" xmlns="" Requires="p14">
       <p:transition spd="med" p14:dur="700">
         <p:fade/>
       </p:transition>
     </mc:Choice>
-    <mc:Fallback xmlns="">
+    <mc:Fallback>
       <p:transition spd="med">
         <p:fade/>
       </p:transition>
@@ -7583,13 +7583,13 @@
   <p:clrMapOvr>
     <a:masterClrMapping/>
   </p:clrMapOvr>
-  <mc:AlternateContent xmlns:mc="http://schemas.openxmlformats.org/markup-compatibility/2006" xmlns:p14="http://schemas.microsoft.com/office/powerpoint/2010/main">
-    <mc:Choice Requires="p14">
+  <mc:AlternateContent xmlns:mc="http://schemas.openxmlformats.org/markup-compatibility/2006">
+    <mc:Choice xmlns:p14="http://schemas.microsoft.com/office/powerpoint/2010/main" xmlns="" Requires="p14">
       <p:transition spd="med" p14:dur="700">
         <p:fade/>
       </p:transition>
     </mc:Choice>
-    <mc:Fallback xmlns="">
+    <mc:Fallback>
       <p:transition spd="med">
         <p:fade/>
       </p:transition>
@@ -7806,13 +7806,13 @@
   <p:clrMapOvr>
     <a:masterClrMapping/>
   </p:clrMapOvr>
-  <mc:AlternateContent xmlns:mc="http://schemas.openxmlformats.org/markup-compatibility/2006" xmlns:p14="http://schemas.microsoft.com/office/powerpoint/2010/main">
-    <mc:Choice Requires="p14">
+  <mc:AlternateContent xmlns:mc="http://schemas.openxmlformats.org/markup-compatibility/2006">
+    <mc:Choice xmlns:p14="http://schemas.microsoft.com/office/powerpoint/2010/main" xmlns="" Requires="p14">
       <p:transition spd="med" p14:dur="700">
         <p:fade/>
       </p:transition>
     </mc:Choice>
-    <mc:Fallback xmlns="">
+    <mc:Fallback>
       <p:transition spd="med">
         <p:fade/>
       </p:transition>
@@ -8184,7 +8184,7 @@
               <a:buNone/>
             </a:pPr>
             <a:r>
-              <a:rPr lang="en-US" sz="2000">
+              <a:rPr lang="en-US" sz="2000" dirty="0">
                 <a:latin typeface="Times New Roman" panose="02020603050405020304" pitchFamily="18" charset="0"/>
                 <a:cs typeface="Times New Roman" panose="02020603050405020304" pitchFamily="18" charset="0"/>
               </a:rPr>
@@ -8198,13 +8198,13 @@
   <p:clrMapOvr>
     <a:masterClrMapping/>
   </p:clrMapOvr>
-  <mc:AlternateContent xmlns:mc="http://schemas.openxmlformats.org/markup-compatibility/2006" xmlns:p14="http://schemas.microsoft.com/office/powerpoint/2010/main">
-    <mc:Choice Requires="p14">
+  <mc:AlternateContent xmlns:mc="http://schemas.openxmlformats.org/markup-compatibility/2006">
+    <mc:Choice xmlns:p14="http://schemas.microsoft.com/office/powerpoint/2010/main" xmlns="" Requires="p14">
       <p:transition spd="med" p14:dur="700">
         <p:fade/>
       </p:transition>
     </mc:Choice>
-    <mc:Fallback xmlns="">
+    <mc:Fallback>
       <p:transition spd="med">
         <p:fade/>
       </p:transition>
@@ -8246,12 +8246,107 @@
           <a:lstStyle/>
           <a:p>
             <a:r>
-              <a:rPr lang="en-US" sz="2000">
+              <a:rPr lang="en-US" sz="2000" dirty="0">
                 <a:latin typeface="Times New Roman" panose="02020603050405020304" pitchFamily="18" charset="0"/>
                 <a:cs typeface="Times New Roman" panose="02020603050405020304" pitchFamily="18" charset="0"/>
               </a:rPr>
-              <a:t>Combating On​line Ho​st​ile Posts in ​Regional L​anguages dur​ing Emerge​ncy Si​tuation</a:t>
-            </a:r>
+              <a:t>Combating On​line Ho​</a:t>
+            </a:r>
+            <a:r>
+              <a:rPr lang="en-US" sz="2000" dirty="0" err="1">
+                <a:latin typeface="Times New Roman" panose="02020603050405020304" pitchFamily="18" charset="0"/>
+                <a:cs typeface="Times New Roman" panose="02020603050405020304" pitchFamily="18" charset="0"/>
+              </a:rPr>
+              <a:t>st</a:t>
+            </a:r>
+            <a:r>
+              <a:rPr lang="en-US" sz="2000" dirty="0">
+                <a:latin typeface="Times New Roman" panose="02020603050405020304" pitchFamily="18" charset="0"/>
+                <a:cs typeface="Times New Roman" panose="02020603050405020304" pitchFamily="18" charset="0"/>
+              </a:rPr>
+              <a:t>​</a:t>
+            </a:r>
+            <a:r>
+              <a:rPr lang="en-US" sz="2000" dirty="0" err="1">
+                <a:latin typeface="Times New Roman" panose="02020603050405020304" pitchFamily="18" charset="0"/>
+                <a:cs typeface="Times New Roman" panose="02020603050405020304" pitchFamily="18" charset="0"/>
+              </a:rPr>
+              <a:t>ile</a:t>
+            </a:r>
+            <a:r>
+              <a:rPr lang="en-US" sz="2000" dirty="0">
+                <a:latin typeface="Times New Roman" panose="02020603050405020304" pitchFamily="18" charset="0"/>
+                <a:cs typeface="Times New Roman" panose="02020603050405020304" pitchFamily="18" charset="0"/>
+              </a:rPr>
+              <a:t> Posts in ​Regional L​</a:t>
+            </a:r>
+            <a:r>
+              <a:rPr lang="en-US" sz="2000" dirty="0" err="1">
+                <a:latin typeface="Times New Roman" panose="02020603050405020304" pitchFamily="18" charset="0"/>
+                <a:cs typeface="Times New Roman" panose="02020603050405020304" pitchFamily="18" charset="0"/>
+              </a:rPr>
+              <a:t>anguages</a:t>
+            </a:r>
+            <a:r>
+              <a:rPr lang="en-US" sz="2000" dirty="0">
+                <a:latin typeface="Times New Roman" panose="02020603050405020304" pitchFamily="18" charset="0"/>
+                <a:cs typeface="Times New Roman" panose="02020603050405020304" pitchFamily="18" charset="0"/>
+              </a:rPr>
+              <a:t> </a:t>
+            </a:r>
+            <a:r>
+              <a:rPr lang="en-US" sz="2000" dirty="0" err="1">
+                <a:latin typeface="Times New Roman" panose="02020603050405020304" pitchFamily="18" charset="0"/>
+                <a:cs typeface="Times New Roman" panose="02020603050405020304" pitchFamily="18" charset="0"/>
+              </a:rPr>
+              <a:t>dur</a:t>
+            </a:r>
+            <a:r>
+              <a:rPr lang="en-US" sz="2000" dirty="0">
+                <a:latin typeface="Times New Roman" panose="02020603050405020304" pitchFamily="18" charset="0"/>
+                <a:cs typeface="Times New Roman" panose="02020603050405020304" pitchFamily="18" charset="0"/>
+              </a:rPr>
+              <a:t>​</a:t>
+            </a:r>
+            <a:r>
+              <a:rPr lang="en-US" sz="2000" dirty="0" err="1">
+                <a:latin typeface="Times New Roman" panose="02020603050405020304" pitchFamily="18" charset="0"/>
+                <a:cs typeface="Times New Roman" panose="02020603050405020304" pitchFamily="18" charset="0"/>
+              </a:rPr>
+              <a:t>ing</a:t>
+            </a:r>
+            <a:r>
+              <a:rPr lang="en-US" sz="2000" dirty="0">
+                <a:latin typeface="Times New Roman" panose="02020603050405020304" pitchFamily="18" charset="0"/>
+                <a:cs typeface="Times New Roman" panose="02020603050405020304" pitchFamily="18" charset="0"/>
+              </a:rPr>
+              <a:t> Emerge​</a:t>
+            </a:r>
+            <a:r>
+              <a:rPr lang="en-US" sz="2000" dirty="0" err="1">
+                <a:latin typeface="Times New Roman" panose="02020603050405020304" pitchFamily="18" charset="0"/>
+                <a:cs typeface="Times New Roman" panose="02020603050405020304" pitchFamily="18" charset="0"/>
+              </a:rPr>
+              <a:t>ncy</a:t>
+            </a:r>
+            <a:r>
+              <a:rPr lang="en-US" sz="2000" dirty="0">
+                <a:latin typeface="Times New Roman" panose="02020603050405020304" pitchFamily="18" charset="0"/>
+                <a:cs typeface="Times New Roman" panose="02020603050405020304" pitchFamily="18" charset="0"/>
+              </a:rPr>
+              <a:t> Si​</a:t>
+            </a:r>
+            <a:r>
+              <a:rPr lang="en-US" sz="2000" dirty="0" err="1">
+                <a:latin typeface="Times New Roman" panose="02020603050405020304" pitchFamily="18" charset="0"/>
+                <a:cs typeface="Times New Roman" panose="02020603050405020304" pitchFamily="18" charset="0"/>
+              </a:rPr>
+              <a:t>tuation</a:t>
+            </a:r>
+            <a:endParaRPr lang="en-US" sz="2000" dirty="0">
+              <a:latin typeface="Times New Roman" panose="02020603050405020304" pitchFamily="18" charset="0"/>
+              <a:cs typeface="Times New Roman" panose="02020603050405020304" pitchFamily="18" charset="0"/>
+            </a:endParaRPr>
           </a:p>
         </p:txBody>
       </p:sp>
@@ -8397,13 +8492,13 @@
   <p:clrMapOvr>
     <a:masterClrMapping/>
   </p:clrMapOvr>
-  <mc:AlternateContent xmlns:mc="http://schemas.openxmlformats.org/markup-compatibility/2006" xmlns:p14="http://schemas.microsoft.com/office/powerpoint/2010/main">
-    <mc:Choice Requires="p14">
+  <mc:AlternateContent xmlns:mc="http://schemas.openxmlformats.org/markup-compatibility/2006">
+    <mc:Choice xmlns:p14="http://schemas.microsoft.com/office/powerpoint/2010/main" xmlns="" Requires="p14">
       <p:transition spd="med" p14:dur="700">
         <p:fade/>
       </p:transition>
     </mc:Choice>
-    <mc:Fallback xmlns="">
+    <mc:Fallback>
       <p:transition spd="med">
         <p:fade/>
       </p:transition>
@@ -8438,7 +8533,7 @@
         <p:spPr>
           <a:xfrm>
             <a:off x="1522412" y="762000"/>
-            <a:ext cx="9372600" cy="5324535"/>
+            <a:ext cx="9372600" cy="4862870"/>
           </a:xfrm>
           <a:prstGeom prst="rect">
             <a:avLst/>
@@ -8457,7 +8552,14 @@
             </a:pPr>
             <a:r>
               <a:rPr lang="en-US" sz="2000" b="1" dirty="0"/>
-              <a:t>  Quick Draw  </a:t>
+              <a:t>  </a:t>
+            </a:r>
+            <a:r>
+              <a:rPr lang="en-US" sz="2000" dirty="0">
+                <a:latin typeface="Times New Roman" pitchFamily="18" charset="0"/>
+                <a:cs typeface="Times New Roman" pitchFamily="18" charset="0"/>
+              </a:rPr>
+              <a:t>Quick Draw  </a:t>
             </a:r>
           </a:p>
           <a:p>
@@ -8467,11 +8569,21 @@
             </a:pPr>
             <a:r>
               <a:rPr lang="en-US" sz="2000" dirty="0"/>
-              <a:t>  These doodles are a unique data set that can:</a:t>
-            </a:r>
-          </a:p>
-          <a:p>
-            <a:endParaRPr lang="en-US" sz="2000" dirty="0"/>
+              <a:t>  </a:t>
+            </a:r>
+            <a:r>
+              <a:rPr lang="en-US" sz="1400" dirty="0">
+                <a:latin typeface="Times New Roman" pitchFamily="18" charset="0"/>
+                <a:cs typeface="Times New Roman" pitchFamily="18" charset="0"/>
+              </a:rPr>
+              <a:t>These doodles are a unique data set that can:</a:t>
+            </a:r>
+          </a:p>
+          <a:p>
+            <a:endParaRPr lang="en-US" sz="1400" dirty="0">
+              <a:latin typeface="Times New Roman" pitchFamily="18" charset="0"/>
+              <a:cs typeface="Times New Roman" pitchFamily="18" charset="0"/>
+            </a:endParaRPr>
           </a:p>
           <a:p>
             <a:pPr>
@@ -8479,7 +8591,10 @@
               <a:buChar char="q"/>
             </a:pPr>
             <a:r>
-              <a:rPr lang="en-US" sz="2000" dirty="0"/>
+              <a:rPr lang="en-US" sz="1400" dirty="0">
+                <a:latin typeface="Times New Roman" pitchFamily="18" charset="0"/>
+                <a:cs typeface="Times New Roman" pitchFamily="18" charset="0"/>
+              </a:rPr>
               <a:t>   help developers train new neural networks,</a:t>
             </a:r>
           </a:p>
@@ -8489,7 +8604,10 @@
               <a:buChar char="q"/>
             </a:pPr>
             <a:r>
-              <a:rPr lang="en-US" sz="2000" dirty="0"/>
+              <a:rPr lang="en-US" sz="1400" dirty="0">
+                <a:latin typeface="Times New Roman" pitchFamily="18" charset="0"/>
+                <a:cs typeface="Times New Roman" pitchFamily="18" charset="0"/>
+              </a:rPr>
               <a:t>   help researchers see patterns in how people around the world draw,</a:t>
             </a:r>
           </a:p>
@@ -8499,7 +8617,10 @@
               <a:buChar char="q"/>
             </a:pPr>
             <a:r>
-              <a:rPr lang="en-US" sz="2000" dirty="0"/>
+              <a:rPr lang="en-US" sz="1400" dirty="0">
+                <a:latin typeface="Times New Roman" pitchFamily="18" charset="0"/>
+                <a:cs typeface="Times New Roman" pitchFamily="18" charset="0"/>
+              </a:rPr>
               <a:t>   and help artists create things we haven’t begun to think of.</a:t>
             </a:r>
           </a:p>
@@ -8509,17 +8630,25 @@
               <a:buChar char="•"/>
             </a:pPr>
             <a:r>
-              <a:rPr lang="en-US" sz="2000" dirty="0"/>
+              <a:rPr lang="en-US" sz="1400" dirty="0">
+                <a:latin typeface="Times New Roman" pitchFamily="18" charset="0"/>
+                <a:cs typeface="Times New Roman" pitchFamily="18" charset="0"/>
+              </a:rPr>
               <a:t>    </a:t>
             </a:r>
             <a:r>
-              <a:rPr lang="en-US" sz="2000" dirty="0">
+              <a:rPr lang="en-US" sz="1400" dirty="0">
+                <a:latin typeface="Times New Roman" pitchFamily="18" charset="0"/>
+                <a:cs typeface="Times New Roman" pitchFamily="18" charset="0"/>
                 <a:hlinkClick r:id="rId2"/>
               </a:rPr>
               <a:t>https://quickdraw.withgoogle.com/data</a:t>
             </a:r>
             <a:r>
-              <a:rPr lang="en-US" sz="2000" dirty="0"/>
+              <a:rPr lang="en-US" sz="1400" dirty="0">
+                <a:latin typeface="Times New Roman" pitchFamily="18" charset="0"/>
+                <a:cs typeface="Times New Roman" pitchFamily="18" charset="0"/>
+              </a:rPr>
               <a:t> </a:t>
             </a:r>
           </a:p>
@@ -8532,21 +8661,32 @@
               <a:buChar char="Ø"/>
             </a:pPr>
             <a:r>
-              <a:rPr lang="en-US" sz="2000" b="1" dirty="0">
+              <a:rPr lang="en-US" sz="2000" dirty="0">
+                <a:latin typeface="Times New Roman" pitchFamily="18" charset="0"/>
+                <a:cs typeface="Times New Roman" pitchFamily="18" charset="0"/>
                 <a:hlinkClick r:id="rId3"/>
               </a:rPr>
               <a:t>The Neural Integration of Speaker and Message</a:t>
             </a:r>
             <a:r>
-              <a:rPr lang="en-US" sz="2000" b="1" dirty="0"/>
+              <a:rPr lang="en-US" sz="2000" dirty="0">
+                <a:latin typeface="Times New Roman" pitchFamily="18" charset="0"/>
+                <a:cs typeface="Times New Roman" pitchFamily="18" charset="0"/>
+              </a:rPr>
               <a:t> </a:t>
             </a:r>
           </a:p>
           <a:p>
-            <a:endParaRPr lang="en-US" sz="2000" dirty="0"/>
-          </a:p>
-          <a:p>
-            <a:endParaRPr lang="en-US" sz="2000" dirty="0"/>
+            <a:endParaRPr lang="en-US" sz="2000" dirty="0">
+              <a:latin typeface="Times New Roman" pitchFamily="18" charset="0"/>
+              <a:cs typeface="Times New Roman" pitchFamily="18" charset="0"/>
+            </a:endParaRPr>
+          </a:p>
+          <a:p>
+            <a:endParaRPr lang="en-US" sz="2000" dirty="0">
+              <a:latin typeface="Times New Roman" pitchFamily="18" charset="0"/>
+              <a:cs typeface="Times New Roman" pitchFamily="18" charset="0"/>
+            </a:endParaRPr>
           </a:p>
           <a:p>
             <a:pPr>
@@ -8554,21 +8694,32 @@
               <a:buChar char="Ø"/>
             </a:pPr>
             <a:r>
-              <a:rPr lang="en-US" sz="2000" b="1" dirty="0">
+              <a:rPr lang="en-US" sz="2000" dirty="0">
+                <a:latin typeface="Times New Roman" pitchFamily="18" charset="0"/>
+                <a:cs typeface="Times New Roman" pitchFamily="18" charset="0"/>
                 <a:hlinkClick r:id="rId4"/>
               </a:rPr>
               <a:t>On-line Integration of Semantic Information from Speech and Gesture: Insights from Event-related Brain Potentials</a:t>
             </a:r>
             <a:r>
-              <a:rPr lang="en-US" sz="2000" b="1" dirty="0"/>
+              <a:rPr lang="en-US" sz="2000" dirty="0">
+                <a:latin typeface="Times New Roman" pitchFamily="18" charset="0"/>
+                <a:cs typeface="Times New Roman" pitchFamily="18" charset="0"/>
+              </a:rPr>
               <a:t> </a:t>
             </a:r>
           </a:p>
           <a:p>
-            <a:endParaRPr lang="en-US" sz="2000" dirty="0"/>
-          </a:p>
-          <a:p>
-            <a:endParaRPr lang="en-US" sz="2000" dirty="0"/>
+            <a:endParaRPr lang="en-US" sz="2000" dirty="0">
+              <a:latin typeface="Times New Roman" pitchFamily="18" charset="0"/>
+              <a:cs typeface="Times New Roman" pitchFamily="18" charset="0"/>
+            </a:endParaRPr>
+          </a:p>
+          <a:p>
+            <a:endParaRPr lang="en-US" sz="2000" dirty="0">
+              <a:latin typeface="Times New Roman" pitchFamily="18" charset="0"/>
+              <a:cs typeface="Times New Roman" pitchFamily="18" charset="0"/>
+            </a:endParaRPr>
           </a:p>
           <a:p>
             <a:pPr>
@@ -8576,13 +8727,18 @@
               <a:buChar char="Ø"/>
             </a:pPr>
             <a:r>
-              <a:rPr lang="en-US" sz="2000" b="1" dirty="0">
+              <a:rPr lang="en-US" sz="2000" dirty="0">
+                <a:latin typeface="Times New Roman" pitchFamily="18" charset="0"/>
+                <a:cs typeface="Times New Roman" pitchFamily="18" charset="0"/>
                 <a:hlinkClick r:id="rId5"/>
               </a:rPr>
               <a:t>When Language Meets Action: The Neural Integration of Gesture and Speech</a:t>
             </a:r>
             <a:r>
-              <a:rPr lang="en-US" sz="2000" b="1" dirty="0"/>
+              <a:rPr lang="en-US" sz="2000" dirty="0">
+                <a:latin typeface="Times New Roman" pitchFamily="18" charset="0"/>
+                <a:cs typeface="Times New Roman" pitchFamily="18" charset="0"/>
+              </a:rPr>
               <a:t>  </a:t>
             </a:r>
           </a:p>
@@ -8600,13 +8756,13 @@
   <p:clrMapOvr>
     <a:masterClrMapping/>
   </p:clrMapOvr>
-  <mc:AlternateContent xmlns:mc="http://schemas.openxmlformats.org/markup-compatibility/2006" xmlns:p14="http://schemas.microsoft.com/office/powerpoint/2010/main">
-    <mc:Choice Requires="p14">
+  <mc:AlternateContent xmlns:mc="http://schemas.openxmlformats.org/markup-compatibility/2006">
+    <mc:Choice xmlns:p14="http://schemas.microsoft.com/office/powerpoint/2010/main" xmlns="" Requires="p14">
       <p:transition spd="med" p14:dur="700">
         <p:fade/>
       </p:transition>
     </mc:Choice>
-    <mc:Fallback xmlns="">
+    <mc:Fallback>
       <p:transition spd="med">
         <p:fade/>
       </p:transition>
@@ -8666,7 +8822,7 @@
           <p:cNvPr id="3" name="TextBox 2">
             <a:extLst>
               <a:ext uri="{FF2B5EF4-FFF2-40B4-BE49-F238E27FC236}">
-                <a16:creationId xmlns:a16="http://schemas.microsoft.com/office/drawing/2014/main" id="{DF331551-FA80-4063-9F00-093C846CEBC7}"/>
+                <a16:creationId xmlns:a16="http://schemas.microsoft.com/office/drawing/2014/main" xmlns="" id="{DF331551-FA80-4063-9F00-093C846CEBC7}"/>
               </a:ext>
             </a:extLst>
           </p:cNvPr>
@@ -8738,7 +8894,7 @@
           <p:cNvPr id="5" name="TextBox 4">
             <a:extLst>
               <a:ext uri="{FF2B5EF4-FFF2-40B4-BE49-F238E27FC236}">
-                <a16:creationId xmlns:a16="http://schemas.microsoft.com/office/drawing/2014/main" id="{5CABADB1-F650-44F4-8D86-570228ACFD75}"/>
+                <a16:creationId xmlns:a16="http://schemas.microsoft.com/office/drawing/2014/main" xmlns="" id="{5CABADB1-F650-44F4-8D86-570228ACFD75}"/>
               </a:ext>
             </a:extLst>
           </p:cNvPr>
@@ -8771,7 +8927,7 @@
                 <a:hlinkClick r:id="rId2">
                   <a:extLst>
                     <a:ext uri="{A12FA001-AC4F-418D-AE19-62706E023703}">
-                      <ahyp:hlinkClr xmlns:ahyp="http://schemas.microsoft.com/office/drawing/2018/hyperlinkcolor" val="tx"/>
+                      <ahyp:hlinkClr xmlns:ahyp="http://schemas.microsoft.com/office/drawing/2018/hyperlinkcolor" xmlns="" val="tx"/>
                     </a:ext>
                   </a:extLst>
                 </a:hlinkClick>
@@ -8786,7 +8942,7 @@
                 <a:hlinkClick r:id="rId2">
                   <a:extLst>
                     <a:ext uri="{A12FA001-AC4F-418D-AE19-62706E023703}">
-                      <ahyp:hlinkClr xmlns:ahyp="http://schemas.microsoft.com/office/drawing/2018/hyperlinkcolor" val="tx"/>
+                      <ahyp:hlinkClr xmlns:ahyp="http://schemas.microsoft.com/office/drawing/2018/hyperlinkcolor" xmlns="" val="tx"/>
                     </a:ext>
                   </a:extLst>
                 </a:hlinkClick>
@@ -8823,7 +8979,7 @@
                 <a:hlinkClick r:id="rId3">
                   <a:extLst>
                     <a:ext uri="{A12FA001-AC4F-418D-AE19-62706E023703}">
-                      <ahyp:hlinkClr xmlns:ahyp="http://schemas.microsoft.com/office/drawing/2018/hyperlinkcolor" val="tx"/>
+                      <ahyp:hlinkClr xmlns:ahyp="http://schemas.microsoft.com/office/drawing/2018/hyperlinkcolor" xmlns="" val="tx"/>
                     </a:ext>
                   </a:extLst>
                 </a:hlinkClick>
@@ -8864,7 +9020,7 @@
                 <a:hlinkClick r:id="rId4">
                   <a:extLst>
                     <a:ext uri="{A12FA001-AC4F-418D-AE19-62706E023703}">
-                      <ahyp:hlinkClr xmlns:ahyp="http://schemas.microsoft.com/office/drawing/2018/hyperlinkcolor" val="tx"/>
+                      <ahyp:hlinkClr xmlns:ahyp="http://schemas.microsoft.com/office/drawing/2018/hyperlinkcolor" xmlns="" val="tx"/>
                     </a:ext>
                   </a:extLst>
                 </a:hlinkClick>
@@ -8928,7 +9084,7 @@
           <p:cNvPr id="12" name="TextBox 11">
             <a:extLst>
               <a:ext uri="{FF2B5EF4-FFF2-40B4-BE49-F238E27FC236}">
-                <a16:creationId xmlns:a16="http://schemas.microsoft.com/office/drawing/2014/main" id="{CB084883-BBA3-4FA5-86B4-A1B2CEDEC222}"/>
+                <a16:creationId xmlns:a16="http://schemas.microsoft.com/office/drawing/2014/main" xmlns="" id="{CB084883-BBA3-4FA5-86B4-A1B2CEDEC222}"/>
               </a:ext>
             </a:extLst>
           </p:cNvPr>
@@ -8970,13 +9126,13 @@
   <p:clrMapOvr>
     <a:masterClrMapping/>
   </p:clrMapOvr>
-  <mc:AlternateContent xmlns:mc="http://schemas.openxmlformats.org/markup-compatibility/2006" xmlns:p14="http://schemas.microsoft.com/office/powerpoint/2010/main">
-    <mc:Choice Requires="p14">
+  <mc:AlternateContent xmlns:mc="http://schemas.openxmlformats.org/markup-compatibility/2006">
+    <mc:Choice xmlns:p14="http://schemas.microsoft.com/office/powerpoint/2010/main" xmlns="" Requires="p14">
       <p:transition spd="med" p14:dur="700">
         <p:fade/>
       </p:transition>
     </mc:Choice>
-    <mc:Fallback xmlns="">
+    <mc:Fallback>
       <p:transition spd="med">
         <p:fade/>
       </p:transition>
@@ -9180,7 +9336,7 @@
   <a:extraClrSchemeLst/>
   <a:extLst>
     <a:ext uri="{05A4C25C-085E-4340-85A3-A5531E510DB2}">
-      <thm15:themeFamily xmlns:thm15="http://schemas.microsoft.com/office/thememl/2012/main" name="Office Theme" id="{62F939B6-93AF-4DB8-9C6B-D6C7DFDC589F}" vid="{4A3C46E8-61CC-4603-A589-7422A47A8E4A}"/>
+      <thm15:themeFamily xmlns:thm15="http://schemas.microsoft.com/office/thememl/2012/main" xmlns="" name="Office Theme" id="{62F939B6-93AF-4DB8-9C6B-D6C7DFDC589F}" vid="{4A3C46E8-61CC-4603-A589-7422A47A8E4A}"/>
     </a:ext>
   </a:extLst>
 </a:theme>
@@ -9381,7 +9537,7 @@
   <a:extraClrSchemeLst/>
   <a:extLst>
     <a:ext uri="{05A4C25C-085E-4340-85A3-A5531E510DB2}">
-      <thm15:themeFamily xmlns:thm15="http://schemas.microsoft.com/office/thememl/2012/main" name="Office Theme" id="{62F939B6-93AF-4DB8-9C6B-D6C7DFDC589F}" vid="{4A3C46E8-61CC-4603-A589-7422A47A8E4A}"/>
+      <thm15:themeFamily xmlns:thm15="http://schemas.microsoft.com/office/thememl/2012/main" xmlns="" name="Office Theme" id="{62F939B6-93AF-4DB8-9C6B-D6C7DFDC589F}" vid="{4A3C46E8-61CC-4603-A589-7422A47A8E4A}"/>
     </a:ext>
   </a:extLst>
 </a:theme>
@@ -9582,7 +9738,7 @@
   <a:extraClrSchemeLst/>
   <a:extLst>
     <a:ext uri="{05A4C25C-085E-4340-85A3-A5531E510DB2}">
-      <thm15:themeFamily xmlns:thm15="http://schemas.microsoft.com/office/thememl/2012/main" name="Office Theme" id="{62F939B6-93AF-4DB8-9C6B-D6C7DFDC589F}" vid="{4A3C46E8-61CC-4603-A589-7422A47A8E4A}"/>
+      <thm15:themeFamily xmlns:thm15="http://schemas.microsoft.com/office/thememl/2012/main" xmlns="" name="Office Theme" id="{62F939B6-93AF-4DB8-9C6B-D6C7DFDC589F}" vid="{4A3C46E8-61CC-4603-A589-7422A47A8E4A}"/>
     </a:ext>
   </a:extLst>
 </a:theme>

--- a/Ideas -- v3.0.pptx
+++ b/Ideas -- v3.0.pptx
@@ -117,7 +117,7 @@
   </p:defaultTextStyle>
   <p:extLst>
     <p:ext uri="{EFAFB233-063F-42B5-8137-9DF3F51BA10A}">
-      <p15:sldGuideLst xmlns:p15="http://schemas.microsoft.com/office/powerpoint/2012/main" xmlns="">
+      <p15:sldGuideLst xmlns="" xmlns:p15="http://schemas.microsoft.com/office/powerpoint/2012/main">
         <p15:guide id="1" orient="horz" pos="2160">
           <p15:clr>
             <a:srgbClr val="A4A3A4"/>
@@ -136,7 +136,7 @@
       </p15:sldGuideLst>
     </p:ext>
     <p:ext uri="{2D200454-40CA-4A62-9FC3-DE9A4176ACB9}">
-      <p15:notesGuideLst xmlns:p15="http://schemas.microsoft.com/office/powerpoint/2012/main" xmlns="">
+      <p15:notesGuideLst xmlns="" xmlns:p15="http://schemas.microsoft.com/office/powerpoint/2012/main">
         <p15:guide id="1" orient="horz" pos="2880">
           <p15:clr>
             <a:srgbClr val="A4A3A4"/>
@@ -312,7 +312,7 @@
     </p:spTree>
     <p:extLst>
       <p:ext uri="{BB962C8B-B14F-4D97-AF65-F5344CB8AC3E}">
-        <p14:creationId xmlns:p14="http://schemas.microsoft.com/office/powerpoint/2010/main" xmlns="" val="1"/>
+        <p14:creationId xmlns="" xmlns:p14="http://schemas.microsoft.com/office/powerpoint/2010/main" val="1"/>
       </p:ext>
     </p:extLst>
   </p:cSld>
@@ -1670,7 +1670,7 @@
     <a:masterClrMapping/>
   </p:clrMapOvr>
   <mc:AlternateContent xmlns:mc="http://schemas.openxmlformats.org/markup-compatibility/2006">
-    <mc:Choice xmlns:p14="http://schemas.microsoft.com/office/powerpoint/2010/main" xmlns="" Requires="p14">
+    <mc:Choice xmlns="" xmlns:p14="http://schemas.microsoft.com/office/powerpoint/2010/main" Requires="p14">
       <p:transition spd="med" p14:dur="700">
         <p:fade/>
       </p:transition>
@@ -1867,7 +1867,7 @@
     <a:masterClrMapping/>
   </p:clrMapOvr>
   <mc:AlternateContent xmlns:mc="http://schemas.openxmlformats.org/markup-compatibility/2006">
-    <mc:Choice xmlns:p14="http://schemas.microsoft.com/office/powerpoint/2010/main" xmlns="" Requires="p14">
+    <mc:Choice xmlns="" xmlns:p14="http://schemas.microsoft.com/office/powerpoint/2010/main" Requires="p14">
       <p:transition spd="med" p14:dur="700">
         <p:fade/>
       </p:transition>
@@ -2674,7 +2674,7 @@
     <a:masterClrMapping/>
   </p:clrMapOvr>
   <mc:AlternateContent xmlns:mc="http://schemas.openxmlformats.org/markup-compatibility/2006">
-    <mc:Choice xmlns:p14="http://schemas.microsoft.com/office/powerpoint/2010/main" xmlns="" Requires="p14">
+    <mc:Choice xmlns="" xmlns:p14="http://schemas.microsoft.com/office/powerpoint/2010/main" Requires="p14">
       <p:transition spd="med" p14:dur="700">
         <p:fade/>
       </p:transition>
@@ -2872,7 +2872,7 @@
     <a:masterClrMapping/>
   </p:clrMapOvr>
   <mc:AlternateContent xmlns:mc="http://schemas.openxmlformats.org/markup-compatibility/2006">
-    <mc:Choice xmlns:p14="http://schemas.microsoft.com/office/powerpoint/2010/main" xmlns="" Requires="p14">
+    <mc:Choice xmlns="" xmlns:p14="http://schemas.microsoft.com/office/powerpoint/2010/main" Requires="p14">
       <p:transition spd="med" p14:dur="700">
         <p:fade/>
       </p:transition>
@@ -4148,7 +4148,7 @@
     <a:masterClrMapping/>
   </p:clrMapOvr>
   <mc:AlternateContent xmlns:mc="http://schemas.openxmlformats.org/markup-compatibility/2006">
-    <mc:Choice xmlns:p14="http://schemas.microsoft.com/office/powerpoint/2010/main" xmlns="" Requires="p14">
+    <mc:Choice xmlns="" xmlns:p14="http://schemas.microsoft.com/office/powerpoint/2010/main" Requires="p14">
       <p:transition spd="med" p14:dur="700">
         <p:fade/>
       </p:transition>
@@ -4446,7 +4446,7 @@
     <a:masterClrMapping/>
   </p:clrMapOvr>
   <mc:AlternateContent xmlns:mc="http://schemas.openxmlformats.org/markup-compatibility/2006">
-    <mc:Choice xmlns:p14="http://schemas.microsoft.com/office/powerpoint/2010/main" xmlns="" Requires="p14">
+    <mc:Choice xmlns="" xmlns:p14="http://schemas.microsoft.com/office/powerpoint/2010/main" Requires="p14">
       <p:transition spd="med" p14:dur="700">
         <p:fade/>
       </p:transition>
@@ -4893,7 +4893,7 @@
     <a:masterClrMapping/>
   </p:clrMapOvr>
   <mc:AlternateContent xmlns:mc="http://schemas.openxmlformats.org/markup-compatibility/2006">
-    <mc:Choice xmlns:p14="http://schemas.microsoft.com/office/powerpoint/2010/main" xmlns="" Requires="p14">
+    <mc:Choice xmlns="" xmlns:p14="http://schemas.microsoft.com/office/powerpoint/2010/main" Requires="p14">
       <p:transition spd="med" p14:dur="700">
         <p:fade/>
       </p:transition>
@@ -5023,7 +5023,7 @@
     <a:masterClrMapping/>
   </p:clrMapOvr>
   <mc:AlternateContent xmlns:mc="http://schemas.openxmlformats.org/markup-compatibility/2006">
-    <mc:Choice xmlns:p14="http://schemas.microsoft.com/office/powerpoint/2010/main" xmlns="" Requires="p14">
+    <mc:Choice xmlns="" xmlns:p14="http://schemas.microsoft.com/office/powerpoint/2010/main" Requires="p14">
       <p:transition spd="med" p14:dur="700">
         <p:fade/>
       </p:transition>
@@ -5367,7 +5367,7 @@
     <a:masterClrMapping/>
   </p:clrMapOvr>
   <mc:AlternateContent xmlns:mc="http://schemas.openxmlformats.org/markup-compatibility/2006">
-    <mc:Choice xmlns:p14="http://schemas.microsoft.com/office/powerpoint/2010/main" xmlns="" Requires="p14">
+    <mc:Choice xmlns="" xmlns:p14="http://schemas.microsoft.com/office/powerpoint/2010/main" Requires="p14">
       <p:transition spd="med" p14:dur="700">
         <p:fade/>
       </p:transition>
@@ -5849,7 +5849,7 @@
     <a:masterClrMapping/>
   </p:clrMapOvr>
   <mc:AlternateContent xmlns:mc="http://schemas.openxmlformats.org/markup-compatibility/2006">
-    <mc:Choice xmlns:p14="http://schemas.microsoft.com/office/powerpoint/2010/main" xmlns="" Requires="p14">
+    <mc:Choice xmlns="" xmlns:p14="http://schemas.microsoft.com/office/powerpoint/2010/main" Requires="p14">
       <p:transition spd="med" p14:dur="700">
         <p:fade/>
       </p:transition>
@@ -6348,7 +6348,7 @@
     <a:masterClrMapping/>
   </p:clrMapOvr>
   <mc:AlternateContent xmlns:mc="http://schemas.openxmlformats.org/markup-compatibility/2006">
-    <mc:Choice xmlns:p14="http://schemas.microsoft.com/office/powerpoint/2010/main" xmlns="" Requires="p14">
+    <mc:Choice xmlns="" xmlns:p14="http://schemas.microsoft.com/office/powerpoint/2010/main" Requires="p14">
       <p:transition spd="med" p14:dur="700">
         <p:fade/>
       </p:transition>
@@ -7229,7 +7229,7 @@
     <p:sldLayoutId id="2147483659" r:id="rId11"/>
   </p:sldLayoutIdLst>
   <mc:AlternateContent xmlns:mc="http://schemas.openxmlformats.org/markup-compatibility/2006">
-    <mc:Choice xmlns:p14="http://schemas.microsoft.com/office/powerpoint/2010/main" xmlns="" Requires="p14">
+    <mc:Choice xmlns="" xmlns:p14="http://schemas.microsoft.com/office/powerpoint/2010/main" Requires="p14">
       <p:transition spd="med" p14:dur="700">
         <p:fade/>
       </p:transition>
@@ -7584,7 +7584,7 @@
     <a:masterClrMapping/>
   </p:clrMapOvr>
   <mc:AlternateContent xmlns:mc="http://schemas.openxmlformats.org/markup-compatibility/2006">
-    <mc:Choice xmlns:p14="http://schemas.microsoft.com/office/powerpoint/2010/main" xmlns="" Requires="p14">
+    <mc:Choice xmlns="" xmlns:p14="http://schemas.microsoft.com/office/powerpoint/2010/main" Requires="p14">
       <p:transition spd="med" p14:dur="700">
         <p:fade/>
       </p:transition>
@@ -7807,7 +7807,7 @@
     <a:masterClrMapping/>
   </p:clrMapOvr>
   <mc:AlternateContent xmlns:mc="http://schemas.openxmlformats.org/markup-compatibility/2006">
-    <mc:Choice xmlns:p14="http://schemas.microsoft.com/office/powerpoint/2010/main" xmlns="" Requires="p14">
+    <mc:Choice xmlns="" xmlns:p14="http://schemas.microsoft.com/office/powerpoint/2010/main" Requires="p14">
       <p:transition spd="med" p14:dur="700">
         <p:fade/>
       </p:transition>
@@ -8199,7 +8199,7 @@
     <a:masterClrMapping/>
   </p:clrMapOvr>
   <mc:AlternateContent xmlns:mc="http://schemas.openxmlformats.org/markup-compatibility/2006">
-    <mc:Choice xmlns:p14="http://schemas.microsoft.com/office/powerpoint/2010/main" xmlns="" Requires="p14">
+    <mc:Choice xmlns="" xmlns:p14="http://schemas.microsoft.com/office/powerpoint/2010/main" Requires="p14">
       <p:transition spd="med" p14:dur="700">
         <p:fade/>
       </p:transition>
@@ -8493,7 +8493,7 @@
     <a:masterClrMapping/>
   </p:clrMapOvr>
   <mc:AlternateContent xmlns:mc="http://schemas.openxmlformats.org/markup-compatibility/2006">
-    <mc:Choice xmlns:p14="http://schemas.microsoft.com/office/powerpoint/2010/main" xmlns="" Requires="p14">
+    <mc:Choice xmlns="" xmlns:p14="http://schemas.microsoft.com/office/powerpoint/2010/main" Requires="p14">
       <p:transition spd="med" p14:dur="700">
         <p:fade/>
       </p:transition>
@@ -8630,11 +8630,26 @@
               <a:buChar char="•"/>
             </a:pPr>
             <a:r>
-              <a:rPr lang="en-US" sz="1400" dirty="0">
+              <a:rPr lang="en-US" sz="1400">
                 <a:latin typeface="Times New Roman" pitchFamily="18" charset="0"/>
                 <a:cs typeface="Times New Roman" pitchFamily="18" charset="0"/>
               </a:rPr>
               <a:t>    </a:t>
+            </a:r>
+            <a:r>
+              <a:rPr lang="en-US" sz="1400" smtClean="0">
+                <a:latin typeface="Times New Roman" pitchFamily="18" charset="0"/>
+                <a:cs typeface="Times New Roman" pitchFamily="18" charset="0"/>
+              </a:rPr>
+              <a:t> </a:t>
+            </a:r>
+            <a:r>
+              <a:rPr lang="en-US" sz="1400" smtClean="0">
+                <a:latin typeface="Times New Roman" pitchFamily="18" charset="0"/>
+                <a:cs typeface="Times New Roman" pitchFamily="18" charset="0"/>
+                <a:hlinkClick r:id="rId2"/>
+              </a:rPr>
+              <a:t>https</a:t>
             </a:r>
             <a:r>
               <a:rPr lang="en-US" sz="1400" dirty="0">
@@ -8642,7 +8657,7 @@
                 <a:cs typeface="Times New Roman" pitchFamily="18" charset="0"/>
                 <a:hlinkClick r:id="rId2"/>
               </a:rPr>
-              <a:t>https://quickdraw.withgoogle.com/data</a:t>
+              <a:t>://quickdraw.withgoogle.com/data</a:t>
             </a:r>
             <a:r>
               <a:rPr lang="en-US" sz="1400" dirty="0">
@@ -8757,7 +8772,7 @@
     <a:masterClrMapping/>
   </p:clrMapOvr>
   <mc:AlternateContent xmlns:mc="http://schemas.openxmlformats.org/markup-compatibility/2006">
-    <mc:Choice xmlns:p14="http://schemas.microsoft.com/office/powerpoint/2010/main" xmlns="" Requires="p14">
+    <mc:Choice xmlns="" xmlns:p14="http://schemas.microsoft.com/office/powerpoint/2010/main" Requires="p14">
       <p:transition spd="med" p14:dur="700">
         <p:fade/>
       </p:transition>
@@ -8822,7 +8837,7 @@
           <p:cNvPr id="3" name="TextBox 2">
             <a:extLst>
               <a:ext uri="{FF2B5EF4-FFF2-40B4-BE49-F238E27FC236}">
-                <a16:creationId xmlns:a16="http://schemas.microsoft.com/office/drawing/2014/main" xmlns="" id="{DF331551-FA80-4063-9F00-093C846CEBC7}"/>
+                <a16:creationId xmlns="" xmlns:a16="http://schemas.microsoft.com/office/drawing/2014/main" id="{DF331551-FA80-4063-9F00-093C846CEBC7}"/>
               </a:ext>
             </a:extLst>
           </p:cNvPr>
@@ -8894,7 +8909,7 @@
           <p:cNvPr id="5" name="TextBox 4">
             <a:extLst>
               <a:ext uri="{FF2B5EF4-FFF2-40B4-BE49-F238E27FC236}">
-                <a16:creationId xmlns:a16="http://schemas.microsoft.com/office/drawing/2014/main" xmlns="" id="{5CABADB1-F650-44F4-8D86-570228ACFD75}"/>
+                <a16:creationId xmlns="" xmlns:a16="http://schemas.microsoft.com/office/drawing/2014/main" id="{5CABADB1-F650-44F4-8D86-570228ACFD75}"/>
               </a:ext>
             </a:extLst>
           </p:cNvPr>
@@ -8927,7 +8942,7 @@
                 <a:hlinkClick r:id="rId2">
                   <a:extLst>
                     <a:ext uri="{A12FA001-AC4F-418D-AE19-62706E023703}">
-                      <ahyp:hlinkClr xmlns:ahyp="http://schemas.microsoft.com/office/drawing/2018/hyperlinkcolor" xmlns="" val="tx"/>
+                      <ahyp:hlinkClr xmlns="" xmlns:ahyp="http://schemas.microsoft.com/office/drawing/2018/hyperlinkcolor" val="tx"/>
                     </a:ext>
                   </a:extLst>
                 </a:hlinkClick>
@@ -8942,7 +8957,7 @@
                 <a:hlinkClick r:id="rId2">
                   <a:extLst>
                     <a:ext uri="{A12FA001-AC4F-418D-AE19-62706E023703}">
-                      <ahyp:hlinkClr xmlns:ahyp="http://schemas.microsoft.com/office/drawing/2018/hyperlinkcolor" xmlns="" val="tx"/>
+                      <ahyp:hlinkClr xmlns="" xmlns:ahyp="http://schemas.microsoft.com/office/drawing/2018/hyperlinkcolor" val="tx"/>
                     </a:ext>
                   </a:extLst>
                 </a:hlinkClick>
@@ -8979,7 +8994,7 @@
                 <a:hlinkClick r:id="rId3">
                   <a:extLst>
                     <a:ext uri="{A12FA001-AC4F-418D-AE19-62706E023703}">
-                      <ahyp:hlinkClr xmlns:ahyp="http://schemas.microsoft.com/office/drawing/2018/hyperlinkcolor" xmlns="" val="tx"/>
+                      <ahyp:hlinkClr xmlns="" xmlns:ahyp="http://schemas.microsoft.com/office/drawing/2018/hyperlinkcolor" val="tx"/>
                     </a:ext>
                   </a:extLst>
                 </a:hlinkClick>
@@ -9020,7 +9035,7 @@
                 <a:hlinkClick r:id="rId4">
                   <a:extLst>
                     <a:ext uri="{A12FA001-AC4F-418D-AE19-62706E023703}">
-                      <ahyp:hlinkClr xmlns:ahyp="http://schemas.microsoft.com/office/drawing/2018/hyperlinkcolor" xmlns="" val="tx"/>
+                      <ahyp:hlinkClr xmlns="" xmlns:ahyp="http://schemas.microsoft.com/office/drawing/2018/hyperlinkcolor" val="tx"/>
                     </a:ext>
                   </a:extLst>
                 </a:hlinkClick>
@@ -9084,7 +9099,7 @@
           <p:cNvPr id="12" name="TextBox 11">
             <a:extLst>
               <a:ext uri="{FF2B5EF4-FFF2-40B4-BE49-F238E27FC236}">
-                <a16:creationId xmlns:a16="http://schemas.microsoft.com/office/drawing/2014/main" xmlns="" id="{CB084883-BBA3-4FA5-86B4-A1B2CEDEC222}"/>
+                <a16:creationId xmlns="" xmlns:a16="http://schemas.microsoft.com/office/drawing/2014/main" id="{CB084883-BBA3-4FA5-86B4-A1B2CEDEC222}"/>
               </a:ext>
             </a:extLst>
           </p:cNvPr>
@@ -9127,7 +9142,7 @@
     <a:masterClrMapping/>
   </p:clrMapOvr>
   <mc:AlternateContent xmlns:mc="http://schemas.openxmlformats.org/markup-compatibility/2006">
-    <mc:Choice xmlns:p14="http://schemas.microsoft.com/office/powerpoint/2010/main" xmlns="" Requires="p14">
+    <mc:Choice xmlns="" xmlns:p14="http://schemas.microsoft.com/office/powerpoint/2010/main" Requires="p14">
       <p:transition spd="med" p14:dur="700">
         <p:fade/>
       </p:transition>
@@ -9336,7 +9351,7 @@
   <a:extraClrSchemeLst/>
   <a:extLst>
     <a:ext uri="{05A4C25C-085E-4340-85A3-A5531E510DB2}">
-      <thm15:themeFamily xmlns:thm15="http://schemas.microsoft.com/office/thememl/2012/main" xmlns="" name="Office Theme" id="{62F939B6-93AF-4DB8-9C6B-D6C7DFDC589F}" vid="{4A3C46E8-61CC-4603-A589-7422A47A8E4A}"/>
+      <thm15:themeFamily xmlns="" xmlns:thm15="http://schemas.microsoft.com/office/thememl/2012/main" name="Office Theme" id="{62F939B6-93AF-4DB8-9C6B-D6C7DFDC589F}" vid="{4A3C46E8-61CC-4603-A589-7422A47A8E4A}"/>
     </a:ext>
   </a:extLst>
 </a:theme>
@@ -9537,7 +9552,7 @@
   <a:extraClrSchemeLst/>
   <a:extLst>
     <a:ext uri="{05A4C25C-085E-4340-85A3-A5531E510DB2}">
-      <thm15:themeFamily xmlns:thm15="http://schemas.microsoft.com/office/thememl/2012/main" xmlns="" name="Office Theme" id="{62F939B6-93AF-4DB8-9C6B-D6C7DFDC589F}" vid="{4A3C46E8-61CC-4603-A589-7422A47A8E4A}"/>
+      <thm15:themeFamily xmlns="" xmlns:thm15="http://schemas.microsoft.com/office/thememl/2012/main" name="Office Theme" id="{62F939B6-93AF-4DB8-9C6B-D6C7DFDC589F}" vid="{4A3C46E8-61CC-4603-A589-7422A47A8E4A}"/>
     </a:ext>
   </a:extLst>
 </a:theme>
@@ -9738,7 +9753,7 @@
   <a:extraClrSchemeLst/>
   <a:extLst>
     <a:ext uri="{05A4C25C-085E-4340-85A3-A5531E510DB2}">
-      <thm15:themeFamily xmlns:thm15="http://schemas.microsoft.com/office/thememl/2012/main" xmlns="" name="Office Theme" id="{62F939B6-93AF-4DB8-9C6B-D6C7DFDC589F}" vid="{4A3C46E8-61CC-4603-A589-7422A47A8E4A}"/>
+      <thm15:themeFamily xmlns="" xmlns:thm15="http://schemas.microsoft.com/office/thememl/2012/main" name="Office Theme" id="{62F939B6-93AF-4DB8-9C6B-D6C7DFDC589F}" vid="{4A3C46E8-61CC-4603-A589-7422A47A8E4A}"/>
     </a:ext>
   </a:extLst>
 </a:theme>
